--- a/handOutSources/navdeep.pptx
+++ b/handOutSources/navdeep.pptx
@@ -8,6 +8,9 @@
     <p:sldId id="256" r:id="rId2"/>
     <p:sldId id="258" r:id="rId3"/>
     <p:sldId id="259" r:id="rId4"/>
+    <p:sldId id="262" r:id="rId5"/>
+    <p:sldId id="263" r:id="rId6"/>
+    <p:sldId id="264" r:id="rId7"/>
   </p:sldIdLst>
   <p:sldSz cx="12192000" cy="6858000"/>
   <p:notesSz cx="6858000" cy="9144000"/>
@@ -106,6 +109,11 @@
       </a:defRPr>
     </a:lvl9pPr>
   </p:defaultTextStyle>
+  <p:extLst>
+    <p:ext uri="{EFAFB233-063F-42B5-8137-9DF3F51BA10A}">
+      <p15:sldGuideLst xmlns:p15="http://schemas.microsoft.com/office/powerpoint/2012/main"/>
+    </p:ext>
+  </p:extLst>
 </p:presentation>
 </file>
 
@@ -4917,12 +4925,14 @@
         </p:nvSpPr>
         <p:spPr>
           <a:xfrm>
-            <a:off x="1188720" y="1826685"/>
-            <a:ext cx="5955030" cy="4023360"/>
+            <a:off x="1188720" y="1826684"/>
+            <a:ext cx="5955030" cy="4217499"/>
           </a:xfrm>
         </p:spPr>
         <p:txBody>
-          <a:bodyPr/>
+          <a:bodyPr>
+            <a:normAutofit fontScale="55000" lnSpcReduction="20000"/>
+          </a:bodyPr>
           <a:lstStyle/>
           <a:p>
             <a:pPr>
@@ -4931,20 +4941,24 @@
               <a:buChar char="•"/>
             </a:pPr>
             <a:r>
-              <a:rPr lang="en-US" dirty="0" smtClean="0"/>
+              <a:rPr lang="en-US" b="1" dirty="0" smtClean="0"/>
               <a:t> </a:t>
             </a:r>
             <a:r>
-              <a:rPr lang="en-US" sz="1800" dirty="0" smtClean="0"/>
+              <a:rPr lang="en-US" sz="2500" b="1" dirty="0" smtClean="0"/>
               <a:t>Responsible for complete </a:t>
             </a:r>
             <a:r>
-              <a:rPr lang="en-US" sz="1800" dirty="0"/>
+              <a:rPr lang="en-US" sz="2500" b="1" dirty="0"/>
               <a:t>software development life cycle (SDLC) </a:t>
             </a:r>
             <a:r>
-              <a:rPr lang="en-US" sz="1800" dirty="0" smtClean="0"/>
-              <a:t>of this system.</a:t>
+              <a:rPr lang="en-US" sz="2500" b="1" dirty="0" smtClean="0"/>
+              <a:t>of </a:t>
+            </a:r>
+            <a:r>
+              <a:rPr lang="en-US" sz="2500" b="1" dirty="0" smtClean="0"/>
+              <a:t>IPWS system.</a:t>
             </a:r>
           </a:p>
           <a:p>
@@ -4954,36 +4968,18 @@
               <a:buChar char="•"/>
             </a:pPr>
             <a:r>
-              <a:rPr lang="en-US" sz="1800" b="1" dirty="0"/>
-              <a:t>IPWS is </a:t>
-            </a:r>
-            <a:r>
-              <a:rPr lang="en-US" sz="1800" b="1" dirty="0">
-                <a:solidFill>
-                  <a:srgbClr val="FF6600"/>
-                </a:solidFill>
-              </a:rPr>
-              <a:t>background process </a:t>
-            </a:r>
-            <a:r>
-              <a:rPr lang="en-US" sz="1800" b="1" dirty="0"/>
-              <a:t>that process XML input requests received from COINS and validate it before sending it to </a:t>
-            </a:r>
-            <a:r>
-              <a:rPr lang="en-US" sz="1800" b="1" dirty="0">
-                <a:solidFill>
-                  <a:schemeClr val="bg2">
-                    <a:lumMod val="50000"/>
-                  </a:schemeClr>
-                </a:solidFill>
-              </a:rPr>
-              <a:t>PFMS web services consumption system </a:t>
-            </a:r>
-            <a:r>
-              <a:rPr lang="en-US" sz="1800" b="1" dirty="0"/>
-              <a:t>for obtaining desired responses.</a:t>
-            </a:r>
-            <a:endParaRPr lang="en-IN" sz="1800" dirty="0"/>
+              <a:rPr lang="en-US" sz="2500" b="1" dirty="0"/>
+              <a:t>Analyzed </a:t>
+            </a:r>
+            <a:r>
+              <a:rPr lang="en-US" sz="2500" b="1" dirty="0"/>
+              <a:t>interface model implemented by NIC team </a:t>
+            </a:r>
+            <a:r>
+              <a:rPr lang="en-US" sz="2500" b="1" dirty="0" smtClean="0"/>
+              <a:t>and commenced the requirement analysis in coordination with ITD-PFMS.</a:t>
+            </a:r>
+            <a:endParaRPr lang="en-US" sz="2500" b="1" dirty="0"/>
           </a:p>
           <a:p>
             <a:pPr>
@@ -4991,7 +4987,29 @@
               <a:buFont typeface="Arial" panose="020B0604020202020204" pitchFamily="34" charset="0"/>
               <a:buChar char="•"/>
             </a:pPr>
-            <a:endParaRPr lang="en-US" sz="1800" dirty="0" smtClean="0"/>
+            <a:r>
+              <a:rPr lang="en-US" sz="2500" b="1" dirty="0" smtClean="0"/>
+              <a:t>Developed the IPWS application which is </a:t>
+            </a:r>
+            <a:r>
+              <a:rPr lang="en-US" sz="2500" b="1" dirty="0"/>
+              <a:t>a java application </a:t>
+            </a:r>
+            <a:r>
+              <a:rPr lang="en-US" sz="2500" b="1" dirty="0"/>
+              <a:t>that process XML input requests received from COINS and validate it before sending it to PFMS web services consumption system </a:t>
+            </a:r>
+            <a:r>
+              <a:rPr lang="en-US" sz="2500" b="1" dirty="0" smtClean="0"/>
+              <a:t>to obtain valid responses</a:t>
+            </a:r>
+            <a:br>
+              <a:rPr lang="en-US" sz="2500" b="1" dirty="0" smtClean="0"/>
+            </a:br>
+            <a:r>
+              <a:rPr lang="en-US" sz="2500" b="1" dirty="0" smtClean="0"/>
+              <a:t>for further processing.</a:t>
+            </a:r>
           </a:p>
           <a:p>
             <a:pPr>
@@ -4999,7 +5017,111 @@
               <a:buFont typeface="Arial" panose="020B0604020202020204" pitchFamily="34" charset="0"/>
               <a:buChar char="•"/>
             </a:pPr>
-            <a:endParaRPr lang="en-GB" sz="1800" dirty="0"/>
+            <a:r>
+              <a:rPr lang="en-IN" sz="2500" b="1" dirty="0" smtClean="0"/>
+              <a:t>Developed shell scripts for the transferring of XML files between COINS and IPWS server using rsync utility.</a:t>
+            </a:r>
+          </a:p>
+          <a:p>
+            <a:pPr>
+              <a:buClrTx/>
+              <a:buFont typeface="Arial" panose="020B0604020202020204" pitchFamily="34" charset="0"/>
+              <a:buChar char="•"/>
+            </a:pPr>
+            <a:r>
+              <a:rPr lang="en-IN" sz="2500" b="1" dirty="0"/>
+              <a:t>Based on the </a:t>
+            </a:r>
+            <a:r>
+              <a:rPr lang="en-US" sz="2500" b="1" dirty="0"/>
+              <a:t>recommendations </a:t>
+            </a:r>
+            <a:r>
+              <a:rPr lang="en-US" sz="2500" b="1" dirty="0" smtClean="0"/>
+              <a:t>given by </a:t>
+            </a:r>
+            <a:r>
+              <a:rPr lang="en-US" sz="2500" b="1" dirty="0"/>
+              <a:t>ISRO/DOS Cyber Security (CSMD) </a:t>
+            </a:r>
+            <a:r>
+              <a:rPr lang="en-US" sz="2500" b="1" dirty="0" smtClean="0"/>
+              <a:t>team , </a:t>
+            </a:r>
+            <a:r>
+              <a:rPr lang="en-IN" sz="2500" b="1" dirty="0" smtClean="0"/>
+              <a:t>ensured the hardening of IPWS server to </a:t>
+            </a:r>
+            <a:r>
+              <a:rPr lang="en-IN" sz="2500" b="1" dirty="0"/>
+              <a:t>enhance server security from cyber attacks.</a:t>
+            </a:r>
+          </a:p>
+          <a:p>
+            <a:pPr>
+              <a:buClrTx/>
+              <a:buFont typeface="Arial" panose="020B0604020202020204" pitchFamily="34" charset="0"/>
+              <a:buChar char="•"/>
+            </a:pPr>
+            <a:r>
+              <a:rPr lang="en-IN" sz="2500" b="1" dirty="0" smtClean="0"/>
+              <a:t>Responsible for any enhancement to be made in the system in order to improve the performance and satisfy new emerging requirements.</a:t>
+            </a:r>
+          </a:p>
+          <a:p>
+            <a:pPr>
+              <a:buClrTx/>
+              <a:buFont typeface="Arial" panose="020B0604020202020204" pitchFamily="34" charset="0"/>
+              <a:buChar char="•"/>
+            </a:pPr>
+            <a:r>
+              <a:rPr lang="en-IN" sz="2500" b="1" dirty="0" smtClean="0"/>
+              <a:t>Responsible for monitoring the system to ensure prevention from any defective incidents.  </a:t>
+            </a:r>
+          </a:p>
+          <a:p>
+            <a:pPr>
+              <a:buClrTx/>
+              <a:buFont typeface="Arial" panose="020B0604020202020204" pitchFamily="34" charset="0"/>
+              <a:buChar char="•"/>
+            </a:pPr>
+            <a:r>
+              <a:rPr lang="en-US" sz="2500" b="1" dirty="0"/>
+              <a:t>Presently IPWS is serving its objective </a:t>
+            </a:r>
+            <a:r>
+              <a:rPr lang="en-US" sz="2500" b="1" dirty="0" smtClean="0"/>
+              <a:t>across </a:t>
+            </a:r>
+            <a:r>
+              <a:rPr lang="en-US" sz="2500" b="1" dirty="0"/>
+              <a:t>all ISRO </a:t>
+            </a:r>
+            <a:r>
+              <a:rPr lang="en-US" sz="2500" b="1" dirty="0" err="1" smtClean="0"/>
+              <a:t>centres</a:t>
+            </a:r>
+            <a:r>
+              <a:rPr lang="en-US" sz="2500" b="1" dirty="0" smtClean="0"/>
+              <a:t>/units with satisfactorily results.</a:t>
+            </a:r>
+            <a:endParaRPr lang="en-IN" sz="2500" b="1" dirty="0"/>
+          </a:p>
+          <a:p>
+            <a:pPr>
+              <a:buClrTx/>
+              <a:buFont typeface="Arial" panose="020B0604020202020204" pitchFamily="34" charset="0"/>
+              <a:buChar char="•"/>
+            </a:pPr>
+            <a:endParaRPr lang="en-US" sz="2500" b="1" dirty="0"/>
+          </a:p>
+          <a:p>
+            <a:pPr>
+              <a:buClrTx/>
+              <a:buFont typeface="Arial" panose="020B0604020202020204" pitchFamily="34" charset="0"/>
+              <a:buChar char="•"/>
+            </a:pPr>
+            <a:endParaRPr lang="en-GB" sz="1800" b="1" dirty="0"/>
           </a:p>
         </p:txBody>
       </p:sp>
@@ -5007,6 +5129,847 @@
     <p:extLst>
       <p:ext uri="{BB962C8B-B14F-4D97-AF65-F5344CB8AC3E}">
         <p14:creationId xmlns:p14="http://schemas.microsoft.com/office/powerpoint/2010/main" val="2187476859"/>
+      </p:ext>
+    </p:extLst>
+  </p:cSld>
+  <p:clrMapOvr>
+    <a:masterClrMapping/>
+  </p:clrMapOvr>
+</p:sld>
+</file>
+
+<file path=ppt/slides/slide4.xml><?xml version="1.0" encoding="utf-8"?>
+<p:sld xmlns:a="http://schemas.openxmlformats.org/drawingml/2006/main" xmlns:r="http://schemas.openxmlformats.org/officeDocument/2006/relationships" xmlns:p="http://schemas.openxmlformats.org/presentationml/2006/main">
+  <p:cSld>
+    <p:spTree>
+      <p:nvGrpSpPr>
+        <p:cNvPr id="1" name=""/>
+        <p:cNvGrpSpPr/>
+        <p:nvPr/>
+      </p:nvGrpSpPr>
+      <p:grpSpPr>
+        <a:xfrm>
+          <a:off x="0" y="0"/>
+          <a:ext cx="0" cy="0"/>
+          <a:chOff x="0" y="0"/>
+          <a:chExt cx="0" cy="0"/>
+        </a:xfrm>
+      </p:grpSpPr>
+      <p:sp>
+        <p:nvSpPr>
+          <p:cNvPr id="2" name="Title 1"/>
+          <p:cNvSpPr>
+            <a:spLocks noGrp="1"/>
+          </p:cNvSpPr>
+          <p:nvPr>
+            <p:ph type="title"/>
+          </p:nvPr>
+        </p:nvSpPr>
+        <p:spPr/>
+        <p:txBody>
+          <a:bodyPr>
+            <a:normAutofit/>
+          </a:bodyPr>
+          <a:lstStyle/>
+          <a:p>
+            <a:r>
+              <a:rPr lang="en-IN" sz="3600" b="1" dirty="0">
+                <a:solidFill>
+                  <a:srgbClr val="FF6600"/>
+                </a:solidFill>
+              </a:rPr>
+              <a:t>COINS-PFMS Interface Software</a:t>
+            </a:r>
+            <a:endParaRPr lang="en-GB" sz="3600" b="1" dirty="0">
+              <a:solidFill>
+                <a:srgbClr val="FF6600"/>
+              </a:solidFill>
+            </a:endParaRPr>
+          </a:p>
+        </p:txBody>
+      </p:sp>
+      <p:sp>
+        <p:nvSpPr>
+          <p:cNvPr id="19" name="Content Placeholder 18"/>
+          <p:cNvSpPr>
+            <a:spLocks noGrp="1"/>
+          </p:cNvSpPr>
+          <p:nvPr>
+            <p:ph idx="1"/>
+          </p:nvPr>
+        </p:nvSpPr>
+        <p:spPr/>
+        <p:txBody>
+          <a:bodyPr/>
+          <a:lstStyle/>
+          <a:p>
+            <a:pPr>
+              <a:buClr>
+                <a:schemeClr val="tx1"/>
+              </a:buClr>
+              <a:buFont typeface="Arial" panose="020B0604020202020204" pitchFamily="34" charset="0"/>
+              <a:buChar char="•"/>
+            </a:pPr>
+            <a:r>
+              <a:rPr lang="en-US" sz="1600" b="1" dirty="0" smtClean="0"/>
+              <a:t>An interface software that transfer ISRO-DOS accounting information to PFMS system in the form of XML files.</a:t>
+            </a:r>
+          </a:p>
+          <a:p>
+            <a:pPr>
+              <a:buClr>
+                <a:schemeClr val="tx1"/>
+              </a:buClr>
+              <a:buFont typeface="Arial" panose="020B0604020202020204" pitchFamily="34" charset="0"/>
+              <a:buChar char="•"/>
+            </a:pPr>
+            <a:r>
+              <a:rPr lang="en-US" sz="1600" b="1" dirty="0"/>
+              <a:t>Played key role from conceptual design to operationalization of this system</a:t>
+            </a:r>
+            <a:r>
+              <a:rPr lang="en-US" sz="1600" b="1" dirty="0" smtClean="0"/>
+              <a:t>.</a:t>
+            </a:r>
+          </a:p>
+          <a:p>
+            <a:pPr>
+              <a:buClr>
+                <a:schemeClr val="tx1"/>
+              </a:buClr>
+              <a:buFont typeface="Arial" panose="020B0604020202020204" pitchFamily="34" charset="0"/>
+              <a:buChar char="•"/>
+            </a:pPr>
+            <a:r>
+              <a:rPr lang="en-IN" sz="1600" dirty="0" smtClean="0"/>
+              <a:t> </a:t>
+            </a:r>
+            <a:r>
+              <a:rPr lang="en-US" sz="1600" b="1" dirty="0"/>
+              <a:t>As a member of ‘COINS-PFMS Interface /software review Committee’ team </a:t>
+            </a:r>
+            <a:r>
+              <a:rPr lang="en-US" sz="1600" b="1" dirty="0" smtClean="0"/>
+              <a:t>reported all major  incidents related </a:t>
+            </a:r>
+            <a:r>
+              <a:rPr lang="en-US" sz="1600" b="1" dirty="0"/>
+              <a:t>to business logic, </a:t>
+            </a:r>
+            <a:r>
+              <a:rPr lang="en-US" sz="1600" b="1" dirty="0" smtClean="0"/>
+              <a:t>bugs, </a:t>
+            </a:r>
+            <a:r>
+              <a:rPr lang="en-US" sz="1600" b="1" dirty="0"/>
+              <a:t>performance related </a:t>
+            </a:r>
+            <a:r>
+              <a:rPr lang="en-US" sz="1600" b="1" dirty="0" smtClean="0"/>
+              <a:t>issues, code-reusability and modularity were submitted to </a:t>
+            </a:r>
+            <a:r>
+              <a:rPr lang="en-US" sz="1600" b="1" dirty="0"/>
+              <a:t>DD, RO, </a:t>
+            </a:r>
+            <a:r>
+              <a:rPr lang="en-US" sz="1600" b="1" dirty="0" smtClean="0"/>
+              <a:t>SDSC.</a:t>
+            </a:r>
+          </a:p>
+          <a:p>
+            <a:pPr>
+              <a:buClr>
+                <a:schemeClr val="tx1"/>
+              </a:buClr>
+              <a:buFont typeface="Arial" panose="020B0604020202020204" pitchFamily="34" charset="0"/>
+              <a:buChar char="•"/>
+            </a:pPr>
+            <a:r>
+              <a:rPr lang="en-US" sz="1600" b="1" dirty="0"/>
+              <a:t>Ensured the </a:t>
+            </a:r>
+            <a:r>
+              <a:rPr lang="en-US" sz="1600" b="1" dirty="0" smtClean="0"/>
+              <a:t>operations </a:t>
+            </a:r>
+            <a:r>
+              <a:rPr lang="en-US" sz="1600" b="1" dirty="0"/>
+              <a:t>and maintenance of the finance, accounts and stores related modules of COINS at </a:t>
+            </a:r>
+            <a:r>
+              <a:rPr lang="en-US" sz="1600" b="1" dirty="0" smtClean="0"/>
+              <a:t>URSC</a:t>
+            </a:r>
+          </a:p>
+          <a:p>
+            <a:pPr>
+              <a:buClr>
+                <a:schemeClr val="tx1"/>
+              </a:buClr>
+              <a:buFont typeface="Arial" panose="020B0604020202020204" pitchFamily="34" charset="0"/>
+              <a:buChar char="•"/>
+            </a:pPr>
+            <a:r>
+              <a:rPr lang="en-US" sz="1600" b="1" dirty="0"/>
+              <a:t>Provided support for configuring the COINS-PFMS interface software across all ISRO </a:t>
+            </a:r>
+            <a:r>
+              <a:rPr lang="en-US" sz="1600" b="1" dirty="0" err="1"/>
+              <a:t>centres</a:t>
+            </a:r>
+            <a:r>
+              <a:rPr lang="en-US" sz="1600" b="1" dirty="0"/>
+              <a:t>. The system is working and serving its objective since 01-Jan-2019</a:t>
+            </a:r>
+            <a:r>
+              <a:rPr lang="en-US" sz="1600" b="1" dirty="0" smtClean="0"/>
+              <a:t>.</a:t>
+            </a:r>
+          </a:p>
+          <a:p>
+            <a:pPr>
+              <a:buClr>
+                <a:schemeClr val="tx1"/>
+              </a:buClr>
+              <a:buFont typeface="Arial" panose="020B0604020202020204" pitchFamily="34" charset="0"/>
+              <a:buChar char="•"/>
+            </a:pPr>
+            <a:r>
+              <a:rPr lang="en-US" sz="1600" b="1" dirty="0" smtClean="0"/>
+              <a:t>Involved </a:t>
+            </a:r>
+            <a:r>
+              <a:rPr lang="en-US" sz="1600" b="1" dirty="0"/>
+              <a:t>in exhaustive verification and validation of COINS-PFMS Interface Software and submitted detailed test results </a:t>
+            </a:r>
+            <a:r>
+              <a:rPr lang="en-US" sz="1600" b="1" dirty="0" smtClean="0"/>
+              <a:t>report for making the desired changes.</a:t>
+            </a:r>
+          </a:p>
+          <a:p>
+            <a:pPr>
+              <a:buClr>
+                <a:schemeClr val="tx1"/>
+              </a:buClr>
+              <a:buFont typeface="Arial" panose="020B0604020202020204" pitchFamily="34" charset="0"/>
+              <a:buChar char="•"/>
+            </a:pPr>
+            <a:endParaRPr lang="en-US" sz="1600" b="1" dirty="0" smtClean="0"/>
+          </a:p>
+          <a:p>
+            <a:pPr>
+              <a:buClr>
+                <a:schemeClr val="tx1"/>
+              </a:buClr>
+              <a:buFont typeface="Arial" panose="020B0604020202020204" pitchFamily="34" charset="0"/>
+              <a:buChar char="•"/>
+            </a:pPr>
+            <a:endParaRPr lang="en-US" sz="1600" b="1" dirty="0" smtClean="0"/>
+          </a:p>
+          <a:p>
+            <a:pPr>
+              <a:buClr>
+                <a:schemeClr val="tx1"/>
+              </a:buClr>
+              <a:buFont typeface="Arial" panose="020B0604020202020204" pitchFamily="34" charset="0"/>
+              <a:buChar char="•"/>
+            </a:pPr>
+            <a:endParaRPr lang="en-US" b="1" dirty="0"/>
+          </a:p>
+          <a:p>
+            <a:pPr>
+              <a:buClr>
+                <a:schemeClr val="tx1"/>
+              </a:buClr>
+              <a:buFont typeface="Arial" panose="020B0604020202020204" pitchFamily="34" charset="0"/>
+              <a:buChar char="•"/>
+            </a:pPr>
+            <a:endParaRPr lang="en-GB" dirty="0"/>
+          </a:p>
+        </p:txBody>
+      </p:sp>
+      <p:pic>
+        <p:nvPicPr>
+          <p:cNvPr id="20" name="Picture 19"/>
+          <p:cNvPicPr>
+            <a:picLocks noChangeAspect="1"/>
+          </p:cNvPicPr>
+          <p:nvPr/>
+        </p:nvPicPr>
+        <p:blipFill>
+          <a:blip r:embed="rId2">
+            <a:extLst>
+              <a:ext uri="{28A0092B-C50C-407E-A947-70E740481C1C}">
+                <a14:useLocalDpi xmlns:a14="http://schemas.microsoft.com/office/drawing/2010/main" val="0"/>
+              </a:ext>
+            </a:extLst>
+          </a:blip>
+          <a:stretch>
+            <a:fillRect/>
+          </a:stretch>
+        </p:blipFill>
+        <p:spPr>
+          <a:xfrm>
+            <a:off x="1344168" y="4818888"/>
+            <a:ext cx="7479792" cy="893635"/>
+          </a:xfrm>
+          <a:prstGeom prst="rect">
+            <a:avLst/>
+          </a:prstGeom>
+        </p:spPr>
+      </p:pic>
+    </p:spTree>
+    <p:extLst>
+      <p:ext uri="{BB962C8B-B14F-4D97-AF65-F5344CB8AC3E}">
+        <p14:creationId xmlns:p14="http://schemas.microsoft.com/office/powerpoint/2010/main" val="3623182616"/>
+      </p:ext>
+    </p:extLst>
+  </p:cSld>
+  <p:clrMapOvr>
+    <a:masterClrMapping/>
+  </p:clrMapOvr>
+</p:sld>
+</file>
+
+<file path=ppt/slides/slide5.xml><?xml version="1.0" encoding="utf-8"?>
+<p:sld xmlns:a="http://schemas.openxmlformats.org/drawingml/2006/main" xmlns:r="http://schemas.openxmlformats.org/officeDocument/2006/relationships" xmlns:p="http://schemas.openxmlformats.org/presentationml/2006/main">
+  <p:cSld>
+    <p:spTree>
+      <p:nvGrpSpPr>
+        <p:cNvPr id="1" name=""/>
+        <p:cNvGrpSpPr/>
+        <p:nvPr/>
+      </p:nvGrpSpPr>
+      <p:grpSpPr>
+        <a:xfrm>
+          <a:off x="0" y="0"/>
+          <a:ext cx="0" cy="0"/>
+          <a:chOff x="0" y="0"/>
+          <a:chExt cx="0" cy="0"/>
+        </a:xfrm>
+      </p:grpSpPr>
+      <p:sp>
+        <p:nvSpPr>
+          <p:cNvPr id="2" name="Title 1"/>
+          <p:cNvSpPr>
+            <a:spLocks noGrp="1"/>
+          </p:cNvSpPr>
+          <p:nvPr>
+            <p:ph type="title"/>
+          </p:nvPr>
+        </p:nvSpPr>
+        <p:spPr/>
+        <p:txBody>
+          <a:bodyPr>
+            <a:normAutofit/>
+          </a:bodyPr>
+          <a:lstStyle/>
+          <a:p>
+            <a:r>
+              <a:rPr lang="en-IN" sz="3600" b="1" dirty="0" smtClean="0">
+                <a:solidFill>
+                  <a:srgbClr val="FF6600"/>
+                </a:solidFill>
+              </a:rPr>
+              <a:t>SANDESH </a:t>
+            </a:r>
+            <a:r>
+              <a:rPr lang="en-IN" sz="3600" b="1" dirty="0">
+                <a:solidFill>
+                  <a:srgbClr val="FF6600"/>
+                </a:solidFill>
+              </a:rPr>
+              <a:t>- The </a:t>
+            </a:r>
+            <a:r>
+              <a:rPr lang="en-IN" sz="3600" b="1" dirty="0" smtClean="0">
+                <a:solidFill>
+                  <a:srgbClr val="FF6600"/>
+                </a:solidFill>
+              </a:rPr>
+              <a:t>Management Information </a:t>
+            </a:r>
+            <a:r>
+              <a:rPr lang="en-IN" sz="3600" b="1" dirty="0">
+                <a:solidFill>
+                  <a:srgbClr val="FF6600"/>
+                </a:solidFill>
+              </a:rPr>
+              <a:t>System</a:t>
+            </a:r>
+            <a:endParaRPr lang="en-GB" sz="3600" b="1" dirty="0">
+              <a:solidFill>
+                <a:srgbClr val="FF6600"/>
+              </a:solidFill>
+            </a:endParaRPr>
+          </a:p>
+        </p:txBody>
+      </p:sp>
+      <p:sp>
+        <p:nvSpPr>
+          <p:cNvPr id="3" name="Content Placeholder 2"/>
+          <p:cNvSpPr>
+            <a:spLocks noGrp="1"/>
+          </p:cNvSpPr>
+          <p:nvPr>
+            <p:ph idx="1"/>
+          </p:nvPr>
+        </p:nvSpPr>
+        <p:spPr>
+          <a:xfrm>
+            <a:off x="1097280" y="1845734"/>
+            <a:ext cx="6099048" cy="4023360"/>
+          </a:xfrm>
+        </p:spPr>
+        <p:txBody>
+          <a:bodyPr>
+            <a:normAutofit fontScale="92500" lnSpcReduction="20000"/>
+          </a:bodyPr>
+          <a:lstStyle/>
+          <a:p>
+            <a:pPr>
+              <a:buClr>
+                <a:schemeClr val="tx1"/>
+              </a:buClr>
+              <a:buFont typeface="Arial" panose="020B0604020202020204" pitchFamily="34" charset="0"/>
+              <a:buChar char="•"/>
+            </a:pPr>
+            <a:r>
+              <a:rPr lang="en-US" b="1" dirty="0" smtClean="0"/>
+              <a:t> </a:t>
+            </a:r>
+            <a:r>
+              <a:rPr lang="en-US" sz="1400" b="1" dirty="0" smtClean="0"/>
+              <a:t>Responsible for value </a:t>
+            </a:r>
+            <a:r>
+              <a:rPr lang="en-US" sz="1400" b="1" dirty="0"/>
+              <a:t>a</a:t>
+            </a:r>
+            <a:r>
+              <a:rPr lang="en-US" sz="1400" b="1" dirty="0" smtClean="0"/>
+              <a:t>ddition</a:t>
+            </a:r>
+            <a:r>
+              <a:rPr lang="en-US" sz="1400" b="1" dirty="0"/>
+              <a:t>, </a:t>
+            </a:r>
+            <a:r>
+              <a:rPr lang="en-US" sz="1400" b="1" dirty="0" smtClean="0"/>
+              <a:t>innovation , maintenance and encouraging paperless activities in </a:t>
+            </a:r>
+            <a:r>
+              <a:rPr lang="en-US" sz="1400" b="1" dirty="0"/>
+              <a:t>SANDESH </a:t>
+            </a:r>
+            <a:r>
+              <a:rPr lang="en-US" sz="1400" b="1" dirty="0" smtClean="0"/>
+              <a:t>system</a:t>
+            </a:r>
+          </a:p>
+          <a:p>
+            <a:pPr>
+              <a:buClr>
+                <a:schemeClr val="tx1"/>
+              </a:buClr>
+              <a:buFont typeface="Arial" panose="020B0604020202020204" pitchFamily="34" charset="0"/>
+              <a:buChar char="•"/>
+            </a:pPr>
+            <a:r>
+              <a:rPr lang="en-US" sz="1400" b="1" dirty="0"/>
+              <a:t>Developed a new module for Foreign Tour Allowance (FTA</a:t>
+            </a:r>
+            <a:r>
+              <a:rPr lang="en-US" sz="1400" b="1" dirty="0" smtClean="0"/>
+              <a:t>),</a:t>
+            </a:r>
+            <a:r>
+              <a:rPr lang="en-US" sz="1400" b="1" dirty="0"/>
+              <a:t> in which account personal can add Travelling Allowance advance and settlement details through online mode for employees who travelled on foreign official tours. </a:t>
+            </a:r>
+            <a:endParaRPr lang="en-US" sz="1400" b="1" dirty="0" smtClean="0"/>
+          </a:p>
+          <a:p>
+            <a:pPr>
+              <a:buClr>
+                <a:schemeClr val="tx1"/>
+              </a:buClr>
+              <a:buFont typeface="Arial" panose="020B0604020202020204" pitchFamily="34" charset="0"/>
+              <a:buChar char="•"/>
+            </a:pPr>
+            <a:r>
+              <a:rPr lang="en-US" sz="1400" b="1" dirty="0"/>
+              <a:t>Developed a module for digitization of TRAVEL Agents transactions related to payment details and air-travel booking details that made by TRAVEL Agents like ‘Balmer Lawrie</a:t>
+            </a:r>
+            <a:r>
+              <a:rPr lang="en-US" sz="1400" b="1" dirty="0" smtClean="0"/>
+              <a:t>’.</a:t>
+            </a:r>
+          </a:p>
+          <a:p>
+            <a:pPr>
+              <a:buClr>
+                <a:schemeClr val="tx1"/>
+              </a:buClr>
+              <a:buFont typeface="Arial" panose="020B0604020202020204" pitchFamily="34" charset="0"/>
+              <a:buChar char="•"/>
+            </a:pPr>
+            <a:r>
+              <a:rPr lang="en-US" sz="1400" b="1" dirty="0"/>
+              <a:t>Developed an INCENTIVE MANAGEMENT MODULE, by which cost of tickets can be adjusted against </a:t>
+            </a:r>
+            <a:r>
+              <a:rPr lang="en-US" sz="1400" b="1" dirty="0" smtClean="0"/>
+              <a:t>incentives </a:t>
+            </a:r>
+            <a:r>
+              <a:rPr lang="en-US" sz="1400" b="1" dirty="0"/>
+              <a:t>received to travel agent from airlines companies for </a:t>
+            </a:r>
+            <a:r>
+              <a:rPr lang="en-US" sz="1400" b="1" dirty="0" smtClean="0"/>
+              <a:t>URSC accomplished tours.</a:t>
+            </a:r>
+          </a:p>
+          <a:p>
+            <a:pPr>
+              <a:buClr>
+                <a:schemeClr val="tx1"/>
+              </a:buClr>
+              <a:buFont typeface="Arial" panose="020B0604020202020204" pitchFamily="34" charset="0"/>
+              <a:buChar char="•"/>
+            </a:pPr>
+            <a:r>
+              <a:rPr lang="en-US" sz="1400" b="1" dirty="0"/>
+              <a:t>Developed a module towards e-Governance , where automated alerts of payment acknowledgements will be sent through SMS and </a:t>
+            </a:r>
+            <a:r>
+              <a:rPr lang="en-US" sz="1400" b="1" dirty="0" smtClean="0"/>
+              <a:t/>
+            </a:r>
+            <a:br>
+              <a:rPr lang="en-US" sz="1400" b="1" dirty="0" smtClean="0"/>
+            </a:br>
+            <a:r>
+              <a:rPr lang="en-US" sz="1400" b="1" dirty="0" smtClean="0"/>
+              <a:t>e-Mail</a:t>
+            </a:r>
+            <a:r>
+              <a:rPr lang="en-US" sz="1400" b="1" dirty="0"/>
+              <a:t>. This will </a:t>
+            </a:r>
+            <a:r>
+              <a:rPr lang="en-US" sz="1400" b="1" dirty="0" smtClean="0"/>
+              <a:t>be a one more step towards practicing office-automation </a:t>
+            </a:r>
+            <a:r>
+              <a:rPr lang="en-US" sz="1400" b="1" dirty="0"/>
+              <a:t>in URSC</a:t>
+            </a:r>
+            <a:r>
+              <a:rPr lang="en-US" sz="1400" b="1" dirty="0" smtClean="0"/>
+              <a:t>.</a:t>
+            </a:r>
+          </a:p>
+          <a:p>
+            <a:pPr>
+              <a:buClr>
+                <a:schemeClr val="tx1"/>
+              </a:buClr>
+              <a:buFont typeface="Arial" panose="020B0604020202020204" pitchFamily="34" charset="0"/>
+              <a:buChar char="•"/>
+            </a:pPr>
+            <a:r>
+              <a:rPr lang="en-GB" sz="1400" b="1" dirty="0" smtClean="0"/>
+              <a:t>Transform the traditional database connection mechanism to CONNECTION POOLING </a:t>
+            </a:r>
+            <a:r>
+              <a:rPr lang="en-GB" sz="1400" b="1" dirty="0"/>
+              <a:t>to enhance </a:t>
+            </a:r>
+            <a:r>
+              <a:rPr lang="en-GB" sz="1400" b="1" dirty="0" smtClean="0"/>
+              <a:t>the</a:t>
+            </a:r>
+            <a:r>
+              <a:rPr lang="en-GB" sz="1400" b="1" dirty="0"/>
+              <a:t> application</a:t>
+            </a:r>
+            <a:r>
+              <a:rPr lang="en-GB" sz="1400" b="1" dirty="0" smtClean="0"/>
+              <a:t> performance.</a:t>
+            </a:r>
+          </a:p>
+          <a:p>
+            <a:pPr>
+              <a:buClr>
+                <a:schemeClr val="tx1"/>
+              </a:buClr>
+              <a:buFont typeface="Arial" panose="020B0604020202020204" pitchFamily="34" charset="0"/>
+              <a:buChar char="•"/>
+            </a:pPr>
+            <a:r>
+              <a:rPr lang="en-US" sz="1400" b="1" dirty="0"/>
+              <a:t>Introduced the open source version control system GIT </a:t>
+            </a:r>
+            <a:r>
+              <a:rPr lang="en-US" sz="1400" b="1" dirty="0" smtClean="0"/>
+              <a:t> to </a:t>
+            </a:r>
+            <a:r>
+              <a:rPr lang="en-US" sz="1400" b="1" dirty="0"/>
+              <a:t>track </a:t>
+            </a:r>
+            <a:r>
+              <a:rPr lang="en-US" sz="1400" b="1" dirty="0" smtClean="0"/>
+              <a:t>every </a:t>
+            </a:r>
+            <a:r>
+              <a:rPr lang="en-US" sz="1400" b="1" dirty="0"/>
+              <a:t>code </a:t>
+            </a:r>
+            <a:r>
+              <a:rPr lang="en-US" sz="1400" b="1" dirty="0" smtClean="0"/>
+              <a:t>change. This </a:t>
+            </a:r>
+            <a:r>
+              <a:rPr lang="en-US" sz="1400" b="1" dirty="0"/>
+              <a:t>helps in seamless collaboration amongst </a:t>
+            </a:r>
+            <a:r>
+              <a:rPr lang="en-US" sz="1400" b="1" dirty="0" smtClean="0"/>
+              <a:t>developers</a:t>
+            </a:r>
+          </a:p>
+          <a:p>
+            <a:pPr>
+              <a:buClr>
+                <a:schemeClr val="tx1"/>
+              </a:buClr>
+              <a:buFont typeface="Arial" panose="020B0604020202020204" pitchFamily="34" charset="0"/>
+              <a:buChar char="•"/>
+            </a:pPr>
+            <a:r>
+              <a:rPr lang="en-GB" sz="1400" b="1" dirty="0"/>
+              <a:t>Comprehensive online system for Official Travelling Allowance.</a:t>
+            </a:r>
+            <a:endParaRPr lang="en-GB" sz="1400" b="1" dirty="0"/>
+          </a:p>
+        </p:txBody>
+      </p:sp>
+    </p:spTree>
+    <p:extLst>
+      <p:ext uri="{BB962C8B-B14F-4D97-AF65-F5344CB8AC3E}">
+        <p14:creationId xmlns:p14="http://schemas.microsoft.com/office/powerpoint/2010/main" val="678091287"/>
+      </p:ext>
+    </p:extLst>
+  </p:cSld>
+  <p:clrMapOvr>
+    <a:masterClrMapping/>
+  </p:clrMapOvr>
+</p:sld>
+</file>
+
+<file path=ppt/slides/slide6.xml><?xml version="1.0" encoding="utf-8"?>
+<p:sld xmlns:a="http://schemas.openxmlformats.org/drawingml/2006/main" xmlns:r="http://schemas.openxmlformats.org/officeDocument/2006/relationships" xmlns:p="http://schemas.openxmlformats.org/presentationml/2006/main">
+  <p:cSld>
+    <p:spTree>
+      <p:nvGrpSpPr>
+        <p:cNvPr id="1" name=""/>
+        <p:cNvGrpSpPr/>
+        <p:nvPr/>
+      </p:nvGrpSpPr>
+      <p:grpSpPr>
+        <a:xfrm>
+          <a:off x="0" y="0"/>
+          <a:ext cx="0" cy="0"/>
+          <a:chOff x="0" y="0"/>
+          <a:chExt cx="0" cy="0"/>
+        </a:xfrm>
+      </p:grpSpPr>
+      <p:sp>
+        <p:nvSpPr>
+          <p:cNvPr id="2" name="Title 1"/>
+          <p:cNvSpPr>
+            <a:spLocks noGrp="1"/>
+          </p:cNvSpPr>
+          <p:nvPr>
+            <p:ph type="title"/>
+          </p:nvPr>
+        </p:nvSpPr>
+        <p:spPr/>
+        <p:txBody>
+          <a:bodyPr>
+            <a:normAutofit/>
+          </a:bodyPr>
+          <a:lstStyle/>
+          <a:p>
+            <a:r>
+              <a:rPr lang="en-IN" sz="3600" b="1" dirty="0">
+                <a:solidFill>
+                  <a:srgbClr val="FF6600"/>
+                </a:solidFill>
+              </a:rPr>
+              <a:t>Additional Activities</a:t>
+            </a:r>
+            <a:endParaRPr lang="en-GB" sz="3600" b="1" dirty="0">
+              <a:solidFill>
+                <a:srgbClr val="FF6600"/>
+              </a:solidFill>
+            </a:endParaRPr>
+          </a:p>
+        </p:txBody>
+      </p:sp>
+      <p:sp>
+        <p:nvSpPr>
+          <p:cNvPr id="3" name="Content Placeholder 2"/>
+          <p:cNvSpPr>
+            <a:spLocks noGrp="1"/>
+          </p:cNvSpPr>
+          <p:nvPr>
+            <p:ph idx="1"/>
+          </p:nvPr>
+        </p:nvSpPr>
+        <p:spPr/>
+        <p:txBody>
+          <a:bodyPr/>
+          <a:lstStyle/>
+          <a:p>
+            <a:pPr>
+              <a:buClrTx/>
+              <a:buFont typeface="Arial" panose="020B0604020202020204" pitchFamily="34" charset="0"/>
+              <a:buChar char="•"/>
+            </a:pPr>
+            <a:r>
+              <a:rPr lang="en-IN" dirty="0" smtClean="0"/>
+              <a:t> </a:t>
+            </a:r>
+            <a:r>
+              <a:rPr lang="en-US" sz="1400" dirty="0"/>
+              <a:t>As an author of technical paper on ‘</a:t>
+            </a:r>
+            <a:r>
+              <a:rPr lang="en-US" sz="1400" b="1" dirty="0"/>
+              <a:t>e-Governance Initiative in URSC - Automation of various Government-to-Employee (G2E) Services</a:t>
+            </a:r>
+            <a:r>
+              <a:rPr lang="en-US" sz="1400" dirty="0"/>
+              <a:t>’ got </a:t>
+            </a:r>
+            <a:r>
+              <a:rPr lang="en-US" sz="1400" dirty="0" smtClean="0"/>
+              <a:t>the opportunity  </a:t>
+            </a:r>
+            <a:r>
+              <a:rPr lang="en-US" sz="1400" dirty="0"/>
+              <a:t>for oral presentation from ISRO Seminar on Computer and Information Technology (ISCIT) </a:t>
+            </a:r>
+            <a:r>
+              <a:rPr lang="en-US" sz="1400" dirty="0" smtClean="0"/>
+              <a:t>.</a:t>
+            </a:r>
+          </a:p>
+          <a:p>
+            <a:pPr>
+              <a:buClrTx/>
+              <a:buFont typeface="Arial" panose="020B0604020202020204" pitchFamily="34" charset="0"/>
+              <a:buChar char="•"/>
+            </a:pPr>
+            <a:r>
+              <a:rPr lang="en-US" sz="1400" dirty="0" smtClean="0"/>
+              <a:t>Designed, developed and demonstrated a prototype model to retrieve data from multiple </a:t>
+            </a:r>
+            <a:r>
+              <a:rPr lang="en-US" sz="1400" dirty="0"/>
+              <a:t>databases on real time </a:t>
+            </a:r>
+            <a:r>
+              <a:rPr lang="en-US" sz="1400" dirty="0" smtClean="0"/>
+              <a:t>basis using </a:t>
+            </a:r>
+            <a:br>
+              <a:rPr lang="en-US" sz="1400" dirty="0" smtClean="0"/>
+            </a:br>
+            <a:r>
+              <a:rPr lang="en-US" sz="1400" dirty="0" smtClean="0"/>
+              <a:t>SPRING-BOOT</a:t>
+            </a:r>
+            <a:r>
+              <a:rPr lang="en-US" sz="1400" dirty="0"/>
+              <a:t>, Hibernate and bootstrap </a:t>
+            </a:r>
+            <a:r>
+              <a:rPr lang="en-US" sz="1400" dirty="0" smtClean="0"/>
+              <a:t>technologies.</a:t>
+            </a:r>
+          </a:p>
+          <a:p>
+            <a:pPr>
+              <a:buClrTx/>
+              <a:buFont typeface="Arial" panose="020B0604020202020204" pitchFamily="34" charset="0"/>
+              <a:buChar char="•"/>
+            </a:pPr>
+            <a:r>
+              <a:rPr lang="en-US" sz="1400" dirty="0"/>
+              <a:t>As </a:t>
+            </a:r>
+            <a:r>
+              <a:rPr lang="en-US" sz="1400" b="1" dirty="0"/>
+              <a:t>Division Level Management Representatives (DMR) </a:t>
+            </a:r>
+            <a:r>
+              <a:rPr lang="en-US" sz="1400" dirty="0"/>
+              <a:t>of MISD for ISO program, responsible for maintaining required ISO documents for the division which are essential in maintaining ISO standard activities</a:t>
+            </a:r>
+            <a:r>
+              <a:rPr lang="en-US" sz="1400" dirty="0" smtClean="0"/>
+              <a:t>.</a:t>
+            </a:r>
+          </a:p>
+          <a:p>
+            <a:pPr>
+              <a:buClrTx/>
+              <a:buFont typeface="Arial" panose="020B0604020202020204" pitchFamily="34" charset="0"/>
+              <a:buChar char="•"/>
+            </a:pPr>
+            <a:r>
+              <a:rPr lang="en-US" sz="1400" dirty="0"/>
+              <a:t>On behalf of URSC, attended ‘One-Day Workshop on HINDI KNOWLEDGE MANAGEMENT APPLICATION’ held at SAC. This application is developed to digitalizes the various operational activities of respective </a:t>
+            </a:r>
+            <a:r>
+              <a:rPr lang="en-US" sz="1400" dirty="0" err="1"/>
+              <a:t>centres’</a:t>
+            </a:r>
+            <a:r>
+              <a:rPr lang="en-US" sz="1400" dirty="0"/>
+              <a:t> Hindi Cell. After making </a:t>
+            </a:r>
+            <a:r>
+              <a:rPr lang="en-US" sz="1400" dirty="0" err="1"/>
+              <a:t>centre</a:t>
+            </a:r>
+            <a:r>
+              <a:rPr lang="en-US" sz="1400" dirty="0"/>
+              <a:t> specific changes, this application is configured successfully on the test server </a:t>
+            </a:r>
+            <a:r>
+              <a:rPr lang="en-US" sz="1400" dirty="0" smtClean="0"/>
+              <a:t>for URSC-Hindi </a:t>
+            </a:r>
+            <a:r>
+              <a:rPr lang="en-US" sz="1400" dirty="0"/>
+              <a:t>Cell and made available for the Functional testing.</a:t>
+            </a:r>
+            <a:endParaRPr lang="en-GB" sz="1400" dirty="0"/>
+          </a:p>
+        </p:txBody>
+      </p:sp>
+    </p:spTree>
+    <p:extLst>
+      <p:ext uri="{BB962C8B-B14F-4D97-AF65-F5344CB8AC3E}">
+        <p14:creationId xmlns:p14="http://schemas.microsoft.com/office/powerpoint/2010/main" val="1403653331"/>
       </p:ext>
     </p:extLst>
   </p:cSld>

--- a/handOutSources/navdeep.pptx
+++ b/handOutSources/navdeep.pptx
@@ -343,7 +343,7 @@
           <a:p>
             <a:fld id="{FAE648DA-AB40-4E99-A391-BD85BFC6A8BA}" type="datetimeFigureOut">
               <a:rPr lang="en-GB" smtClean="0"/>
-              <a:t>28/05/2020</a:t>
+              <a:t>01/06/2020</a:t>
             </a:fld>
             <a:endParaRPr lang="en-GB"/>
           </a:p>
@@ -551,7 +551,7 @@
           <a:p>
             <a:fld id="{FAE648DA-AB40-4E99-A391-BD85BFC6A8BA}" type="datetimeFigureOut">
               <a:rPr lang="en-GB" smtClean="0"/>
-              <a:t>28/05/2020</a:t>
+              <a:t>01/06/2020</a:t>
             </a:fld>
             <a:endParaRPr lang="en-GB"/>
           </a:p>
@@ -807,7 +807,7 @@
           <a:p>
             <a:fld id="{FAE648DA-AB40-4E99-A391-BD85BFC6A8BA}" type="datetimeFigureOut">
               <a:rPr lang="en-GB" smtClean="0"/>
-              <a:t>28/05/2020</a:t>
+              <a:t>01/06/2020</a:t>
             </a:fld>
             <a:endParaRPr lang="en-GB"/>
           </a:p>
@@ -977,7 +977,7 @@
           <a:p>
             <a:fld id="{FAE648DA-AB40-4E99-A391-BD85BFC6A8BA}" type="datetimeFigureOut">
               <a:rPr lang="en-GB" smtClean="0"/>
-              <a:t>28/05/2020</a:t>
+              <a:t>01/06/2020</a:t>
             </a:fld>
             <a:endParaRPr lang="en-GB"/>
           </a:p>
@@ -1320,7 +1320,7 @@
           <a:p>
             <a:fld id="{FAE648DA-AB40-4E99-A391-BD85BFC6A8BA}" type="datetimeFigureOut">
               <a:rPr lang="en-GB" smtClean="0"/>
-              <a:t>28/05/2020</a:t>
+              <a:t>01/06/2020</a:t>
             </a:fld>
             <a:endParaRPr lang="en-GB"/>
           </a:p>
@@ -1595,7 +1595,7 @@
           <a:p>
             <a:fld id="{FAE648DA-AB40-4E99-A391-BD85BFC6A8BA}" type="datetimeFigureOut">
               <a:rPr lang="en-GB" smtClean="0"/>
-              <a:t>28/05/2020</a:t>
+              <a:t>01/06/2020</a:t>
             </a:fld>
             <a:endParaRPr lang="en-GB"/>
           </a:p>
@@ -1974,7 +1974,7 @@
           <a:p>
             <a:fld id="{FAE648DA-AB40-4E99-A391-BD85BFC6A8BA}" type="datetimeFigureOut">
               <a:rPr lang="en-GB" smtClean="0"/>
-              <a:t>28/05/2020</a:t>
+              <a:t>01/06/2020</a:t>
             </a:fld>
             <a:endParaRPr lang="en-GB"/>
           </a:p>
@@ -2092,7 +2092,7 @@
           <a:p>
             <a:fld id="{FAE648DA-AB40-4E99-A391-BD85BFC6A8BA}" type="datetimeFigureOut">
               <a:rPr lang="en-GB" smtClean="0"/>
-              <a:t>28/05/2020</a:t>
+              <a:t>01/06/2020</a:t>
             </a:fld>
             <a:endParaRPr lang="en-GB"/>
           </a:p>
@@ -2263,7 +2263,7 @@
           <a:p>
             <a:fld id="{FAE648DA-AB40-4E99-A391-BD85BFC6A8BA}" type="datetimeFigureOut">
               <a:rPr lang="en-GB" smtClean="0"/>
-              <a:t>28/05/2020</a:t>
+              <a:t>01/06/2020</a:t>
             </a:fld>
             <a:endParaRPr lang="en-GB"/>
           </a:p>
@@ -2617,7 +2617,7 @@
           <a:p>
             <a:fld id="{FAE648DA-AB40-4E99-A391-BD85BFC6A8BA}" type="datetimeFigureOut">
               <a:rPr lang="en-GB" smtClean="0"/>
-              <a:t>28/05/2020</a:t>
+              <a:t>01/06/2020</a:t>
             </a:fld>
             <a:endParaRPr lang="en-GB"/>
           </a:p>
@@ -2994,7 +2994,7 @@
           <a:p>
             <a:fld id="{FAE648DA-AB40-4E99-A391-BD85BFC6A8BA}" type="datetimeFigureOut">
               <a:rPr lang="en-GB" smtClean="0"/>
-              <a:t>28/05/2020</a:t>
+              <a:t>01/06/2020</a:t>
             </a:fld>
             <a:endParaRPr lang="en-GB"/>
           </a:p>
@@ -3281,7 +3281,7 @@
           <a:p>
             <a:fld id="{FAE648DA-AB40-4E99-A391-BD85BFC6A8BA}" type="datetimeFigureOut">
               <a:rPr lang="en-GB" smtClean="0"/>
-              <a:t>28/05/2020</a:t>
+              <a:t>01/06/2020</a:t>
             </a:fld>
             <a:endParaRPr lang="en-GB"/>
           </a:p>
@@ -4097,14 +4097,14 @@
             <p:ph idx="1"/>
             <p:extLst>
               <p:ext uri="{D42A27DB-BD31-4B8C-83A1-F6EECF244321}">
-                <p14:modId xmlns:p14="http://schemas.microsoft.com/office/powerpoint/2010/main" val="3584652363"/>
+                <p14:modId xmlns:p14="http://schemas.microsoft.com/office/powerpoint/2010/main" val="196024377"/>
               </p:ext>
             </p:extLst>
           </p:nvPr>
         </p:nvGraphicFramePr>
         <p:xfrm>
           <a:off x="1189558" y="1803632"/>
-          <a:ext cx="10118802" cy="4267200"/>
+          <a:ext cx="10118802" cy="4511040"/>
         </p:xfrm>
         <a:graphic>
           <a:graphicData uri="http://schemas.openxmlformats.org/drawingml/2006/table">
@@ -4441,9 +4441,46 @@
                         <a:rPr lang="en-US" sz="1600" dirty="0" smtClean="0">
                           <a:effectLst/>
                         </a:rPr>
-                        <a:t>Deploy programs and evaluate user feedback.</a:t>
+                        <a:t>Deploy programs and evaluate user feedback</a:t>
                       </a:r>
-                      <a:endParaRPr lang="en-GB" sz="1600" b="0" i="0" u="none" strike="noStrike" kern="1200" baseline="0" dirty="0" smtClean="0">
+                      <a:r>
+                        <a:rPr lang="en-US" sz="1600" dirty="0" smtClean="0">
+                          <a:effectLst/>
+                        </a:rPr>
+                        <a:t>.</a:t>
+                      </a:r>
+                    </a:p>
+                    <a:p>
+                      <a:pPr marL="285750" marR="0" indent="-285750" algn="l" defTabSz="914400" rtl="0" eaLnBrk="1" fontAlgn="auto" latinLnBrk="0" hangingPunct="1">
+                        <a:lnSpc>
+                          <a:spcPct val="100000"/>
+                        </a:lnSpc>
+                        <a:spcBef>
+                          <a:spcPts val="0"/>
+                        </a:spcBef>
+                        <a:spcAft>
+                          <a:spcPts val="0"/>
+                        </a:spcAft>
+                        <a:buClrTx/>
+                        <a:buSzTx/>
+                        <a:buFont typeface="Arial" panose="020B0604020202020204" pitchFamily="34" charset="0"/>
+                        <a:buChar char="•"/>
+                        <a:tabLst/>
+                        <a:defRPr/>
+                      </a:pPr>
+                      <a:r>
+                        <a:rPr lang="en-US" sz="1600" b="1" i="0" u="none" strike="noStrike" kern="1200" baseline="0" dirty="0" smtClean="0">
+                          <a:solidFill>
+                            <a:schemeClr val="dk1"/>
+                          </a:solidFill>
+                          <a:effectLst/>
+                          <a:latin typeface="+mn-lt"/>
+                          <a:ea typeface="+mn-ea"/>
+                          <a:cs typeface="+mn-cs"/>
+                        </a:rPr>
+                        <a:t>TODO</a:t>
+                      </a:r>
+                      <a:endParaRPr lang="en-GB" sz="1600" b="1" i="0" u="none" strike="noStrike" kern="1200" baseline="0" dirty="0" smtClean="0">
                         <a:solidFill>
                           <a:schemeClr val="dk1"/>
                         </a:solidFill>
@@ -4905,12 +4942,22 @@
         </p:blipFill>
         <p:spPr>
           <a:xfrm>
-            <a:off x="7267575" y="1826685"/>
-            <a:ext cx="3888105" cy="4022725"/>
+            <a:off x="8204433" y="1826684"/>
+            <a:ext cx="3806924" cy="4330835"/>
           </a:xfrm>
           <a:prstGeom prst="rect">
             <a:avLst/>
           </a:prstGeom>
+          <a:ln>
+            <a:noFill/>
+          </a:ln>
+          <a:effectLst>
+            <a:outerShdw blurRad="292100" dist="139700" dir="2700000" algn="tl" rotWithShape="0">
+              <a:srgbClr val="333333">
+                <a:alpha val="65000"/>
+              </a:srgbClr>
+            </a:outerShdw>
+          </a:effectLst>
         </p:spPr>
       </p:pic>
       <p:sp>
@@ -4926,12 +4973,12 @@
         <p:spPr>
           <a:xfrm>
             <a:off x="1188720" y="1826684"/>
-            <a:ext cx="5955030" cy="4217499"/>
+            <a:ext cx="6934532" cy="4330835"/>
           </a:xfrm>
         </p:spPr>
         <p:txBody>
           <a:bodyPr>
-            <a:normAutofit fontScale="55000" lnSpcReduction="20000"/>
+            <a:normAutofit fontScale="40000" lnSpcReduction="20000"/>
           </a:bodyPr>
           <a:lstStyle/>
           <a:p>
@@ -4941,24 +4988,28 @@
               <a:buChar char="•"/>
             </a:pPr>
             <a:r>
-              <a:rPr lang="en-US" b="1" dirty="0" smtClean="0"/>
+              <a:rPr lang="en-US" sz="3000" b="1" dirty="0" smtClean="0"/>
               <a:t> </a:t>
             </a:r>
             <a:r>
-              <a:rPr lang="en-US" sz="2500" b="1" dirty="0" smtClean="0"/>
+              <a:rPr lang="en-US" sz="3500" dirty="0" smtClean="0"/>
               <a:t>Responsible for complete </a:t>
             </a:r>
             <a:r>
-              <a:rPr lang="en-US" sz="2500" b="1" dirty="0"/>
-              <a:t>software development life cycle (SDLC) </a:t>
-            </a:r>
-            <a:r>
-              <a:rPr lang="en-US" sz="2500" b="1" dirty="0" smtClean="0"/>
-              <a:t>of </a:t>
-            </a:r>
-            <a:r>
-              <a:rPr lang="en-US" sz="2500" b="1" dirty="0" smtClean="0"/>
-              <a:t>IPWS system.</a:t>
+              <a:rPr lang="en-US" sz="3500" dirty="0"/>
+              <a:t>software development life cycle (</a:t>
+            </a:r>
+            <a:r>
+              <a:rPr lang="en-US" sz="3500" b="1" dirty="0"/>
+              <a:t>SDLC</a:t>
+            </a:r>
+            <a:r>
+              <a:rPr lang="en-US" sz="3500" dirty="0"/>
+              <a:t>) </a:t>
+            </a:r>
+            <a:r>
+              <a:rPr lang="en-US" sz="3500" dirty="0" smtClean="0"/>
+              <a:t>of IPWS system.</a:t>
             </a:r>
           </a:p>
           <a:p>
@@ -4968,18 +5019,34 @@
               <a:buChar char="•"/>
             </a:pPr>
             <a:r>
-              <a:rPr lang="en-US" sz="2500" b="1" dirty="0"/>
-              <a:t>Analyzed </a:t>
-            </a:r>
-            <a:r>
-              <a:rPr lang="en-US" sz="2500" b="1" dirty="0"/>
-              <a:t>interface model implemented by NIC team </a:t>
-            </a:r>
-            <a:r>
-              <a:rPr lang="en-US" sz="2500" b="1" dirty="0" smtClean="0"/>
-              <a:t>and commenced the requirement analysis in coordination with ITD-PFMS.</a:t>
-            </a:r>
-            <a:endParaRPr lang="en-US" sz="2500" b="1" dirty="0"/>
+              <a:rPr lang="en-US" sz="3500" dirty="0"/>
+              <a:t>Analyzed interface model implemented by NIC team </a:t>
+            </a:r>
+            <a:r>
+              <a:rPr lang="en-US" sz="3500" dirty="0" smtClean="0"/>
+              <a:t>and </a:t>
+            </a:r>
+            <a:r>
+              <a:rPr lang="en-US" sz="3500" dirty="0" smtClean="0"/>
+              <a:t>completed </a:t>
+            </a:r>
+            <a:r>
+              <a:rPr lang="en-US" sz="3500" dirty="0" smtClean="0"/>
+              <a:t>the </a:t>
+            </a:r>
+            <a:r>
+              <a:rPr lang="en-US" sz="3500" b="1" dirty="0" smtClean="0"/>
+              <a:t>requirement analysis in coordination with </a:t>
+            </a:r>
+            <a:r>
+              <a:rPr lang="en-US" sz="3500" b="1" dirty="0" smtClean="0"/>
+              <a:t>IT department at PFMS</a:t>
+            </a:r>
+            <a:r>
+              <a:rPr lang="en-US" sz="3500" dirty="0" smtClean="0"/>
+              <a:t>.</a:t>
+            </a:r>
+            <a:endParaRPr lang="en-US" sz="3500" dirty="0"/>
           </a:p>
           <a:p>
             <a:pPr>
@@ -4988,28 +5055,38 @@
               <a:buChar char="•"/>
             </a:pPr>
             <a:r>
-              <a:rPr lang="en-US" sz="2500" b="1" dirty="0" smtClean="0"/>
-              <a:t>Developed the IPWS application which is </a:t>
-            </a:r>
-            <a:r>
-              <a:rPr lang="en-US" sz="2500" b="1" dirty="0"/>
-              <a:t>a java application </a:t>
-            </a:r>
-            <a:r>
-              <a:rPr lang="en-US" sz="2500" b="1" dirty="0"/>
-              <a:t>that process XML input requests received from COINS and validate it before sending it to PFMS web services consumption system </a:t>
-            </a:r>
-            <a:r>
-              <a:rPr lang="en-US" sz="2500" b="1" dirty="0" smtClean="0"/>
-              <a:t>to obtain valid responses</a:t>
-            </a:r>
-            <a:br>
-              <a:rPr lang="en-US" sz="2500" b="1" dirty="0" smtClean="0"/>
-            </a:br>
-            <a:r>
-              <a:rPr lang="en-US" sz="2500" b="1" dirty="0" smtClean="0"/>
-              <a:t>for further processing.</a:t>
-            </a:r>
+              <a:rPr lang="en-US" sz="3500" b="1" dirty="0" smtClean="0"/>
+              <a:t>Developed</a:t>
+            </a:r>
+            <a:r>
+              <a:rPr lang="en-US" sz="3500" dirty="0" smtClean="0"/>
+              <a:t> the IPWS </a:t>
+            </a:r>
+            <a:r>
+              <a:rPr lang="en-US" sz="3500" dirty="0" smtClean="0"/>
+              <a:t>application </a:t>
+            </a:r>
+            <a:r>
+              <a:rPr lang="en-US" sz="3500" dirty="0" smtClean="0"/>
+              <a:t>that </a:t>
+            </a:r>
+            <a:r>
+              <a:rPr lang="en-US" sz="3500" dirty="0"/>
+              <a:t>process XML input requests received from COINS </a:t>
+            </a:r>
+            <a:r>
+              <a:rPr lang="en-US" sz="3500" dirty="0" smtClean="0"/>
+              <a:t>server and send it </a:t>
+            </a:r>
+            <a:r>
+              <a:rPr lang="en-US" sz="3500" dirty="0"/>
+              <a:t>to PFMS web </a:t>
+            </a:r>
+            <a:r>
+              <a:rPr lang="en-US" sz="3500" dirty="0" smtClean="0"/>
+              <a:t>service consumption system after validation at IPWS. PFMS server in return send XML responses which are exhaustively processed at IPWS against various conditions before passing it to COINS server for database updates.</a:t>
+            </a:r>
+            <a:endParaRPr lang="en-US" sz="3500" dirty="0" smtClean="0"/>
           </a:p>
           <a:p>
             <a:pPr>
@@ -5018,8 +5095,24 @@
               <a:buChar char="•"/>
             </a:pPr>
             <a:r>
-              <a:rPr lang="en-IN" sz="2500" b="1" dirty="0" smtClean="0"/>
-              <a:t>Developed shell scripts for the transferring of XML files between COINS and IPWS server using rsync utility.</a:t>
+              <a:rPr lang="en-IN" sz="3500" dirty="0" smtClean="0"/>
+              <a:t>Developed shell scripts for the transferring of XML files between </a:t>
+            </a:r>
+            <a:r>
+              <a:rPr lang="en-IN" sz="3500" b="1" dirty="0" smtClean="0"/>
+              <a:t>COINS and IPWS </a:t>
+            </a:r>
+            <a:r>
+              <a:rPr lang="en-IN" sz="3500" dirty="0" smtClean="0"/>
+              <a:t>server using </a:t>
+            </a:r>
+            <a:r>
+              <a:rPr lang="en-IN" sz="3500" b="1" dirty="0" smtClean="0"/>
+              <a:t>rsync utility</a:t>
+            </a:r>
+            <a:r>
+              <a:rPr lang="en-IN" sz="3500" b="1" dirty="0" smtClean="0"/>
+              <a:t>. </a:t>
             </a:r>
           </a:p>
           <a:p>
@@ -5029,32 +5122,48 @@
               <a:buChar char="•"/>
             </a:pPr>
             <a:r>
-              <a:rPr lang="en-IN" sz="2500" b="1" dirty="0"/>
-              <a:t>Based on the </a:t>
-            </a:r>
-            <a:r>
-              <a:rPr lang="en-US" sz="2500" b="1" dirty="0"/>
+              <a:rPr lang="en-IN" sz="3500" dirty="0" smtClean="0"/>
+              <a:t>Based </a:t>
+            </a:r>
+            <a:r>
+              <a:rPr lang="en-IN" sz="3500" dirty="0"/>
+              <a:t>on the </a:t>
+            </a:r>
+            <a:r>
+              <a:rPr lang="en-US" sz="3500" dirty="0"/>
               <a:t>recommendations </a:t>
             </a:r>
             <a:r>
-              <a:rPr lang="en-US" sz="2500" b="1" dirty="0" smtClean="0"/>
+              <a:rPr lang="en-US" sz="3500" dirty="0" smtClean="0"/>
               <a:t>given by </a:t>
             </a:r>
             <a:r>
-              <a:rPr lang="en-US" sz="2500" b="1" dirty="0"/>
+              <a:rPr lang="en-US" sz="3500" dirty="0"/>
               <a:t>ISRO/DOS Cyber Security (CSMD) </a:t>
             </a:r>
             <a:r>
-              <a:rPr lang="en-US" sz="2500" b="1" dirty="0" smtClean="0"/>
+              <a:rPr lang="en-US" sz="3500" dirty="0" smtClean="0"/>
               <a:t>team , </a:t>
             </a:r>
             <a:r>
-              <a:rPr lang="en-IN" sz="2500" b="1" dirty="0" smtClean="0"/>
-              <a:t>ensured the hardening of IPWS server to </a:t>
-            </a:r>
-            <a:r>
-              <a:rPr lang="en-IN" sz="2500" b="1" dirty="0"/>
-              <a:t>enhance server security from cyber attacks.</a:t>
+              <a:rPr lang="en-IN" sz="3500" dirty="0" smtClean="0"/>
+              <a:t>ensured the </a:t>
+            </a:r>
+            <a:r>
+              <a:rPr lang="en-IN" sz="3500" b="1" dirty="0" smtClean="0"/>
+              <a:t>hardening of IPWS server </a:t>
+            </a:r>
+            <a:r>
+              <a:rPr lang="en-IN" sz="3500" dirty="0" smtClean="0"/>
+              <a:t>to </a:t>
+            </a:r>
+            <a:r>
+              <a:rPr lang="en-IN" sz="3500" dirty="0"/>
+              <a:t>enhance server security from cyber attacks</a:t>
+            </a:r>
+            <a:r>
+              <a:rPr lang="en-IN" sz="3500" dirty="0" smtClean="0"/>
+              <a:t>.</a:t>
             </a:r>
           </a:p>
           <a:p>
@@ -5064,8 +5173,28 @@
               <a:buChar char="•"/>
             </a:pPr>
             <a:r>
-              <a:rPr lang="en-IN" sz="2500" b="1" dirty="0" smtClean="0"/>
-              <a:t>Responsible for any enhancement to be made in the system in order to improve the performance and satisfy new emerging requirements.</a:t>
+              <a:rPr lang="en-IN" sz="3500" dirty="0" smtClean="0"/>
+              <a:t>IPWS system is a standalone system which is making use of java </a:t>
+            </a:r>
+            <a:r>
+              <a:rPr lang="en-IN" sz="3500" dirty="0"/>
+              <a:t>property file </a:t>
+            </a:r>
+            <a:r>
+              <a:rPr lang="en-IN" sz="3500" dirty="0" smtClean="0"/>
+              <a:t>to </a:t>
+            </a:r>
+            <a:r>
+              <a:rPr lang="en-IN" sz="3500" dirty="0"/>
+              <a:t>commence its </a:t>
+            </a:r>
+            <a:r>
+              <a:rPr lang="en-IN" sz="3500" dirty="0" smtClean="0"/>
+              <a:t>desired operations </a:t>
+            </a:r>
+            <a:r>
+              <a:rPr lang="en-IN" sz="3500" b="1" dirty="0" smtClean="0"/>
+              <a:t>without interacting with any database server.</a:t>
             </a:r>
           </a:p>
           <a:p>
@@ -5075,9 +5204,42 @@
               <a:buChar char="•"/>
             </a:pPr>
             <a:r>
-              <a:rPr lang="en-IN" sz="2500" b="1" dirty="0" smtClean="0"/>
-              <a:t>Responsible for monitoring the system to ensure prevention from any defective incidents.  </a:t>
-            </a:r>
+              <a:rPr lang="en-IN" sz="3500" dirty="0" smtClean="0"/>
+              <a:t>Responsible </a:t>
+            </a:r>
+            <a:r>
+              <a:rPr lang="en-IN" sz="3500" dirty="0" smtClean="0"/>
+              <a:t>for</a:t>
+            </a:r>
+            <a:r>
+              <a:rPr lang="en-IN" sz="3500" b="1" dirty="0" smtClean="0"/>
+              <a:t> </a:t>
+            </a:r>
+            <a:r>
+              <a:rPr lang="en-IN" sz="3500" b="1" dirty="0" smtClean="0"/>
+              <a:t>all enhancements</a:t>
+            </a:r>
+            <a:r>
+              <a:rPr lang="en-IN" sz="3500" dirty="0" smtClean="0"/>
+              <a:t> </a:t>
+            </a:r>
+            <a:r>
+              <a:rPr lang="en-IN" sz="3500" dirty="0" smtClean="0"/>
+              <a:t>to be made in the system </a:t>
+            </a:r>
+            <a:r>
+              <a:rPr lang="en-IN" sz="3500" dirty="0" smtClean="0"/>
+              <a:t>in order to satisfy new </a:t>
+            </a:r>
+            <a:r>
+              <a:rPr lang="en-IN" sz="3500" dirty="0"/>
+              <a:t>emerging </a:t>
+            </a:r>
+            <a:r>
+              <a:rPr lang="en-IN" sz="3500" dirty="0" smtClean="0"/>
+              <a:t>requirements and improvement in system performance on the  whole.</a:t>
+            </a:r>
+            <a:endParaRPr lang="en-IN" sz="3500" dirty="0" smtClean="0"/>
           </a:p>
           <a:p>
             <a:pPr>
@@ -5086,26 +5248,25 @@
               <a:buChar char="•"/>
             </a:pPr>
             <a:r>
-              <a:rPr lang="en-US" sz="2500" b="1" dirty="0"/>
-              <a:t>Presently IPWS is serving its objective </a:t>
-            </a:r>
-            <a:r>
-              <a:rPr lang="en-US" sz="2500" b="1" dirty="0" smtClean="0"/>
-              <a:t>across </a:t>
-            </a:r>
-            <a:r>
-              <a:rPr lang="en-US" sz="2500" b="1" dirty="0"/>
-              <a:t>all ISRO </a:t>
-            </a:r>
-            <a:r>
-              <a:rPr lang="en-US" sz="2500" b="1" dirty="0" err="1" smtClean="0"/>
-              <a:t>centres</a:t>
-            </a:r>
-            <a:r>
-              <a:rPr lang="en-US" sz="2500" b="1" dirty="0" smtClean="0"/>
-              <a:t>/units with satisfactorily results.</a:t>
-            </a:r>
-            <a:endParaRPr lang="en-IN" sz="2500" b="1" dirty="0"/>
+              <a:rPr lang="en-IN" sz="3500" dirty="0" smtClean="0"/>
+              <a:t>Responsible for </a:t>
+            </a:r>
+            <a:r>
+              <a:rPr lang="en-IN" sz="3500" b="1" dirty="0" smtClean="0"/>
+              <a:t>continual monitoring of the system </a:t>
+            </a:r>
+            <a:r>
+              <a:rPr lang="en-IN" sz="3500" dirty="0" smtClean="0"/>
+              <a:t>to correct or report any </a:t>
+            </a:r>
+            <a:r>
+              <a:rPr lang="en-GB" sz="3600" dirty="0"/>
+              <a:t>unexpected</a:t>
+            </a:r>
+            <a:r>
+              <a:rPr lang="en-IN" sz="3500" dirty="0" smtClean="0"/>
+              <a:t> incidents.</a:t>
+            </a:r>
           </a:p>
           <a:p>
             <a:pPr>
@@ -5113,7 +5274,47 @@
               <a:buFont typeface="Arial" panose="020B0604020202020204" pitchFamily="34" charset="0"/>
               <a:buChar char="•"/>
             </a:pPr>
-            <a:endParaRPr lang="en-US" sz="2500" b="1" dirty="0"/>
+            <a:r>
+              <a:rPr lang="en-US" sz="3500" dirty="0" smtClean="0"/>
+              <a:t>Presently </a:t>
+            </a:r>
+            <a:r>
+              <a:rPr lang="en-US" sz="3500" dirty="0"/>
+              <a:t>IPWS is </a:t>
+            </a:r>
+            <a:r>
+              <a:rPr lang="en-US" sz="3500" b="1" dirty="0"/>
+              <a:t>satisfactorily serving </a:t>
+            </a:r>
+            <a:r>
+              <a:rPr lang="en-US" sz="3500" b="1" dirty="0"/>
+              <a:t>its objective </a:t>
+            </a:r>
+            <a:r>
+              <a:rPr lang="en-US" sz="3500" b="1" dirty="0" smtClean="0"/>
+              <a:t>across </a:t>
+            </a:r>
+            <a:r>
+              <a:rPr lang="en-US" sz="3500" b="1" dirty="0"/>
+              <a:t>all ISRO </a:t>
+            </a:r>
+            <a:r>
+              <a:rPr lang="en-US" sz="3500" b="1" dirty="0" err="1" smtClean="0"/>
+              <a:t>centres</a:t>
+            </a:r>
+            <a:r>
+              <a:rPr lang="en-US" sz="3500" b="1" dirty="0" smtClean="0"/>
+              <a:t>/units.</a:t>
+            </a:r>
+            <a:endParaRPr lang="en-IN" sz="3500" b="1" dirty="0"/>
+          </a:p>
+          <a:p>
+            <a:pPr>
+              <a:buClrTx/>
+              <a:buFont typeface="Arial" panose="020B0604020202020204" pitchFamily="34" charset="0"/>
+              <a:buChar char="•"/>
+            </a:pPr>
+            <a:endParaRPr lang="en-US" sz="3500" b="1" dirty="0"/>
           </a:p>
           <a:p>
             <a:pPr>
@@ -5135,6 +5336,13 @@
   <p:clrMapOvr>
     <a:masterClrMapping/>
   </p:clrMapOvr>
+  <p:timing>
+    <p:tnLst>
+      <p:par>
+        <p:cTn id="1" dur="indefinite" restart="never" nodeType="tmRoot"/>
+      </p:par>
+    </p:tnLst>
+  </p:timing>
 </p:sld>
 </file>
 
@@ -5211,8 +5419,12 @@
               <a:buChar char="•"/>
             </a:pPr>
             <a:r>
-              <a:rPr lang="en-US" sz="1600" b="1" dirty="0" smtClean="0"/>
-              <a:t>An interface software that transfer ISRO-DOS accounting information to PFMS system in the form of XML files.</a:t>
+              <a:rPr lang="en-US" sz="1600" dirty="0" smtClean="0"/>
+              <a:t>It is an </a:t>
+            </a:r>
+            <a:r>
+              <a:rPr lang="en-US" sz="1600" dirty="0" smtClean="0"/>
+              <a:t>interface software that transfer ISRO-DOS accounting information to PFMS system in the form of XML files.</a:t>
             </a:r>
           </a:p>
           <a:p>
@@ -5224,11 +5436,11 @@
               <a:buChar char="•"/>
             </a:pPr>
             <a:r>
-              <a:rPr lang="en-US" sz="1600" b="1" dirty="0"/>
+              <a:rPr lang="en-US" sz="1600" dirty="0"/>
               <a:t>Played key role from conceptual design to operationalization of this system</a:t>
             </a:r>
             <a:r>
-              <a:rPr lang="en-US" sz="1600" b="1" dirty="0" smtClean="0"/>
+              <a:rPr lang="en-US" sz="1600" dirty="0" smtClean="0"/>
               <a:t>.</a:t>
             </a:r>
           </a:p>
@@ -5245,35 +5457,35 @@
               <a:t> </a:t>
             </a:r>
             <a:r>
-              <a:rPr lang="en-US" sz="1600" b="1" dirty="0"/>
+              <a:rPr lang="en-US" sz="1600" dirty="0"/>
               <a:t>As a member of ‘COINS-PFMS Interface /software review Committee’ team </a:t>
             </a:r>
             <a:r>
-              <a:rPr lang="en-US" sz="1600" b="1" dirty="0" smtClean="0"/>
+              <a:rPr lang="en-US" sz="1600" dirty="0" smtClean="0"/>
               <a:t>reported all major  incidents related </a:t>
             </a:r>
             <a:r>
-              <a:rPr lang="en-US" sz="1600" b="1" dirty="0"/>
+              <a:rPr lang="en-US" sz="1600" dirty="0"/>
               <a:t>to business logic, </a:t>
             </a:r>
             <a:r>
-              <a:rPr lang="en-US" sz="1600" b="1" dirty="0" smtClean="0"/>
+              <a:rPr lang="en-US" sz="1600" dirty="0" smtClean="0"/>
               <a:t>bugs, </a:t>
             </a:r>
             <a:r>
-              <a:rPr lang="en-US" sz="1600" b="1" dirty="0"/>
+              <a:rPr lang="en-US" sz="1600" dirty="0"/>
               <a:t>performance related </a:t>
             </a:r>
             <a:r>
-              <a:rPr lang="en-US" sz="1600" b="1" dirty="0" smtClean="0"/>
+              <a:rPr lang="en-US" sz="1600" dirty="0" smtClean="0"/>
               <a:t>issues, code-reusability and modularity were submitted to </a:t>
             </a:r>
             <a:r>
-              <a:rPr lang="en-US" sz="1600" b="1" dirty="0"/>
+              <a:rPr lang="en-US" sz="1600" dirty="0"/>
               <a:t>DD, RO, </a:t>
             </a:r>
             <a:r>
-              <a:rPr lang="en-US" sz="1600" b="1" dirty="0" smtClean="0"/>
+              <a:rPr lang="en-US" sz="1600" dirty="0" smtClean="0"/>
               <a:t>SDSC.</a:t>
             </a:r>
           </a:p>
@@ -5286,19 +5498,15 @@
               <a:buChar char="•"/>
             </a:pPr>
             <a:r>
-              <a:rPr lang="en-US" sz="1600" b="1" dirty="0"/>
-              <a:t>Ensured the </a:t>
-            </a:r>
-            <a:r>
-              <a:rPr lang="en-US" sz="1600" b="1" dirty="0" smtClean="0"/>
-              <a:t>operations </a:t>
-            </a:r>
-            <a:r>
-              <a:rPr lang="en-US" sz="1600" b="1" dirty="0"/>
+              <a:rPr lang="en-US" sz="1600" dirty="0" smtClean="0"/>
+              <a:t>Ensures operations </a:t>
+            </a:r>
+            <a:r>
+              <a:rPr lang="en-US" sz="1600" dirty="0"/>
               <a:t>and maintenance of the finance, accounts and stores related modules of COINS at </a:t>
             </a:r>
             <a:r>
-              <a:rPr lang="en-US" sz="1600" b="1" dirty="0" smtClean="0"/>
+              <a:rPr lang="en-US" sz="1600" dirty="0" smtClean="0"/>
               <a:t>URSC</a:t>
             </a:r>
           </a:p>
@@ -5311,19 +5519,35 @@
               <a:buChar char="•"/>
             </a:pPr>
             <a:r>
-              <a:rPr lang="en-US" sz="1600" b="1" dirty="0"/>
+              <a:rPr lang="en-US" sz="1600" dirty="0"/>
               <a:t>Provided support for configuring the COINS-PFMS interface software across all ISRO </a:t>
             </a:r>
             <a:r>
-              <a:rPr lang="en-US" sz="1600" b="1" dirty="0" err="1"/>
+              <a:rPr lang="en-US" sz="1600" dirty="0" err="1"/>
               <a:t>centres</a:t>
             </a:r>
             <a:r>
-              <a:rPr lang="en-US" sz="1600" b="1" dirty="0"/>
-              <a:t>. The system is working and serving its objective since 01-Jan-2019</a:t>
-            </a:r>
-            <a:r>
-              <a:rPr lang="en-US" sz="1600" b="1" dirty="0" smtClean="0"/>
+              <a:rPr lang="en-US" sz="1600" dirty="0"/>
+              <a:t>. The system is </a:t>
+            </a:r>
+            <a:r>
+              <a:rPr lang="en-US" sz="1600" dirty="0" smtClean="0"/>
+              <a:t>in continual </a:t>
+            </a:r>
+            <a:r>
+              <a:rPr lang="en-US" sz="1600" dirty="0" smtClean="0"/>
+              <a:t>use</a:t>
+            </a:r>
+            <a:r>
+              <a:rPr lang="en-US" sz="1600" dirty="0" smtClean="0"/>
+              <a:t> </a:t>
+            </a:r>
+            <a:r>
+              <a:rPr lang="en-US" sz="1600" dirty="0"/>
+              <a:t>and serving its objective since 01-Jan-2019</a:t>
+            </a:r>
+            <a:r>
+              <a:rPr lang="en-US" sz="1600" dirty="0" smtClean="0"/>
               <a:t>.</a:t>
             </a:r>
           </a:p>
@@ -5336,15 +5560,23 @@
               <a:buChar char="•"/>
             </a:pPr>
             <a:r>
-              <a:rPr lang="en-US" sz="1600" b="1" dirty="0" smtClean="0"/>
+              <a:rPr lang="en-US" sz="1600" dirty="0" smtClean="0"/>
               <a:t>Involved </a:t>
             </a:r>
             <a:r>
-              <a:rPr lang="en-US" sz="1600" b="1" dirty="0"/>
-              <a:t>in exhaustive verification and validation of COINS-PFMS Interface Software and submitted detailed test results </a:t>
-            </a:r>
-            <a:r>
-              <a:rPr lang="en-US" sz="1600" b="1" dirty="0" smtClean="0"/>
+              <a:rPr lang="en-US" sz="1600" dirty="0"/>
+              <a:t>in </a:t>
+            </a:r>
+            <a:r>
+              <a:rPr lang="en-US" sz="1600" dirty="0" smtClean="0"/>
+              <a:t>complete </a:t>
+            </a:r>
+            <a:r>
+              <a:rPr lang="en-US" sz="1600" dirty="0"/>
+              <a:t>verification and validation of COINS-PFMS Interface Software and submitted detailed test results </a:t>
+            </a:r>
+            <a:r>
+              <a:rPr lang="en-US" sz="1600" dirty="0" smtClean="0"/>
               <a:t>report for making the desired changes.</a:t>
             </a:r>
           </a:p>
@@ -5430,6 +5662,13 @@
   <p:clrMapOvr>
     <a:masterClrMapping/>
   </p:clrMapOvr>
+  <p:timing>
+    <p:tnLst>
+      <p:par>
+        <p:cTn id="1" dur="indefinite" restart="never" nodeType="tmRoot"/>
+      </p:par>
+    </p:tnLst>
+  </p:timing>
 </p:sld>
 </file>
 
@@ -5520,12 +5759,12 @@
         <p:spPr>
           <a:xfrm>
             <a:off x="1097280" y="1845734"/>
-            <a:ext cx="6099048" cy="4023360"/>
+            <a:ext cx="7142205" cy="4462787"/>
           </a:xfrm>
         </p:spPr>
         <p:txBody>
           <a:bodyPr>
-            <a:normAutofit fontScale="92500" lnSpcReduction="20000"/>
+            <a:noAutofit/>
           </a:bodyPr>
           <a:lstStyle/>
           <a:p>
@@ -5537,37 +5776,62 @@
               <a:buChar char="•"/>
             </a:pPr>
             <a:r>
-              <a:rPr lang="en-US" b="1" dirty="0" smtClean="0"/>
+              <a:rPr lang="en-US" sz="1200" dirty="0" smtClean="0"/>
+              <a:t>Responsible </a:t>
+            </a:r>
+            <a:r>
+              <a:rPr lang="en-US" sz="1200" dirty="0" smtClean="0"/>
+              <a:t>for </a:t>
+            </a:r>
+            <a:r>
+              <a:rPr lang="en-US" sz="1200" b="1" dirty="0" smtClean="0"/>
+              <a:t>continual </a:t>
+            </a:r>
+            <a:r>
+              <a:rPr lang="en-US" sz="1200" dirty="0" smtClean="0"/>
+              <a:t>value </a:t>
+            </a:r>
+            <a:r>
+              <a:rPr lang="en-US" sz="1200" dirty="0"/>
+              <a:t>a</a:t>
+            </a:r>
+            <a:r>
+              <a:rPr lang="en-US" sz="1200" dirty="0" smtClean="0"/>
+              <a:t>ddition</a:t>
+            </a:r>
+            <a:r>
+              <a:rPr lang="en-US" sz="1200" dirty="0"/>
+              <a:t>, </a:t>
+            </a:r>
+            <a:r>
+              <a:rPr lang="en-US" sz="1200" dirty="0" smtClean="0"/>
+              <a:t>innovation , maintenance and </a:t>
+            </a:r>
+            <a:r>
+              <a:rPr lang="en-US" sz="1200" dirty="0" smtClean="0"/>
+              <a:t>encourage </a:t>
+            </a:r>
+            <a:r>
+              <a:rPr lang="en-US" sz="1200" dirty="0" smtClean="0"/>
+              <a:t>paperless </a:t>
+            </a:r>
+            <a:r>
+              <a:rPr lang="en-US" sz="1200" dirty="0"/>
+              <a:t>and </a:t>
+            </a:r>
+            <a:r>
+              <a:rPr lang="en-US" sz="1200" b="1" dirty="0"/>
+              <a:t>office automation</a:t>
+            </a:r>
+            <a:r>
+              <a:rPr lang="en-US" sz="1200" dirty="0"/>
               <a:t> </a:t>
             </a:r>
             <a:r>
-              <a:rPr lang="en-US" sz="1400" b="1" dirty="0" smtClean="0"/>
-              <a:t>Responsible for value </a:t>
-            </a:r>
-            <a:r>
-              <a:rPr lang="en-US" sz="1400" b="1" dirty="0"/>
-              <a:t>a</a:t>
-            </a:r>
-            <a:r>
-              <a:rPr lang="en-US" sz="1400" b="1" dirty="0" smtClean="0"/>
-              <a:t>ddition</a:t>
-            </a:r>
-            <a:r>
-              <a:rPr lang="en-US" sz="1400" b="1" dirty="0"/>
-              <a:t>, </a:t>
-            </a:r>
-            <a:r>
-              <a:rPr lang="en-US" sz="1400" b="1" dirty="0" smtClean="0"/>
-              <a:t>innovation , maintenance and encouraging paperless activities in </a:t>
-            </a:r>
-            <a:r>
-              <a:rPr lang="en-US" sz="1400" b="1" dirty="0"/>
-              <a:t>SANDESH </a:t>
-            </a:r>
-            <a:r>
-              <a:rPr lang="en-US" sz="1400" b="1" dirty="0" smtClean="0"/>
-              <a:t>system</a:t>
-            </a:r>
+              <a:rPr lang="en-US" sz="1200" dirty="0" smtClean="0"/>
+              <a:t>through SANDESH system.</a:t>
+            </a:r>
+            <a:endParaRPr lang="en-US" sz="1200" dirty="0" smtClean="0"/>
           </a:p>
           <a:p>
             <a:pPr>
@@ -5578,18 +5842,26 @@
               <a:buChar char="•"/>
             </a:pPr>
             <a:r>
-              <a:rPr lang="en-US" sz="1400" b="1" dirty="0"/>
-              <a:t>Developed a new module for Foreign Tour Allowance (FTA</a:t>
-            </a:r>
-            <a:r>
-              <a:rPr lang="en-US" sz="1400" b="1" dirty="0" smtClean="0"/>
-              <a:t>),</a:t>
-            </a:r>
-            <a:r>
-              <a:rPr lang="en-US" sz="1400" b="1" dirty="0"/>
+              <a:rPr lang="en-US" sz="1200" dirty="0"/>
+              <a:t>Developed a new module for </a:t>
+            </a:r>
+            <a:r>
+              <a:rPr lang="en-US" sz="1200" b="1" dirty="0"/>
+              <a:t>Foreign Tour Allowance (FTA</a:t>
+            </a:r>
+            <a:r>
+              <a:rPr lang="en-US" sz="1200" b="1" dirty="0" smtClean="0"/>
+              <a:t>)</a:t>
+            </a:r>
+            <a:r>
+              <a:rPr lang="en-US" sz="1200" dirty="0" smtClean="0"/>
+              <a:t>,</a:t>
+            </a:r>
+            <a:r>
+              <a:rPr lang="en-US" sz="1200" dirty="0"/>
               <a:t> in which account personal can add Travelling Allowance advance and settlement details through online mode for employees who travelled on foreign official tours. </a:t>
             </a:r>
-            <a:endParaRPr lang="en-US" sz="1400" b="1" dirty="0" smtClean="0"/>
+            <a:endParaRPr lang="en-US" sz="1200" dirty="0" smtClean="0"/>
           </a:p>
           <a:p>
             <a:pPr>
@@ -5600,11 +5872,19 @@
               <a:buChar char="•"/>
             </a:pPr>
             <a:r>
-              <a:rPr lang="en-US" sz="1400" b="1" dirty="0"/>
-              <a:t>Developed a module for digitization of TRAVEL Agents transactions related to payment details and air-travel booking details that made by TRAVEL Agents like ‘Balmer Lawrie</a:t>
-            </a:r>
-            <a:r>
-              <a:rPr lang="en-US" sz="1400" b="1" dirty="0" smtClean="0"/>
+              <a:rPr lang="en-US" sz="1200" dirty="0"/>
+              <a:t>Developed a module for </a:t>
+            </a:r>
+            <a:r>
+              <a:rPr lang="en-US" sz="1200" b="1" dirty="0"/>
+              <a:t>digitization</a:t>
+            </a:r>
+            <a:r>
+              <a:rPr lang="en-US" sz="1200" dirty="0"/>
+              <a:t> of TRAVEL Agents transactions related to payment details and air-travel booking details that made by TRAVEL Agents like ‘Balmer Lawrie</a:t>
+            </a:r>
+            <a:r>
+              <a:rPr lang="en-US" sz="1200" dirty="0" smtClean="0"/>
               <a:t>’.</a:t>
             </a:r>
           </a:p>
@@ -5617,19 +5897,27 @@
               <a:buChar char="•"/>
             </a:pPr>
             <a:r>
-              <a:rPr lang="en-US" sz="1400" b="1" dirty="0"/>
-              <a:t>Developed an INCENTIVE MANAGEMENT MODULE, by which cost of tickets can be adjusted against </a:t>
-            </a:r>
-            <a:r>
-              <a:rPr lang="en-US" sz="1400" b="1" dirty="0" smtClean="0"/>
+              <a:rPr lang="en-US" sz="1200" dirty="0"/>
+              <a:t>Developed an </a:t>
+            </a:r>
+            <a:r>
+              <a:rPr lang="en-US" sz="1200" b="1" dirty="0"/>
+              <a:t>INCENTIVE MANAGEMENT MODULE</a:t>
+            </a:r>
+            <a:r>
+              <a:rPr lang="en-US" sz="1200" dirty="0"/>
+              <a:t>, by which cost of tickets can be adjusted against </a:t>
+            </a:r>
+            <a:r>
+              <a:rPr lang="en-US" sz="1200" dirty="0" smtClean="0"/>
               <a:t>incentives </a:t>
             </a:r>
             <a:r>
-              <a:rPr lang="en-US" sz="1400" b="1" dirty="0"/>
+              <a:rPr lang="en-US" sz="1200" dirty="0"/>
               <a:t>received to travel agent from airlines companies for </a:t>
             </a:r>
             <a:r>
-              <a:rPr lang="en-US" sz="1400" b="1" dirty="0" smtClean="0"/>
+              <a:rPr lang="en-US" sz="1200" dirty="0" smtClean="0"/>
               <a:t>URSC accomplished tours.</a:t>
             </a:r>
           </a:p>
@@ -5642,34 +5930,35 @@
               <a:buChar char="•"/>
             </a:pPr>
             <a:r>
-              <a:rPr lang="en-US" sz="1400" b="1" dirty="0"/>
-              <a:t>Developed a module towards e-Governance , where automated alerts of payment acknowledgements will be sent through SMS and </a:t>
-            </a:r>
-            <a:r>
-              <a:rPr lang="en-US" sz="1400" b="1" dirty="0" smtClean="0"/>
-              <a:t/>
-            </a:r>
-            <a:br>
-              <a:rPr lang="en-US" sz="1400" b="1" dirty="0" smtClean="0"/>
-            </a:br>
-            <a:r>
-              <a:rPr lang="en-US" sz="1400" b="1" dirty="0" smtClean="0"/>
+              <a:rPr lang="en-US" sz="1200" dirty="0"/>
+              <a:t>Developed a module towards </a:t>
+            </a:r>
+            <a:r>
+              <a:rPr lang="en-US" sz="1200" b="1" dirty="0"/>
+              <a:t>e-Governance</a:t>
+            </a:r>
+            <a:r>
+              <a:rPr lang="en-US" sz="1200" dirty="0"/>
+              <a:t> , where automated alerts of payment acknowledgements will be sent through SMS and </a:t>
+            </a:r>
+            <a:r>
+              <a:rPr lang="en-US" sz="1200" dirty="0" smtClean="0"/>
               <a:t>e-Mail</a:t>
             </a:r>
             <a:r>
-              <a:rPr lang="en-US" sz="1400" b="1" dirty="0"/>
+              <a:rPr lang="en-US" sz="1200" dirty="0"/>
               <a:t>. This will </a:t>
             </a:r>
             <a:r>
-              <a:rPr lang="en-US" sz="1400" b="1" dirty="0" smtClean="0"/>
+              <a:rPr lang="en-US" sz="1200" dirty="0" smtClean="0"/>
               <a:t>be a one more step towards practicing office-automation </a:t>
             </a:r>
             <a:r>
-              <a:rPr lang="en-US" sz="1400" b="1" dirty="0"/>
+              <a:rPr lang="en-US" sz="1200" dirty="0"/>
               <a:t>in URSC</a:t>
             </a:r>
             <a:r>
-              <a:rPr lang="en-US" sz="1400" b="1" dirty="0" smtClean="0"/>
+              <a:rPr lang="en-US" sz="1200" dirty="0" smtClean="0"/>
               <a:t>.</a:t>
             </a:r>
           </a:p>
@@ -5682,23 +5971,27 @@
               <a:buChar char="•"/>
             </a:pPr>
             <a:r>
-              <a:rPr lang="en-GB" sz="1400" b="1" dirty="0" smtClean="0"/>
-              <a:t>Transform the traditional database connection mechanism to CONNECTION POOLING </a:t>
-            </a:r>
-            <a:r>
-              <a:rPr lang="en-GB" sz="1400" b="1" dirty="0"/>
+              <a:rPr lang="en-GB" sz="1200" dirty="0" smtClean="0"/>
+              <a:t>Transform the traditional database connection mechanism to </a:t>
+            </a:r>
+            <a:r>
+              <a:rPr lang="en-GB" sz="1200" b="1" dirty="0" smtClean="0"/>
+              <a:t>CONNECTION POOLING </a:t>
+            </a:r>
+            <a:r>
+              <a:rPr lang="en-GB" sz="1200" dirty="0"/>
               <a:t>to enhance </a:t>
             </a:r>
             <a:r>
-              <a:rPr lang="en-GB" sz="1400" b="1" dirty="0" smtClean="0"/>
+              <a:rPr lang="en-GB" sz="1200" dirty="0" smtClean="0"/>
               <a:t>the</a:t>
             </a:r>
             <a:r>
-              <a:rPr lang="en-GB" sz="1400" b="1" dirty="0"/>
+              <a:rPr lang="en-GB" sz="1200" dirty="0"/>
               <a:t> application</a:t>
             </a:r>
             <a:r>
-              <a:rPr lang="en-GB" sz="1400" b="1" dirty="0" smtClean="0"/>
+              <a:rPr lang="en-GB" sz="1200" dirty="0" smtClean="0"/>
               <a:t> performance.</a:t>
             </a:r>
           </a:p>
@@ -5711,37 +6004,46 @@
               <a:buChar char="•"/>
             </a:pPr>
             <a:r>
-              <a:rPr lang="en-US" sz="1400" b="1" dirty="0"/>
-              <a:t>Introduced the open source version control system GIT </a:t>
-            </a:r>
-            <a:r>
-              <a:rPr lang="en-US" sz="1400" b="1" dirty="0" smtClean="0"/>
+              <a:rPr lang="en-US" sz="1200" dirty="0"/>
+              <a:t>Introduced the </a:t>
+            </a:r>
+            <a:r>
+              <a:rPr lang="en-US" sz="1200" b="1" dirty="0"/>
+              <a:t>open source version control </a:t>
+            </a:r>
+            <a:r>
+              <a:rPr lang="en-US" sz="1200" dirty="0"/>
+              <a:t>system GIT </a:t>
+            </a:r>
+            <a:r>
+              <a:rPr lang="en-US" sz="1200" dirty="0" smtClean="0"/>
               <a:t> to </a:t>
             </a:r>
             <a:r>
-              <a:rPr lang="en-US" sz="1400" b="1" dirty="0"/>
+              <a:rPr lang="en-US" sz="1200" dirty="0"/>
               <a:t>track </a:t>
             </a:r>
             <a:r>
-              <a:rPr lang="en-US" sz="1400" b="1" dirty="0" smtClean="0"/>
+              <a:rPr lang="en-US" sz="1200" dirty="0" smtClean="0"/>
               <a:t>every </a:t>
             </a:r>
             <a:r>
-              <a:rPr lang="en-US" sz="1400" b="1" dirty="0"/>
+              <a:rPr lang="en-US" sz="1200" dirty="0"/>
               <a:t>code </a:t>
             </a:r>
             <a:r>
-              <a:rPr lang="en-US" sz="1400" b="1" dirty="0" smtClean="0"/>
+              <a:rPr lang="en-US" sz="1200" dirty="0" smtClean="0"/>
               <a:t>change. This </a:t>
             </a:r>
             <a:r>
-              <a:rPr lang="en-US" sz="1400" b="1" dirty="0"/>
+              <a:rPr lang="en-US" sz="1200" dirty="0"/>
               <a:t>helps in seamless collaboration amongst </a:t>
             </a:r>
             <a:r>
-              <a:rPr lang="en-US" sz="1400" b="1" dirty="0" smtClean="0"/>
-              <a:t>developers</a:t>
-            </a:r>
+              <a:rPr lang="en-US" sz="1200" dirty="0" smtClean="0"/>
+              <a:t>developers.</a:t>
+            </a:r>
+            <a:endParaRPr lang="en-US" sz="1200" dirty="0" smtClean="0"/>
           </a:p>
           <a:p>
             <a:pPr>
@@ -5752,13 +6054,138 @@
               <a:buChar char="•"/>
             </a:pPr>
             <a:r>
-              <a:rPr lang="en-GB" sz="1400" b="1" dirty="0"/>
-              <a:t>Comprehensive online system for Official Travelling Allowance.</a:t>
-            </a:r>
-            <a:endParaRPr lang="en-GB" sz="1400" b="1" dirty="0"/>
-          </a:p>
-        </p:txBody>
-      </p:sp>
+              <a:rPr lang="en-GB" sz="1200" dirty="0"/>
+              <a:t>Comprehensive online system for </a:t>
+            </a:r>
+            <a:r>
+              <a:rPr lang="en-GB" sz="1200" b="1" dirty="0"/>
+              <a:t>Official Travelling Allowance</a:t>
+            </a:r>
+            <a:r>
+              <a:rPr lang="en-GB" sz="1200" dirty="0" smtClean="0"/>
+              <a:t>.</a:t>
+            </a:r>
+          </a:p>
+          <a:p>
+            <a:pPr>
+              <a:buClr>
+                <a:schemeClr val="tx1"/>
+              </a:buClr>
+              <a:buFont typeface="Arial" panose="020B0604020202020204" pitchFamily="34" charset="0"/>
+              <a:buChar char="•"/>
+            </a:pPr>
+            <a:r>
+              <a:rPr lang="en-US" sz="1200" dirty="0" err="1"/>
+              <a:t>Sandesh</a:t>
+            </a:r>
+            <a:r>
+              <a:rPr lang="en-US" sz="1200" dirty="0"/>
+              <a:t> system </a:t>
+            </a:r>
+            <a:r>
+              <a:rPr lang="en-US" sz="1200" dirty="0" smtClean="0"/>
+              <a:t>is presently </a:t>
+            </a:r>
+            <a:r>
+              <a:rPr lang="en-US" sz="1200" b="1" dirty="0" smtClean="0"/>
+              <a:t>deployed </a:t>
+            </a:r>
+            <a:r>
+              <a:rPr lang="en-US" sz="1200" b="1" dirty="0"/>
+              <a:t>at VSSC, LPSC(B), HSFC, MCF, ISRO HQ and </a:t>
+            </a:r>
+            <a:r>
+              <a:rPr lang="en-US" sz="1200" b="1" dirty="0" smtClean="0"/>
+              <a:t>PRL </a:t>
+            </a:r>
+            <a:r>
+              <a:rPr lang="en-US" sz="1200" dirty="0" smtClean="0"/>
+              <a:t>due to its effectiveness.</a:t>
+            </a:r>
+            <a:endParaRPr lang="en-IN" sz="1200" dirty="0"/>
+          </a:p>
+        </p:txBody>
+      </p:sp>
+      <p:pic>
+        <p:nvPicPr>
+          <p:cNvPr id="4" name="Picture 3"/>
+          <p:cNvPicPr>
+            <a:picLocks noChangeAspect="1"/>
+          </p:cNvPicPr>
+          <p:nvPr/>
+        </p:nvPicPr>
+        <p:blipFill>
+          <a:blip r:embed="rId2" cstate="print">
+            <a:extLst>
+              <a:ext uri="{28A0092B-C50C-407E-A947-70E740481C1C}">
+                <a14:useLocalDpi xmlns:a14="http://schemas.microsoft.com/office/drawing/2010/main" val="0"/>
+              </a:ext>
+            </a:extLst>
+          </a:blip>
+          <a:stretch>
+            <a:fillRect/>
+          </a:stretch>
+        </p:blipFill>
+        <p:spPr>
+          <a:xfrm>
+            <a:off x="8314985" y="1845733"/>
+            <a:ext cx="3622549" cy="1702809"/>
+          </a:xfrm>
+          <a:prstGeom prst="rect">
+            <a:avLst/>
+          </a:prstGeom>
+          <a:ln>
+            <a:noFill/>
+          </a:ln>
+          <a:effectLst>
+            <a:outerShdw blurRad="292100" dist="139700" dir="2700000" algn="tl" rotWithShape="0">
+              <a:srgbClr val="333333">
+                <a:alpha val="65000"/>
+              </a:srgbClr>
+            </a:outerShdw>
+          </a:effectLst>
+        </p:spPr>
+      </p:pic>
+      <p:pic>
+        <p:nvPicPr>
+          <p:cNvPr id="7" name="Picture 6"/>
+          <p:cNvPicPr>
+            <a:picLocks noChangeAspect="1"/>
+          </p:cNvPicPr>
+          <p:nvPr/>
+        </p:nvPicPr>
+        <p:blipFill>
+          <a:blip r:embed="rId3">
+            <a:extLst>
+              <a:ext uri="{28A0092B-C50C-407E-A947-70E740481C1C}">
+                <a14:useLocalDpi xmlns:a14="http://schemas.microsoft.com/office/drawing/2010/main" val="0"/>
+              </a:ext>
+            </a:extLst>
+          </a:blip>
+          <a:stretch>
+            <a:fillRect/>
+          </a:stretch>
+        </p:blipFill>
+        <p:spPr>
+          <a:xfrm>
+            <a:off x="8314986" y="3716323"/>
+            <a:ext cx="3698050" cy="2348918"/>
+          </a:xfrm>
+          <a:prstGeom prst="rect">
+            <a:avLst/>
+          </a:prstGeom>
+          <a:ln>
+            <a:noFill/>
+          </a:ln>
+          <a:effectLst>
+            <a:outerShdw blurRad="292100" dist="139700" dir="2700000" algn="tl" rotWithShape="0">
+              <a:srgbClr val="333333">
+                <a:alpha val="65000"/>
+              </a:srgbClr>
+            </a:outerShdw>
+          </a:effectLst>
+        </p:spPr>
+      </p:pic>
     </p:spTree>
     <p:extLst>
       <p:ext uri="{BB962C8B-B14F-4D97-AF65-F5344CB8AC3E}">
@@ -5769,6 +6196,13 @@
   <p:clrMapOvr>
     <a:masterClrMapping/>
   </p:clrMapOvr>
+  <p:timing>
+    <p:tnLst>
+      <p:par>
+        <p:cTn id="1" dur="indefinite" restart="never" nodeType="tmRoot"/>
+      </p:par>
+    </p:tnLst>
+  </p:timing>
 </p:sld>
 </file>
 
@@ -5834,7 +6268,9 @@
         </p:nvSpPr>
         <p:spPr/>
         <p:txBody>
-          <a:bodyPr/>
+          <a:bodyPr>
+            <a:normAutofit/>
+          </a:bodyPr>
           <a:lstStyle/>
           <a:p>
             <a:pPr>
@@ -5843,12 +6279,12 @@
               <a:buChar char="•"/>
             </a:pPr>
             <a:r>
-              <a:rPr lang="en-IN" dirty="0" smtClean="0"/>
-              <a:t> </a:t>
+              <a:rPr lang="en-US" sz="1400" dirty="0" smtClean="0"/>
+              <a:t>As </a:t>
             </a:r>
             <a:r>
               <a:rPr lang="en-US" sz="1400" dirty="0"/>
-              <a:t>As an author of technical paper on ‘</a:t>
+              <a:t>an author of technical paper on ‘</a:t>
             </a:r>
             <a:r>
               <a:rPr lang="en-US" sz="1400" b="1" dirty="0"/>
@@ -5864,12 +6300,33 @@
             </a:r>
             <a:r>
               <a:rPr lang="en-US" sz="1400" dirty="0"/>
-              <a:t>for oral presentation from ISRO Seminar on Computer and Information Technology (ISCIT) </a:t>
-            </a:r>
-            <a:r>
-              <a:rPr lang="en-US" sz="1400" dirty="0" smtClean="0"/>
-              <a:t>.</a:t>
-            </a:r>
+              <a:t>for oral presentation from ISRO Seminar on Computer and Information Technology (</a:t>
+            </a:r>
+            <a:r>
+              <a:rPr lang="en-US" sz="1400" b="1" dirty="0"/>
+              <a:t>ISCIT</a:t>
+            </a:r>
+            <a:r>
+              <a:rPr lang="en-US" sz="1400" dirty="0"/>
+              <a:t>) </a:t>
+            </a:r>
+            <a:r>
+              <a:rPr lang="en-US" sz="1400" dirty="0"/>
+              <a:t>held at </a:t>
+            </a:r>
+            <a:r>
+              <a:rPr lang="en-GB" sz="1400" dirty="0" smtClean="0"/>
+              <a:t>ISRO </a:t>
+            </a:r>
+            <a:r>
+              <a:rPr lang="en-GB" sz="1400" dirty="0"/>
+              <a:t>Propulsion Complex (IPRC), </a:t>
+            </a:r>
+            <a:r>
+              <a:rPr lang="en-GB" sz="1400" dirty="0" smtClean="0"/>
+              <a:t>Mahendragiri.</a:t>
+            </a:r>
+            <a:endParaRPr lang="en-US" sz="1400" dirty="0" smtClean="0"/>
           </a:p>
           <a:p>
             <a:pPr>
@@ -5879,11 +6336,27 @@
             </a:pPr>
             <a:r>
               <a:rPr lang="en-US" sz="1400" dirty="0" smtClean="0"/>
-              <a:t>Designed, developed and demonstrated a prototype model to retrieve data from multiple </a:t>
+              <a:t>Designed</a:t>
+            </a:r>
+            <a:r>
+              <a:rPr lang="en-US" sz="1400" dirty="0" smtClean="0"/>
+              <a:t>, developed and demonstrated a prototype model to retrieve data from </a:t>
+            </a:r>
+            <a:r>
+              <a:rPr lang="en-GB" sz="1400" b="1" dirty="0"/>
+              <a:t>distributed database</a:t>
+            </a:r>
+            <a:r>
+              <a:rPr lang="en-GB" sz="1400" dirty="0"/>
+              <a:t> </a:t>
+            </a:r>
+            <a:r>
+              <a:rPr lang="en-US" sz="1400" dirty="0" smtClean="0"/>
+              <a:t>on </a:t>
             </a:r>
             <a:r>
               <a:rPr lang="en-US" sz="1400" dirty="0"/>
-              <a:t>databases on real time </a:t>
+              <a:t>real time </a:t>
             </a:r>
             <a:r>
               <a:rPr lang="en-US" sz="1400" dirty="0" smtClean="0"/>
@@ -5893,17 +6366,30 @@
               <a:rPr lang="en-US" sz="1400" dirty="0" smtClean="0"/>
             </a:br>
             <a:r>
-              <a:rPr lang="en-US" sz="1400" dirty="0" smtClean="0"/>
+              <a:rPr lang="en-US" sz="1400" b="1" dirty="0" smtClean="0"/>
               <a:t>SPRING-BOOT</a:t>
             </a:r>
             <a:r>
-              <a:rPr lang="en-US" sz="1400" dirty="0"/>
-              <a:t>, Hibernate and bootstrap </a:t>
-            </a:r>
-            <a:r>
-              <a:rPr lang="en-US" sz="1400" dirty="0" smtClean="0"/>
-              <a:t>technologies.</a:t>
-            </a:r>
+              <a:rPr lang="en-US" sz="1400" b="1" dirty="0"/>
+              <a:t>, Hibernate and </a:t>
+            </a:r>
+            <a:r>
+              <a:rPr lang="en-US" sz="1400" b="1" dirty="0"/>
+              <a:t>bootstrap </a:t>
+            </a:r>
+            <a:r>
+              <a:rPr lang="en-US" sz="1400" b="1" dirty="0"/>
+              <a:t>technologies. This will be useful in </a:t>
+            </a:r>
+            <a:r>
+              <a:rPr lang="en-GB" sz="1400" b="1" dirty="0"/>
+              <a:t>developing an Integrated MIS </a:t>
+            </a:r>
+            <a:r>
+              <a:rPr lang="en-GB" sz="1400" b="1" dirty="0" smtClean="0"/>
+              <a:t>system.</a:t>
+            </a:r>
+            <a:endParaRPr lang="en-US" sz="1400" b="1" dirty="0" smtClean="0"/>
           </a:p>
           <a:p>
             <a:pPr>
@@ -5921,11 +6407,19 @@
             </a:r>
             <a:r>
               <a:rPr lang="en-US" sz="1400" dirty="0"/>
-              <a:t>of MISD for ISO program, responsible for maintaining required ISO documents for the division which are essential in maintaining ISO standard activities</a:t>
+              <a:t>of MISD for ISO program, responsible for maintaining required ISO documents for </a:t>
+            </a:r>
+            <a:r>
+              <a:rPr lang="en-US" sz="1400" dirty="0"/>
+              <a:t>the</a:t>
+            </a:r>
+            <a:r>
+              <a:rPr lang="en-US" sz="1400" dirty="0"/>
+              <a:t> division which are essential in maintaining ISO standard </a:t>
             </a:r>
             <a:r>
               <a:rPr lang="en-US" sz="1400" dirty="0" smtClean="0"/>
-              <a:t>.</a:t>
+              <a:t>activities.</a:t>
             </a:r>
           </a:p>
           <a:p>
@@ -5935,8 +6429,74 @@
               <a:buChar char="•"/>
             </a:pPr>
             <a:r>
+              <a:rPr lang="en-US" sz="1400" dirty="0" smtClean="0"/>
+              <a:t>Introduced an Open source tool , DOXYGEN for </a:t>
+            </a:r>
+            <a:r>
+              <a:rPr lang="en-GB" sz="1400" dirty="0" smtClean="0"/>
+              <a:t>generating </a:t>
+            </a:r>
+            <a:r>
+              <a:rPr lang="en-GB" sz="1400" dirty="0"/>
+              <a:t>documentation </a:t>
+            </a:r>
+            <a:r>
+              <a:rPr lang="en-GB" sz="1400" dirty="0" smtClean="0"/>
+              <a:t>from all popular annotated programming languages. This tool has </a:t>
+            </a:r>
+            <a:r>
+              <a:rPr lang="en-GB" sz="1400" dirty="0"/>
+              <a:t>generated online documentations(in browser) and set of off-line reference </a:t>
+            </a:r>
+            <a:r>
+              <a:rPr lang="en-GB" sz="1400" dirty="0" smtClean="0"/>
+              <a:t>manual in PDFs which helped </a:t>
+            </a:r>
+            <a:r>
+              <a:rPr lang="en-GB" sz="1400" b="1" dirty="0" smtClean="0"/>
+              <a:t>in </a:t>
+            </a:r>
+            <a:r>
+              <a:rPr lang="en-GB" sz="1400" b="1" dirty="0"/>
+              <a:t>maintaining software-quality </a:t>
+            </a:r>
+            <a:r>
+              <a:rPr lang="en-GB" sz="1400" b="1" dirty="0" smtClean="0"/>
+              <a:t>and </a:t>
+            </a:r>
+            <a:r>
+              <a:rPr lang="en-US" sz="1400" b="1" dirty="0"/>
+              <a:t>ISO standard </a:t>
+            </a:r>
+            <a:r>
+              <a:rPr lang="en-US" sz="1400" b="1" dirty="0" smtClean="0"/>
+              <a:t>activities.</a:t>
+            </a:r>
+          </a:p>
+          <a:p>
+            <a:pPr>
+              <a:buClrTx/>
+              <a:buFont typeface="Arial" panose="020B0604020202020204" pitchFamily="34" charset="0"/>
+              <a:buChar char="•"/>
+            </a:pPr>
+            <a:r>
+              <a:rPr lang="en-US" sz="1400" b="1" dirty="0" smtClean="0"/>
+              <a:t>TODO</a:t>
+            </a:r>
+          </a:p>
+          <a:p>
+            <a:pPr>
+              <a:buClrTx/>
+              <a:buFont typeface="Arial" panose="020B0604020202020204" pitchFamily="34" charset="0"/>
+              <a:buChar char="•"/>
+            </a:pPr>
+            <a:r>
+              <a:rPr lang="en-US" sz="1400" dirty="0" smtClean="0"/>
+              <a:t>On </a:t>
+            </a:r>
+            <a:r>
               <a:rPr lang="en-US" sz="1400" dirty="0"/>
-              <a:t>On behalf of URSC, attended ‘One-Day Workshop on HINDI KNOWLEDGE MANAGEMENT APPLICATION’ held at SAC. This application is developed to digitalizes the various operational activities of respective </a:t>
+              <a:t>behalf of URSC, attended ‘One-Day Workshop on HINDI KNOWLEDGE MANAGEMENT APPLICATION’ held at SAC. This application is developed to digitalizes the various operational activities of respective </a:t>
             </a:r>
             <a:r>
               <a:rPr lang="en-US" sz="1400" dirty="0" err="1"/>
@@ -5960,7 +6520,11 @@
             </a:r>
             <a:r>
               <a:rPr lang="en-US" sz="1400" dirty="0"/>
-              <a:t>Cell and made available for the Functional testing.</a:t>
+              <a:t>Cell and made available for the Functional </a:t>
+            </a:r>
+            <a:r>
+              <a:rPr lang="en-US" sz="1400" dirty="0" smtClean="0"/>
+              <a:t>testing to ends users.</a:t>
             </a:r>
             <a:endParaRPr lang="en-GB" sz="1400" dirty="0"/>
           </a:p>
@@ -5976,6 +6540,13 @@
   <p:clrMapOvr>
     <a:masterClrMapping/>
   </p:clrMapOvr>
+  <p:timing>
+    <p:tnLst>
+      <p:par>
+        <p:cTn id="1" dur="indefinite" restart="never" nodeType="tmRoot"/>
+      </p:par>
+    </p:tnLst>
+  </p:timing>
 </p:sld>
 </file>
 

--- a/handOutSources/navdeep.pptx
+++ b/handOutSources/navdeep.pptx
@@ -343,7 +343,7 @@
           <a:p>
             <a:fld id="{FAE648DA-AB40-4E99-A391-BD85BFC6A8BA}" type="datetimeFigureOut">
               <a:rPr lang="en-GB" smtClean="0"/>
-              <a:t>01/06/2020</a:t>
+              <a:t>02/06/2020</a:t>
             </a:fld>
             <a:endParaRPr lang="en-GB"/>
           </a:p>
@@ -551,7 +551,7 @@
           <a:p>
             <a:fld id="{FAE648DA-AB40-4E99-A391-BD85BFC6A8BA}" type="datetimeFigureOut">
               <a:rPr lang="en-GB" smtClean="0"/>
-              <a:t>01/06/2020</a:t>
+              <a:t>02/06/2020</a:t>
             </a:fld>
             <a:endParaRPr lang="en-GB"/>
           </a:p>
@@ -807,7 +807,7 @@
           <a:p>
             <a:fld id="{FAE648DA-AB40-4E99-A391-BD85BFC6A8BA}" type="datetimeFigureOut">
               <a:rPr lang="en-GB" smtClean="0"/>
-              <a:t>01/06/2020</a:t>
+              <a:t>02/06/2020</a:t>
             </a:fld>
             <a:endParaRPr lang="en-GB"/>
           </a:p>
@@ -977,7 +977,7 @@
           <a:p>
             <a:fld id="{FAE648DA-AB40-4E99-A391-BD85BFC6A8BA}" type="datetimeFigureOut">
               <a:rPr lang="en-GB" smtClean="0"/>
-              <a:t>01/06/2020</a:t>
+              <a:t>02/06/2020</a:t>
             </a:fld>
             <a:endParaRPr lang="en-GB"/>
           </a:p>
@@ -1320,7 +1320,7 @@
           <a:p>
             <a:fld id="{FAE648DA-AB40-4E99-A391-BD85BFC6A8BA}" type="datetimeFigureOut">
               <a:rPr lang="en-GB" smtClean="0"/>
-              <a:t>01/06/2020</a:t>
+              <a:t>02/06/2020</a:t>
             </a:fld>
             <a:endParaRPr lang="en-GB"/>
           </a:p>
@@ -1595,7 +1595,7 @@
           <a:p>
             <a:fld id="{FAE648DA-AB40-4E99-A391-BD85BFC6A8BA}" type="datetimeFigureOut">
               <a:rPr lang="en-GB" smtClean="0"/>
-              <a:t>01/06/2020</a:t>
+              <a:t>02/06/2020</a:t>
             </a:fld>
             <a:endParaRPr lang="en-GB"/>
           </a:p>
@@ -1974,7 +1974,7 @@
           <a:p>
             <a:fld id="{FAE648DA-AB40-4E99-A391-BD85BFC6A8BA}" type="datetimeFigureOut">
               <a:rPr lang="en-GB" smtClean="0"/>
-              <a:t>01/06/2020</a:t>
+              <a:t>02/06/2020</a:t>
             </a:fld>
             <a:endParaRPr lang="en-GB"/>
           </a:p>
@@ -2092,7 +2092,7 @@
           <a:p>
             <a:fld id="{FAE648DA-AB40-4E99-A391-BD85BFC6A8BA}" type="datetimeFigureOut">
               <a:rPr lang="en-GB" smtClean="0"/>
-              <a:t>01/06/2020</a:t>
+              <a:t>02/06/2020</a:t>
             </a:fld>
             <a:endParaRPr lang="en-GB"/>
           </a:p>
@@ -2263,7 +2263,7 @@
           <a:p>
             <a:fld id="{FAE648DA-AB40-4E99-A391-BD85BFC6A8BA}" type="datetimeFigureOut">
               <a:rPr lang="en-GB" smtClean="0"/>
-              <a:t>01/06/2020</a:t>
+              <a:t>02/06/2020</a:t>
             </a:fld>
             <a:endParaRPr lang="en-GB"/>
           </a:p>
@@ -2617,7 +2617,7 @@
           <a:p>
             <a:fld id="{FAE648DA-AB40-4E99-A391-BD85BFC6A8BA}" type="datetimeFigureOut">
               <a:rPr lang="en-GB" smtClean="0"/>
-              <a:t>01/06/2020</a:t>
+              <a:t>02/06/2020</a:t>
             </a:fld>
             <a:endParaRPr lang="en-GB"/>
           </a:p>
@@ -2994,7 +2994,7 @@
           <a:p>
             <a:fld id="{FAE648DA-AB40-4E99-A391-BD85BFC6A8BA}" type="datetimeFigureOut">
               <a:rPr lang="en-GB" smtClean="0"/>
-              <a:t>01/06/2020</a:t>
+              <a:t>02/06/2020</a:t>
             </a:fld>
             <a:endParaRPr lang="en-GB"/>
           </a:p>
@@ -3281,7 +3281,7 @@
           <a:p>
             <a:fld id="{FAE648DA-AB40-4E99-A391-BD85BFC6A8BA}" type="datetimeFigureOut">
               <a:rPr lang="en-GB" smtClean="0"/>
-              <a:t>01/06/2020</a:t>
+              <a:t>02/06/2020</a:t>
             </a:fld>
             <a:endParaRPr lang="en-GB"/>
           </a:p>
@@ -4441,13 +4441,7 @@
                         <a:rPr lang="en-US" sz="1600" dirty="0" smtClean="0">
                           <a:effectLst/>
                         </a:rPr>
-                        <a:t>Deploy programs and evaluate user feedback</a:t>
-                      </a:r>
-                      <a:r>
-                        <a:rPr lang="en-US" sz="1600" dirty="0" smtClean="0">
-                          <a:effectLst/>
-                        </a:rPr>
-                        <a:t>.</a:t>
+                        <a:t>Deploy programs and evaluate user feedback.</a:t>
                       </a:r>
                     </a:p>
                     <a:p>
@@ -5024,23 +5018,11 @@
             </a:r>
             <a:r>
               <a:rPr lang="en-US" sz="3500" dirty="0" smtClean="0"/>
-              <a:t>and </a:t>
-            </a:r>
-            <a:r>
-              <a:rPr lang="en-US" sz="3500" dirty="0" smtClean="0"/>
-              <a:t>completed </a:t>
-            </a:r>
-            <a:r>
-              <a:rPr lang="en-US" sz="3500" dirty="0" smtClean="0"/>
-              <a:t>the </a:t>
+              <a:t>and completed the </a:t>
             </a:r>
             <a:r>
               <a:rPr lang="en-US" sz="3500" b="1" dirty="0" smtClean="0"/>
-              <a:t>requirement analysis in coordination with </a:t>
-            </a:r>
-            <a:r>
-              <a:rPr lang="en-US" sz="3500" b="1" dirty="0" smtClean="0"/>
-              <a:t>IT department at PFMS</a:t>
+              <a:t>requirement analysis in coordination with IT department at PFMS</a:t>
             </a:r>
             <a:r>
               <a:rPr lang="en-US" sz="3500" dirty="0" smtClean="0"/>
@@ -5060,15 +5042,7 @@
             </a:r>
             <a:r>
               <a:rPr lang="en-US" sz="3500" dirty="0" smtClean="0"/>
-              <a:t> the IPWS </a:t>
-            </a:r>
-            <a:r>
-              <a:rPr lang="en-US" sz="3500" dirty="0" smtClean="0"/>
-              <a:t>application </a:t>
-            </a:r>
-            <a:r>
-              <a:rPr lang="en-US" sz="3500" dirty="0" smtClean="0"/>
-              <a:t>that </a:t>
+              <a:t> the IPWS application that </a:t>
             </a:r>
             <a:r>
               <a:rPr lang="en-US" sz="3500" dirty="0"/>
@@ -5086,7 +5060,6 @@
               <a:rPr lang="en-US" sz="3500" dirty="0" smtClean="0"/>
               <a:t>service consumption system after validation at IPWS. PFMS server in return send XML responses which are exhaustively processed at IPWS against various conditions before passing it to COINS server for database updates.</a:t>
             </a:r>
-            <a:endParaRPr lang="en-US" sz="3500" dirty="0" smtClean="0"/>
           </a:p>
           <a:p>
             <a:pPr>
@@ -5108,11 +5081,7 @@
             </a:r>
             <a:r>
               <a:rPr lang="en-IN" sz="3500" b="1" dirty="0" smtClean="0"/>
-              <a:t>rsync utility</a:t>
-            </a:r>
-            <a:r>
-              <a:rPr lang="en-IN" sz="3500" b="1" dirty="0" smtClean="0"/>
-              <a:t>. </a:t>
+              <a:t>rsync utility. </a:t>
             </a:r>
           </a:p>
           <a:p>
@@ -5205,31 +5174,15 @@
             </a:pPr>
             <a:r>
               <a:rPr lang="en-IN" sz="3500" dirty="0" smtClean="0"/>
-              <a:t>Responsible </a:t>
+              <a:t>Responsible for</a:t>
+            </a:r>
+            <a:r>
+              <a:rPr lang="en-IN" sz="3500" b="1" dirty="0" smtClean="0"/>
+              <a:t> all enhancements</a:t>
             </a:r>
             <a:r>
               <a:rPr lang="en-IN" sz="3500" dirty="0" smtClean="0"/>
-              <a:t>for</a:t>
-            </a:r>
-            <a:r>
-              <a:rPr lang="en-IN" sz="3500" b="1" dirty="0" smtClean="0"/>
-              <a:t> </a:t>
-            </a:r>
-            <a:r>
-              <a:rPr lang="en-IN" sz="3500" b="1" dirty="0" smtClean="0"/>
-              <a:t>all enhancements</a:t>
-            </a:r>
-            <a:r>
-              <a:rPr lang="en-IN" sz="3500" dirty="0" smtClean="0"/>
-              <a:t> </a:t>
-            </a:r>
-            <a:r>
-              <a:rPr lang="en-IN" sz="3500" dirty="0" smtClean="0"/>
-              <a:t>to be made in the system </a:t>
-            </a:r>
-            <a:r>
-              <a:rPr lang="en-IN" sz="3500" dirty="0" smtClean="0"/>
-              <a:t>in order to satisfy new </a:t>
+              <a:t> to be made in the system in order to satisfy new </a:t>
             </a:r>
             <a:r>
               <a:rPr lang="en-IN" sz="3500" dirty="0"/>
@@ -5239,7 +5192,6 @@
               <a:rPr lang="en-IN" sz="3500" dirty="0" smtClean="0"/>
               <a:t>requirements and improvement in system performance on the  whole.</a:t>
             </a:r>
-            <a:endParaRPr lang="en-IN" sz="3500" dirty="0" smtClean="0"/>
           </a:p>
           <a:p>
             <a:pPr>
@@ -5257,7 +5209,19 @@
             </a:r>
             <a:r>
               <a:rPr lang="en-IN" sz="3500" dirty="0" smtClean="0"/>
-              <a:t>to correct or report any </a:t>
+              <a:t>to </a:t>
+            </a:r>
+            <a:r>
+              <a:rPr lang="en-IN" sz="3500" dirty="0"/>
+              <a:t>report </a:t>
+            </a:r>
+            <a:r>
+              <a:rPr lang="en-IN" sz="3500" dirty="0" smtClean="0"/>
+              <a:t>or correct</a:t>
+            </a:r>
+            <a:r>
+              <a:rPr lang="en-IN" sz="3500" dirty="0" smtClean="0"/>
+              <a:t> any </a:t>
             </a:r>
             <a:r>
               <a:rPr lang="en-GB" sz="3600" dirty="0"/>
@@ -5284,11 +5248,7 @@
             </a:r>
             <a:r>
               <a:rPr lang="en-US" sz="3500" b="1" dirty="0"/>
-              <a:t>satisfactorily serving </a:t>
-            </a:r>
-            <a:r>
-              <a:rPr lang="en-US" sz="3500" b="1" dirty="0"/>
-              <a:t>its objective </a:t>
+              <a:t>satisfactorily serving its objective </a:t>
             </a:r>
             <a:r>
               <a:rPr lang="en-US" sz="3500" b="1" dirty="0" smtClean="0"/>
@@ -5420,11 +5380,7 @@
             </a:pPr>
             <a:r>
               <a:rPr lang="en-US" sz="1600" dirty="0" smtClean="0"/>
-              <a:t>It is an </a:t>
-            </a:r>
-            <a:r>
-              <a:rPr lang="en-US" sz="1600" dirty="0" smtClean="0"/>
-              <a:t>interface software that transfer ISRO-DOS accounting information to PFMS system in the form of XML files.</a:t>
+              <a:t>It is an interface software that transfer ISRO-DOS accounting information to PFMS system in the form of XML files.</a:t>
             </a:r>
           </a:p>
           <a:p>
@@ -5532,15 +5488,7 @@
             </a:r>
             <a:r>
               <a:rPr lang="en-US" sz="1600" dirty="0" smtClean="0"/>
-              <a:t>in continual </a:t>
-            </a:r>
-            <a:r>
-              <a:rPr lang="en-US" sz="1600" dirty="0" smtClean="0"/>
-              <a:t>use</a:t>
-            </a:r>
-            <a:r>
-              <a:rPr lang="en-US" sz="1600" dirty="0" smtClean="0"/>
-              <a:t> </a:t>
+              <a:t>in continual use </a:t>
             </a:r>
             <a:r>
               <a:rPr lang="en-US" sz="1600" dirty="0"/>
@@ -5777,11 +5725,7 @@
             </a:pPr>
             <a:r>
               <a:rPr lang="en-US" sz="1200" dirty="0" smtClean="0"/>
-              <a:t>Responsible </a:t>
-            </a:r>
-            <a:r>
-              <a:rPr lang="en-US" sz="1200" dirty="0" smtClean="0"/>
-              <a:t>for </a:t>
+              <a:t>Responsible for </a:t>
             </a:r>
             <a:r>
               <a:rPr lang="en-US" sz="1200" b="1" dirty="0" smtClean="0"/>
@@ -5805,15 +5749,7 @@
             </a:r>
             <a:r>
               <a:rPr lang="en-US" sz="1200" dirty="0" smtClean="0"/>
-              <a:t>innovation , maintenance and </a:t>
-            </a:r>
-            <a:r>
-              <a:rPr lang="en-US" sz="1200" dirty="0" smtClean="0"/>
-              <a:t>encourage </a:t>
-            </a:r>
-            <a:r>
-              <a:rPr lang="en-US" sz="1200" dirty="0" smtClean="0"/>
-              <a:t>paperless </a:t>
+              <a:t>innovation , maintenance and encourage paperless </a:t>
             </a:r>
             <a:r>
               <a:rPr lang="en-US" sz="1200" dirty="0"/>
@@ -5831,7 +5767,6 @@
               <a:rPr lang="en-US" sz="1200" dirty="0" smtClean="0"/>
               <a:t>through SANDESH system.</a:t>
             </a:r>
-            <a:endParaRPr lang="en-US" sz="1200" dirty="0" smtClean="0"/>
           </a:p>
           <a:p>
             <a:pPr>
@@ -6043,7 +5978,6 @@
               <a:rPr lang="en-US" sz="1200" dirty="0" smtClean="0"/>
               <a:t>developers.</a:t>
             </a:r>
-            <a:endParaRPr lang="en-US" sz="1200" dirty="0" smtClean="0"/>
           </a:p>
           <a:p>
             <a:pPr>
@@ -6308,11 +6242,7 @@
             </a:r>
             <a:r>
               <a:rPr lang="en-US" sz="1400" dirty="0"/>
-              <a:t>) </a:t>
-            </a:r>
-            <a:r>
-              <a:rPr lang="en-US" sz="1400" dirty="0"/>
-              <a:t>held at </a:t>
+              <a:t>) held at </a:t>
             </a:r>
             <a:r>
               <a:rPr lang="en-GB" sz="1400" dirty="0" smtClean="0"/>
@@ -6336,11 +6266,7 @@
             </a:pPr>
             <a:r>
               <a:rPr lang="en-US" sz="1400" dirty="0" smtClean="0"/>
-              <a:t>Designed</a:t>
-            </a:r>
-            <a:r>
-              <a:rPr lang="en-US" sz="1400" dirty="0" smtClean="0"/>
-              <a:t>, developed and demonstrated a prototype model to retrieve data from </a:t>
+              <a:t>Designed, developed and demonstrated a prototype model to retrieve data from </a:t>
             </a:r>
             <a:r>
               <a:rPr lang="en-GB" sz="1400" b="1" dirty="0"/>
@@ -6371,15 +6297,7 @@
             </a:r>
             <a:r>
               <a:rPr lang="en-US" sz="1400" b="1" dirty="0"/>
-              <a:t>, Hibernate and </a:t>
-            </a:r>
-            <a:r>
-              <a:rPr lang="en-US" sz="1400" b="1" dirty="0"/>
-              <a:t>bootstrap </a:t>
-            </a:r>
-            <a:r>
-              <a:rPr lang="en-US" sz="1400" b="1" dirty="0"/>
-              <a:t>technologies. This will be useful in </a:t>
+              <a:t>, Hibernate and bootstrap technologies. This will be useful in </a:t>
             </a:r>
             <a:r>
               <a:rPr lang="en-GB" sz="1400" b="1" dirty="0"/>
@@ -6398,28 +6316,60 @@
               <a:buChar char="•"/>
             </a:pPr>
             <a:r>
+              <a:rPr lang="en-US" sz="1400" dirty="0" smtClean="0"/>
+              <a:t>Pursuing </a:t>
+            </a:r>
+            <a:r>
+              <a:rPr lang="en-US" sz="1400" dirty="0" err="1"/>
+              <a:t>M.Tech</a:t>
+            </a:r>
+            <a:r>
               <a:rPr lang="en-US" sz="1400" dirty="0"/>
-              <a:t>As </a:t>
-            </a:r>
-            <a:r>
-              <a:rPr lang="en-US" sz="1400" b="1" dirty="0"/>
-              <a:t>Division Level Management Representatives (DMR) </a:t>
+              <a:t>. Software </a:t>
+            </a:r>
+            <a:r>
+              <a:rPr lang="en-US" sz="1400" dirty="0" smtClean="0"/>
+              <a:t>Systems program in </a:t>
+            </a:r>
+            <a:r>
+              <a:rPr lang="en-US" sz="1400" b="1" dirty="0" smtClean="0"/>
+              <a:t>Data Analytics from BITS-</a:t>
+            </a:r>
+            <a:r>
+              <a:rPr lang="en-US" sz="1400" b="1" dirty="0" err="1" smtClean="0"/>
+              <a:t>Pilani</a:t>
+            </a:r>
+            <a:r>
+              <a:rPr lang="en-US" sz="1400" b="1" dirty="0" smtClean="0"/>
+              <a:t> ,Work Integrated Learning </a:t>
+            </a:r>
+            <a:r>
+              <a:rPr lang="en-US" sz="1400" b="1" dirty="0" err="1" smtClean="0"/>
+              <a:t>Programmes</a:t>
+            </a:r>
+            <a:r>
+              <a:rPr lang="en-US" sz="1400" b="1" dirty="0" smtClean="0"/>
+              <a:t> (WILP). </a:t>
+            </a:r>
+            <a:r>
+              <a:rPr lang="en-US" sz="1400" dirty="0" smtClean="0"/>
+              <a:t>This program is carried out in </a:t>
             </a:r>
             <a:r>
               <a:rPr lang="en-US" sz="1400" dirty="0"/>
-              <a:t>of MISD for ISO program, responsible for maintaining required ISO documents for </a:t>
+              <a:t>online classes </a:t>
+            </a:r>
+            <a:r>
+              <a:rPr lang="en-US" sz="1400" dirty="0" smtClean="0"/>
+              <a:t>mode and conducted </a:t>
             </a:r>
             <a:r>
               <a:rPr lang="en-US" sz="1400" dirty="0"/>
-              <a:t>the</a:t>
-            </a:r>
-            <a:r>
-              <a:rPr lang="en-US" sz="1400" dirty="0"/>
-              <a:t> division which are essential in maintaining ISO standard </a:t>
+              <a:t>mostly on weekends or after business hours</a:t>
             </a:r>
             <a:r>
               <a:rPr lang="en-US" sz="1400" dirty="0" smtClean="0"/>
-              <a:t>activities.</a:t>
+              <a:t>.</a:t>
             </a:r>
           </a:p>
           <a:p>
@@ -6429,49 +6379,22 @@
               <a:buChar char="•"/>
             </a:pPr>
             <a:r>
+              <a:rPr lang="en-US" sz="1400" dirty="0"/>
+              <a:t>As </a:t>
+            </a:r>
+            <a:r>
+              <a:rPr lang="en-US" sz="1400" b="1" dirty="0"/>
+              <a:t>Division Level Management Representatives (DMR) </a:t>
+            </a:r>
+            <a:r>
+              <a:rPr lang="en-US" sz="1400" dirty="0"/>
+              <a:t>of MISD for ISO program, responsible for maintaining required ISO documents for the division which are essential in maintaining ISO standard activities</a:t>
+            </a:r>
+            <a:r>
               <a:rPr lang="en-US" sz="1400" dirty="0" smtClean="0"/>
-              <a:t>Introduced an Open source tool , DOXYGEN for </a:t>
-            </a:r>
-            <a:r>
-              <a:rPr lang="en-GB" sz="1400" dirty="0" smtClean="0"/>
-              <a:t>generating </a:t>
-            </a:r>
-            <a:r>
-              <a:rPr lang="en-GB" sz="1400" dirty="0"/>
-              <a:t>documentation </a:t>
-            </a:r>
-            <a:r>
-              <a:rPr lang="en-GB" sz="1400" dirty="0" smtClean="0"/>
-              <a:t>from all popular annotated programming languages. This tool has </a:t>
-            </a:r>
-            <a:r>
-              <a:rPr lang="en-GB" sz="1400" dirty="0"/>
-              <a:t>generated online documentations(in browser) and set of off-line reference </a:t>
-            </a:r>
-            <a:r>
-              <a:rPr lang="en-GB" sz="1400" dirty="0" smtClean="0"/>
-              <a:t>manual in PDFs which helped </a:t>
-            </a:r>
-            <a:r>
-              <a:rPr lang="en-GB" sz="1400" b="1" dirty="0" smtClean="0"/>
-              <a:t>in </a:t>
-            </a:r>
-            <a:r>
-              <a:rPr lang="en-GB" sz="1400" b="1" dirty="0"/>
-              <a:t>maintaining software-quality </a:t>
-            </a:r>
-            <a:r>
-              <a:rPr lang="en-GB" sz="1400" b="1" dirty="0" smtClean="0"/>
-              <a:t>and </a:t>
-            </a:r>
-            <a:r>
-              <a:rPr lang="en-US" sz="1400" b="1" dirty="0"/>
-              <a:t>ISO standard </a:t>
-            </a:r>
-            <a:r>
-              <a:rPr lang="en-US" sz="1400" b="1" dirty="0" smtClean="0"/>
-              <a:t>activities.</a:t>
-            </a:r>
+              <a:t>.</a:t>
+            </a:r>
+            <a:endParaRPr lang="en-US" sz="1400" dirty="0" smtClean="0"/>
           </a:p>
           <a:p>
             <a:pPr>
@@ -6480,8 +6403,52 @@
               <a:buChar char="•"/>
             </a:pPr>
             <a:r>
+              <a:rPr lang="en-US" sz="1400" dirty="0" smtClean="0"/>
+              <a:t>Introduced an Open source tool , DOXYGEN for </a:t>
+            </a:r>
+            <a:r>
+              <a:rPr lang="en-GB" sz="1400" dirty="0" smtClean="0"/>
+              <a:t>generating </a:t>
+            </a:r>
+            <a:r>
+              <a:rPr lang="en-GB" sz="1400" dirty="0"/>
+              <a:t>documentation </a:t>
+            </a:r>
+            <a:r>
+              <a:rPr lang="en-GB" sz="1400" dirty="0" smtClean="0"/>
+              <a:t>from all popular annotated programming languages. This tool has </a:t>
+            </a:r>
+            <a:r>
+              <a:rPr lang="en-GB" sz="1400" dirty="0"/>
+              <a:t>generated online documentations(in browser) and set of off-line reference </a:t>
+            </a:r>
+            <a:r>
+              <a:rPr lang="en-GB" sz="1400" dirty="0" smtClean="0"/>
+              <a:t>manual in PDFs which helped </a:t>
+            </a:r>
+            <a:r>
+              <a:rPr lang="en-GB" sz="1400" b="1" dirty="0" smtClean="0"/>
+              <a:t>in </a:t>
+            </a:r>
+            <a:r>
+              <a:rPr lang="en-GB" sz="1400" b="1" dirty="0"/>
+              <a:t>maintaining software-quality </a:t>
+            </a:r>
+            <a:r>
+              <a:rPr lang="en-GB" sz="1400" b="1" dirty="0" smtClean="0"/>
+              <a:t>and </a:t>
+            </a:r>
+            <a:r>
+              <a:rPr lang="en-US" sz="1400" b="1" dirty="0"/>
+              <a:t>ISO standard </a:t>
+            </a:r>
+            <a:r>
               <a:rPr lang="en-US" sz="1400" b="1" dirty="0" smtClean="0"/>
-              <a:t>TODO</a:t>
+              <a:t>activities</a:t>
+            </a:r>
+            <a:r>
+              <a:rPr lang="en-US" sz="1400" b="1" dirty="0" smtClean="0"/>
+              <a:t>.</a:t>
             </a:r>
           </a:p>
           <a:p>
@@ -6490,6 +6457,10 @@
               <a:buFont typeface="Arial" panose="020B0604020202020204" pitchFamily="34" charset="0"/>
               <a:buChar char="•"/>
             </a:pPr>
+            <a:r>
+              <a:rPr lang="en-US" sz="1400" b="1" dirty="0" smtClean="0"/>
+              <a:t> </a:t>
+            </a:r>
             <a:r>
               <a:rPr lang="en-US" sz="1400" dirty="0" smtClean="0"/>
               <a:t>On </a:t>

--- a/handOutSources/navdeep.pptx
+++ b/handOutSources/navdeep.pptx
@@ -4097,7 +4097,7 @@
             <p:ph idx="1"/>
             <p:extLst>
               <p:ext uri="{D42A27DB-BD31-4B8C-83A1-F6EECF244321}">
-                <p14:modId xmlns:p14="http://schemas.microsoft.com/office/powerpoint/2010/main" val="196024377"/>
+                <p14:modId xmlns:p14="http://schemas.microsoft.com/office/powerpoint/2010/main" val="367486277"/>
               </p:ext>
             </p:extLst>
           </p:nvPr>
@@ -4362,7 +4362,25 @@
                         <a:rPr lang="en-US" sz="1600" dirty="0" smtClean="0">
                           <a:effectLst/>
                         </a:rPr>
-                        <a:t>Execute full software development life cycle (SDLC)</a:t>
+                        <a:t>Realize</a:t>
+                      </a:r>
+                      <a:r>
+                        <a:rPr lang="en-US" sz="1600" baseline="0" dirty="0" smtClean="0">
+                          <a:effectLst/>
+                        </a:rPr>
+                        <a:t> </a:t>
+                      </a:r>
+                      <a:r>
+                        <a:rPr lang="en-US" sz="1600" dirty="0" smtClean="0">
+                          <a:effectLst/>
+                        </a:rPr>
+                        <a:t>software </a:t>
+                      </a:r>
+                      <a:r>
+                        <a:rPr lang="en-US" sz="1600" dirty="0" smtClean="0">
+                          <a:effectLst/>
+                        </a:rPr>
+                        <a:t>development life cycle (SDLC)</a:t>
                       </a:r>
                       <a:r>
                         <a:rPr lang="en-US" sz="1600" baseline="0" dirty="0" smtClean="0">
@@ -4405,7 +4423,40 @@
                           <a:ea typeface="+mn-ea"/>
                           <a:cs typeface="+mn-cs"/>
                         </a:rPr>
-                        <a:t>Value Addition, Innovation and Maintenance of </a:t>
+                        <a:t>Value </a:t>
+                      </a:r>
+                      <a:r>
+                        <a:rPr lang="en-US" sz="1600" b="0" i="0" u="none" strike="noStrike" kern="1200" baseline="0" dirty="0" smtClean="0">
+                          <a:solidFill>
+                            <a:schemeClr val="dk1"/>
+                          </a:solidFill>
+                          <a:latin typeface="+mn-lt"/>
+                          <a:ea typeface="+mn-ea"/>
+                          <a:cs typeface="+mn-cs"/>
+                        </a:rPr>
+                        <a:t>Additions, Innovations </a:t>
+                      </a:r>
+                      <a:r>
+                        <a:rPr lang="en-US" sz="1600" b="0" i="0" u="none" strike="noStrike" kern="1200" baseline="0" dirty="0" smtClean="0">
+                          <a:solidFill>
+                            <a:schemeClr val="dk1"/>
+                          </a:solidFill>
+                          <a:latin typeface="+mn-lt"/>
+                          <a:ea typeface="+mn-ea"/>
+                          <a:cs typeface="+mn-cs"/>
+                        </a:rPr>
+                        <a:t>and Maintenance </a:t>
+                      </a:r>
+                      <a:r>
+                        <a:rPr lang="en-US" sz="1600" b="0" i="0" u="none" strike="noStrike" kern="1200" baseline="0" dirty="0" smtClean="0">
+                          <a:solidFill>
+                            <a:schemeClr val="dk1"/>
+                          </a:solidFill>
+                          <a:latin typeface="+mn-lt"/>
+                          <a:ea typeface="+mn-ea"/>
+                          <a:cs typeface="+mn-cs"/>
+                        </a:rPr>
+                        <a:t>in </a:t>
                       </a:r>
                       <a:r>
                         <a:rPr lang="en-GB" sz="1600" b="0" i="0" u="none" strike="noStrike" kern="1200" baseline="0" dirty="0" smtClean="0">
@@ -4441,8 +4492,17 @@
                         <a:rPr lang="en-US" sz="1600" dirty="0" smtClean="0">
                           <a:effectLst/>
                         </a:rPr>
-                        <a:t>Deploy programs and evaluate user feedback.</a:t>
+                        <a:t>Deploy programs and evaluate </a:t>
                       </a:r>
+                      <a:r>
+                        <a:rPr lang="en-US" sz="1600" dirty="0" smtClean="0">
+                          <a:effectLst/>
+                        </a:rPr>
+                        <a:t>users’ feedbacks.</a:t>
+                      </a:r>
+                      <a:endParaRPr lang="en-US" sz="1600" dirty="0" smtClean="0">
+                        <a:effectLst/>
+                      </a:endParaRPr>
                     </a:p>
                     <a:p>
                       <a:pPr marL="285750" marR="0" indent="-285750" algn="l" defTabSz="914400" rtl="0" eaLnBrk="1" fontAlgn="auto" latinLnBrk="0" hangingPunct="1">
@@ -4500,6 +4560,28 @@
                         <a:t>Division Level Management Representatives(D</a:t>
                       </a:r>
                       <a:r>
+                        <a:rPr lang="en-US" sz="1600" b="0" i="0" u="none" strike="noStrike" kern="1200" baseline="0" smtClean="0">
+                          <a:solidFill>
+                            <a:schemeClr val="dk1"/>
+                          </a:solidFill>
+                          <a:latin typeface="+mn-lt"/>
+                          <a:ea typeface="+mn-ea"/>
+                          <a:cs typeface="+mn-cs"/>
+                        </a:rPr>
+                        <a:t>MR</a:t>
+                      </a:r>
+                      <a:r>
+                        <a:rPr lang="en-US" sz="1600" b="0" i="0" u="none" strike="noStrike" kern="1200" baseline="0" smtClean="0">
+                          <a:solidFill>
+                            <a:schemeClr val="dk1"/>
+                          </a:solidFill>
+                          <a:latin typeface="+mn-lt"/>
+                          <a:ea typeface="+mn-ea"/>
+                          <a:cs typeface="+mn-cs"/>
+                        </a:rPr>
+                        <a:t>) of </a:t>
+                      </a:r>
+                      <a:r>
                         <a:rPr lang="en-US" sz="1600" b="0" i="0" u="none" strike="noStrike" kern="1200" baseline="0" dirty="0" smtClean="0">
                           <a:solidFill>
                             <a:schemeClr val="dk1"/>
@@ -4508,7 +4590,7 @@
                           <a:ea typeface="+mn-ea"/>
                           <a:cs typeface="+mn-cs"/>
                         </a:rPr>
-                        <a:t>MR)of MISD for ISO implementation.</a:t>
+                        <a:t>MISD for ISO implementation.</a:t>
                       </a:r>
                     </a:p>
                     <a:p>
@@ -4936,8 +5018,8 @@
         </p:blipFill>
         <p:spPr>
           <a:xfrm>
-            <a:off x="8204433" y="1826684"/>
-            <a:ext cx="3806924" cy="4330835"/>
+            <a:off x="8402595" y="1826684"/>
+            <a:ext cx="3608762" cy="4330835"/>
           </a:xfrm>
           <a:prstGeom prst="rect">
             <a:avLst/>
@@ -4967,12 +5049,12 @@
         <p:spPr>
           <a:xfrm>
             <a:off x="1188720" y="1826684"/>
-            <a:ext cx="6934532" cy="4330835"/>
+            <a:ext cx="6934532" cy="4499975"/>
           </a:xfrm>
         </p:spPr>
         <p:txBody>
           <a:bodyPr>
-            <a:normAutofit fontScale="40000" lnSpcReduction="20000"/>
+            <a:normAutofit fontScale="32500" lnSpcReduction="20000"/>
           </a:bodyPr>
           <a:lstStyle/>
           <a:p>
@@ -4986,23 +5068,23 @@
               <a:t> </a:t>
             </a:r>
             <a:r>
-              <a:rPr lang="en-US" sz="3500" dirty="0" smtClean="0"/>
+              <a:rPr lang="en-US" sz="3700" dirty="0" smtClean="0"/>
               <a:t>Responsible for complete </a:t>
             </a:r>
             <a:r>
-              <a:rPr lang="en-US" sz="3500" dirty="0"/>
+              <a:rPr lang="en-US" sz="3700" dirty="0"/>
               <a:t>software development life cycle (</a:t>
             </a:r>
             <a:r>
-              <a:rPr lang="en-US" sz="3500" b="1" dirty="0"/>
+              <a:rPr lang="en-US" sz="3700" b="1" dirty="0"/>
               <a:t>SDLC</a:t>
             </a:r>
             <a:r>
-              <a:rPr lang="en-US" sz="3500" dirty="0"/>
+              <a:rPr lang="en-US" sz="3700" dirty="0"/>
               <a:t>) </a:t>
             </a:r>
             <a:r>
-              <a:rPr lang="en-US" sz="3500" dirty="0" smtClean="0"/>
+              <a:rPr lang="en-US" sz="3700" dirty="0" smtClean="0"/>
               <a:t>of IPWS system.</a:t>
             </a:r>
           </a:p>
@@ -5013,22 +5095,22 @@
               <a:buChar char="•"/>
             </a:pPr>
             <a:r>
-              <a:rPr lang="en-US" sz="3500" dirty="0"/>
+              <a:rPr lang="en-US" sz="3700" dirty="0"/>
               <a:t>Analyzed interface model implemented by NIC team </a:t>
             </a:r>
             <a:r>
-              <a:rPr lang="en-US" sz="3500" dirty="0" smtClean="0"/>
+              <a:rPr lang="en-US" sz="3700" dirty="0" smtClean="0"/>
               <a:t>and completed the </a:t>
             </a:r>
             <a:r>
-              <a:rPr lang="en-US" sz="3500" b="1" dirty="0" smtClean="0"/>
+              <a:rPr lang="en-US" sz="3700" b="1" dirty="0" smtClean="0"/>
               <a:t>requirement analysis in coordination with IT department at PFMS</a:t>
             </a:r>
             <a:r>
-              <a:rPr lang="en-US" sz="3500" dirty="0" smtClean="0"/>
+              <a:rPr lang="en-US" sz="3700" dirty="0" smtClean="0"/>
               <a:t>.</a:t>
             </a:r>
-            <a:endParaRPr lang="en-US" sz="3500" dirty="0"/>
+            <a:endParaRPr lang="en-US" sz="3700" dirty="0"/>
           </a:p>
           <a:p>
             <a:pPr>
@@ -5037,27 +5119,27 @@
               <a:buChar char="•"/>
             </a:pPr>
             <a:r>
-              <a:rPr lang="en-US" sz="3500" b="1" dirty="0" smtClean="0"/>
+              <a:rPr lang="en-US" sz="3700" b="1" dirty="0" smtClean="0"/>
               <a:t>Developed</a:t>
             </a:r>
             <a:r>
-              <a:rPr lang="en-US" sz="3500" dirty="0" smtClean="0"/>
+              <a:rPr lang="en-US" sz="3700" dirty="0" smtClean="0"/>
               <a:t> the IPWS application that </a:t>
             </a:r>
             <a:r>
-              <a:rPr lang="en-US" sz="3500" dirty="0"/>
+              <a:rPr lang="en-US" sz="3700" dirty="0"/>
               <a:t>process XML input requests received from COINS </a:t>
             </a:r>
             <a:r>
-              <a:rPr lang="en-US" sz="3500" dirty="0" smtClean="0"/>
+              <a:rPr lang="en-US" sz="3700" dirty="0" smtClean="0"/>
               <a:t>server and send it </a:t>
             </a:r>
             <a:r>
-              <a:rPr lang="en-US" sz="3500" dirty="0"/>
+              <a:rPr lang="en-US" sz="3700" dirty="0"/>
               <a:t>to PFMS web </a:t>
             </a:r>
             <a:r>
-              <a:rPr lang="en-US" sz="3500" dirty="0" smtClean="0"/>
+              <a:rPr lang="en-US" sz="3700" dirty="0" smtClean="0"/>
               <a:t>service consumption system after validation at IPWS. PFMS server in return send XML responses which are exhaustively processed at IPWS against various conditions before passing it to COINS server for database updates.</a:t>
             </a:r>
           </a:p>
@@ -5068,21 +5150,22 @@
               <a:buChar char="•"/>
             </a:pPr>
             <a:r>
-              <a:rPr lang="en-IN" sz="3500" dirty="0" smtClean="0"/>
+              <a:rPr lang="en-IN" sz="3700" dirty="0" smtClean="0"/>
               <a:t>Developed shell scripts for the transferring of XML files between </a:t>
             </a:r>
             <a:r>
-              <a:rPr lang="en-IN" sz="3500" b="1" dirty="0" smtClean="0"/>
+              <a:rPr lang="en-IN" sz="3700" b="1" dirty="0" smtClean="0"/>
               <a:t>COINS and IPWS </a:t>
             </a:r>
             <a:r>
-              <a:rPr lang="en-IN" sz="3500" dirty="0" smtClean="0"/>
+              <a:rPr lang="en-IN" sz="3700" dirty="0" smtClean="0"/>
               <a:t>server using </a:t>
             </a:r>
             <a:r>
-              <a:rPr lang="en-IN" sz="3500" b="1" dirty="0" smtClean="0"/>
+              <a:rPr lang="en-IN" sz="3700" b="1" dirty="0" smtClean="0"/>
               <a:t>rsync utility. </a:t>
             </a:r>
+            <a:endParaRPr lang="en-IN" sz="3700" b="1" dirty="0" smtClean="0"/>
           </a:p>
           <a:p>
             <a:pPr>
@@ -5091,48 +5174,16 @@
               <a:buChar char="•"/>
             </a:pPr>
             <a:r>
-              <a:rPr lang="en-IN" sz="3500" dirty="0" smtClean="0"/>
-              <a:t>Based </a:t>
-            </a:r>
-            <a:r>
-              <a:rPr lang="en-IN" sz="3500" dirty="0"/>
-              <a:t>on the </a:t>
-            </a:r>
-            <a:r>
-              <a:rPr lang="en-US" sz="3500" dirty="0"/>
-              <a:t>recommendations </a:t>
-            </a:r>
-            <a:r>
-              <a:rPr lang="en-US" sz="3500" dirty="0" smtClean="0"/>
-              <a:t>given by </a:t>
-            </a:r>
-            <a:r>
-              <a:rPr lang="en-US" sz="3500" dirty="0"/>
-              <a:t>ISRO/DOS Cyber Security (CSMD) </a:t>
-            </a:r>
-            <a:r>
-              <a:rPr lang="en-US" sz="3500" dirty="0" smtClean="0"/>
-              <a:t>team , </a:t>
-            </a:r>
-            <a:r>
-              <a:rPr lang="en-IN" sz="3500" dirty="0" smtClean="0"/>
-              <a:t>ensured the </a:t>
-            </a:r>
-            <a:r>
-              <a:rPr lang="en-IN" sz="3500" b="1" dirty="0" smtClean="0"/>
-              <a:t>hardening of IPWS server </a:t>
-            </a:r>
-            <a:r>
-              <a:rPr lang="en-IN" sz="3500" dirty="0" smtClean="0"/>
-              <a:t>to </a:t>
-            </a:r>
-            <a:r>
-              <a:rPr lang="en-IN" sz="3500" dirty="0"/>
-              <a:t>enhance server security from cyber attacks</a:t>
-            </a:r>
-            <a:r>
-              <a:rPr lang="en-IN" sz="3500" dirty="0" smtClean="0"/>
-              <a:t>.</a:t>
+              <a:rPr lang="en-IN" sz="3700" dirty="0"/>
+              <a:t>Presented </a:t>
+            </a:r>
+            <a:r>
+              <a:rPr lang="en-IN" sz="3700" dirty="0" smtClean="0"/>
+              <a:t>code walk-through </a:t>
+            </a:r>
+            <a:r>
+              <a:rPr lang="en-IN" sz="3700" dirty="0"/>
+              <a:t>of IPWS</a:t>
             </a:r>
           </a:p>
           <a:p>
@@ -5142,28 +5193,48 @@
               <a:buChar char="•"/>
             </a:pPr>
             <a:r>
-              <a:rPr lang="en-IN" sz="3500" dirty="0" smtClean="0"/>
-              <a:t>IPWS system is a standalone system which is making use of java </a:t>
-            </a:r>
-            <a:r>
-              <a:rPr lang="en-IN" sz="3500" dirty="0"/>
-              <a:t>property file </a:t>
-            </a:r>
-            <a:r>
-              <a:rPr lang="en-IN" sz="3500" dirty="0" smtClean="0"/>
+              <a:rPr lang="en-IN" sz="3700" dirty="0" smtClean="0"/>
+              <a:t>Based </a:t>
+            </a:r>
+            <a:r>
+              <a:rPr lang="en-IN" sz="3700" dirty="0"/>
+              <a:t>on the </a:t>
+            </a:r>
+            <a:r>
+              <a:rPr lang="en-US" sz="3700" dirty="0"/>
+              <a:t>recommendations </a:t>
+            </a:r>
+            <a:r>
+              <a:rPr lang="en-US" sz="3700" dirty="0" smtClean="0"/>
+              <a:t>given by </a:t>
+            </a:r>
+            <a:r>
+              <a:rPr lang="en-US" sz="3700" dirty="0"/>
+              <a:t>ISRO/DOS Cyber Security (CSMD) </a:t>
+            </a:r>
+            <a:r>
+              <a:rPr lang="en-US" sz="3700" dirty="0" smtClean="0"/>
+              <a:t>team , </a:t>
+            </a:r>
+            <a:r>
+              <a:rPr lang="en-IN" sz="3700" dirty="0" smtClean="0"/>
+              <a:t>ensured the </a:t>
+            </a:r>
+            <a:r>
+              <a:rPr lang="en-IN" sz="3700" b="1" dirty="0" smtClean="0"/>
+              <a:t>hardening of IPWS server </a:t>
+            </a:r>
+            <a:r>
+              <a:rPr lang="en-IN" sz="3700" dirty="0" smtClean="0"/>
               <a:t>to </a:t>
             </a:r>
             <a:r>
-              <a:rPr lang="en-IN" sz="3500" dirty="0"/>
-              <a:t>commence its </a:t>
-            </a:r>
-            <a:r>
-              <a:rPr lang="en-IN" sz="3500" dirty="0" smtClean="0"/>
-              <a:t>desired operations </a:t>
-            </a:r>
-            <a:r>
-              <a:rPr lang="en-IN" sz="3500" b="1" dirty="0" smtClean="0"/>
-              <a:t>without interacting with any database server.</a:t>
+              <a:rPr lang="en-IN" sz="3700" dirty="0"/>
+              <a:t>enhance server security from cyber attacks</a:t>
+            </a:r>
+            <a:r>
+              <a:rPr lang="en-IN" sz="3700" dirty="0" smtClean="0"/>
+              <a:t>.</a:t>
             </a:r>
           </a:p>
           <a:p>
@@ -5173,24 +5244,28 @@
               <a:buChar char="•"/>
             </a:pPr>
             <a:r>
-              <a:rPr lang="en-IN" sz="3500" dirty="0" smtClean="0"/>
-              <a:t>Responsible for</a:t>
-            </a:r>
-            <a:r>
-              <a:rPr lang="en-IN" sz="3500" b="1" dirty="0" smtClean="0"/>
-              <a:t> all enhancements</a:t>
-            </a:r>
-            <a:r>
-              <a:rPr lang="en-IN" sz="3500" dirty="0" smtClean="0"/>
-              <a:t> to be made in the system in order to satisfy new </a:t>
-            </a:r>
-            <a:r>
-              <a:rPr lang="en-IN" sz="3500" dirty="0"/>
-              <a:t>emerging </a:t>
-            </a:r>
-            <a:r>
-              <a:rPr lang="en-IN" sz="3500" dirty="0" smtClean="0"/>
-              <a:t>requirements and improvement in system performance on the  whole.</a:t>
+              <a:rPr lang="en-IN" sz="3700" dirty="0" smtClean="0"/>
+              <a:t>IPWS system is a standalone system which is making use of java </a:t>
+            </a:r>
+            <a:r>
+              <a:rPr lang="en-IN" sz="3700" dirty="0"/>
+              <a:t>property file </a:t>
+            </a:r>
+            <a:r>
+              <a:rPr lang="en-IN" sz="3700" dirty="0" smtClean="0"/>
+              <a:t>to </a:t>
+            </a:r>
+            <a:r>
+              <a:rPr lang="en-IN" sz="3700" dirty="0"/>
+              <a:t>commence its </a:t>
+            </a:r>
+            <a:r>
+              <a:rPr lang="en-IN" sz="3700" dirty="0" smtClean="0"/>
+              <a:t>desired operations </a:t>
+            </a:r>
+            <a:r>
+              <a:rPr lang="en-IN" sz="3700" b="1" dirty="0" smtClean="0"/>
+              <a:t>without interacting with any database server.</a:t>
             </a:r>
           </a:p>
           <a:p>
@@ -5200,36 +5275,24 @@
               <a:buChar char="•"/>
             </a:pPr>
             <a:r>
-              <a:rPr lang="en-IN" sz="3500" dirty="0" smtClean="0"/>
-              <a:t>Responsible for </a:t>
-            </a:r>
-            <a:r>
-              <a:rPr lang="en-IN" sz="3500" b="1" dirty="0" smtClean="0"/>
-              <a:t>continual monitoring of the system </a:t>
-            </a:r>
-            <a:r>
-              <a:rPr lang="en-IN" sz="3500" dirty="0" smtClean="0"/>
-              <a:t>to </a:t>
-            </a:r>
-            <a:r>
-              <a:rPr lang="en-IN" sz="3500" dirty="0"/>
-              <a:t>report </a:t>
-            </a:r>
-            <a:r>
-              <a:rPr lang="en-IN" sz="3500" dirty="0" smtClean="0"/>
-              <a:t>or correct</a:t>
-            </a:r>
-            <a:r>
-              <a:rPr lang="en-IN" sz="3500" dirty="0" smtClean="0"/>
-              <a:t> any </a:t>
-            </a:r>
-            <a:r>
-              <a:rPr lang="en-GB" sz="3600" dirty="0"/>
-              <a:t>unexpected</a:t>
-            </a:r>
-            <a:r>
-              <a:rPr lang="en-IN" sz="3500" dirty="0" smtClean="0"/>
-              <a:t> incidents.</a:t>
+              <a:rPr lang="en-IN" sz="3700" dirty="0" smtClean="0"/>
+              <a:t>Responsible for</a:t>
+            </a:r>
+            <a:r>
+              <a:rPr lang="en-IN" sz="3700" b="1" dirty="0" smtClean="0"/>
+              <a:t> all enhancements</a:t>
+            </a:r>
+            <a:r>
+              <a:rPr lang="en-IN" sz="3700" dirty="0" smtClean="0"/>
+              <a:t> to be made in the system in order to satisfy new </a:t>
+            </a:r>
+            <a:r>
+              <a:rPr lang="en-IN" sz="3700" dirty="0"/>
+              <a:t>emerging </a:t>
+            </a:r>
+            <a:r>
+              <a:rPr lang="en-IN" sz="3700" dirty="0" smtClean="0"/>
+              <a:t>requirements and improvement in system performance on the  whole.</a:t>
             </a:r>
           </a:p>
           <a:p>
@@ -5239,34 +5302,33 @@
               <a:buChar char="•"/>
             </a:pPr>
             <a:r>
-              <a:rPr lang="en-US" sz="3500" dirty="0" smtClean="0"/>
-              <a:t>Presently </a:t>
-            </a:r>
-            <a:r>
-              <a:rPr lang="en-US" sz="3500" dirty="0"/>
-              <a:t>IPWS is </a:t>
-            </a:r>
-            <a:r>
-              <a:rPr lang="en-US" sz="3500" b="1" dirty="0"/>
-              <a:t>satisfactorily serving its objective </a:t>
-            </a:r>
-            <a:r>
-              <a:rPr lang="en-US" sz="3500" b="1" dirty="0" smtClean="0"/>
-              <a:t>across </a:t>
-            </a:r>
-            <a:r>
-              <a:rPr lang="en-US" sz="3500" b="1" dirty="0"/>
-              <a:t>all ISRO </a:t>
-            </a:r>
-            <a:r>
-              <a:rPr lang="en-US" sz="3500" b="1" dirty="0" err="1" smtClean="0"/>
-              <a:t>centres</a:t>
-            </a:r>
-            <a:r>
-              <a:rPr lang="en-US" sz="3500" b="1" dirty="0" smtClean="0"/>
-              <a:t>/units.</a:t>
-            </a:r>
-            <a:endParaRPr lang="en-IN" sz="3500" b="1" dirty="0"/>
+              <a:rPr lang="en-IN" sz="3700" dirty="0" smtClean="0"/>
+              <a:t>Responsible for </a:t>
+            </a:r>
+            <a:r>
+              <a:rPr lang="en-IN" sz="3700" b="1" dirty="0" smtClean="0"/>
+              <a:t>continual monitoring of the system </a:t>
+            </a:r>
+            <a:r>
+              <a:rPr lang="en-IN" sz="3700" dirty="0" smtClean="0"/>
+              <a:t>to </a:t>
+            </a:r>
+            <a:r>
+              <a:rPr lang="en-IN" sz="3700" dirty="0"/>
+              <a:t>report </a:t>
+            </a:r>
+            <a:r>
+              <a:rPr lang="en-IN" sz="3700" dirty="0" smtClean="0"/>
+              <a:t>or correct any </a:t>
+            </a:r>
+            <a:r>
+              <a:rPr lang="en-GB" sz="3700" dirty="0"/>
+              <a:t>unexpected</a:t>
+            </a:r>
+            <a:r>
+              <a:rPr lang="en-IN" sz="3700" dirty="0" smtClean="0"/>
+              <a:t> incidents.</a:t>
+            </a:r>
           </a:p>
           <a:p>
             <a:pPr>
@@ -5274,7 +5336,35 @@
               <a:buFont typeface="Arial" panose="020B0604020202020204" pitchFamily="34" charset="0"/>
               <a:buChar char="•"/>
             </a:pPr>
-            <a:endParaRPr lang="en-US" sz="3500" b="1" dirty="0"/>
+            <a:r>
+              <a:rPr lang="en-US" sz="3700" dirty="0" smtClean="0"/>
+              <a:t>Presently </a:t>
+            </a:r>
+            <a:r>
+              <a:rPr lang="en-US" sz="3700" dirty="0"/>
+              <a:t>IPWS is </a:t>
+            </a:r>
+            <a:r>
+              <a:rPr lang="en-US" sz="3700" b="1" dirty="0"/>
+              <a:t>satisfactorily serving its objective </a:t>
+            </a:r>
+            <a:r>
+              <a:rPr lang="en-US" sz="3700" b="1" dirty="0" smtClean="0"/>
+              <a:t>across </a:t>
+            </a:r>
+            <a:r>
+              <a:rPr lang="en-US" sz="3700" b="1" dirty="0"/>
+              <a:t>all ISRO </a:t>
+            </a:r>
+            <a:r>
+              <a:rPr lang="en-US" sz="3700" b="1" dirty="0" err="1" smtClean="0"/>
+              <a:t>centres</a:t>
+            </a:r>
+            <a:r>
+              <a:rPr lang="en-US" sz="3700" b="1" dirty="0" smtClean="0"/>
+              <a:t>/units.</a:t>
+            </a:r>
+            <a:endParaRPr lang="en-IN" sz="3700" b="1" dirty="0"/>
           </a:p>
           <a:p>
             <a:pPr>
@@ -5282,7 +5372,15 @@
               <a:buFont typeface="Arial" panose="020B0604020202020204" pitchFamily="34" charset="0"/>
               <a:buChar char="•"/>
             </a:pPr>
-            <a:endParaRPr lang="en-GB" sz="1800" b="1" dirty="0"/>
+            <a:endParaRPr lang="en-US" sz="3700" b="1" dirty="0"/>
+          </a:p>
+          <a:p>
+            <a:pPr>
+              <a:buClrTx/>
+              <a:buFont typeface="Arial" panose="020B0604020202020204" pitchFamily="34" charset="0"/>
+              <a:buChar char="•"/>
+            </a:pPr>
+            <a:endParaRPr lang="en-GB" sz="3700" b="1" dirty="0"/>
           </a:p>
         </p:txBody>
       </p:sp>
@@ -5455,7 +5553,11 @@
             </a:pPr>
             <a:r>
               <a:rPr lang="en-US" sz="1600" dirty="0" smtClean="0"/>
-              <a:t>Ensures operations </a:t>
+              <a:t>Ensures </a:t>
+            </a:r>
+            <a:r>
+              <a:rPr lang="en-US" sz="1600" dirty="0" smtClean="0"/>
+              <a:t>continuous operations </a:t>
             </a:r>
             <a:r>
               <a:rPr lang="en-US" sz="1600" dirty="0"/>
@@ -6317,19 +6419,23 @@
             </a:pPr>
             <a:r>
               <a:rPr lang="en-US" sz="1400" dirty="0" smtClean="0"/>
-              <a:t>Pursuing </a:t>
-            </a:r>
-            <a:r>
-              <a:rPr lang="en-US" sz="1400" dirty="0" err="1"/>
+              <a:t>Completed </a:t>
+            </a:r>
+            <a:r>
+              <a:rPr lang="en-US" sz="1400" b="1" dirty="0" err="1"/>
               <a:t>M.Tech</a:t>
             </a:r>
             <a:r>
-              <a:rPr lang="en-US" sz="1400" dirty="0"/>
+              <a:rPr lang="en-US" sz="1400" b="1" dirty="0"/>
               <a:t>. Software </a:t>
             </a:r>
             <a:r>
+              <a:rPr lang="en-US" sz="1400" b="1" dirty="0" smtClean="0"/>
+              <a:t>Systems program in</a:t>
+            </a:r>
+            <a:r>
               <a:rPr lang="en-US" sz="1400" dirty="0" smtClean="0"/>
-              <a:t>Systems program in </a:t>
+              <a:t> </a:t>
             </a:r>
             <a:r>
               <a:rPr lang="en-US" sz="1400" b="1" dirty="0" smtClean="0"/>
@@ -6394,7 +6500,6 @@
               <a:rPr lang="en-US" sz="1400" dirty="0" smtClean="0"/>
               <a:t>.</a:t>
             </a:r>
-            <a:endParaRPr lang="en-US" sz="1400" dirty="0" smtClean="0"/>
           </a:p>
           <a:p>
             <a:pPr>
@@ -6404,7 +6509,11 @@
             </a:pPr>
             <a:r>
               <a:rPr lang="en-US" sz="1400" dirty="0" smtClean="0"/>
-              <a:t>Introduced an Open source tool , DOXYGEN for </a:t>
+              <a:t>Implemented </a:t>
+            </a:r>
+            <a:r>
+              <a:rPr lang="en-US" sz="1400" dirty="0" smtClean="0"/>
+              <a:t>an Open source tool , DOXYGEN for </a:t>
             </a:r>
             <a:r>
               <a:rPr lang="en-GB" sz="1400" dirty="0" smtClean="0"/>
@@ -6424,32 +6533,21 @@
             </a:r>
             <a:r>
               <a:rPr lang="en-GB" sz="1400" dirty="0" smtClean="0"/>
-              <a:t>manual in PDFs which helped </a:t>
+              <a:t>manual in PDFs </a:t>
+            </a:r>
+            <a:r>
+              <a:rPr lang="en-GB" sz="1400" dirty="0" smtClean="0"/>
+              <a:t>which helped </a:t>
             </a:r>
             <a:r>
               <a:rPr lang="en-GB" sz="1400" b="1" dirty="0" smtClean="0"/>
-              <a:t>in </a:t>
-            </a:r>
-            <a:r>
-              <a:rPr lang="en-GB" sz="1400" b="1" dirty="0"/>
-              <a:t>maintaining software-quality </a:t>
-            </a:r>
-            <a:r>
-              <a:rPr lang="en-GB" sz="1400" b="1" dirty="0" smtClean="0"/>
-              <a:t>and </a:t>
-            </a:r>
-            <a:r>
-              <a:rPr lang="en-US" sz="1400" b="1" dirty="0"/>
-              <a:t>ISO standard </a:t>
+              <a:t>in maintaining software-quality and </a:t>
             </a:r>
             <a:r>
               <a:rPr lang="en-US" sz="1400" b="1" dirty="0" smtClean="0"/>
-              <a:t>activities</a:t>
-            </a:r>
-            <a:r>
-              <a:rPr lang="en-US" sz="1400" b="1" dirty="0" smtClean="0"/>
-              <a:t>.</a:t>
-            </a:r>
+              <a:t>ISO standard activities.</a:t>
+            </a:r>
+            <a:endParaRPr lang="en-US" sz="1400" b="1" dirty="0" smtClean="0"/>
           </a:p>
           <a:p>
             <a:pPr>
@@ -6467,7 +6565,15 @@
             </a:r>
             <a:r>
               <a:rPr lang="en-US" sz="1400" dirty="0"/>
-              <a:t>behalf of URSC, attended ‘One-Day Workshop on HINDI KNOWLEDGE MANAGEMENT APPLICATION’ held at SAC. This application is developed to digitalizes the various operational activities of respective </a:t>
+              <a:t>behalf of URSC, attended ‘</a:t>
+            </a:r>
+            <a:r>
+              <a:rPr lang="en-US" sz="1400" dirty="0" smtClean="0"/>
+              <a:t>One-Day </a:t>
+            </a:r>
+            <a:r>
+              <a:rPr lang="en-US" sz="1400" dirty="0"/>
+              <a:t>Workshop on HINDI KNOWLEDGE MANAGEMENT APPLICATION’ held at SAC. This application is developed to digitalizes the various operational activities of respective </a:t>
             </a:r>
             <a:r>
               <a:rPr lang="en-US" sz="1400" dirty="0" err="1"/>
@@ -6495,7 +6601,15 @@
             </a:r>
             <a:r>
               <a:rPr lang="en-US" sz="1400" dirty="0" smtClean="0"/>
-              <a:t>testing to ends users.</a:t>
+              <a:t>testing to </a:t>
+            </a:r>
+            <a:r>
+              <a:rPr lang="en-US" sz="1400" dirty="0" smtClean="0"/>
+              <a:t>end </a:t>
+            </a:r>
+            <a:r>
+              <a:rPr lang="en-US" sz="1400" dirty="0" smtClean="0"/>
+              <a:t>users.</a:t>
             </a:r>
             <a:endParaRPr lang="en-GB" sz="1400" dirty="0"/>
           </a:p>

--- a/handOutSources/navdeep.pptx
+++ b/handOutSources/navdeep.pptx
@@ -2,15 +2,19 @@
 <file path=ppt/presentation.xml><?xml version="1.0" encoding="utf-8"?>
 <p:presentation xmlns:a="http://schemas.openxmlformats.org/drawingml/2006/main" xmlns:r="http://schemas.openxmlformats.org/officeDocument/2006/relationships" xmlns:p="http://schemas.openxmlformats.org/presentationml/2006/main" saveSubsetFonts="1">
   <p:sldMasterIdLst>
-    <p:sldMasterId id="2147483672" r:id="rId1"/>
+    <p:sldMasterId id="2147483696" r:id="rId1"/>
   </p:sldMasterIdLst>
+  <p:notesMasterIdLst>
+    <p:notesMasterId r:id="rId9"/>
+  </p:notesMasterIdLst>
   <p:sldIdLst>
     <p:sldId id="256" r:id="rId2"/>
     <p:sldId id="258" r:id="rId3"/>
     <p:sldId id="259" r:id="rId4"/>
-    <p:sldId id="262" r:id="rId5"/>
-    <p:sldId id="263" r:id="rId6"/>
-    <p:sldId id="264" r:id="rId7"/>
+    <p:sldId id="266" r:id="rId5"/>
+    <p:sldId id="262" r:id="rId6"/>
+    <p:sldId id="263" r:id="rId7"/>
+    <p:sldId id="264" r:id="rId8"/>
   </p:sldIdLst>
   <p:sldSz cx="12192000" cy="6858000"/>
   <p:notesSz cx="6858000" cy="9144000"/>
@@ -115,6 +119,5798 @@
     </p:ext>
   </p:extLst>
 </p:presentation>
+</file>
+
+<file path=ppt/diagrams/colors1.xml><?xml version="1.0" encoding="utf-8"?>
+<dgm:colorsDef xmlns:dgm="http://schemas.openxmlformats.org/drawingml/2006/diagram" xmlns:a="http://schemas.openxmlformats.org/drawingml/2006/main" uniqueId="urn:microsoft.com/office/officeart/2005/8/colors/colorful1">
+  <dgm:title val=""/>
+  <dgm:desc val=""/>
+  <dgm:catLst>
+    <dgm:cat type="colorful" pri="10100"/>
+  </dgm:catLst>
+  <dgm:styleLbl name="node0">
+    <dgm:fillClrLst meth="repeat">
+      <a:schemeClr val="accent1"/>
+    </dgm:fillClrLst>
+    <dgm:linClrLst meth="repeat">
+      <a:schemeClr val="lt1"/>
+    </dgm:linClrLst>
+    <dgm:effectClrLst/>
+    <dgm:txLinClrLst/>
+    <dgm:txFillClrLst/>
+    <dgm:txEffectClrLst/>
+  </dgm:styleLbl>
+  <dgm:styleLbl name="node1">
+    <dgm:fillClrLst meth="repeat">
+      <a:schemeClr val="accent2"/>
+      <a:schemeClr val="accent3"/>
+      <a:schemeClr val="accent4"/>
+      <a:schemeClr val="accent5"/>
+      <a:schemeClr val="accent6"/>
+    </dgm:fillClrLst>
+    <dgm:linClrLst meth="repeat">
+      <a:schemeClr val="lt1"/>
+    </dgm:linClrLst>
+    <dgm:effectClrLst/>
+    <dgm:txLinClrLst/>
+    <dgm:txFillClrLst/>
+    <dgm:txEffectClrLst/>
+  </dgm:styleLbl>
+  <dgm:styleLbl name="alignNode1">
+    <dgm:fillClrLst meth="repeat">
+      <a:schemeClr val="accent2"/>
+      <a:schemeClr val="accent3"/>
+      <a:schemeClr val="accent4"/>
+      <a:schemeClr val="accent5"/>
+      <a:schemeClr val="accent6"/>
+    </dgm:fillClrLst>
+    <dgm:linClrLst meth="repeat">
+      <a:schemeClr val="accent2"/>
+      <a:schemeClr val="accent3"/>
+      <a:schemeClr val="accent4"/>
+      <a:schemeClr val="accent5"/>
+      <a:schemeClr val="accent6"/>
+    </dgm:linClrLst>
+    <dgm:effectClrLst/>
+    <dgm:txLinClrLst/>
+    <dgm:txFillClrLst/>
+    <dgm:txEffectClrLst/>
+  </dgm:styleLbl>
+  <dgm:styleLbl name="lnNode1">
+    <dgm:fillClrLst meth="repeat">
+      <a:schemeClr val="accent2"/>
+      <a:schemeClr val="accent3"/>
+      <a:schemeClr val="accent4"/>
+      <a:schemeClr val="accent5"/>
+      <a:schemeClr val="accent6"/>
+    </dgm:fillClrLst>
+    <dgm:linClrLst meth="repeat">
+      <a:schemeClr val="lt1"/>
+    </dgm:linClrLst>
+    <dgm:effectClrLst/>
+    <dgm:txLinClrLst/>
+    <dgm:txFillClrLst/>
+    <dgm:txEffectClrLst/>
+  </dgm:styleLbl>
+  <dgm:styleLbl name="vennNode1">
+    <dgm:fillClrLst meth="repeat">
+      <a:schemeClr val="accent2">
+        <a:alpha val="50000"/>
+      </a:schemeClr>
+      <a:schemeClr val="accent3">
+        <a:alpha val="50000"/>
+      </a:schemeClr>
+      <a:schemeClr val="accent4">
+        <a:alpha val="50000"/>
+      </a:schemeClr>
+      <a:schemeClr val="accent5">
+        <a:alpha val="50000"/>
+      </a:schemeClr>
+      <a:schemeClr val="accent6">
+        <a:alpha val="50000"/>
+      </a:schemeClr>
+    </dgm:fillClrLst>
+    <dgm:linClrLst meth="repeat">
+      <a:schemeClr val="lt1"/>
+    </dgm:linClrLst>
+    <dgm:effectClrLst/>
+    <dgm:txLinClrLst/>
+    <dgm:txFillClrLst/>
+    <dgm:txEffectClrLst/>
+  </dgm:styleLbl>
+  <dgm:styleLbl name="node2">
+    <dgm:fillClrLst>
+      <a:schemeClr val="accent2"/>
+    </dgm:fillClrLst>
+    <dgm:linClrLst meth="repeat">
+      <a:schemeClr val="lt1"/>
+    </dgm:linClrLst>
+    <dgm:effectClrLst/>
+    <dgm:txLinClrLst/>
+    <dgm:txFillClrLst/>
+    <dgm:txEffectClrLst/>
+  </dgm:styleLbl>
+  <dgm:styleLbl name="node3">
+    <dgm:fillClrLst>
+      <a:schemeClr val="accent3"/>
+    </dgm:fillClrLst>
+    <dgm:linClrLst meth="repeat">
+      <a:schemeClr val="lt1"/>
+    </dgm:linClrLst>
+    <dgm:effectClrLst/>
+    <dgm:txLinClrLst/>
+    <dgm:txFillClrLst/>
+    <dgm:txEffectClrLst/>
+  </dgm:styleLbl>
+  <dgm:styleLbl name="node4">
+    <dgm:fillClrLst>
+      <a:schemeClr val="accent4"/>
+    </dgm:fillClrLst>
+    <dgm:linClrLst meth="repeat">
+      <a:schemeClr val="lt1"/>
+    </dgm:linClrLst>
+    <dgm:effectClrLst/>
+    <dgm:txLinClrLst/>
+    <dgm:txFillClrLst/>
+    <dgm:txEffectClrLst/>
+  </dgm:styleLbl>
+  <dgm:styleLbl name="fgImgPlace1">
+    <dgm:fillClrLst meth="repeat">
+      <a:schemeClr val="accent2">
+        <a:tint val="50000"/>
+      </a:schemeClr>
+      <a:schemeClr val="accent3">
+        <a:tint val="50000"/>
+      </a:schemeClr>
+      <a:schemeClr val="accent4">
+        <a:tint val="50000"/>
+      </a:schemeClr>
+      <a:schemeClr val="accent5">
+        <a:tint val="50000"/>
+      </a:schemeClr>
+      <a:schemeClr val="accent6">
+        <a:tint val="50000"/>
+      </a:schemeClr>
+    </dgm:fillClrLst>
+    <dgm:linClrLst meth="repeat">
+      <a:schemeClr val="lt1"/>
+    </dgm:linClrLst>
+    <dgm:effectClrLst/>
+    <dgm:txLinClrLst/>
+    <dgm:txFillClrLst meth="repeat">
+      <a:schemeClr val="lt1"/>
+    </dgm:txFillClrLst>
+    <dgm:txEffectClrLst/>
+  </dgm:styleLbl>
+  <dgm:styleLbl name="alignImgPlace1">
+    <dgm:fillClrLst>
+      <a:schemeClr val="accent1">
+        <a:tint val="50000"/>
+      </a:schemeClr>
+      <a:schemeClr val="accent2">
+        <a:tint val="20000"/>
+      </a:schemeClr>
+    </dgm:fillClrLst>
+    <dgm:linClrLst meth="repeat">
+      <a:schemeClr val="lt1"/>
+    </dgm:linClrLst>
+    <dgm:effectClrLst/>
+    <dgm:txLinClrLst/>
+    <dgm:txFillClrLst meth="repeat">
+      <a:schemeClr val="lt1"/>
+    </dgm:txFillClrLst>
+    <dgm:txEffectClrLst/>
+  </dgm:styleLbl>
+  <dgm:styleLbl name="bgImgPlace1">
+    <dgm:fillClrLst>
+      <a:schemeClr val="accent1">
+        <a:tint val="50000"/>
+      </a:schemeClr>
+      <a:schemeClr val="accent2">
+        <a:tint val="20000"/>
+      </a:schemeClr>
+    </dgm:fillClrLst>
+    <dgm:linClrLst meth="repeat">
+      <a:schemeClr val="lt1"/>
+    </dgm:linClrLst>
+    <dgm:effectClrLst/>
+    <dgm:txLinClrLst/>
+    <dgm:txFillClrLst meth="repeat">
+      <a:schemeClr val="lt1"/>
+    </dgm:txFillClrLst>
+    <dgm:txEffectClrLst/>
+  </dgm:styleLbl>
+  <dgm:styleLbl name="sibTrans2D1">
+    <dgm:fillClrLst meth="repeat">
+      <a:schemeClr val="accent2"/>
+      <a:schemeClr val="accent3"/>
+      <a:schemeClr val="accent4"/>
+      <a:schemeClr val="accent5"/>
+      <a:schemeClr val="accent6"/>
+    </dgm:fillClrLst>
+    <dgm:linClrLst meth="cycle">
+      <a:schemeClr val="lt1"/>
+    </dgm:linClrLst>
+    <dgm:effectClrLst/>
+    <dgm:txLinClrLst/>
+    <dgm:txFillClrLst/>
+    <dgm:txEffectClrLst/>
+  </dgm:styleLbl>
+  <dgm:styleLbl name="fgSibTrans2D1">
+    <dgm:fillClrLst meth="repeat">
+      <a:schemeClr val="accent2"/>
+      <a:schemeClr val="accent3"/>
+      <a:schemeClr val="accent4"/>
+      <a:schemeClr val="accent5"/>
+      <a:schemeClr val="accent6"/>
+    </dgm:fillClrLst>
+    <dgm:linClrLst meth="cycle">
+      <a:schemeClr val="lt1"/>
+    </dgm:linClrLst>
+    <dgm:effectClrLst/>
+    <dgm:txLinClrLst/>
+    <dgm:txFillClrLst meth="repeat">
+      <a:schemeClr val="lt1"/>
+    </dgm:txFillClrLst>
+    <dgm:txEffectClrLst/>
+  </dgm:styleLbl>
+  <dgm:styleLbl name="bgSibTrans2D1">
+    <dgm:fillClrLst meth="repeat">
+      <a:schemeClr val="accent2"/>
+      <a:schemeClr val="accent3"/>
+      <a:schemeClr val="accent4"/>
+      <a:schemeClr val="accent5"/>
+      <a:schemeClr val="accent6"/>
+    </dgm:fillClrLst>
+    <dgm:linClrLst meth="cycle">
+      <a:schemeClr val="lt1"/>
+    </dgm:linClrLst>
+    <dgm:effectClrLst/>
+    <dgm:txLinClrLst/>
+    <dgm:txFillClrLst meth="repeat">
+      <a:schemeClr val="lt1"/>
+    </dgm:txFillClrLst>
+    <dgm:txEffectClrLst/>
+  </dgm:styleLbl>
+  <dgm:styleLbl name="sibTrans1D1">
+    <dgm:fillClrLst meth="repeat">
+      <a:schemeClr val="accent2"/>
+      <a:schemeClr val="accent3"/>
+      <a:schemeClr val="accent4"/>
+      <a:schemeClr val="accent5"/>
+      <a:schemeClr val="accent6"/>
+    </dgm:fillClrLst>
+    <dgm:linClrLst meth="repeat">
+      <a:schemeClr val="accent2"/>
+      <a:schemeClr val="accent3"/>
+      <a:schemeClr val="accent4"/>
+      <a:schemeClr val="accent5"/>
+      <a:schemeClr val="accent6"/>
+    </dgm:linClrLst>
+    <dgm:effectClrLst/>
+    <dgm:txLinClrLst/>
+    <dgm:txFillClrLst meth="repeat">
+      <a:schemeClr val="tx1"/>
+    </dgm:txFillClrLst>
+    <dgm:txEffectClrLst/>
+  </dgm:styleLbl>
+  <dgm:styleLbl name="callout">
+    <dgm:fillClrLst meth="repeat">
+      <a:schemeClr val="accent2"/>
+    </dgm:fillClrLst>
+    <dgm:linClrLst meth="repeat">
+      <a:schemeClr val="accent2">
+        <a:tint val="50000"/>
+      </a:schemeClr>
+    </dgm:linClrLst>
+    <dgm:effectClrLst/>
+    <dgm:txLinClrLst/>
+    <dgm:txFillClrLst meth="repeat">
+      <a:schemeClr val="tx1"/>
+    </dgm:txFillClrLst>
+    <dgm:txEffectClrLst/>
+  </dgm:styleLbl>
+  <dgm:styleLbl name="asst0">
+    <dgm:fillClrLst meth="repeat">
+      <a:schemeClr val="accent1"/>
+    </dgm:fillClrLst>
+    <dgm:linClrLst meth="repeat">
+      <a:schemeClr val="lt1"/>
+    </dgm:linClrLst>
+    <dgm:effectClrLst/>
+    <dgm:txLinClrLst/>
+    <dgm:txFillClrLst/>
+    <dgm:txEffectClrLst/>
+  </dgm:styleLbl>
+  <dgm:styleLbl name="asst1">
+    <dgm:fillClrLst meth="repeat">
+      <a:schemeClr val="accent2"/>
+    </dgm:fillClrLst>
+    <dgm:linClrLst meth="repeat">
+      <a:schemeClr val="lt1"/>
+    </dgm:linClrLst>
+    <dgm:effectClrLst/>
+    <dgm:txLinClrLst/>
+    <dgm:txFillClrLst/>
+    <dgm:txEffectClrLst/>
+  </dgm:styleLbl>
+  <dgm:styleLbl name="asst2">
+    <dgm:fillClrLst>
+      <a:schemeClr val="accent3"/>
+    </dgm:fillClrLst>
+    <dgm:linClrLst meth="repeat">
+      <a:schemeClr val="lt1"/>
+    </dgm:linClrLst>
+    <dgm:effectClrLst/>
+    <dgm:txLinClrLst/>
+    <dgm:txFillClrLst/>
+    <dgm:txEffectClrLst/>
+  </dgm:styleLbl>
+  <dgm:styleLbl name="asst3">
+    <dgm:fillClrLst>
+      <a:schemeClr val="accent4"/>
+    </dgm:fillClrLst>
+    <dgm:linClrLst meth="repeat">
+      <a:schemeClr val="lt1"/>
+    </dgm:linClrLst>
+    <dgm:effectClrLst/>
+    <dgm:txLinClrLst/>
+    <dgm:txFillClrLst/>
+    <dgm:txEffectClrLst/>
+  </dgm:styleLbl>
+  <dgm:styleLbl name="asst4">
+    <dgm:fillClrLst>
+      <a:schemeClr val="accent5"/>
+    </dgm:fillClrLst>
+    <dgm:linClrLst meth="repeat">
+      <a:schemeClr val="lt1"/>
+    </dgm:linClrLst>
+    <dgm:effectClrLst/>
+    <dgm:txLinClrLst/>
+    <dgm:txFillClrLst/>
+    <dgm:txEffectClrLst/>
+  </dgm:styleLbl>
+  <dgm:styleLbl name="parChTrans2D1">
+    <dgm:fillClrLst meth="repeat">
+      <a:schemeClr val="accent2"/>
+    </dgm:fillClrLst>
+    <dgm:linClrLst meth="repeat">
+      <a:schemeClr val="lt1"/>
+    </dgm:linClrLst>
+    <dgm:effectClrLst/>
+    <dgm:txLinClrLst/>
+    <dgm:txFillClrLst meth="repeat">
+      <a:schemeClr val="lt1"/>
+    </dgm:txFillClrLst>
+    <dgm:txEffectClrLst/>
+  </dgm:styleLbl>
+  <dgm:styleLbl name="parChTrans2D2">
+    <dgm:fillClrLst meth="repeat">
+      <a:schemeClr val="accent3"/>
+    </dgm:fillClrLst>
+    <dgm:linClrLst meth="repeat">
+      <a:schemeClr val="lt1"/>
+    </dgm:linClrLst>
+    <dgm:effectClrLst/>
+    <dgm:txLinClrLst/>
+    <dgm:txFillClrLst/>
+    <dgm:txEffectClrLst/>
+  </dgm:styleLbl>
+  <dgm:styleLbl name="parChTrans2D3">
+    <dgm:fillClrLst meth="repeat">
+      <a:schemeClr val="accent4"/>
+    </dgm:fillClrLst>
+    <dgm:linClrLst meth="repeat">
+      <a:schemeClr val="lt1"/>
+    </dgm:linClrLst>
+    <dgm:effectClrLst/>
+    <dgm:txLinClrLst/>
+    <dgm:txFillClrLst/>
+    <dgm:txEffectClrLst/>
+  </dgm:styleLbl>
+  <dgm:styleLbl name="parChTrans2D4">
+    <dgm:fillClrLst meth="repeat">
+      <a:schemeClr val="accent5"/>
+    </dgm:fillClrLst>
+    <dgm:linClrLst meth="repeat">
+      <a:schemeClr val="lt1"/>
+    </dgm:linClrLst>
+    <dgm:effectClrLst/>
+    <dgm:txLinClrLst/>
+    <dgm:txFillClrLst meth="repeat">
+      <a:schemeClr val="lt1"/>
+    </dgm:txFillClrLst>
+    <dgm:txEffectClrLst/>
+  </dgm:styleLbl>
+  <dgm:styleLbl name="parChTrans1D1">
+    <dgm:fillClrLst meth="repeat">
+      <a:schemeClr val="accent2"/>
+    </dgm:fillClrLst>
+    <dgm:linClrLst meth="repeat">
+      <a:schemeClr val="accent1"/>
+    </dgm:linClrLst>
+    <dgm:effectClrLst/>
+    <dgm:txLinClrLst/>
+    <dgm:txFillClrLst meth="repeat">
+      <a:schemeClr val="tx1"/>
+    </dgm:txFillClrLst>
+    <dgm:txEffectClrLst/>
+  </dgm:styleLbl>
+  <dgm:styleLbl name="parChTrans1D2">
+    <dgm:fillClrLst meth="repeat">
+      <a:schemeClr val="accent3">
+        <a:tint val="90000"/>
+      </a:schemeClr>
+    </dgm:fillClrLst>
+    <dgm:linClrLst meth="repeat">
+      <a:schemeClr val="accent2"/>
+    </dgm:linClrLst>
+    <dgm:effectClrLst/>
+    <dgm:txLinClrLst/>
+    <dgm:txFillClrLst meth="repeat">
+      <a:schemeClr val="tx1"/>
+    </dgm:txFillClrLst>
+    <dgm:txEffectClrLst/>
+  </dgm:styleLbl>
+  <dgm:styleLbl name="parChTrans1D3">
+    <dgm:fillClrLst meth="repeat">
+      <a:schemeClr val="accent4">
+        <a:tint val="70000"/>
+      </a:schemeClr>
+    </dgm:fillClrLst>
+    <dgm:linClrLst meth="repeat">
+      <a:schemeClr val="accent3"/>
+    </dgm:linClrLst>
+    <dgm:effectClrLst/>
+    <dgm:txLinClrLst/>
+    <dgm:txFillClrLst meth="repeat">
+      <a:schemeClr val="tx1"/>
+    </dgm:txFillClrLst>
+    <dgm:txEffectClrLst/>
+  </dgm:styleLbl>
+  <dgm:styleLbl name="parChTrans1D4">
+    <dgm:fillClrLst meth="repeat">
+      <a:schemeClr val="accent5">
+        <a:tint val="50000"/>
+      </a:schemeClr>
+    </dgm:fillClrLst>
+    <dgm:linClrLst meth="repeat">
+      <a:schemeClr val="accent4"/>
+    </dgm:linClrLst>
+    <dgm:effectClrLst/>
+    <dgm:txLinClrLst/>
+    <dgm:txFillClrLst meth="repeat">
+      <a:schemeClr val="tx1"/>
+    </dgm:txFillClrLst>
+    <dgm:txEffectClrLst/>
+  </dgm:styleLbl>
+  <dgm:styleLbl name="fgAcc1">
+    <dgm:fillClrLst meth="repeat">
+      <a:schemeClr val="lt1">
+        <a:alpha val="90000"/>
+      </a:schemeClr>
+    </dgm:fillClrLst>
+    <dgm:linClrLst meth="repeat">
+      <a:schemeClr val="accent2"/>
+      <a:schemeClr val="accent3"/>
+      <a:schemeClr val="accent4"/>
+      <a:schemeClr val="accent5"/>
+      <a:schemeClr val="accent6"/>
+    </dgm:linClrLst>
+    <dgm:effectClrLst/>
+    <dgm:txLinClrLst/>
+    <dgm:txFillClrLst meth="repeat">
+      <a:schemeClr val="dk1"/>
+    </dgm:txFillClrLst>
+    <dgm:txEffectClrLst/>
+  </dgm:styleLbl>
+  <dgm:styleLbl name="conFgAcc1">
+    <dgm:fillClrLst meth="repeat">
+      <a:schemeClr val="lt1">
+        <a:alpha val="90000"/>
+      </a:schemeClr>
+    </dgm:fillClrLst>
+    <dgm:linClrLst meth="repeat">
+      <a:schemeClr val="accent2"/>
+      <a:schemeClr val="accent3"/>
+      <a:schemeClr val="accent4"/>
+      <a:schemeClr val="accent5"/>
+      <a:schemeClr val="accent6"/>
+    </dgm:linClrLst>
+    <dgm:effectClrLst/>
+    <dgm:txLinClrLst/>
+    <dgm:txFillClrLst meth="repeat">
+      <a:schemeClr val="dk1"/>
+    </dgm:txFillClrLst>
+    <dgm:txEffectClrLst/>
+  </dgm:styleLbl>
+  <dgm:styleLbl name="alignAcc1">
+    <dgm:fillClrLst meth="repeat">
+      <a:schemeClr val="lt1">
+        <a:alpha val="90000"/>
+      </a:schemeClr>
+    </dgm:fillClrLst>
+    <dgm:linClrLst meth="repeat">
+      <a:schemeClr val="accent2"/>
+      <a:schemeClr val="accent3"/>
+      <a:schemeClr val="accent4"/>
+      <a:schemeClr val="accent5"/>
+      <a:schemeClr val="accent6"/>
+    </dgm:linClrLst>
+    <dgm:effectClrLst/>
+    <dgm:txLinClrLst/>
+    <dgm:txFillClrLst meth="repeat">
+      <a:schemeClr val="dk1"/>
+    </dgm:txFillClrLst>
+    <dgm:txEffectClrLst/>
+  </dgm:styleLbl>
+  <dgm:styleLbl name="trAlignAcc1">
+    <dgm:fillClrLst meth="repeat">
+      <a:schemeClr val="lt1">
+        <a:alpha val="40000"/>
+      </a:schemeClr>
+    </dgm:fillClrLst>
+    <dgm:linClrLst meth="repeat">
+      <a:schemeClr val="accent1"/>
+    </dgm:linClrLst>
+    <dgm:effectClrLst/>
+    <dgm:txLinClrLst/>
+    <dgm:txFillClrLst meth="repeat">
+      <a:schemeClr val="dk1"/>
+    </dgm:txFillClrLst>
+    <dgm:txEffectClrLst/>
+  </dgm:styleLbl>
+  <dgm:styleLbl name="bgAcc1">
+    <dgm:fillClrLst meth="repeat">
+      <a:schemeClr val="lt1">
+        <a:alpha val="90000"/>
+      </a:schemeClr>
+    </dgm:fillClrLst>
+    <dgm:linClrLst meth="repeat">
+      <a:schemeClr val="accent2"/>
+      <a:schemeClr val="accent3"/>
+      <a:schemeClr val="accent4"/>
+      <a:schemeClr val="accent5"/>
+      <a:schemeClr val="accent6"/>
+    </dgm:linClrLst>
+    <dgm:effectClrLst/>
+    <dgm:txLinClrLst/>
+    <dgm:txFillClrLst meth="repeat">
+      <a:schemeClr val="dk1"/>
+    </dgm:txFillClrLst>
+    <dgm:txEffectClrLst/>
+  </dgm:styleLbl>
+  <dgm:styleLbl name="solidFgAcc1">
+    <dgm:fillClrLst meth="repeat">
+      <a:schemeClr val="lt1"/>
+    </dgm:fillClrLst>
+    <dgm:linClrLst meth="repeat">
+      <a:schemeClr val="accent2"/>
+      <a:schemeClr val="accent3"/>
+      <a:schemeClr val="accent4"/>
+      <a:schemeClr val="accent5"/>
+      <a:schemeClr val="accent6"/>
+    </dgm:linClrLst>
+    <dgm:effectClrLst/>
+    <dgm:txLinClrLst/>
+    <dgm:txFillClrLst meth="repeat">
+      <a:schemeClr val="dk1"/>
+    </dgm:txFillClrLst>
+    <dgm:txEffectClrLst/>
+  </dgm:styleLbl>
+  <dgm:styleLbl name="solidAlignAcc1">
+    <dgm:fillClrLst meth="repeat">
+      <a:schemeClr val="lt1"/>
+    </dgm:fillClrLst>
+    <dgm:linClrLst meth="repeat">
+      <a:schemeClr val="accent2"/>
+      <a:schemeClr val="accent3"/>
+      <a:schemeClr val="accent4"/>
+      <a:schemeClr val="accent5"/>
+      <a:schemeClr val="accent6"/>
+    </dgm:linClrLst>
+    <dgm:effectClrLst/>
+    <dgm:txLinClrLst/>
+    <dgm:txFillClrLst meth="repeat">
+      <a:schemeClr val="dk1"/>
+    </dgm:txFillClrLst>
+    <dgm:txEffectClrLst/>
+  </dgm:styleLbl>
+  <dgm:styleLbl name="solidBgAcc1">
+    <dgm:fillClrLst meth="repeat">
+      <a:schemeClr val="lt1"/>
+    </dgm:fillClrLst>
+    <dgm:linClrLst meth="repeat">
+      <a:schemeClr val="accent2"/>
+      <a:schemeClr val="accent3"/>
+      <a:schemeClr val="accent4"/>
+      <a:schemeClr val="accent5"/>
+      <a:schemeClr val="accent6"/>
+    </dgm:linClrLst>
+    <dgm:effectClrLst/>
+    <dgm:txLinClrLst/>
+    <dgm:txFillClrLst meth="repeat">
+      <a:schemeClr val="dk1"/>
+    </dgm:txFillClrLst>
+    <dgm:txEffectClrLst/>
+  </dgm:styleLbl>
+  <dgm:styleLbl name="fgAccFollowNode1">
+    <dgm:fillClrLst meth="repeat">
+      <a:schemeClr val="accent2">
+        <a:tint val="40000"/>
+        <a:alpha val="90000"/>
+      </a:schemeClr>
+      <a:schemeClr val="accent3">
+        <a:tint val="40000"/>
+        <a:alpha val="90000"/>
+      </a:schemeClr>
+      <a:schemeClr val="accent4">
+        <a:tint val="40000"/>
+        <a:alpha val="90000"/>
+      </a:schemeClr>
+      <a:schemeClr val="accent5">
+        <a:tint val="40000"/>
+        <a:alpha val="90000"/>
+      </a:schemeClr>
+      <a:schemeClr val="accent6">
+        <a:tint val="40000"/>
+        <a:alpha val="90000"/>
+      </a:schemeClr>
+    </dgm:fillClrLst>
+    <dgm:linClrLst meth="repeat">
+      <a:schemeClr val="accent2">
+        <a:tint val="40000"/>
+        <a:alpha val="90000"/>
+      </a:schemeClr>
+      <a:schemeClr val="accent3">
+        <a:tint val="40000"/>
+        <a:alpha val="90000"/>
+      </a:schemeClr>
+      <a:schemeClr val="accent4">
+        <a:tint val="40000"/>
+        <a:alpha val="90000"/>
+      </a:schemeClr>
+      <a:schemeClr val="accent5">
+        <a:tint val="40000"/>
+        <a:alpha val="90000"/>
+      </a:schemeClr>
+      <a:schemeClr val="accent6">
+        <a:tint val="40000"/>
+        <a:alpha val="90000"/>
+      </a:schemeClr>
+    </dgm:linClrLst>
+    <dgm:effectClrLst/>
+    <dgm:txLinClrLst/>
+    <dgm:txFillClrLst meth="repeat">
+      <a:schemeClr val="dk1"/>
+    </dgm:txFillClrLst>
+    <dgm:txEffectClrLst/>
+  </dgm:styleLbl>
+  <dgm:styleLbl name="alignAccFollowNode1">
+    <dgm:fillClrLst meth="repeat">
+      <a:schemeClr val="accent2">
+        <a:tint val="40000"/>
+        <a:alpha val="90000"/>
+      </a:schemeClr>
+      <a:schemeClr val="accent3">
+        <a:tint val="40000"/>
+        <a:alpha val="90000"/>
+      </a:schemeClr>
+      <a:schemeClr val="accent4">
+        <a:tint val="40000"/>
+        <a:alpha val="90000"/>
+      </a:schemeClr>
+      <a:schemeClr val="accent5">
+        <a:tint val="40000"/>
+        <a:alpha val="90000"/>
+      </a:schemeClr>
+      <a:schemeClr val="accent6">
+        <a:tint val="40000"/>
+        <a:alpha val="90000"/>
+      </a:schemeClr>
+    </dgm:fillClrLst>
+    <dgm:linClrLst meth="repeat">
+      <a:schemeClr val="accent2">
+        <a:tint val="40000"/>
+        <a:alpha val="90000"/>
+      </a:schemeClr>
+      <a:schemeClr val="accent3">
+        <a:tint val="40000"/>
+        <a:alpha val="90000"/>
+      </a:schemeClr>
+      <a:schemeClr val="accent4">
+        <a:tint val="40000"/>
+        <a:alpha val="90000"/>
+      </a:schemeClr>
+      <a:schemeClr val="accent5">
+        <a:tint val="40000"/>
+        <a:alpha val="90000"/>
+      </a:schemeClr>
+      <a:schemeClr val="accent6">
+        <a:tint val="40000"/>
+        <a:alpha val="90000"/>
+      </a:schemeClr>
+    </dgm:linClrLst>
+    <dgm:effectClrLst/>
+    <dgm:txLinClrLst/>
+    <dgm:txFillClrLst meth="repeat">
+      <a:schemeClr val="dk1"/>
+    </dgm:txFillClrLst>
+    <dgm:txEffectClrLst/>
+  </dgm:styleLbl>
+  <dgm:styleLbl name="bgAccFollowNode1">
+    <dgm:fillClrLst meth="repeat">
+      <a:schemeClr val="accent2">
+        <a:tint val="40000"/>
+        <a:alpha val="90000"/>
+      </a:schemeClr>
+      <a:schemeClr val="accent3">
+        <a:tint val="40000"/>
+        <a:alpha val="90000"/>
+      </a:schemeClr>
+      <a:schemeClr val="accent4">
+        <a:tint val="40000"/>
+        <a:alpha val="90000"/>
+      </a:schemeClr>
+      <a:schemeClr val="accent5">
+        <a:tint val="40000"/>
+        <a:alpha val="90000"/>
+      </a:schemeClr>
+      <a:schemeClr val="accent6">
+        <a:tint val="40000"/>
+        <a:alpha val="90000"/>
+      </a:schemeClr>
+    </dgm:fillClrLst>
+    <dgm:linClrLst meth="repeat">
+      <a:schemeClr val="accent2">
+        <a:tint val="40000"/>
+        <a:alpha val="90000"/>
+      </a:schemeClr>
+      <a:schemeClr val="accent3">
+        <a:tint val="40000"/>
+        <a:alpha val="90000"/>
+      </a:schemeClr>
+      <a:schemeClr val="accent4">
+        <a:tint val="40000"/>
+        <a:alpha val="90000"/>
+      </a:schemeClr>
+      <a:schemeClr val="accent5">
+        <a:tint val="40000"/>
+        <a:alpha val="90000"/>
+      </a:schemeClr>
+      <a:schemeClr val="accent6">
+        <a:tint val="40000"/>
+        <a:alpha val="90000"/>
+      </a:schemeClr>
+    </dgm:linClrLst>
+    <dgm:effectClrLst/>
+    <dgm:txLinClrLst/>
+    <dgm:txFillClrLst meth="repeat">
+      <a:schemeClr val="dk1"/>
+    </dgm:txFillClrLst>
+    <dgm:txEffectClrLst/>
+  </dgm:styleLbl>
+  <dgm:styleLbl name="fgAcc0">
+    <dgm:fillClrLst meth="repeat">
+      <a:schemeClr val="lt1">
+        <a:alpha val="90000"/>
+      </a:schemeClr>
+    </dgm:fillClrLst>
+    <dgm:linClrLst>
+      <a:schemeClr val="accent1"/>
+    </dgm:linClrLst>
+    <dgm:effectClrLst/>
+    <dgm:txLinClrLst/>
+    <dgm:txFillClrLst meth="repeat">
+      <a:schemeClr val="dk1"/>
+    </dgm:txFillClrLst>
+    <dgm:txEffectClrLst/>
+  </dgm:styleLbl>
+  <dgm:styleLbl name="fgAcc2">
+    <dgm:fillClrLst meth="repeat">
+      <a:schemeClr val="lt1">
+        <a:alpha val="90000"/>
+      </a:schemeClr>
+    </dgm:fillClrLst>
+    <dgm:linClrLst>
+      <a:schemeClr val="accent2"/>
+    </dgm:linClrLst>
+    <dgm:effectClrLst/>
+    <dgm:txLinClrLst/>
+    <dgm:txFillClrLst meth="repeat">
+      <a:schemeClr val="dk1"/>
+    </dgm:txFillClrLst>
+    <dgm:txEffectClrLst/>
+  </dgm:styleLbl>
+  <dgm:styleLbl name="fgAcc3">
+    <dgm:fillClrLst meth="repeat">
+      <a:schemeClr val="lt1">
+        <a:alpha val="90000"/>
+      </a:schemeClr>
+    </dgm:fillClrLst>
+    <dgm:linClrLst>
+      <a:schemeClr val="accent3"/>
+    </dgm:linClrLst>
+    <dgm:effectClrLst/>
+    <dgm:txLinClrLst/>
+    <dgm:txFillClrLst meth="repeat">
+      <a:schemeClr val="dk1"/>
+    </dgm:txFillClrLst>
+    <dgm:txEffectClrLst/>
+  </dgm:styleLbl>
+  <dgm:styleLbl name="fgAcc4">
+    <dgm:fillClrLst meth="repeat">
+      <a:schemeClr val="lt1">
+        <a:alpha val="90000"/>
+      </a:schemeClr>
+    </dgm:fillClrLst>
+    <dgm:linClrLst>
+      <a:schemeClr val="accent4"/>
+    </dgm:linClrLst>
+    <dgm:effectClrLst/>
+    <dgm:txLinClrLst/>
+    <dgm:txFillClrLst meth="repeat">
+      <a:schemeClr val="dk1"/>
+    </dgm:txFillClrLst>
+    <dgm:txEffectClrLst/>
+  </dgm:styleLbl>
+  <dgm:styleLbl name="bgShp">
+    <dgm:fillClrLst meth="repeat">
+      <a:schemeClr val="accent2">
+        <a:tint val="40000"/>
+      </a:schemeClr>
+    </dgm:fillClrLst>
+    <dgm:linClrLst meth="repeat">
+      <a:schemeClr val="dk1"/>
+    </dgm:linClrLst>
+    <dgm:effectClrLst/>
+    <dgm:txLinClrLst/>
+    <dgm:txFillClrLst meth="repeat">
+      <a:schemeClr val="dk1"/>
+    </dgm:txFillClrLst>
+    <dgm:txEffectClrLst/>
+  </dgm:styleLbl>
+  <dgm:styleLbl name="dkBgShp">
+    <dgm:fillClrLst meth="repeat">
+      <a:schemeClr val="accent2">
+        <a:shade val="90000"/>
+      </a:schemeClr>
+    </dgm:fillClrLst>
+    <dgm:linClrLst meth="repeat">
+      <a:schemeClr val="dk1"/>
+    </dgm:linClrLst>
+    <dgm:effectClrLst/>
+    <dgm:txLinClrLst/>
+    <dgm:txFillClrLst meth="repeat">
+      <a:schemeClr val="lt1"/>
+    </dgm:txFillClrLst>
+    <dgm:txEffectClrLst/>
+  </dgm:styleLbl>
+  <dgm:styleLbl name="trBgShp">
+    <dgm:fillClrLst meth="repeat">
+      <a:schemeClr val="accent1">
+        <a:tint val="50000"/>
+        <a:alpha val="40000"/>
+      </a:schemeClr>
+    </dgm:fillClrLst>
+    <dgm:linClrLst meth="repeat">
+      <a:schemeClr val="accent2"/>
+    </dgm:linClrLst>
+    <dgm:effectClrLst/>
+    <dgm:txLinClrLst/>
+    <dgm:txFillClrLst meth="repeat">
+      <a:schemeClr val="lt1"/>
+    </dgm:txFillClrLst>
+    <dgm:txEffectClrLst/>
+  </dgm:styleLbl>
+  <dgm:styleLbl name="fgShp">
+    <dgm:fillClrLst meth="repeat">
+      <a:schemeClr val="accent2">
+        <a:tint val="40000"/>
+      </a:schemeClr>
+    </dgm:fillClrLst>
+    <dgm:linClrLst meth="repeat">
+      <a:schemeClr val="lt1"/>
+    </dgm:linClrLst>
+    <dgm:effectClrLst/>
+    <dgm:txLinClrLst/>
+    <dgm:txFillClrLst meth="repeat">
+      <a:schemeClr val="dk1"/>
+    </dgm:txFillClrLst>
+    <dgm:txEffectClrLst/>
+  </dgm:styleLbl>
+  <dgm:styleLbl name="revTx">
+    <dgm:fillClrLst meth="repeat">
+      <a:schemeClr val="lt1">
+        <a:alpha val="0"/>
+      </a:schemeClr>
+    </dgm:fillClrLst>
+    <dgm:linClrLst meth="repeat">
+      <a:schemeClr val="dk1">
+        <a:alpha val="0"/>
+      </a:schemeClr>
+    </dgm:linClrLst>
+    <dgm:effectClrLst/>
+    <dgm:txLinClrLst/>
+    <dgm:txFillClrLst meth="repeat">
+      <a:schemeClr val="tx1"/>
+    </dgm:txFillClrLst>
+    <dgm:txEffectClrLst/>
+  </dgm:styleLbl>
+</dgm:colorsDef>
+</file>
+
+<file path=ppt/diagrams/data1.xml><?xml version="1.0" encoding="utf-8"?>
+<dgm:dataModel xmlns:dgm="http://schemas.openxmlformats.org/drawingml/2006/diagram" xmlns:a="http://schemas.openxmlformats.org/drawingml/2006/main">
+  <dgm:ptLst>
+    <dgm:pt modelId="{581A9FF4-19EA-4B04-9BEF-D16ACDA8A41B}" type="doc">
+      <dgm:prSet loTypeId="urn:microsoft.com/office/officeart/2008/layout/HorizontalMultiLevelHierarchy" loCatId="hierarchy" qsTypeId="urn:microsoft.com/office/officeart/2005/8/quickstyle/3d2" qsCatId="3D" csTypeId="urn:microsoft.com/office/officeart/2005/8/colors/colorful1" csCatId="colorful" phldr="1"/>
+      <dgm:spPr/>
+      <dgm:t>
+        <a:bodyPr/>
+        <a:lstStyle/>
+        <a:p>
+          <a:endParaRPr lang="en-US"/>
+        </a:p>
+      </dgm:t>
+    </dgm:pt>
+    <dgm:pt modelId="{2CD48D77-BE21-40B3-8CBE-A5E2180F17F6}">
+      <dgm:prSet phldrT="[Text]" custT="1"/>
+      <dgm:spPr/>
+      <dgm:t>
+        <a:bodyPr/>
+        <a:lstStyle/>
+        <a:p>
+          <a:r>
+            <a:rPr lang="en-US" sz="1600" b="1" dirty="0" smtClean="0"/>
+            <a:t>/opt/PFMS/</a:t>
+          </a:r>
+          <a:endParaRPr lang="en-US" sz="1600" dirty="0"/>
+        </a:p>
+      </dgm:t>
+    </dgm:pt>
+    <dgm:pt modelId="{DE9434DD-CB97-4DF8-8B4E-A8D53054D5D8}" type="parTrans" cxnId="{25A55FA0-CACC-4A39-AC6C-31213C069B95}">
+      <dgm:prSet/>
+      <dgm:spPr/>
+      <dgm:t>
+        <a:bodyPr/>
+        <a:lstStyle/>
+        <a:p>
+          <a:endParaRPr lang="en-US"/>
+        </a:p>
+      </dgm:t>
+    </dgm:pt>
+    <dgm:pt modelId="{F73CFAA2-E7B1-4A53-ACC4-DBE00B8F710B}" type="sibTrans" cxnId="{25A55FA0-CACC-4A39-AC6C-31213C069B95}">
+      <dgm:prSet/>
+      <dgm:spPr/>
+      <dgm:t>
+        <a:bodyPr/>
+        <a:lstStyle/>
+        <a:p>
+          <a:endParaRPr lang="en-US"/>
+        </a:p>
+      </dgm:t>
+    </dgm:pt>
+    <dgm:pt modelId="{2799595B-A5B9-4141-9B92-E8A33ADA7F5C}">
+      <dgm:prSet phldrT="[Text]"/>
+      <dgm:spPr/>
+      <dgm:t>
+        <a:bodyPr/>
+        <a:lstStyle/>
+        <a:p>
+          <a:r>
+            <a:rPr lang="en-US" b="1" dirty="0" smtClean="0"/>
+            <a:t>Outgoing</a:t>
+          </a:r>
+          <a:endParaRPr lang="en-US" b="1" dirty="0"/>
+        </a:p>
+      </dgm:t>
+    </dgm:pt>
+    <dgm:pt modelId="{A5E99A83-AD3E-4D9B-892D-67D3D64BAC18}" type="parTrans" cxnId="{AAD6FF71-9419-4B68-BFA2-0E02D183255C}">
+      <dgm:prSet/>
+      <dgm:spPr/>
+      <dgm:t>
+        <a:bodyPr/>
+        <a:lstStyle/>
+        <a:p>
+          <a:endParaRPr lang="en-US"/>
+        </a:p>
+      </dgm:t>
+    </dgm:pt>
+    <dgm:pt modelId="{6ECEBC69-FF95-4755-B59F-BA069D9DB35F}" type="sibTrans" cxnId="{AAD6FF71-9419-4B68-BFA2-0E02D183255C}">
+      <dgm:prSet/>
+      <dgm:spPr/>
+      <dgm:t>
+        <a:bodyPr/>
+        <a:lstStyle/>
+        <a:p>
+          <a:endParaRPr lang="en-US"/>
+        </a:p>
+      </dgm:t>
+    </dgm:pt>
+    <dgm:pt modelId="{73608496-C71E-4E04-954E-7324A877FCE6}">
+      <dgm:prSet phldrT="[Text]"/>
+      <dgm:spPr/>
+      <dgm:t>
+        <a:bodyPr/>
+        <a:lstStyle/>
+        <a:p>
+          <a:r>
+            <a:rPr lang="en-US" b="1" dirty="0" smtClean="0"/>
+            <a:t>Pending</a:t>
+          </a:r>
+          <a:endParaRPr lang="en-US" b="1" dirty="0"/>
+        </a:p>
+      </dgm:t>
+    </dgm:pt>
+    <dgm:pt modelId="{2D02C620-56F9-42B4-A5F3-B2902AE52B07}" type="parTrans" cxnId="{85CF3BEC-2BB9-4DE4-AE43-5571BB97B6A4}">
+      <dgm:prSet/>
+      <dgm:spPr/>
+      <dgm:t>
+        <a:bodyPr/>
+        <a:lstStyle/>
+        <a:p>
+          <a:endParaRPr lang="en-US"/>
+        </a:p>
+      </dgm:t>
+    </dgm:pt>
+    <dgm:pt modelId="{681BDFC0-D12E-4B5F-A069-96767514660F}" type="sibTrans" cxnId="{85CF3BEC-2BB9-4DE4-AE43-5571BB97B6A4}">
+      <dgm:prSet/>
+      <dgm:spPr/>
+      <dgm:t>
+        <a:bodyPr/>
+        <a:lstStyle/>
+        <a:p>
+          <a:endParaRPr lang="en-US"/>
+        </a:p>
+      </dgm:t>
+    </dgm:pt>
+    <dgm:pt modelId="{F7718C43-EC58-416A-938B-C652B175DEA4}">
+      <dgm:prSet phldrT="[Text]"/>
+      <dgm:spPr/>
+      <dgm:t>
+        <a:bodyPr/>
+        <a:lstStyle/>
+        <a:p>
+          <a:r>
+            <a:rPr lang="en-US" b="1" dirty="0" smtClean="0"/>
+            <a:t>Sent</a:t>
+          </a:r>
+          <a:endParaRPr lang="en-US" b="1" dirty="0"/>
+        </a:p>
+      </dgm:t>
+    </dgm:pt>
+    <dgm:pt modelId="{02D4C35B-757D-4A26-ABF9-EB062347B49C}" type="parTrans" cxnId="{42281A92-1148-400D-811A-AB6E156EB9FD}">
+      <dgm:prSet/>
+      <dgm:spPr/>
+      <dgm:t>
+        <a:bodyPr/>
+        <a:lstStyle/>
+        <a:p>
+          <a:endParaRPr lang="en-US"/>
+        </a:p>
+      </dgm:t>
+    </dgm:pt>
+    <dgm:pt modelId="{B9CC0C24-C75A-41DC-A2AB-6B74AF630EBA}" type="sibTrans" cxnId="{42281A92-1148-400D-811A-AB6E156EB9FD}">
+      <dgm:prSet/>
+      <dgm:spPr/>
+      <dgm:t>
+        <a:bodyPr/>
+        <a:lstStyle/>
+        <a:p>
+          <a:endParaRPr lang="en-US"/>
+        </a:p>
+      </dgm:t>
+    </dgm:pt>
+    <dgm:pt modelId="{4C365737-CB30-40F2-A17F-28A2ED83F818}">
+      <dgm:prSet phldrT="[Text]"/>
+      <dgm:spPr/>
+      <dgm:t>
+        <a:bodyPr/>
+        <a:lstStyle/>
+        <a:p>
+          <a:r>
+            <a:rPr lang="en-US" b="1" dirty="0" smtClean="0"/>
+            <a:t>Response Success</a:t>
+          </a:r>
+          <a:endParaRPr lang="en-US" b="1" dirty="0"/>
+        </a:p>
+      </dgm:t>
+    </dgm:pt>
+    <dgm:pt modelId="{89F5C37F-389D-4EB0-B598-35B5D1E9207A}" type="parTrans" cxnId="{6BBE2A8F-3CFC-4B1F-803A-29217B57B134}">
+      <dgm:prSet/>
+      <dgm:spPr/>
+      <dgm:t>
+        <a:bodyPr/>
+        <a:lstStyle/>
+        <a:p>
+          <a:endParaRPr lang="en-US"/>
+        </a:p>
+      </dgm:t>
+    </dgm:pt>
+    <dgm:pt modelId="{8C4C3C18-77F8-4528-A744-22A7F933F16C}" type="sibTrans" cxnId="{6BBE2A8F-3CFC-4B1F-803A-29217B57B134}">
+      <dgm:prSet/>
+      <dgm:spPr/>
+      <dgm:t>
+        <a:bodyPr/>
+        <a:lstStyle/>
+        <a:p>
+          <a:endParaRPr lang="en-US"/>
+        </a:p>
+      </dgm:t>
+    </dgm:pt>
+    <dgm:pt modelId="{1461B457-6FD2-4CC4-9A19-91474B69B91D}">
+      <dgm:prSet phldrT="[Text]"/>
+      <dgm:spPr/>
+      <dgm:t>
+        <a:bodyPr/>
+        <a:lstStyle/>
+        <a:p>
+          <a:r>
+            <a:rPr lang="en-US" b="1" dirty="0" smtClean="0"/>
+            <a:t>Response Failure</a:t>
+          </a:r>
+          <a:endParaRPr lang="en-US" b="1" dirty="0"/>
+        </a:p>
+      </dgm:t>
+    </dgm:pt>
+    <dgm:pt modelId="{F94C3D0C-24EA-421D-A927-2EAB58C8C5DE}" type="parTrans" cxnId="{DE94DAFF-B937-4DA6-8C1D-0ED13C0C34AE}">
+      <dgm:prSet/>
+      <dgm:spPr/>
+      <dgm:t>
+        <a:bodyPr/>
+        <a:lstStyle/>
+        <a:p>
+          <a:endParaRPr lang="en-US"/>
+        </a:p>
+      </dgm:t>
+    </dgm:pt>
+    <dgm:pt modelId="{F8FB352F-AD5B-49E5-AB68-B7984675C7FD}" type="sibTrans" cxnId="{DE94DAFF-B937-4DA6-8C1D-0ED13C0C34AE}">
+      <dgm:prSet/>
+      <dgm:spPr/>
+      <dgm:t>
+        <a:bodyPr/>
+        <a:lstStyle/>
+        <a:p>
+          <a:endParaRPr lang="en-US"/>
+        </a:p>
+      </dgm:t>
+    </dgm:pt>
+    <dgm:pt modelId="{7580BA2A-FDD6-4D25-AB7E-33651468206C}">
+      <dgm:prSet phldrT="[Text]" custT="1"/>
+      <dgm:spPr>
+        <a:solidFill>
+          <a:schemeClr val="accent2">
+            <a:lumMod val="50000"/>
+          </a:schemeClr>
+        </a:solidFill>
+      </dgm:spPr>
+      <dgm:t>
+        <a:bodyPr/>
+        <a:lstStyle/>
+        <a:p>
+          <a:r>
+            <a:rPr lang="en-US" sz="1100" b="1" dirty="0" err="1" smtClean="0"/>
+            <a:t>SVPending</a:t>
+          </a:r>
+          <a:endParaRPr lang="en-US" sz="1100" b="1" dirty="0"/>
+        </a:p>
+      </dgm:t>
+    </dgm:pt>
+    <dgm:pt modelId="{C9953552-5260-4C2B-BE54-33FD1BBA5E72}" type="parTrans" cxnId="{18571B71-B8D2-41F0-A1FD-7BA9D7CBA68F}">
+      <dgm:prSet/>
+      <dgm:spPr/>
+      <dgm:t>
+        <a:bodyPr/>
+        <a:lstStyle/>
+        <a:p>
+          <a:endParaRPr lang="en-US"/>
+        </a:p>
+      </dgm:t>
+    </dgm:pt>
+    <dgm:pt modelId="{A64DA436-0193-4D11-A174-10D97919F94F}" type="sibTrans" cxnId="{18571B71-B8D2-41F0-A1FD-7BA9D7CBA68F}">
+      <dgm:prSet/>
+      <dgm:spPr/>
+      <dgm:t>
+        <a:bodyPr/>
+        <a:lstStyle/>
+        <a:p>
+          <a:endParaRPr lang="en-US"/>
+        </a:p>
+      </dgm:t>
+    </dgm:pt>
+    <dgm:pt modelId="{7B88B522-8C09-4369-BF24-2108C004F578}">
+      <dgm:prSet phldrT="[Text]" custT="1"/>
+      <dgm:spPr>
+        <a:solidFill>
+          <a:schemeClr val="accent2">
+            <a:lumMod val="50000"/>
+          </a:schemeClr>
+        </a:solidFill>
+      </dgm:spPr>
+      <dgm:t>
+        <a:bodyPr/>
+        <a:lstStyle/>
+        <a:p>
+          <a:r>
+            <a:rPr lang="en-US" sz="1100" b="1" dirty="0" err="1" smtClean="0"/>
+            <a:t>FASPending</a:t>
+          </a:r>
+          <a:endParaRPr lang="en-US" sz="1100" b="1" dirty="0"/>
+        </a:p>
+      </dgm:t>
+    </dgm:pt>
+    <dgm:pt modelId="{488E4E53-0EE4-4CCC-85FD-CCB1EBC499C8}" type="parTrans" cxnId="{BD9340CF-385F-4511-B84D-5E13289943FF}">
+      <dgm:prSet/>
+      <dgm:spPr/>
+      <dgm:t>
+        <a:bodyPr/>
+        <a:lstStyle/>
+        <a:p>
+          <a:endParaRPr lang="en-US"/>
+        </a:p>
+      </dgm:t>
+    </dgm:pt>
+    <dgm:pt modelId="{4F461D30-A5B2-4AC0-9BC7-FD3BB71D827F}" type="sibTrans" cxnId="{BD9340CF-385F-4511-B84D-5E13289943FF}">
+      <dgm:prSet/>
+      <dgm:spPr/>
+      <dgm:t>
+        <a:bodyPr/>
+        <a:lstStyle/>
+        <a:p>
+          <a:endParaRPr lang="en-US"/>
+        </a:p>
+      </dgm:t>
+    </dgm:pt>
+    <dgm:pt modelId="{4456A574-DC07-4E29-9503-E3088322F9EF}">
+      <dgm:prSet phldrT="[Text]" custT="1"/>
+      <dgm:spPr>
+        <a:solidFill>
+          <a:schemeClr val="accent2">
+            <a:lumMod val="50000"/>
+          </a:schemeClr>
+        </a:solidFill>
+      </dgm:spPr>
+      <dgm:t>
+        <a:bodyPr/>
+        <a:lstStyle/>
+        <a:p>
+          <a:r>
+            <a:rPr lang="en-US" sz="1100" b="1" dirty="0" err="1" smtClean="0"/>
+            <a:t>VendorPending</a:t>
+          </a:r>
+          <a:endParaRPr lang="en-US" sz="1100" b="1" dirty="0"/>
+        </a:p>
+      </dgm:t>
+    </dgm:pt>
+    <dgm:pt modelId="{45FB58CB-7DA1-4E14-B564-367C4C6C116B}" type="parTrans" cxnId="{8EF08AC9-713B-4A09-8702-1D8B1148D154}">
+      <dgm:prSet/>
+      <dgm:spPr/>
+      <dgm:t>
+        <a:bodyPr/>
+        <a:lstStyle/>
+        <a:p>
+          <a:endParaRPr lang="en-US"/>
+        </a:p>
+      </dgm:t>
+    </dgm:pt>
+    <dgm:pt modelId="{E31D2D81-FD04-4F0F-9DA1-C391B26B2A1F}" type="sibTrans" cxnId="{8EF08AC9-713B-4A09-8702-1D8B1148D154}">
+      <dgm:prSet/>
+      <dgm:spPr/>
+      <dgm:t>
+        <a:bodyPr/>
+        <a:lstStyle/>
+        <a:p>
+          <a:endParaRPr lang="en-US"/>
+        </a:p>
+      </dgm:t>
+    </dgm:pt>
+    <dgm:pt modelId="{8AD0ECD5-B82F-432A-A91A-57BA82016F10}">
+      <dgm:prSet phldrT="[Text]" custT="1"/>
+      <dgm:spPr>
+        <a:solidFill>
+          <a:schemeClr val="accent2">
+            <a:lumMod val="50000"/>
+          </a:schemeClr>
+        </a:solidFill>
+      </dgm:spPr>
+      <dgm:t>
+        <a:bodyPr/>
+        <a:lstStyle/>
+        <a:p>
+          <a:r>
+            <a:rPr lang="en-US" sz="1100" b="1" dirty="0" err="1" smtClean="0"/>
+            <a:t>PEPCPendingCase</a:t>
+          </a:r>
+          <a:endParaRPr lang="en-US" sz="1100" b="1" dirty="0"/>
+        </a:p>
+      </dgm:t>
+    </dgm:pt>
+    <dgm:pt modelId="{58A11B15-3820-4941-BE2E-F6D04A27C047}" type="parTrans" cxnId="{74CA1699-56AC-4929-86AB-D278C6996E61}">
+      <dgm:prSet/>
+      <dgm:spPr/>
+      <dgm:t>
+        <a:bodyPr/>
+        <a:lstStyle/>
+        <a:p>
+          <a:endParaRPr lang="en-US"/>
+        </a:p>
+      </dgm:t>
+    </dgm:pt>
+    <dgm:pt modelId="{EB92243B-E820-4D23-91A5-AFB197689CAC}" type="sibTrans" cxnId="{74CA1699-56AC-4929-86AB-D278C6996E61}">
+      <dgm:prSet/>
+      <dgm:spPr/>
+      <dgm:t>
+        <a:bodyPr/>
+        <a:lstStyle/>
+        <a:p>
+          <a:endParaRPr lang="en-US"/>
+        </a:p>
+      </dgm:t>
+    </dgm:pt>
+    <dgm:pt modelId="{205F9E91-23F9-491C-94EC-FEB94F6AC835}" type="pres">
+      <dgm:prSet presAssocID="{581A9FF4-19EA-4B04-9BEF-D16ACDA8A41B}" presName="Name0" presStyleCnt="0">
+        <dgm:presLayoutVars>
+          <dgm:chPref val="1"/>
+          <dgm:dir/>
+          <dgm:animOne val="branch"/>
+          <dgm:animLvl val="lvl"/>
+          <dgm:resizeHandles val="exact"/>
+        </dgm:presLayoutVars>
+      </dgm:prSet>
+      <dgm:spPr/>
+      <dgm:t>
+        <a:bodyPr/>
+        <a:lstStyle/>
+        <a:p>
+          <a:endParaRPr lang="en-US"/>
+        </a:p>
+      </dgm:t>
+    </dgm:pt>
+    <dgm:pt modelId="{3A62AE99-9FA0-4A70-9AF6-99A73CC7ACB6}" type="pres">
+      <dgm:prSet presAssocID="{2CD48D77-BE21-40B3-8CBE-A5E2180F17F6}" presName="root1" presStyleCnt="0"/>
+      <dgm:spPr/>
+    </dgm:pt>
+    <dgm:pt modelId="{53975860-54D1-405F-A889-01B934832FD4}" type="pres">
+      <dgm:prSet presAssocID="{2CD48D77-BE21-40B3-8CBE-A5E2180F17F6}" presName="LevelOneTextNode" presStyleLbl="node0" presStyleIdx="0" presStyleCnt="1" custLinFactNeighborX="0">
+        <dgm:presLayoutVars>
+          <dgm:chPref val="3"/>
+        </dgm:presLayoutVars>
+      </dgm:prSet>
+      <dgm:spPr/>
+      <dgm:t>
+        <a:bodyPr/>
+        <a:lstStyle/>
+        <a:p>
+          <a:endParaRPr lang="en-US"/>
+        </a:p>
+      </dgm:t>
+    </dgm:pt>
+    <dgm:pt modelId="{6D239F45-0F66-46AB-AF9A-840600D162AF}" type="pres">
+      <dgm:prSet presAssocID="{2CD48D77-BE21-40B3-8CBE-A5E2180F17F6}" presName="level2hierChild" presStyleCnt="0"/>
+      <dgm:spPr/>
+    </dgm:pt>
+    <dgm:pt modelId="{DAE6B772-9B80-4BC4-95A7-43B452B2A1C4}" type="pres">
+      <dgm:prSet presAssocID="{A5E99A83-AD3E-4D9B-892D-67D3D64BAC18}" presName="conn2-1" presStyleLbl="parChTrans1D2" presStyleIdx="0" presStyleCnt="5"/>
+      <dgm:spPr/>
+      <dgm:t>
+        <a:bodyPr/>
+        <a:lstStyle/>
+        <a:p>
+          <a:endParaRPr lang="en-US"/>
+        </a:p>
+      </dgm:t>
+    </dgm:pt>
+    <dgm:pt modelId="{00C2A214-3467-4290-A89A-2E37DFA85757}" type="pres">
+      <dgm:prSet presAssocID="{A5E99A83-AD3E-4D9B-892D-67D3D64BAC18}" presName="connTx" presStyleLbl="parChTrans1D2" presStyleIdx="0" presStyleCnt="5"/>
+      <dgm:spPr/>
+      <dgm:t>
+        <a:bodyPr/>
+        <a:lstStyle/>
+        <a:p>
+          <a:endParaRPr lang="en-US"/>
+        </a:p>
+      </dgm:t>
+    </dgm:pt>
+    <dgm:pt modelId="{5C9387C0-03B8-479B-8991-E7A7CB118EDF}" type="pres">
+      <dgm:prSet presAssocID="{2799595B-A5B9-4141-9B92-E8A33ADA7F5C}" presName="root2" presStyleCnt="0"/>
+      <dgm:spPr/>
+    </dgm:pt>
+    <dgm:pt modelId="{BB105F6C-DE2C-4E49-95AA-A9AF5B53CF8A}" type="pres">
+      <dgm:prSet presAssocID="{2799595B-A5B9-4141-9B92-E8A33ADA7F5C}" presName="LevelTwoTextNode" presStyleLbl="node2" presStyleIdx="0" presStyleCnt="5">
+        <dgm:presLayoutVars>
+          <dgm:chPref val="3"/>
+        </dgm:presLayoutVars>
+      </dgm:prSet>
+      <dgm:spPr/>
+      <dgm:t>
+        <a:bodyPr/>
+        <a:lstStyle/>
+        <a:p>
+          <a:endParaRPr lang="en-US"/>
+        </a:p>
+      </dgm:t>
+    </dgm:pt>
+    <dgm:pt modelId="{8AE7CA06-C984-4265-87E8-2F778845DF5E}" type="pres">
+      <dgm:prSet presAssocID="{2799595B-A5B9-4141-9B92-E8A33ADA7F5C}" presName="level3hierChild" presStyleCnt="0"/>
+      <dgm:spPr/>
+    </dgm:pt>
+    <dgm:pt modelId="{66CA485B-68C8-4246-A6A6-9C133B1D148E}" type="pres">
+      <dgm:prSet presAssocID="{2D02C620-56F9-42B4-A5F3-B2902AE52B07}" presName="conn2-1" presStyleLbl="parChTrans1D2" presStyleIdx="1" presStyleCnt="5"/>
+      <dgm:spPr/>
+      <dgm:t>
+        <a:bodyPr/>
+        <a:lstStyle/>
+        <a:p>
+          <a:endParaRPr lang="en-US"/>
+        </a:p>
+      </dgm:t>
+    </dgm:pt>
+    <dgm:pt modelId="{E11BCC54-6891-4C63-9983-BEFA94519D29}" type="pres">
+      <dgm:prSet presAssocID="{2D02C620-56F9-42B4-A5F3-B2902AE52B07}" presName="connTx" presStyleLbl="parChTrans1D2" presStyleIdx="1" presStyleCnt="5"/>
+      <dgm:spPr/>
+      <dgm:t>
+        <a:bodyPr/>
+        <a:lstStyle/>
+        <a:p>
+          <a:endParaRPr lang="en-US"/>
+        </a:p>
+      </dgm:t>
+    </dgm:pt>
+    <dgm:pt modelId="{175BE1DC-C17B-4BBD-B176-3E3D9F7DDEE7}" type="pres">
+      <dgm:prSet presAssocID="{73608496-C71E-4E04-954E-7324A877FCE6}" presName="root2" presStyleCnt="0"/>
+      <dgm:spPr/>
+    </dgm:pt>
+    <dgm:pt modelId="{49B28A51-79A3-45DF-93EF-FAC1549BD0C3}" type="pres">
+      <dgm:prSet presAssocID="{73608496-C71E-4E04-954E-7324A877FCE6}" presName="LevelTwoTextNode" presStyleLbl="node2" presStyleIdx="1" presStyleCnt="5">
+        <dgm:presLayoutVars>
+          <dgm:chPref val="3"/>
+        </dgm:presLayoutVars>
+      </dgm:prSet>
+      <dgm:spPr/>
+      <dgm:t>
+        <a:bodyPr/>
+        <a:lstStyle/>
+        <a:p>
+          <a:endParaRPr lang="en-US"/>
+        </a:p>
+      </dgm:t>
+    </dgm:pt>
+    <dgm:pt modelId="{599029C1-3A0D-4731-85EE-88B35068D615}" type="pres">
+      <dgm:prSet presAssocID="{73608496-C71E-4E04-954E-7324A877FCE6}" presName="level3hierChild" presStyleCnt="0"/>
+      <dgm:spPr/>
+    </dgm:pt>
+    <dgm:pt modelId="{B4D2F5E3-6F87-43A2-BA8A-2718C43C3B7A}" type="pres">
+      <dgm:prSet presAssocID="{C9953552-5260-4C2B-BE54-33FD1BBA5E72}" presName="conn2-1" presStyleLbl="parChTrans1D3" presStyleIdx="0" presStyleCnt="4"/>
+      <dgm:spPr/>
+      <dgm:t>
+        <a:bodyPr/>
+        <a:lstStyle/>
+        <a:p>
+          <a:endParaRPr lang="en-US"/>
+        </a:p>
+      </dgm:t>
+    </dgm:pt>
+    <dgm:pt modelId="{1CA0B04D-97FB-4AAE-B2BA-6865800C43C6}" type="pres">
+      <dgm:prSet presAssocID="{C9953552-5260-4C2B-BE54-33FD1BBA5E72}" presName="connTx" presStyleLbl="parChTrans1D3" presStyleIdx="0" presStyleCnt="4"/>
+      <dgm:spPr/>
+      <dgm:t>
+        <a:bodyPr/>
+        <a:lstStyle/>
+        <a:p>
+          <a:endParaRPr lang="en-US"/>
+        </a:p>
+      </dgm:t>
+    </dgm:pt>
+    <dgm:pt modelId="{BD4DE4AC-0CBC-4C0C-80CE-0E940ECC2267}" type="pres">
+      <dgm:prSet presAssocID="{7580BA2A-FDD6-4D25-AB7E-33651468206C}" presName="root2" presStyleCnt="0"/>
+      <dgm:spPr/>
+    </dgm:pt>
+    <dgm:pt modelId="{D2AF1980-0A0B-43F8-9A7D-6954BB8A5458}" type="pres">
+      <dgm:prSet presAssocID="{7580BA2A-FDD6-4D25-AB7E-33651468206C}" presName="LevelTwoTextNode" presStyleLbl="node3" presStyleIdx="0" presStyleCnt="4">
+        <dgm:presLayoutVars>
+          <dgm:chPref val="3"/>
+        </dgm:presLayoutVars>
+      </dgm:prSet>
+      <dgm:spPr/>
+      <dgm:t>
+        <a:bodyPr/>
+        <a:lstStyle/>
+        <a:p>
+          <a:endParaRPr lang="en-US"/>
+        </a:p>
+      </dgm:t>
+    </dgm:pt>
+    <dgm:pt modelId="{5B3F68E5-83CE-49CC-84FC-63E460A6F3B9}" type="pres">
+      <dgm:prSet presAssocID="{7580BA2A-FDD6-4D25-AB7E-33651468206C}" presName="level3hierChild" presStyleCnt="0"/>
+      <dgm:spPr/>
+    </dgm:pt>
+    <dgm:pt modelId="{979116C9-67B1-4E10-B6DD-5028EA053226}" type="pres">
+      <dgm:prSet presAssocID="{488E4E53-0EE4-4CCC-85FD-CCB1EBC499C8}" presName="conn2-1" presStyleLbl="parChTrans1D3" presStyleIdx="1" presStyleCnt="4"/>
+      <dgm:spPr/>
+      <dgm:t>
+        <a:bodyPr/>
+        <a:lstStyle/>
+        <a:p>
+          <a:endParaRPr lang="en-US"/>
+        </a:p>
+      </dgm:t>
+    </dgm:pt>
+    <dgm:pt modelId="{B4ECD626-F8DE-4A03-8BBE-286133768483}" type="pres">
+      <dgm:prSet presAssocID="{488E4E53-0EE4-4CCC-85FD-CCB1EBC499C8}" presName="connTx" presStyleLbl="parChTrans1D3" presStyleIdx="1" presStyleCnt="4"/>
+      <dgm:spPr/>
+      <dgm:t>
+        <a:bodyPr/>
+        <a:lstStyle/>
+        <a:p>
+          <a:endParaRPr lang="en-US"/>
+        </a:p>
+      </dgm:t>
+    </dgm:pt>
+    <dgm:pt modelId="{8F7DBB44-4E33-4391-BB32-9D0676C50313}" type="pres">
+      <dgm:prSet presAssocID="{7B88B522-8C09-4369-BF24-2108C004F578}" presName="root2" presStyleCnt="0"/>
+      <dgm:spPr/>
+    </dgm:pt>
+    <dgm:pt modelId="{48E5A03B-FA17-4D8C-AF4D-95792EEA64BA}" type="pres">
+      <dgm:prSet presAssocID="{7B88B522-8C09-4369-BF24-2108C004F578}" presName="LevelTwoTextNode" presStyleLbl="node3" presStyleIdx="1" presStyleCnt="4">
+        <dgm:presLayoutVars>
+          <dgm:chPref val="3"/>
+        </dgm:presLayoutVars>
+      </dgm:prSet>
+      <dgm:spPr/>
+      <dgm:t>
+        <a:bodyPr/>
+        <a:lstStyle/>
+        <a:p>
+          <a:endParaRPr lang="en-US"/>
+        </a:p>
+      </dgm:t>
+    </dgm:pt>
+    <dgm:pt modelId="{B6CA96CA-3B4A-4C67-A7AA-26036171883F}" type="pres">
+      <dgm:prSet presAssocID="{7B88B522-8C09-4369-BF24-2108C004F578}" presName="level3hierChild" presStyleCnt="0"/>
+      <dgm:spPr/>
+    </dgm:pt>
+    <dgm:pt modelId="{01C1B402-0020-44DF-9A62-E5610B5CD990}" type="pres">
+      <dgm:prSet presAssocID="{45FB58CB-7DA1-4E14-B564-367C4C6C116B}" presName="conn2-1" presStyleLbl="parChTrans1D3" presStyleIdx="2" presStyleCnt="4"/>
+      <dgm:spPr/>
+      <dgm:t>
+        <a:bodyPr/>
+        <a:lstStyle/>
+        <a:p>
+          <a:endParaRPr lang="en-US"/>
+        </a:p>
+      </dgm:t>
+    </dgm:pt>
+    <dgm:pt modelId="{A9542A7C-87DC-4569-9ABE-6DE548FB93BF}" type="pres">
+      <dgm:prSet presAssocID="{45FB58CB-7DA1-4E14-B564-367C4C6C116B}" presName="connTx" presStyleLbl="parChTrans1D3" presStyleIdx="2" presStyleCnt="4"/>
+      <dgm:spPr/>
+      <dgm:t>
+        <a:bodyPr/>
+        <a:lstStyle/>
+        <a:p>
+          <a:endParaRPr lang="en-US"/>
+        </a:p>
+      </dgm:t>
+    </dgm:pt>
+    <dgm:pt modelId="{86940C3D-30FE-40DE-8FE1-C0097A6BDD91}" type="pres">
+      <dgm:prSet presAssocID="{4456A574-DC07-4E29-9503-E3088322F9EF}" presName="root2" presStyleCnt="0"/>
+      <dgm:spPr/>
+    </dgm:pt>
+    <dgm:pt modelId="{92AE9F0A-4317-4E08-B368-5F7267F9C11E}" type="pres">
+      <dgm:prSet presAssocID="{4456A574-DC07-4E29-9503-E3088322F9EF}" presName="LevelTwoTextNode" presStyleLbl="node3" presStyleIdx="2" presStyleCnt="4" custScaleX="142497">
+        <dgm:presLayoutVars>
+          <dgm:chPref val="3"/>
+        </dgm:presLayoutVars>
+      </dgm:prSet>
+      <dgm:spPr/>
+      <dgm:t>
+        <a:bodyPr/>
+        <a:lstStyle/>
+        <a:p>
+          <a:endParaRPr lang="en-US"/>
+        </a:p>
+      </dgm:t>
+    </dgm:pt>
+    <dgm:pt modelId="{E17C87A8-14C5-4935-BA88-4793211D5393}" type="pres">
+      <dgm:prSet presAssocID="{4456A574-DC07-4E29-9503-E3088322F9EF}" presName="level3hierChild" presStyleCnt="0"/>
+      <dgm:spPr/>
+    </dgm:pt>
+    <dgm:pt modelId="{0F8821C7-4A3D-44E6-8A21-8DF0FF4061D6}" type="pres">
+      <dgm:prSet presAssocID="{58A11B15-3820-4941-BE2E-F6D04A27C047}" presName="conn2-1" presStyleLbl="parChTrans1D3" presStyleIdx="3" presStyleCnt="4"/>
+      <dgm:spPr/>
+      <dgm:t>
+        <a:bodyPr/>
+        <a:lstStyle/>
+        <a:p>
+          <a:endParaRPr lang="en-US"/>
+        </a:p>
+      </dgm:t>
+    </dgm:pt>
+    <dgm:pt modelId="{15C4DF66-D3B1-4B62-AD25-3512467F8125}" type="pres">
+      <dgm:prSet presAssocID="{58A11B15-3820-4941-BE2E-F6D04A27C047}" presName="connTx" presStyleLbl="parChTrans1D3" presStyleIdx="3" presStyleCnt="4"/>
+      <dgm:spPr/>
+      <dgm:t>
+        <a:bodyPr/>
+        <a:lstStyle/>
+        <a:p>
+          <a:endParaRPr lang="en-US"/>
+        </a:p>
+      </dgm:t>
+    </dgm:pt>
+    <dgm:pt modelId="{F5CF13CE-A671-4CA6-9645-87818954A3B0}" type="pres">
+      <dgm:prSet presAssocID="{8AD0ECD5-B82F-432A-A91A-57BA82016F10}" presName="root2" presStyleCnt="0"/>
+      <dgm:spPr/>
+    </dgm:pt>
+    <dgm:pt modelId="{46578617-3BC7-4745-ACFC-294A4ADE715F}" type="pres">
+      <dgm:prSet presAssocID="{8AD0ECD5-B82F-432A-A91A-57BA82016F10}" presName="LevelTwoTextNode" presStyleLbl="node3" presStyleIdx="3" presStyleCnt="4" custScaleX="133789">
+        <dgm:presLayoutVars>
+          <dgm:chPref val="3"/>
+        </dgm:presLayoutVars>
+      </dgm:prSet>
+      <dgm:spPr/>
+      <dgm:t>
+        <a:bodyPr/>
+        <a:lstStyle/>
+        <a:p>
+          <a:endParaRPr lang="en-US"/>
+        </a:p>
+      </dgm:t>
+    </dgm:pt>
+    <dgm:pt modelId="{712B4E28-9224-4531-8F37-DE02FF676BD8}" type="pres">
+      <dgm:prSet presAssocID="{8AD0ECD5-B82F-432A-A91A-57BA82016F10}" presName="level3hierChild" presStyleCnt="0"/>
+      <dgm:spPr/>
+    </dgm:pt>
+    <dgm:pt modelId="{BA9559E5-A1E7-4EED-A02D-40E9AD225969}" type="pres">
+      <dgm:prSet presAssocID="{02D4C35B-757D-4A26-ABF9-EB062347B49C}" presName="conn2-1" presStyleLbl="parChTrans1D2" presStyleIdx="2" presStyleCnt="5"/>
+      <dgm:spPr/>
+      <dgm:t>
+        <a:bodyPr/>
+        <a:lstStyle/>
+        <a:p>
+          <a:endParaRPr lang="en-US"/>
+        </a:p>
+      </dgm:t>
+    </dgm:pt>
+    <dgm:pt modelId="{E3418C5C-8673-493C-BF06-0B6808D5A844}" type="pres">
+      <dgm:prSet presAssocID="{02D4C35B-757D-4A26-ABF9-EB062347B49C}" presName="connTx" presStyleLbl="parChTrans1D2" presStyleIdx="2" presStyleCnt="5"/>
+      <dgm:spPr/>
+      <dgm:t>
+        <a:bodyPr/>
+        <a:lstStyle/>
+        <a:p>
+          <a:endParaRPr lang="en-US"/>
+        </a:p>
+      </dgm:t>
+    </dgm:pt>
+    <dgm:pt modelId="{8367E4B9-9825-4576-84E4-5C005B5D242F}" type="pres">
+      <dgm:prSet presAssocID="{F7718C43-EC58-416A-938B-C652B175DEA4}" presName="root2" presStyleCnt="0"/>
+      <dgm:spPr/>
+    </dgm:pt>
+    <dgm:pt modelId="{664035F2-8451-4E45-873D-0B24AECBE763}" type="pres">
+      <dgm:prSet presAssocID="{F7718C43-EC58-416A-938B-C652B175DEA4}" presName="LevelTwoTextNode" presStyleLbl="node2" presStyleIdx="2" presStyleCnt="5">
+        <dgm:presLayoutVars>
+          <dgm:chPref val="3"/>
+        </dgm:presLayoutVars>
+      </dgm:prSet>
+      <dgm:spPr/>
+      <dgm:t>
+        <a:bodyPr/>
+        <a:lstStyle/>
+        <a:p>
+          <a:endParaRPr lang="en-US"/>
+        </a:p>
+      </dgm:t>
+    </dgm:pt>
+    <dgm:pt modelId="{0C7F92A9-6A77-49CB-B1BC-9FC2C0F0B73B}" type="pres">
+      <dgm:prSet presAssocID="{F7718C43-EC58-416A-938B-C652B175DEA4}" presName="level3hierChild" presStyleCnt="0"/>
+      <dgm:spPr/>
+    </dgm:pt>
+    <dgm:pt modelId="{0202EF73-3765-429E-A44A-6449D2AEBE56}" type="pres">
+      <dgm:prSet presAssocID="{89F5C37F-389D-4EB0-B598-35B5D1E9207A}" presName="conn2-1" presStyleLbl="parChTrans1D2" presStyleIdx="3" presStyleCnt="5"/>
+      <dgm:spPr/>
+      <dgm:t>
+        <a:bodyPr/>
+        <a:lstStyle/>
+        <a:p>
+          <a:endParaRPr lang="en-US"/>
+        </a:p>
+      </dgm:t>
+    </dgm:pt>
+    <dgm:pt modelId="{439D667A-8105-4063-98AA-2CAA45C70126}" type="pres">
+      <dgm:prSet presAssocID="{89F5C37F-389D-4EB0-B598-35B5D1E9207A}" presName="connTx" presStyleLbl="parChTrans1D2" presStyleIdx="3" presStyleCnt="5"/>
+      <dgm:spPr/>
+      <dgm:t>
+        <a:bodyPr/>
+        <a:lstStyle/>
+        <a:p>
+          <a:endParaRPr lang="en-US"/>
+        </a:p>
+      </dgm:t>
+    </dgm:pt>
+    <dgm:pt modelId="{EAB86063-4B83-4998-B1BB-508DA1398D96}" type="pres">
+      <dgm:prSet presAssocID="{4C365737-CB30-40F2-A17F-28A2ED83F818}" presName="root2" presStyleCnt="0"/>
+      <dgm:spPr/>
+    </dgm:pt>
+    <dgm:pt modelId="{2CCCFC99-71B2-4144-9B5F-1B9107AA16AA}" type="pres">
+      <dgm:prSet presAssocID="{4C365737-CB30-40F2-A17F-28A2ED83F818}" presName="LevelTwoTextNode" presStyleLbl="node2" presStyleIdx="3" presStyleCnt="5">
+        <dgm:presLayoutVars>
+          <dgm:chPref val="3"/>
+        </dgm:presLayoutVars>
+      </dgm:prSet>
+      <dgm:spPr/>
+      <dgm:t>
+        <a:bodyPr/>
+        <a:lstStyle/>
+        <a:p>
+          <a:endParaRPr lang="en-US"/>
+        </a:p>
+      </dgm:t>
+    </dgm:pt>
+    <dgm:pt modelId="{534D88AB-CA15-43D9-9A89-0408B6BBB392}" type="pres">
+      <dgm:prSet presAssocID="{4C365737-CB30-40F2-A17F-28A2ED83F818}" presName="level3hierChild" presStyleCnt="0"/>
+      <dgm:spPr/>
+    </dgm:pt>
+    <dgm:pt modelId="{C6DC9683-92CD-4183-9F86-CDB5A9B13078}" type="pres">
+      <dgm:prSet presAssocID="{F94C3D0C-24EA-421D-A927-2EAB58C8C5DE}" presName="conn2-1" presStyleLbl="parChTrans1D2" presStyleIdx="4" presStyleCnt="5"/>
+      <dgm:spPr/>
+      <dgm:t>
+        <a:bodyPr/>
+        <a:lstStyle/>
+        <a:p>
+          <a:endParaRPr lang="en-US"/>
+        </a:p>
+      </dgm:t>
+    </dgm:pt>
+    <dgm:pt modelId="{D41C7770-0946-4222-AA92-57871C027F38}" type="pres">
+      <dgm:prSet presAssocID="{F94C3D0C-24EA-421D-A927-2EAB58C8C5DE}" presName="connTx" presStyleLbl="parChTrans1D2" presStyleIdx="4" presStyleCnt="5"/>
+      <dgm:spPr/>
+      <dgm:t>
+        <a:bodyPr/>
+        <a:lstStyle/>
+        <a:p>
+          <a:endParaRPr lang="en-US"/>
+        </a:p>
+      </dgm:t>
+    </dgm:pt>
+    <dgm:pt modelId="{BDAF2504-56CC-499D-8320-C8AB9D55DCDE}" type="pres">
+      <dgm:prSet presAssocID="{1461B457-6FD2-4CC4-9A19-91474B69B91D}" presName="root2" presStyleCnt="0"/>
+      <dgm:spPr/>
+    </dgm:pt>
+    <dgm:pt modelId="{7EB01731-D03F-4C88-8DF2-D6243ECEC4AE}" type="pres">
+      <dgm:prSet presAssocID="{1461B457-6FD2-4CC4-9A19-91474B69B91D}" presName="LevelTwoTextNode" presStyleLbl="node2" presStyleIdx="4" presStyleCnt="5">
+        <dgm:presLayoutVars>
+          <dgm:chPref val="3"/>
+        </dgm:presLayoutVars>
+      </dgm:prSet>
+      <dgm:spPr/>
+      <dgm:t>
+        <a:bodyPr/>
+        <a:lstStyle/>
+        <a:p>
+          <a:endParaRPr lang="en-US"/>
+        </a:p>
+      </dgm:t>
+    </dgm:pt>
+    <dgm:pt modelId="{CD1B9234-80B6-4B43-8C70-3890AFB4A102}" type="pres">
+      <dgm:prSet presAssocID="{1461B457-6FD2-4CC4-9A19-91474B69B91D}" presName="level3hierChild" presStyleCnt="0"/>
+      <dgm:spPr/>
+    </dgm:pt>
+  </dgm:ptLst>
+  <dgm:cxnLst>
+    <dgm:cxn modelId="{85B8BF06-77FB-4813-9B94-A15DE0B6E520}" type="presOf" srcId="{8AD0ECD5-B82F-432A-A91A-57BA82016F10}" destId="{46578617-3BC7-4745-ACFC-294A4ADE715F}" srcOrd="0" destOrd="0" presId="urn:microsoft.com/office/officeart/2008/layout/HorizontalMultiLevelHierarchy"/>
+    <dgm:cxn modelId="{0348287F-75A9-4CD7-9DCC-24EBC0EBC196}" type="presOf" srcId="{4456A574-DC07-4E29-9503-E3088322F9EF}" destId="{92AE9F0A-4317-4E08-B368-5F7267F9C11E}" srcOrd="0" destOrd="0" presId="urn:microsoft.com/office/officeart/2008/layout/HorizontalMultiLevelHierarchy"/>
+    <dgm:cxn modelId="{2FC165DD-640C-4F23-A598-E1B8A060F514}" type="presOf" srcId="{488E4E53-0EE4-4CCC-85FD-CCB1EBC499C8}" destId="{979116C9-67B1-4E10-B6DD-5028EA053226}" srcOrd="0" destOrd="0" presId="urn:microsoft.com/office/officeart/2008/layout/HorizontalMultiLevelHierarchy"/>
+    <dgm:cxn modelId="{212897A1-E32D-4577-A1D9-03A40EEC5849}" type="presOf" srcId="{581A9FF4-19EA-4B04-9BEF-D16ACDA8A41B}" destId="{205F9E91-23F9-491C-94EC-FEB94F6AC835}" srcOrd="0" destOrd="0" presId="urn:microsoft.com/office/officeart/2008/layout/HorizontalMultiLevelHierarchy"/>
+    <dgm:cxn modelId="{6BBE2A8F-3CFC-4B1F-803A-29217B57B134}" srcId="{2CD48D77-BE21-40B3-8CBE-A5E2180F17F6}" destId="{4C365737-CB30-40F2-A17F-28A2ED83F818}" srcOrd="3" destOrd="0" parTransId="{89F5C37F-389D-4EB0-B598-35B5D1E9207A}" sibTransId="{8C4C3C18-77F8-4528-A744-22A7F933F16C}"/>
+    <dgm:cxn modelId="{5F951319-233D-448E-84F3-5A7CB1618BBD}" type="presOf" srcId="{488E4E53-0EE4-4CCC-85FD-CCB1EBC499C8}" destId="{B4ECD626-F8DE-4A03-8BBE-286133768483}" srcOrd="1" destOrd="0" presId="urn:microsoft.com/office/officeart/2008/layout/HorizontalMultiLevelHierarchy"/>
+    <dgm:cxn modelId="{8EF08AC9-713B-4A09-8702-1D8B1148D154}" srcId="{73608496-C71E-4E04-954E-7324A877FCE6}" destId="{4456A574-DC07-4E29-9503-E3088322F9EF}" srcOrd="2" destOrd="0" parTransId="{45FB58CB-7DA1-4E14-B564-367C4C6C116B}" sibTransId="{E31D2D81-FD04-4F0F-9DA1-C391B26B2A1F}"/>
+    <dgm:cxn modelId="{678C744C-902D-4C26-A34B-B0E606AD2000}" type="presOf" srcId="{F94C3D0C-24EA-421D-A927-2EAB58C8C5DE}" destId="{D41C7770-0946-4222-AA92-57871C027F38}" srcOrd="1" destOrd="0" presId="urn:microsoft.com/office/officeart/2008/layout/HorizontalMultiLevelHierarchy"/>
+    <dgm:cxn modelId="{24C66857-A79D-4474-BABA-80A97F4C7497}" type="presOf" srcId="{4C365737-CB30-40F2-A17F-28A2ED83F818}" destId="{2CCCFC99-71B2-4144-9B5F-1B9107AA16AA}" srcOrd="0" destOrd="0" presId="urn:microsoft.com/office/officeart/2008/layout/HorizontalMultiLevelHierarchy"/>
+    <dgm:cxn modelId="{DE94DAFF-B937-4DA6-8C1D-0ED13C0C34AE}" srcId="{2CD48D77-BE21-40B3-8CBE-A5E2180F17F6}" destId="{1461B457-6FD2-4CC4-9A19-91474B69B91D}" srcOrd="4" destOrd="0" parTransId="{F94C3D0C-24EA-421D-A927-2EAB58C8C5DE}" sibTransId="{F8FB352F-AD5B-49E5-AB68-B7984675C7FD}"/>
+    <dgm:cxn modelId="{85CF3BEC-2BB9-4DE4-AE43-5571BB97B6A4}" srcId="{2CD48D77-BE21-40B3-8CBE-A5E2180F17F6}" destId="{73608496-C71E-4E04-954E-7324A877FCE6}" srcOrd="1" destOrd="0" parTransId="{2D02C620-56F9-42B4-A5F3-B2902AE52B07}" sibTransId="{681BDFC0-D12E-4B5F-A069-96767514660F}"/>
+    <dgm:cxn modelId="{12AED730-941D-441D-9222-705B595E4CB3}" type="presOf" srcId="{C9953552-5260-4C2B-BE54-33FD1BBA5E72}" destId="{B4D2F5E3-6F87-43A2-BA8A-2718C43C3B7A}" srcOrd="0" destOrd="0" presId="urn:microsoft.com/office/officeart/2008/layout/HorizontalMultiLevelHierarchy"/>
+    <dgm:cxn modelId="{118BEA0B-24B6-43A5-9B5E-BB5F318B63C3}" type="presOf" srcId="{F94C3D0C-24EA-421D-A927-2EAB58C8C5DE}" destId="{C6DC9683-92CD-4183-9F86-CDB5A9B13078}" srcOrd="0" destOrd="0" presId="urn:microsoft.com/office/officeart/2008/layout/HorizontalMultiLevelHierarchy"/>
+    <dgm:cxn modelId="{F70DB969-7C53-4769-B50A-84D53CA10A36}" type="presOf" srcId="{2D02C620-56F9-42B4-A5F3-B2902AE52B07}" destId="{66CA485B-68C8-4246-A6A6-9C133B1D148E}" srcOrd="0" destOrd="0" presId="urn:microsoft.com/office/officeart/2008/layout/HorizontalMultiLevelHierarchy"/>
+    <dgm:cxn modelId="{D22028CF-1ACC-4280-9E96-477D98FF5F88}" type="presOf" srcId="{F7718C43-EC58-416A-938B-C652B175DEA4}" destId="{664035F2-8451-4E45-873D-0B24AECBE763}" srcOrd="0" destOrd="0" presId="urn:microsoft.com/office/officeart/2008/layout/HorizontalMultiLevelHierarchy"/>
+    <dgm:cxn modelId="{6F1C1709-A4F9-4B26-A89D-830C2B20E7BD}" type="presOf" srcId="{89F5C37F-389D-4EB0-B598-35B5D1E9207A}" destId="{0202EF73-3765-429E-A44A-6449D2AEBE56}" srcOrd="0" destOrd="0" presId="urn:microsoft.com/office/officeart/2008/layout/HorizontalMultiLevelHierarchy"/>
+    <dgm:cxn modelId="{0620A9E4-E114-42B4-BA73-ECCEAC2A6703}" type="presOf" srcId="{C9953552-5260-4C2B-BE54-33FD1BBA5E72}" destId="{1CA0B04D-97FB-4AAE-B2BA-6865800C43C6}" srcOrd="1" destOrd="0" presId="urn:microsoft.com/office/officeart/2008/layout/HorizontalMultiLevelHierarchy"/>
+    <dgm:cxn modelId="{C58F9FA3-8530-4E58-AD0F-6CEE920A6D56}" type="presOf" srcId="{1461B457-6FD2-4CC4-9A19-91474B69B91D}" destId="{7EB01731-D03F-4C88-8DF2-D6243ECEC4AE}" srcOrd="0" destOrd="0" presId="urn:microsoft.com/office/officeart/2008/layout/HorizontalMultiLevelHierarchy"/>
+    <dgm:cxn modelId="{58E1AEBC-5DDE-4F2F-A937-5D188C1B9B43}" type="presOf" srcId="{2799595B-A5B9-4141-9B92-E8A33ADA7F5C}" destId="{BB105F6C-DE2C-4E49-95AA-A9AF5B53CF8A}" srcOrd="0" destOrd="0" presId="urn:microsoft.com/office/officeart/2008/layout/HorizontalMultiLevelHierarchy"/>
+    <dgm:cxn modelId="{25A55FA0-CACC-4A39-AC6C-31213C069B95}" srcId="{581A9FF4-19EA-4B04-9BEF-D16ACDA8A41B}" destId="{2CD48D77-BE21-40B3-8CBE-A5E2180F17F6}" srcOrd="0" destOrd="0" parTransId="{DE9434DD-CB97-4DF8-8B4E-A8D53054D5D8}" sibTransId="{F73CFAA2-E7B1-4A53-ACC4-DBE00B8F710B}"/>
+    <dgm:cxn modelId="{2EEF3558-BA80-4F42-9F2C-4CABC21865CF}" type="presOf" srcId="{58A11B15-3820-4941-BE2E-F6D04A27C047}" destId="{15C4DF66-D3B1-4B62-AD25-3512467F8125}" srcOrd="1" destOrd="0" presId="urn:microsoft.com/office/officeart/2008/layout/HorizontalMultiLevelHierarchy"/>
+    <dgm:cxn modelId="{ACFDADFD-BE97-402C-A604-F6ABC14BCD74}" type="presOf" srcId="{89F5C37F-389D-4EB0-B598-35B5D1E9207A}" destId="{439D667A-8105-4063-98AA-2CAA45C70126}" srcOrd="1" destOrd="0" presId="urn:microsoft.com/office/officeart/2008/layout/HorizontalMultiLevelHierarchy"/>
+    <dgm:cxn modelId="{136427DC-9447-47B3-B259-945ABF51844A}" type="presOf" srcId="{7B88B522-8C09-4369-BF24-2108C004F578}" destId="{48E5A03B-FA17-4D8C-AF4D-95792EEA64BA}" srcOrd="0" destOrd="0" presId="urn:microsoft.com/office/officeart/2008/layout/HorizontalMultiLevelHierarchy"/>
+    <dgm:cxn modelId="{AAD6FF71-9419-4B68-BFA2-0E02D183255C}" srcId="{2CD48D77-BE21-40B3-8CBE-A5E2180F17F6}" destId="{2799595B-A5B9-4141-9B92-E8A33ADA7F5C}" srcOrd="0" destOrd="0" parTransId="{A5E99A83-AD3E-4D9B-892D-67D3D64BAC18}" sibTransId="{6ECEBC69-FF95-4755-B59F-BA069D9DB35F}"/>
+    <dgm:cxn modelId="{D0DF096F-5956-44DD-8F99-F70EB0544467}" type="presOf" srcId="{A5E99A83-AD3E-4D9B-892D-67D3D64BAC18}" destId="{00C2A214-3467-4290-A89A-2E37DFA85757}" srcOrd="1" destOrd="0" presId="urn:microsoft.com/office/officeart/2008/layout/HorizontalMultiLevelHierarchy"/>
+    <dgm:cxn modelId="{18571B71-B8D2-41F0-A1FD-7BA9D7CBA68F}" srcId="{73608496-C71E-4E04-954E-7324A877FCE6}" destId="{7580BA2A-FDD6-4D25-AB7E-33651468206C}" srcOrd="0" destOrd="0" parTransId="{C9953552-5260-4C2B-BE54-33FD1BBA5E72}" sibTransId="{A64DA436-0193-4D11-A174-10D97919F94F}"/>
+    <dgm:cxn modelId="{9D75E9BA-293F-4EF1-AD38-D79434133A30}" type="presOf" srcId="{7580BA2A-FDD6-4D25-AB7E-33651468206C}" destId="{D2AF1980-0A0B-43F8-9A7D-6954BB8A5458}" srcOrd="0" destOrd="0" presId="urn:microsoft.com/office/officeart/2008/layout/HorizontalMultiLevelHierarchy"/>
+    <dgm:cxn modelId="{2B8BB3C1-28F4-4410-9E2E-9AB516E471BE}" type="presOf" srcId="{58A11B15-3820-4941-BE2E-F6D04A27C047}" destId="{0F8821C7-4A3D-44E6-8A21-8DF0FF4061D6}" srcOrd="0" destOrd="0" presId="urn:microsoft.com/office/officeart/2008/layout/HorizontalMultiLevelHierarchy"/>
+    <dgm:cxn modelId="{7AE86A1F-AC48-419A-9875-F0B55433C0A2}" type="presOf" srcId="{2D02C620-56F9-42B4-A5F3-B2902AE52B07}" destId="{E11BCC54-6891-4C63-9983-BEFA94519D29}" srcOrd="1" destOrd="0" presId="urn:microsoft.com/office/officeart/2008/layout/HorizontalMultiLevelHierarchy"/>
+    <dgm:cxn modelId="{42281A92-1148-400D-811A-AB6E156EB9FD}" srcId="{2CD48D77-BE21-40B3-8CBE-A5E2180F17F6}" destId="{F7718C43-EC58-416A-938B-C652B175DEA4}" srcOrd="2" destOrd="0" parTransId="{02D4C35B-757D-4A26-ABF9-EB062347B49C}" sibTransId="{B9CC0C24-C75A-41DC-A2AB-6B74AF630EBA}"/>
+    <dgm:cxn modelId="{9826E078-E0F1-4B7D-ADA0-B3D190FAB21A}" type="presOf" srcId="{02D4C35B-757D-4A26-ABF9-EB062347B49C}" destId="{BA9559E5-A1E7-4EED-A02D-40E9AD225969}" srcOrd="0" destOrd="0" presId="urn:microsoft.com/office/officeart/2008/layout/HorizontalMultiLevelHierarchy"/>
+    <dgm:cxn modelId="{882DBE9D-81D6-4905-8486-38F7467BD5B4}" type="presOf" srcId="{45FB58CB-7DA1-4E14-B564-367C4C6C116B}" destId="{A9542A7C-87DC-4569-9ABE-6DE548FB93BF}" srcOrd="1" destOrd="0" presId="urn:microsoft.com/office/officeart/2008/layout/HorizontalMultiLevelHierarchy"/>
+    <dgm:cxn modelId="{C8DF7BA3-DB84-448F-9EE2-3ED91402466E}" type="presOf" srcId="{45FB58CB-7DA1-4E14-B564-367C4C6C116B}" destId="{01C1B402-0020-44DF-9A62-E5610B5CD990}" srcOrd="0" destOrd="0" presId="urn:microsoft.com/office/officeart/2008/layout/HorizontalMultiLevelHierarchy"/>
+    <dgm:cxn modelId="{74CA1699-56AC-4929-86AB-D278C6996E61}" srcId="{73608496-C71E-4E04-954E-7324A877FCE6}" destId="{8AD0ECD5-B82F-432A-A91A-57BA82016F10}" srcOrd="3" destOrd="0" parTransId="{58A11B15-3820-4941-BE2E-F6D04A27C047}" sibTransId="{EB92243B-E820-4D23-91A5-AFB197689CAC}"/>
+    <dgm:cxn modelId="{60A6549D-6C4F-4226-9404-2AB58E572FA7}" type="presOf" srcId="{A5E99A83-AD3E-4D9B-892D-67D3D64BAC18}" destId="{DAE6B772-9B80-4BC4-95A7-43B452B2A1C4}" srcOrd="0" destOrd="0" presId="urn:microsoft.com/office/officeart/2008/layout/HorizontalMultiLevelHierarchy"/>
+    <dgm:cxn modelId="{1D0174DB-EBCD-4E97-BC1D-95C59AC4E152}" type="presOf" srcId="{2CD48D77-BE21-40B3-8CBE-A5E2180F17F6}" destId="{53975860-54D1-405F-A889-01B934832FD4}" srcOrd="0" destOrd="0" presId="urn:microsoft.com/office/officeart/2008/layout/HorizontalMultiLevelHierarchy"/>
+    <dgm:cxn modelId="{6BB2D755-293E-4744-B266-8114148262D2}" type="presOf" srcId="{73608496-C71E-4E04-954E-7324A877FCE6}" destId="{49B28A51-79A3-45DF-93EF-FAC1549BD0C3}" srcOrd="0" destOrd="0" presId="urn:microsoft.com/office/officeart/2008/layout/HorizontalMultiLevelHierarchy"/>
+    <dgm:cxn modelId="{BD9340CF-385F-4511-B84D-5E13289943FF}" srcId="{73608496-C71E-4E04-954E-7324A877FCE6}" destId="{7B88B522-8C09-4369-BF24-2108C004F578}" srcOrd="1" destOrd="0" parTransId="{488E4E53-0EE4-4CCC-85FD-CCB1EBC499C8}" sibTransId="{4F461D30-A5B2-4AC0-9BC7-FD3BB71D827F}"/>
+    <dgm:cxn modelId="{E098C6BD-4CE6-4F91-A1D6-17C9A87AC28B}" type="presOf" srcId="{02D4C35B-757D-4A26-ABF9-EB062347B49C}" destId="{E3418C5C-8673-493C-BF06-0B6808D5A844}" srcOrd="1" destOrd="0" presId="urn:microsoft.com/office/officeart/2008/layout/HorizontalMultiLevelHierarchy"/>
+    <dgm:cxn modelId="{B722087B-A976-481A-96D3-363FA3C69B15}" type="presParOf" srcId="{205F9E91-23F9-491C-94EC-FEB94F6AC835}" destId="{3A62AE99-9FA0-4A70-9AF6-99A73CC7ACB6}" srcOrd="0" destOrd="0" presId="urn:microsoft.com/office/officeart/2008/layout/HorizontalMultiLevelHierarchy"/>
+    <dgm:cxn modelId="{3A0FA4FA-A943-4F62-8852-28357287B4F9}" type="presParOf" srcId="{3A62AE99-9FA0-4A70-9AF6-99A73CC7ACB6}" destId="{53975860-54D1-405F-A889-01B934832FD4}" srcOrd="0" destOrd="0" presId="urn:microsoft.com/office/officeart/2008/layout/HorizontalMultiLevelHierarchy"/>
+    <dgm:cxn modelId="{17108245-AC1E-472C-BCF8-049366CD05BF}" type="presParOf" srcId="{3A62AE99-9FA0-4A70-9AF6-99A73CC7ACB6}" destId="{6D239F45-0F66-46AB-AF9A-840600D162AF}" srcOrd="1" destOrd="0" presId="urn:microsoft.com/office/officeart/2008/layout/HorizontalMultiLevelHierarchy"/>
+    <dgm:cxn modelId="{C5A478BD-F7C6-46D6-9E67-F8F56E783BCF}" type="presParOf" srcId="{6D239F45-0F66-46AB-AF9A-840600D162AF}" destId="{DAE6B772-9B80-4BC4-95A7-43B452B2A1C4}" srcOrd="0" destOrd="0" presId="urn:microsoft.com/office/officeart/2008/layout/HorizontalMultiLevelHierarchy"/>
+    <dgm:cxn modelId="{2187A187-1F15-4140-BBFE-01FACA6E6B9B}" type="presParOf" srcId="{DAE6B772-9B80-4BC4-95A7-43B452B2A1C4}" destId="{00C2A214-3467-4290-A89A-2E37DFA85757}" srcOrd="0" destOrd="0" presId="urn:microsoft.com/office/officeart/2008/layout/HorizontalMultiLevelHierarchy"/>
+    <dgm:cxn modelId="{BE90B5A9-B79F-40A8-97BA-AAD8F84F5ED3}" type="presParOf" srcId="{6D239F45-0F66-46AB-AF9A-840600D162AF}" destId="{5C9387C0-03B8-479B-8991-E7A7CB118EDF}" srcOrd="1" destOrd="0" presId="urn:microsoft.com/office/officeart/2008/layout/HorizontalMultiLevelHierarchy"/>
+    <dgm:cxn modelId="{CED9B8E5-5BF1-41D6-BAFD-44D19913E0D7}" type="presParOf" srcId="{5C9387C0-03B8-479B-8991-E7A7CB118EDF}" destId="{BB105F6C-DE2C-4E49-95AA-A9AF5B53CF8A}" srcOrd="0" destOrd="0" presId="urn:microsoft.com/office/officeart/2008/layout/HorizontalMultiLevelHierarchy"/>
+    <dgm:cxn modelId="{2AC057CD-26A3-42A0-83FF-838EDEA255BA}" type="presParOf" srcId="{5C9387C0-03B8-479B-8991-E7A7CB118EDF}" destId="{8AE7CA06-C984-4265-87E8-2F778845DF5E}" srcOrd="1" destOrd="0" presId="urn:microsoft.com/office/officeart/2008/layout/HorizontalMultiLevelHierarchy"/>
+    <dgm:cxn modelId="{AF1DDF5C-BC32-4422-AE33-6A4D79EF81CD}" type="presParOf" srcId="{6D239F45-0F66-46AB-AF9A-840600D162AF}" destId="{66CA485B-68C8-4246-A6A6-9C133B1D148E}" srcOrd="2" destOrd="0" presId="urn:microsoft.com/office/officeart/2008/layout/HorizontalMultiLevelHierarchy"/>
+    <dgm:cxn modelId="{3ABDB778-E6C0-445C-812F-4C6F20926C51}" type="presParOf" srcId="{66CA485B-68C8-4246-A6A6-9C133B1D148E}" destId="{E11BCC54-6891-4C63-9983-BEFA94519D29}" srcOrd="0" destOrd="0" presId="urn:microsoft.com/office/officeart/2008/layout/HorizontalMultiLevelHierarchy"/>
+    <dgm:cxn modelId="{5D49048C-B3F9-4821-B6DE-974346DB1184}" type="presParOf" srcId="{6D239F45-0F66-46AB-AF9A-840600D162AF}" destId="{175BE1DC-C17B-4BBD-B176-3E3D9F7DDEE7}" srcOrd="3" destOrd="0" presId="urn:microsoft.com/office/officeart/2008/layout/HorizontalMultiLevelHierarchy"/>
+    <dgm:cxn modelId="{DE181991-5BB2-4883-8373-126D96CBCCB1}" type="presParOf" srcId="{175BE1DC-C17B-4BBD-B176-3E3D9F7DDEE7}" destId="{49B28A51-79A3-45DF-93EF-FAC1549BD0C3}" srcOrd="0" destOrd="0" presId="urn:microsoft.com/office/officeart/2008/layout/HorizontalMultiLevelHierarchy"/>
+    <dgm:cxn modelId="{B5668F32-7751-497C-B372-1B56D554781F}" type="presParOf" srcId="{175BE1DC-C17B-4BBD-B176-3E3D9F7DDEE7}" destId="{599029C1-3A0D-4731-85EE-88B35068D615}" srcOrd="1" destOrd="0" presId="urn:microsoft.com/office/officeart/2008/layout/HorizontalMultiLevelHierarchy"/>
+    <dgm:cxn modelId="{06B2A185-5576-4B17-B4B7-BC7711213219}" type="presParOf" srcId="{599029C1-3A0D-4731-85EE-88B35068D615}" destId="{B4D2F5E3-6F87-43A2-BA8A-2718C43C3B7A}" srcOrd="0" destOrd="0" presId="urn:microsoft.com/office/officeart/2008/layout/HorizontalMultiLevelHierarchy"/>
+    <dgm:cxn modelId="{29302614-EA1D-4980-99D4-450080D086F5}" type="presParOf" srcId="{B4D2F5E3-6F87-43A2-BA8A-2718C43C3B7A}" destId="{1CA0B04D-97FB-4AAE-B2BA-6865800C43C6}" srcOrd="0" destOrd="0" presId="urn:microsoft.com/office/officeart/2008/layout/HorizontalMultiLevelHierarchy"/>
+    <dgm:cxn modelId="{6CD1CFE8-ED62-44DC-BC6B-C6AD5F7AEC94}" type="presParOf" srcId="{599029C1-3A0D-4731-85EE-88B35068D615}" destId="{BD4DE4AC-0CBC-4C0C-80CE-0E940ECC2267}" srcOrd="1" destOrd="0" presId="urn:microsoft.com/office/officeart/2008/layout/HorizontalMultiLevelHierarchy"/>
+    <dgm:cxn modelId="{06B44AA8-D5E1-497F-9928-E883C02B2625}" type="presParOf" srcId="{BD4DE4AC-0CBC-4C0C-80CE-0E940ECC2267}" destId="{D2AF1980-0A0B-43F8-9A7D-6954BB8A5458}" srcOrd="0" destOrd="0" presId="urn:microsoft.com/office/officeart/2008/layout/HorizontalMultiLevelHierarchy"/>
+    <dgm:cxn modelId="{916F76F3-7BCD-4F5C-B95A-BC0B11D6F3BC}" type="presParOf" srcId="{BD4DE4AC-0CBC-4C0C-80CE-0E940ECC2267}" destId="{5B3F68E5-83CE-49CC-84FC-63E460A6F3B9}" srcOrd="1" destOrd="0" presId="urn:microsoft.com/office/officeart/2008/layout/HorizontalMultiLevelHierarchy"/>
+    <dgm:cxn modelId="{96F540C6-4525-452A-B210-EC8E06C5D5E8}" type="presParOf" srcId="{599029C1-3A0D-4731-85EE-88B35068D615}" destId="{979116C9-67B1-4E10-B6DD-5028EA053226}" srcOrd="2" destOrd="0" presId="urn:microsoft.com/office/officeart/2008/layout/HorizontalMultiLevelHierarchy"/>
+    <dgm:cxn modelId="{CDBD69E0-23A8-44F4-90F5-98F04D66EFD5}" type="presParOf" srcId="{979116C9-67B1-4E10-B6DD-5028EA053226}" destId="{B4ECD626-F8DE-4A03-8BBE-286133768483}" srcOrd="0" destOrd="0" presId="urn:microsoft.com/office/officeart/2008/layout/HorizontalMultiLevelHierarchy"/>
+    <dgm:cxn modelId="{DEDC38F1-8B5D-4E0F-84A2-B93880924F80}" type="presParOf" srcId="{599029C1-3A0D-4731-85EE-88B35068D615}" destId="{8F7DBB44-4E33-4391-BB32-9D0676C50313}" srcOrd="3" destOrd="0" presId="urn:microsoft.com/office/officeart/2008/layout/HorizontalMultiLevelHierarchy"/>
+    <dgm:cxn modelId="{74734D2C-5183-47FC-9558-9E0AED3A5073}" type="presParOf" srcId="{8F7DBB44-4E33-4391-BB32-9D0676C50313}" destId="{48E5A03B-FA17-4D8C-AF4D-95792EEA64BA}" srcOrd="0" destOrd="0" presId="urn:microsoft.com/office/officeart/2008/layout/HorizontalMultiLevelHierarchy"/>
+    <dgm:cxn modelId="{F511278A-C33A-4434-B761-58F3CFDB8AC6}" type="presParOf" srcId="{8F7DBB44-4E33-4391-BB32-9D0676C50313}" destId="{B6CA96CA-3B4A-4C67-A7AA-26036171883F}" srcOrd="1" destOrd="0" presId="urn:microsoft.com/office/officeart/2008/layout/HorizontalMultiLevelHierarchy"/>
+    <dgm:cxn modelId="{C4B9E2C7-E99D-4C0B-A00F-E3C0D369D6A0}" type="presParOf" srcId="{599029C1-3A0D-4731-85EE-88B35068D615}" destId="{01C1B402-0020-44DF-9A62-E5610B5CD990}" srcOrd="4" destOrd="0" presId="urn:microsoft.com/office/officeart/2008/layout/HorizontalMultiLevelHierarchy"/>
+    <dgm:cxn modelId="{6410BB70-6423-4F0A-8DA7-7EFDC55C4FDD}" type="presParOf" srcId="{01C1B402-0020-44DF-9A62-E5610B5CD990}" destId="{A9542A7C-87DC-4569-9ABE-6DE548FB93BF}" srcOrd="0" destOrd="0" presId="urn:microsoft.com/office/officeart/2008/layout/HorizontalMultiLevelHierarchy"/>
+    <dgm:cxn modelId="{4CC4ED79-AB90-40A5-A6C4-535C3203D03E}" type="presParOf" srcId="{599029C1-3A0D-4731-85EE-88B35068D615}" destId="{86940C3D-30FE-40DE-8FE1-C0097A6BDD91}" srcOrd="5" destOrd="0" presId="urn:microsoft.com/office/officeart/2008/layout/HorizontalMultiLevelHierarchy"/>
+    <dgm:cxn modelId="{333DC119-9D11-4BA0-84E1-78D19FFFD43F}" type="presParOf" srcId="{86940C3D-30FE-40DE-8FE1-C0097A6BDD91}" destId="{92AE9F0A-4317-4E08-B368-5F7267F9C11E}" srcOrd="0" destOrd="0" presId="urn:microsoft.com/office/officeart/2008/layout/HorizontalMultiLevelHierarchy"/>
+    <dgm:cxn modelId="{ED4881A1-8501-4FD2-9FA8-66E30EA976E2}" type="presParOf" srcId="{86940C3D-30FE-40DE-8FE1-C0097A6BDD91}" destId="{E17C87A8-14C5-4935-BA88-4793211D5393}" srcOrd="1" destOrd="0" presId="urn:microsoft.com/office/officeart/2008/layout/HorizontalMultiLevelHierarchy"/>
+    <dgm:cxn modelId="{CAD54E15-4A2E-4420-8BF2-C5ED372DBB7B}" type="presParOf" srcId="{599029C1-3A0D-4731-85EE-88B35068D615}" destId="{0F8821C7-4A3D-44E6-8A21-8DF0FF4061D6}" srcOrd="6" destOrd="0" presId="urn:microsoft.com/office/officeart/2008/layout/HorizontalMultiLevelHierarchy"/>
+    <dgm:cxn modelId="{44BD9A07-99F0-4071-B402-A1838C9112C3}" type="presParOf" srcId="{0F8821C7-4A3D-44E6-8A21-8DF0FF4061D6}" destId="{15C4DF66-D3B1-4B62-AD25-3512467F8125}" srcOrd="0" destOrd="0" presId="urn:microsoft.com/office/officeart/2008/layout/HorizontalMultiLevelHierarchy"/>
+    <dgm:cxn modelId="{8A71B66E-6B9B-4DB7-AC5B-C9FE6A86792D}" type="presParOf" srcId="{599029C1-3A0D-4731-85EE-88B35068D615}" destId="{F5CF13CE-A671-4CA6-9645-87818954A3B0}" srcOrd="7" destOrd="0" presId="urn:microsoft.com/office/officeart/2008/layout/HorizontalMultiLevelHierarchy"/>
+    <dgm:cxn modelId="{C7B459D4-5DA5-4D99-A8E1-BCE14B8CF8FC}" type="presParOf" srcId="{F5CF13CE-A671-4CA6-9645-87818954A3B0}" destId="{46578617-3BC7-4745-ACFC-294A4ADE715F}" srcOrd="0" destOrd="0" presId="urn:microsoft.com/office/officeart/2008/layout/HorizontalMultiLevelHierarchy"/>
+    <dgm:cxn modelId="{6ACF350C-CA7C-4FD3-9D03-FE0C299DA361}" type="presParOf" srcId="{F5CF13CE-A671-4CA6-9645-87818954A3B0}" destId="{712B4E28-9224-4531-8F37-DE02FF676BD8}" srcOrd="1" destOrd="0" presId="urn:microsoft.com/office/officeart/2008/layout/HorizontalMultiLevelHierarchy"/>
+    <dgm:cxn modelId="{701B16A9-F924-43D3-8147-10D76385F4FE}" type="presParOf" srcId="{6D239F45-0F66-46AB-AF9A-840600D162AF}" destId="{BA9559E5-A1E7-4EED-A02D-40E9AD225969}" srcOrd="4" destOrd="0" presId="urn:microsoft.com/office/officeart/2008/layout/HorizontalMultiLevelHierarchy"/>
+    <dgm:cxn modelId="{73D877CC-CCCF-4BBE-BC36-6238E74A263D}" type="presParOf" srcId="{BA9559E5-A1E7-4EED-A02D-40E9AD225969}" destId="{E3418C5C-8673-493C-BF06-0B6808D5A844}" srcOrd="0" destOrd="0" presId="urn:microsoft.com/office/officeart/2008/layout/HorizontalMultiLevelHierarchy"/>
+    <dgm:cxn modelId="{DEFC15CB-7CDD-45EA-BDEF-347DE6C86547}" type="presParOf" srcId="{6D239F45-0F66-46AB-AF9A-840600D162AF}" destId="{8367E4B9-9825-4576-84E4-5C005B5D242F}" srcOrd="5" destOrd="0" presId="urn:microsoft.com/office/officeart/2008/layout/HorizontalMultiLevelHierarchy"/>
+    <dgm:cxn modelId="{B616EA5E-9DFC-4013-B45C-474BE9D1DA22}" type="presParOf" srcId="{8367E4B9-9825-4576-84E4-5C005B5D242F}" destId="{664035F2-8451-4E45-873D-0B24AECBE763}" srcOrd="0" destOrd="0" presId="urn:microsoft.com/office/officeart/2008/layout/HorizontalMultiLevelHierarchy"/>
+    <dgm:cxn modelId="{5A716DA0-B08A-47F6-AE77-5E5C44EA5207}" type="presParOf" srcId="{8367E4B9-9825-4576-84E4-5C005B5D242F}" destId="{0C7F92A9-6A77-49CB-B1BC-9FC2C0F0B73B}" srcOrd="1" destOrd="0" presId="urn:microsoft.com/office/officeart/2008/layout/HorizontalMultiLevelHierarchy"/>
+    <dgm:cxn modelId="{2CC1407F-89B3-4A8C-ACAF-B5426011F624}" type="presParOf" srcId="{6D239F45-0F66-46AB-AF9A-840600D162AF}" destId="{0202EF73-3765-429E-A44A-6449D2AEBE56}" srcOrd="6" destOrd="0" presId="urn:microsoft.com/office/officeart/2008/layout/HorizontalMultiLevelHierarchy"/>
+    <dgm:cxn modelId="{F11C9F93-BAD7-451A-9E67-891CF9899309}" type="presParOf" srcId="{0202EF73-3765-429E-A44A-6449D2AEBE56}" destId="{439D667A-8105-4063-98AA-2CAA45C70126}" srcOrd="0" destOrd="0" presId="urn:microsoft.com/office/officeart/2008/layout/HorizontalMultiLevelHierarchy"/>
+    <dgm:cxn modelId="{B2745849-BACA-4B76-8730-D57BB114B2BD}" type="presParOf" srcId="{6D239F45-0F66-46AB-AF9A-840600D162AF}" destId="{EAB86063-4B83-4998-B1BB-508DA1398D96}" srcOrd="7" destOrd="0" presId="urn:microsoft.com/office/officeart/2008/layout/HorizontalMultiLevelHierarchy"/>
+    <dgm:cxn modelId="{AE0E1DF3-666D-4957-8025-E18AFE23F5A2}" type="presParOf" srcId="{EAB86063-4B83-4998-B1BB-508DA1398D96}" destId="{2CCCFC99-71B2-4144-9B5F-1B9107AA16AA}" srcOrd="0" destOrd="0" presId="urn:microsoft.com/office/officeart/2008/layout/HorizontalMultiLevelHierarchy"/>
+    <dgm:cxn modelId="{C578A967-DE2C-47EC-9075-9E7A19879583}" type="presParOf" srcId="{EAB86063-4B83-4998-B1BB-508DA1398D96}" destId="{534D88AB-CA15-43D9-9A89-0408B6BBB392}" srcOrd="1" destOrd="0" presId="urn:microsoft.com/office/officeart/2008/layout/HorizontalMultiLevelHierarchy"/>
+    <dgm:cxn modelId="{291AE5B7-9F5A-4433-A748-75CBE047FD86}" type="presParOf" srcId="{6D239F45-0F66-46AB-AF9A-840600D162AF}" destId="{C6DC9683-92CD-4183-9F86-CDB5A9B13078}" srcOrd="8" destOrd="0" presId="urn:microsoft.com/office/officeart/2008/layout/HorizontalMultiLevelHierarchy"/>
+    <dgm:cxn modelId="{0DCBC674-F6CF-485B-A8F4-109FEFF5CDA0}" type="presParOf" srcId="{C6DC9683-92CD-4183-9F86-CDB5A9B13078}" destId="{D41C7770-0946-4222-AA92-57871C027F38}" srcOrd="0" destOrd="0" presId="urn:microsoft.com/office/officeart/2008/layout/HorizontalMultiLevelHierarchy"/>
+    <dgm:cxn modelId="{6B9AD6E8-C7C4-43AB-B292-D81A4B3F8BC6}" type="presParOf" srcId="{6D239F45-0F66-46AB-AF9A-840600D162AF}" destId="{BDAF2504-56CC-499D-8320-C8AB9D55DCDE}" srcOrd="9" destOrd="0" presId="urn:microsoft.com/office/officeart/2008/layout/HorizontalMultiLevelHierarchy"/>
+    <dgm:cxn modelId="{A539E11B-589C-42AD-8C8E-20CA5663DCE8}" type="presParOf" srcId="{BDAF2504-56CC-499D-8320-C8AB9D55DCDE}" destId="{7EB01731-D03F-4C88-8DF2-D6243ECEC4AE}" srcOrd="0" destOrd="0" presId="urn:microsoft.com/office/officeart/2008/layout/HorizontalMultiLevelHierarchy"/>
+    <dgm:cxn modelId="{6136485F-3816-495E-8657-BF2B31B09C1F}" type="presParOf" srcId="{BDAF2504-56CC-499D-8320-C8AB9D55DCDE}" destId="{CD1B9234-80B6-4B43-8C70-3890AFB4A102}" srcOrd="1" destOrd="0" presId="urn:microsoft.com/office/officeart/2008/layout/HorizontalMultiLevelHierarchy"/>
+  </dgm:cxnLst>
+  <dgm:bg/>
+  <dgm:whole/>
+  <dgm:extLst>
+    <a:ext uri="http://schemas.microsoft.com/office/drawing/2008/diagram">
+      <dsp:dataModelExt xmlns:dsp="http://schemas.microsoft.com/office/drawing/2008/diagram" relId="rId8" minVer="http://schemas.openxmlformats.org/drawingml/2006/diagram"/>
+    </a:ext>
+  </dgm:extLst>
+</dgm:dataModel>
+</file>
+
+<file path=ppt/diagrams/drawing1.xml><?xml version="1.0" encoding="utf-8"?>
+<dsp:drawing xmlns:dgm="http://schemas.openxmlformats.org/drawingml/2006/diagram" xmlns:dsp="http://schemas.microsoft.com/office/drawing/2008/diagram" xmlns:a="http://schemas.openxmlformats.org/drawingml/2006/main">
+  <dsp:spTree>
+    <dsp:nvGrpSpPr>
+      <dsp:cNvPr id="0" name=""/>
+      <dsp:cNvGrpSpPr/>
+    </dsp:nvGrpSpPr>
+    <dsp:grpSpPr/>
+    <dsp:sp modelId="{C6DC9683-92CD-4183-9F86-CDB5A9B13078}">
+      <dsp:nvSpPr>
+        <dsp:cNvPr id="0" name=""/>
+        <dsp:cNvSpPr/>
+      </dsp:nvSpPr>
+      <dsp:spPr>
+        <a:xfrm>
+          <a:off x="1453325" y="926211"/>
+          <a:ext cx="167367" cy="637833"/>
+        </a:xfrm>
+        <a:custGeom>
+          <a:avLst/>
+          <a:gdLst/>
+          <a:ahLst/>
+          <a:cxnLst/>
+          <a:rect l="0" t="0" r="0" b="0"/>
+          <a:pathLst>
+            <a:path>
+              <a:moveTo>
+                <a:pt x="0" y="0"/>
+              </a:moveTo>
+              <a:lnTo>
+                <a:pt x="83683" y="0"/>
+              </a:lnTo>
+              <a:lnTo>
+                <a:pt x="83683" y="637833"/>
+              </a:lnTo>
+              <a:lnTo>
+                <a:pt x="167367" y="637833"/>
+              </a:lnTo>
+            </a:path>
+          </a:pathLst>
+        </a:custGeom>
+        <a:noFill/>
+        <a:ln w="15875" cap="flat" cmpd="sng" algn="ctr">
+          <a:solidFill>
+            <a:schemeClr val="accent2">
+              <a:hueOff val="0"/>
+              <a:satOff val="0"/>
+              <a:lumOff val="0"/>
+              <a:alphaOff val="0"/>
+            </a:schemeClr>
+          </a:solidFill>
+          <a:prstDash val="solid"/>
+        </a:ln>
+        <a:effectLst/>
+        <a:scene3d>
+          <a:camera prst="orthographicFront"/>
+          <a:lightRig rig="threePt" dir="t">
+            <a:rot lat="0" lon="0" rev="7500000"/>
+          </a:lightRig>
+        </a:scene3d>
+        <a:sp3d z="-40000" prstMaterial="matte"/>
+      </dsp:spPr>
+      <dsp:style>
+        <a:lnRef idx="2">
+          <a:scrgbClr r="0" g="0" b="0"/>
+        </a:lnRef>
+        <a:fillRef idx="0">
+          <a:scrgbClr r="0" g="0" b="0"/>
+        </a:fillRef>
+        <a:effectRef idx="0">
+          <a:scrgbClr r="0" g="0" b="0"/>
+        </a:effectRef>
+        <a:fontRef idx="minor"/>
+      </dsp:style>
+      <dsp:txBody>
+        <a:bodyPr spcFirstLastPara="0" vert="horz" wrap="square" lIns="12700" tIns="0" rIns="12700" bIns="0" numCol="1" spcCol="1270" anchor="ctr" anchorCtr="0">
+          <a:noAutofit/>
+        </a:bodyPr>
+        <a:lstStyle/>
+        <a:p>
+          <a:pPr lvl="0" algn="ctr" defTabSz="222250">
+            <a:lnSpc>
+              <a:spcPct val="90000"/>
+            </a:lnSpc>
+            <a:spcBef>
+              <a:spcPct val="0"/>
+            </a:spcBef>
+            <a:spcAft>
+              <a:spcPct val="35000"/>
+            </a:spcAft>
+          </a:pPr>
+          <a:endParaRPr lang="en-US" sz="500" kern="1200"/>
+        </a:p>
+      </dsp:txBody>
+      <dsp:txXfrm>
+        <a:off x="1520523" y="1228642"/>
+        <a:ext cx="32971" cy="32971"/>
+      </dsp:txXfrm>
+    </dsp:sp>
+    <dsp:sp modelId="{0202EF73-3765-429E-A44A-6449D2AEBE56}">
+      <dsp:nvSpPr>
+        <dsp:cNvPr id="0" name=""/>
+        <dsp:cNvSpPr/>
+      </dsp:nvSpPr>
+      <dsp:spPr>
+        <a:xfrm>
+          <a:off x="1453325" y="926211"/>
+          <a:ext cx="167367" cy="318916"/>
+        </a:xfrm>
+        <a:custGeom>
+          <a:avLst/>
+          <a:gdLst/>
+          <a:ahLst/>
+          <a:cxnLst/>
+          <a:rect l="0" t="0" r="0" b="0"/>
+          <a:pathLst>
+            <a:path>
+              <a:moveTo>
+                <a:pt x="0" y="0"/>
+              </a:moveTo>
+              <a:lnTo>
+                <a:pt x="83683" y="0"/>
+              </a:lnTo>
+              <a:lnTo>
+                <a:pt x="83683" y="318916"/>
+              </a:lnTo>
+              <a:lnTo>
+                <a:pt x="167367" y="318916"/>
+              </a:lnTo>
+            </a:path>
+          </a:pathLst>
+        </a:custGeom>
+        <a:noFill/>
+        <a:ln w="15875" cap="flat" cmpd="sng" algn="ctr">
+          <a:solidFill>
+            <a:schemeClr val="accent2">
+              <a:hueOff val="0"/>
+              <a:satOff val="0"/>
+              <a:lumOff val="0"/>
+              <a:alphaOff val="0"/>
+            </a:schemeClr>
+          </a:solidFill>
+          <a:prstDash val="solid"/>
+        </a:ln>
+        <a:effectLst/>
+        <a:scene3d>
+          <a:camera prst="orthographicFront"/>
+          <a:lightRig rig="threePt" dir="t">
+            <a:rot lat="0" lon="0" rev="7500000"/>
+          </a:lightRig>
+        </a:scene3d>
+        <a:sp3d z="-40000" prstMaterial="matte"/>
+      </dsp:spPr>
+      <dsp:style>
+        <a:lnRef idx="2">
+          <a:scrgbClr r="0" g="0" b="0"/>
+        </a:lnRef>
+        <a:fillRef idx="0">
+          <a:scrgbClr r="0" g="0" b="0"/>
+        </a:fillRef>
+        <a:effectRef idx="0">
+          <a:scrgbClr r="0" g="0" b="0"/>
+        </a:effectRef>
+        <a:fontRef idx="minor"/>
+      </dsp:style>
+      <dsp:txBody>
+        <a:bodyPr spcFirstLastPara="0" vert="horz" wrap="square" lIns="12700" tIns="0" rIns="12700" bIns="0" numCol="1" spcCol="1270" anchor="ctr" anchorCtr="0">
+          <a:noAutofit/>
+        </a:bodyPr>
+        <a:lstStyle/>
+        <a:p>
+          <a:pPr lvl="0" algn="ctr" defTabSz="222250">
+            <a:lnSpc>
+              <a:spcPct val="90000"/>
+            </a:lnSpc>
+            <a:spcBef>
+              <a:spcPct val="0"/>
+            </a:spcBef>
+            <a:spcAft>
+              <a:spcPct val="35000"/>
+            </a:spcAft>
+          </a:pPr>
+          <a:endParaRPr lang="en-US" sz="500" kern="1200"/>
+        </a:p>
+      </dsp:txBody>
+      <dsp:txXfrm>
+        <a:off x="1528004" y="1076665"/>
+        <a:ext cx="18008" cy="18008"/>
+      </dsp:txXfrm>
+    </dsp:sp>
+    <dsp:sp modelId="{BA9559E5-A1E7-4EED-A02D-40E9AD225969}">
+      <dsp:nvSpPr>
+        <dsp:cNvPr id="0" name=""/>
+        <dsp:cNvSpPr/>
+      </dsp:nvSpPr>
+      <dsp:spPr>
+        <a:xfrm>
+          <a:off x="1453325" y="880491"/>
+          <a:ext cx="167367" cy="91440"/>
+        </a:xfrm>
+        <a:custGeom>
+          <a:avLst/>
+          <a:gdLst/>
+          <a:ahLst/>
+          <a:cxnLst/>
+          <a:rect l="0" t="0" r="0" b="0"/>
+          <a:pathLst>
+            <a:path>
+              <a:moveTo>
+                <a:pt x="0" y="45720"/>
+              </a:moveTo>
+              <a:lnTo>
+                <a:pt x="167367" y="45720"/>
+              </a:lnTo>
+            </a:path>
+          </a:pathLst>
+        </a:custGeom>
+        <a:noFill/>
+        <a:ln w="15875" cap="flat" cmpd="sng" algn="ctr">
+          <a:solidFill>
+            <a:schemeClr val="accent2">
+              <a:hueOff val="0"/>
+              <a:satOff val="0"/>
+              <a:lumOff val="0"/>
+              <a:alphaOff val="0"/>
+            </a:schemeClr>
+          </a:solidFill>
+          <a:prstDash val="solid"/>
+        </a:ln>
+        <a:effectLst/>
+        <a:scene3d>
+          <a:camera prst="orthographicFront"/>
+          <a:lightRig rig="threePt" dir="t">
+            <a:rot lat="0" lon="0" rev="7500000"/>
+          </a:lightRig>
+        </a:scene3d>
+        <a:sp3d z="-40000" prstMaterial="matte"/>
+      </dsp:spPr>
+      <dsp:style>
+        <a:lnRef idx="2">
+          <a:scrgbClr r="0" g="0" b="0"/>
+        </a:lnRef>
+        <a:fillRef idx="0">
+          <a:scrgbClr r="0" g="0" b="0"/>
+        </a:fillRef>
+        <a:effectRef idx="0">
+          <a:scrgbClr r="0" g="0" b="0"/>
+        </a:effectRef>
+        <a:fontRef idx="minor"/>
+      </dsp:style>
+      <dsp:txBody>
+        <a:bodyPr spcFirstLastPara="0" vert="horz" wrap="square" lIns="12700" tIns="0" rIns="12700" bIns="0" numCol="1" spcCol="1270" anchor="ctr" anchorCtr="0">
+          <a:noAutofit/>
+        </a:bodyPr>
+        <a:lstStyle/>
+        <a:p>
+          <a:pPr lvl="0" algn="ctr" defTabSz="222250">
+            <a:lnSpc>
+              <a:spcPct val="90000"/>
+            </a:lnSpc>
+            <a:spcBef>
+              <a:spcPct val="0"/>
+            </a:spcBef>
+            <a:spcAft>
+              <a:spcPct val="35000"/>
+            </a:spcAft>
+          </a:pPr>
+          <a:endParaRPr lang="en-US" sz="500" kern="1200"/>
+        </a:p>
+      </dsp:txBody>
+      <dsp:txXfrm>
+        <a:off x="1532824" y="922027"/>
+        <a:ext cx="8368" cy="8368"/>
+      </dsp:txXfrm>
+    </dsp:sp>
+    <dsp:sp modelId="{0F8821C7-4A3D-44E6-8A21-8DF0FF4061D6}">
+      <dsp:nvSpPr>
+        <dsp:cNvPr id="0" name=""/>
+        <dsp:cNvSpPr/>
+      </dsp:nvSpPr>
+      <dsp:spPr>
+        <a:xfrm>
+          <a:off x="2457530" y="607294"/>
+          <a:ext cx="167367" cy="478375"/>
+        </a:xfrm>
+        <a:custGeom>
+          <a:avLst/>
+          <a:gdLst/>
+          <a:ahLst/>
+          <a:cxnLst/>
+          <a:rect l="0" t="0" r="0" b="0"/>
+          <a:pathLst>
+            <a:path>
+              <a:moveTo>
+                <a:pt x="0" y="0"/>
+              </a:moveTo>
+              <a:lnTo>
+                <a:pt x="83683" y="0"/>
+              </a:lnTo>
+              <a:lnTo>
+                <a:pt x="83683" y="478375"/>
+              </a:lnTo>
+              <a:lnTo>
+                <a:pt x="167367" y="478375"/>
+              </a:lnTo>
+            </a:path>
+          </a:pathLst>
+        </a:custGeom>
+        <a:noFill/>
+        <a:ln w="15875" cap="flat" cmpd="sng" algn="ctr">
+          <a:solidFill>
+            <a:schemeClr val="accent3">
+              <a:hueOff val="0"/>
+              <a:satOff val="0"/>
+              <a:lumOff val="0"/>
+              <a:alphaOff val="0"/>
+            </a:schemeClr>
+          </a:solidFill>
+          <a:prstDash val="solid"/>
+        </a:ln>
+        <a:effectLst/>
+        <a:scene3d>
+          <a:camera prst="orthographicFront"/>
+          <a:lightRig rig="threePt" dir="t">
+            <a:rot lat="0" lon="0" rev="7500000"/>
+          </a:lightRig>
+        </a:scene3d>
+        <a:sp3d z="-40000" prstMaterial="matte"/>
+      </dsp:spPr>
+      <dsp:style>
+        <a:lnRef idx="2">
+          <a:scrgbClr r="0" g="0" b="0"/>
+        </a:lnRef>
+        <a:fillRef idx="0">
+          <a:scrgbClr r="0" g="0" b="0"/>
+        </a:fillRef>
+        <a:effectRef idx="0">
+          <a:scrgbClr r="0" g="0" b="0"/>
+        </a:effectRef>
+        <a:fontRef idx="minor"/>
+      </dsp:style>
+      <dsp:txBody>
+        <a:bodyPr spcFirstLastPara="0" vert="horz" wrap="square" lIns="12700" tIns="0" rIns="12700" bIns="0" numCol="1" spcCol="1270" anchor="ctr" anchorCtr="0">
+          <a:noAutofit/>
+        </a:bodyPr>
+        <a:lstStyle/>
+        <a:p>
+          <a:pPr lvl="0" algn="ctr" defTabSz="222250">
+            <a:lnSpc>
+              <a:spcPct val="90000"/>
+            </a:lnSpc>
+            <a:spcBef>
+              <a:spcPct val="0"/>
+            </a:spcBef>
+            <a:spcAft>
+              <a:spcPct val="35000"/>
+            </a:spcAft>
+          </a:pPr>
+          <a:endParaRPr lang="en-US" sz="500" kern="1200"/>
+        </a:p>
+      </dsp:txBody>
+      <dsp:txXfrm>
+        <a:off x="2528544" y="833811"/>
+        <a:ext cx="25340" cy="25340"/>
+      </dsp:txXfrm>
+    </dsp:sp>
+    <dsp:sp modelId="{01C1B402-0020-44DF-9A62-E5610B5CD990}">
+      <dsp:nvSpPr>
+        <dsp:cNvPr id="0" name=""/>
+        <dsp:cNvSpPr/>
+      </dsp:nvSpPr>
+      <dsp:spPr>
+        <a:xfrm>
+          <a:off x="2457530" y="607294"/>
+          <a:ext cx="167367" cy="159458"/>
+        </a:xfrm>
+        <a:custGeom>
+          <a:avLst/>
+          <a:gdLst/>
+          <a:ahLst/>
+          <a:cxnLst/>
+          <a:rect l="0" t="0" r="0" b="0"/>
+          <a:pathLst>
+            <a:path>
+              <a:moveTo>
+                <a:pt x="0" y="0"/>
+              </a:moveTo>
+              <a:lnTo>
+                <a:pt x="83683" y="0"/>
+              </a:lnTo>
+              <a:lnTo>
+                <a:pt x="83683" y="159458"/>
+              </a:lnTo>
+              <a:lnTo>
+                <a:pt x="167367" y="159458"/>
+              </a:lnTo>
+            </a:path>
+          </a:pathLst>
+        </a:custGeom>
+        <a:noFill/>
+        <a:ln w="15875" cap="flat" cmpd="sng" algn="ctr">
+          <a:solidFill>
+            <a:schemeClr val="accent3">
+              <a:hueOff val="0"/>
+              <a:satOff val="0"/>
+              <a:lumOff val="0"/>
+              <a:alphaOff val="0"/>
+            </a:schemeClr>
+          </a:solidFill>
+          <a:prstDash val="solid"/>
+        </a:ln>
+        <a:effectLst/>
+        <a:scene3d>
+          <a:camera prst="orthographicFront"/>
+          <a:lightRig rig="threePt" dir="t">
+            <a:rot lat="0" lon="0" rev="7500000"/>
+          </a:lightRig>
+        </a:scene3d>
+        <a:sp3d z="-40000" prstMaterial="matte"/>
+      </dsp:spPr>
+      <dsp:style>
+        <a:lnRef idx="2">
+          <a:scrgbClr r="0" g="0" b="0"/>
+        </a:lnRef>
+        <a:fillRef idx="0">
+          <a:scrgbClr r="0" g="0" b="0"/>
+        </a:fillRef>
+        <a:effectRef idx="0">
+          <a:scrgbClr r="0" g="0" b="0"/>
+        </a:effectRef>
+        <a:fontRef idx="minor"/>
+      </dsp:style>
+      <dsp:txBody>
+        <a:bodyPr spcFirstLastPara="0" vert="horz" wrap="square" lIns="12700" tIns="0" rIns="12700" bIns="0" numCol="1" spcCol="1270" anchor="ctr" anchorCtr="0">
+          <a:noAutofit/>
+        </a:bodyPr>
+        <a:lstStyle/>
+        <a:p>
+          <a:pPr lvl="0" algn="ctr" defTabSz="222250">
+            <a:lnSpc>
+              <a:spcPct val="90000"/>
+            </a:lnSpc>
+            <a:spcBef>
+              <a:spcPct val="0"/>
+            </a:spcBef>
+            <a:spcAft>
+              <a:spcPct val="35000"/>
+            </a:spcAft>
+          </a:pPr>
+          <a:endParaRPr lang="en-US" sz="500" kern="1200"/>
+        </a:p>
+      </dsp:txBody>
+      <dsp:txXfrm>
+        <a:off x="2535435" y="681244"/>
+        <a:ext cx="11558" cy="11558"/>
+      </dsp:txXfrm>
+    </dsp:sp>
+    <dsp:sp modelId="{979116C9-67B1-4E10-B6DD-5028EA053226}">
+      <dsp:nvSpPr>
+        <dsp:cNvPr id="0" name=""/>
+        <dsp:cNvSpPr/>
+      </dsp:nvSpPr>
+      <dsp:spPr>
+        <a:xfrm>
+          <a:off x="2457530" y="447835"/>
+          <a:ext cx="167367" cy="159458"/>
+        </a:xfrm>
+        <a:custGeom>
+          <a:avLst/>
+          <a:gdLst/>
+          <a:ahLst/>
+          <a:cxnLst/>
+          <a:rect l="0" t="0" r="0" b="0"/>
+          <a:pathLst>
+            <a:path>
+              <a:moveTo>
+                <a:pt x="0" y="159458"/>
+              </a:moveTo>
+              <a:lnTo>
+                <a:pt x="83683" y="159458"/>
+              </a:lnTo>
+              <a:lnTo>
+                <a:pt x="83683" y="0"/>
+              </a:lnTo>
+              <a:lnTo>
+                <a:pt x="167367" y="0"/>
+              </a:lnTo>
+            </a:path>
+          </a:pathLst>
+        </a:custGeom>
+        <a:noFill/>
+        <a:ln w="15875" cap="flat" cmpd="sng" algn="ctr">
+          <a:solidFill>
+            <a:schemeClr val="accent3">
+              <a:hueOff val="0"/>
+              <a:satOff val="0"/>
+              <a:lumOff val="0"/>
+              <a:alphaOff val="0"/>
+            </a:schemeClr>
+          </a:solidFill>
+          <a:prstDash val="solid"/>
+        </a:ln>
+        <a:effectLst/>
+        <a:scene3d>
+          <a:camera prst="orthographicFront"/>
+          <a:lightRig rig="threePt" dir="t">
+            <a:rot lat="0" lon="0" rev="7500000"/>
+          </a:lightRig>
+        </a:scene3d>
+        <a:sp3d z="-40000" prstMaterial="matte"/>
+      </dsp:spPr>
+      <dsp:style>
+        <a:lnRef idx="2">
+          <a:scrgbClr r="0" g="0" b="0"/>
+        </a:lnRef>
+        <a:fillRef idx="0">
+          <a:scrgbClr r="0" g="0" b="0"/>
+        </a:fillRef>
+        <a:effectRef idx="0">
+          <a:scrgbClr r="0" g="0" b="0"/>
+        </a:effectRef>
+        <a:fontRef idx="minor"/>
+      </dsp:style>
+      <dsp:txBody>
+        <a:bodyPr spcFirstLastPara="0" vert="horz" wrap="square" lIns="12700" tIns="0" rIns="12700" bIns="0" numCol="1" spcCol="1270" anchor="ctr" anchorCtr="0">
+          <a:noAutofit/>
+        </a:bodyPr>
+        <a:lstStyle/>
+        <a:p>
+          <a:pPr lvl="0" algn="ctr" defTabSz="222250">
+            <a:lnSpc>
+              <a:spcPct val="90000"/>
+            </a:lnSpc>
+            <a:spcBef>
+              <a:spcPct val="0"/>
+            </a:spcBef>
+            <a:spcAft>
+              <a:spcPct val="35000"/>
+            </a:spcAft>
+          </a:pPr>
+          <a:endParaRPr lang="en-US" sz="500" kern="1200"/>
+        </a:p>
+      </dsp:txBody>
+      <dsp:txXfrm>
+        <a:off x="2535435" y="521785"/>
+        <a:ext cx="11558" cy="11558"/>
+      </dsp:txXfrm>
+    </dsp:sp>
+    <dsp:sp modelId="{B4D2F5E3-6F87-43A2-BA8A-2718C43C3B7A}">
+      <dsp:nvSpPr>
+        <dsp:cNvPr id="0" name=""/>
+        <dsp:cNvSpPr/>
+      </dsp:nvSpPr>
+      <dsp:spPr>
+        <a:xfrm>
+          <a:off x="2457530" y="128918"/>
+          <a:ext cx="167367" cy="478375"/>
+        </a:xfrm>
+        <a:custGeom>
+          <a:avLst/>
+          <a:gdLst/>
+          <a:ahLst/>
+          <a:cxnLst/>
+          <a:rect l="0" t="0" r="0" b="0"/>
+          <a:pathLst>
+            <a:path>
+              <a:moveTo>
+                <a:pt x="0" y="478375"/>
+              </a:moveTo>
+              <a:lnTo>
+                <a:pt x="83683" y="478375"/>
+              </a:lnTo>
+              <a:lnTo>
+                <a:pt x="83683" y="0"/>
+              </a:lnTo>
+              <a:lnTo>
+                <a:pt x="167367" y="0"/>
+              </a:lnTo>
+            </a:path>
+          </a:pathLst>
+        </a:custGeom>
+        <a:noFill/>
+        <a:ln w="15875" cap="flat" cmpd="sng" algn="ctr">
+          <a:solidFill>
+            <a:schemeClr val="accent3">
+              <a:hueOff val="0"/>
+              <a:satOff val="0"/>
+              <a:lumOff val="0"/>
+              <a:alphaOff val="0"/>
+            </a:schemeClr>
+          </a:solidFill>
+          <a:prstDash val="solid"/>
+        </a:ln>
+        <a:effectLst/>
+        <a:scene3d>
+          <a:camera prst="orthographicFront"/>
+          <a:lightRig rig="threePt" dir="t">
+            <a:rot lat="0" lon="0" rev="7500000"/>
+          </a:lightRig>
+        </a:scene3d>
+        <a:sp3d z="-40000" prstMaterial="matte"/>
+      </dsp:spPr>
+      <dsp:style>
+        <a:lnRef idx="2">
+          <a:scrgbClr r="0" g="0" b="0"/>
+        </a:lnRef>
+        <a:fillRef idx="0">
+          <a:scrgbClr r="0" g="0" b="0"/>
+        </a:fillRef>
+        <a:effectRef idx="0">
+          <a:scrgbClr r="0" g="0" b="0"/>
+        </a:effectRef>
+        <a:fontRef idx="minor"/>
+      </dsp:style>
+      <dsp:txBody>
+        <a:bodyPr spcFirstLastPara="0" vert="horz" wrap="square" lIns="12700" tIns="0" rIns="12700" bIns="0" numCol="1" spcCol="1270" anchor="ctr" anchorCtr="0">
+          <a:noAutofit/>
+        </a:bodyPr>
+        <a:lstStyle/>
+        <a:p>
+          <a:pPr lvl="0" algn="ctr" defTabSz="222250">
+            <a:lnSpc>
+              <a:spcPct val="90000"/>
+            </a:lnSpc>
+            <a:spcBef>
+              <a:spcPct val="0"/>
+            </a:spcBef>
+            <a:spcAft>
+              <a:spcPct val="35000"/>
+            </a:spcAft>
+          </a:pPr>
+          <a:endParaRPr lang="en-US" sz="500" kern="1200"/>
+        </a:p>
+      </dsp:txBody>
+      <dsp:txXfrm>
+        <a:off x="2528544" y="355436"/>
+        <a:ext cx="25340" cy="25340"/>
+      </dsp:txXfrm>
+    </dsp:sp>
+    <dsp:sp modelId="{66CA485B-68C8-4246-A6A6-9C133B1D148E}">
+      <dsp:nvSpPr>
+        <dsp:cNvPr id="0" name=""/>
+        <dsp:cNvSpPr/>
+      </dsp:nvSpPr>
+      <dsp:spPr>
+        <a:xfrm>
+          <a:off x="1453325" y="607294"/>
+          <a:ext cx="167367" cy="318916"/>
+        </a:xfrm>
+        <a:custGeom>
+          <a:avLst/>
+          <a:gdLst/>
+          <a:ahLst/>
+          <a:cxnLst/>
+          <a:rect l="0" t="0" r="0" b="0"/>
+          <a:pathLst>
+            <a:path>
+              <a:moveTo>
+                <a:pt x="0" y="318916"/>
+              </a:moveTo>
+              <a:lnTo>
+                <a:pt x="83683" y="318916"/>
+              </a:lnTo>
+              <a:lnTo>
+                <a:pt x="83683" y="0"/>
+              </a:lnTo>
+              <a:lnTo>
+                <a:pt x="167367" y="0"/>
+              </a:lnTo>
+            </a:path>
+          </a:pathLst>
+        </a:custGeom>
+        <a:noFill/>
+        <a:ln w="15875" cap="flat" cmpd="sng" algn="ctr">
+          <a:solidFill>
+            <a:schemeClr val="accent2">
+              <a:hueOff val="0"/>
+              <a:satOff val="0"/>
+              <a:lumOff val="0"/>
+              <a:alphaOff val="0"/>
+            </a:schemeClr>
+          </a:solidFill>
+          <a:prstDash val="solid"/>
+        </a:ln>
+        <a:effectLst/>
+        <a:scene3d>
+          <a:camera prst="orthographicFront"/>
+          <a:lightRig rig="threePt" dir="t">
+            <a:rot lat="0" lon="0" rev="7500000"/>
+          </a:lightRig>
+        </a:scene3d>
+        <a:sp3d z="-40000" prstMaterial="matte"/>
+      </dsp:spPr>
+      <dsp:style>
+        <a:lnRef idx="2">
+          <a:scrgbClr r="0" g="0" b="0"/>
+        </a:lnRef>
+        <a:fillRef idx="0">
+          <a:scrgbClr r="0" g="0" b="0"/>
+        </a:fillRef>
+        <a:effectRef idx="0">
+          <a:scrgbClr r="0" g="0" b="0"/>
+        </a:effectRef>
+        <a:fontRef idx="minor"/>
+      </dsp:style>
+      <dsp:txBody>
+        <a:bodyPr spcFirstLastPara="0" vert="horz" wrap="square" lIns="12700" tIns="0" rIns="12700" bIns="0" numCol="1" spcCol="1270" anchor="ctr" anchorCtr="0">
+          <a:noAutofit/>
+        </a:bodyPr>
+        <a:lstStyle/>
+        <a:p>
+          <a:pPr lvl="0" algn="ctr" defTabSz="222250">
+            <a:lnSpc>
+              <a:spcPct val="90000"/>
+            </a:lnSpc>
+            <a:spcBef>
+              <a:spcPct val="0"/>
+            </a:spcBef>
+            <a:spcAft>
+              <a:spcPct val="35000"/>
+            </a:spcAft>
+          </a:pPr>
+          <a:endParaRPr lang="en-US" sz="500" kern="1200"/>
+        </a:p>
+      </dsp:txBody>
+      <dsp:txXfrm>
+        <a:off x="1528004" y="757748"/>
+        <a:ext cx="18008" cy="18008"/>
+      </dsp:txXfrm>
+    </dsp:sp>
+    <dsp:sp modelId="{DAE6B772-9B80-4BC4-95A7-43B452B2A1C4}">
+      <dsp:nvSpPr>
+        <dsp:cNvPr id="0" name=""/>
+        <dsp:cNvSpPr/>
+      </dsp:nvSpPr>
+      <dsp:spPr>
+        <a:xfrm>
+          <a:off x="1453325" y="288377"/>
+          <a:ext cx="167367" cy="637833"/>
+        </a:xfrm>
+        <a:custGeom>
+          <a:avLst/>
+          <a:gdLst/>
+          <a:ahLst/>
+          <a:cxnLst/>
+          <a:rect l="0" t="0" r="0" b="0"/>
+          <a:pathLst>
+            <a:path>
+              <a:moveTo>
+                <a:pt x="0" y="637833"/>
+              </a:moveTo>
+              <a:lnTo>
+                <a:pt x="83683" y="637833"/>
+              </a:lnTo>
+              <a:lnTo>
+                <a:pt x="83683" y="0"/>
+              </a:lnTo>
+              <a:lnTo>
+                <a:pt x="167367" y="0"/>
+              </a:lnTo>
+            </a:path>
+          </a:pathLst>
+        </a:custGeom>
+        <a:noFill/>
+        <a:ln w="15875" cap="flat" cmpd="sng" algn="ctr">
+          <a:solidFill>
+            <a:schemeClr val="accent2">
+              <a:hueOff val="0"/>
+              <a:satOff val="0"/>
+              <a:lumOff val="0"/>
+              <a:alphaOff val="0"/>
+            </a:schemeClr>
+          </a:solidFill>
+          <a:prstDash val="solid"/>
+        </a:ln>
+        <a:effectLst/>
+        <a:scene3d>
+          <a:camera prst="orthographicFront"/>
+          <a:lightRig rig="threePt" dir="t">
+            <a:rot lat="0" lon="0" rev="7500000"/>
+          </a:lightRig>
+        </a:scene3d>
+        <a:sp3d z="-40000" prstMaterial="matte"/>
+      </dsp:spPr>
+      <dsp:style>
+        <a:lnRef idx="2">
+          <a:scrgbClr r="0" g="0" b="0"/>
+        </a:lnRef>
+        <a:fillRef idx="0">
+          <a:scrgbClr r="0" g="0" b="0"/>
+        </a:fillRef>
+        <a:effectRef idx="0">
+          <a:scrgbClr r="0" g="0" b="0"/>
+        </a:effectRef>
+        <a:fontRef idx="minor"/>
+      </dsp:style>
+      <dsp:txBody>
+        <a:bodyPr spcFirstLastPara="0" vert="horz" wrap="square" lIns="12700" tIns="0" rIns="12700" bIns="0" numCol="1" spcCol="1270" anchor="ctr" anchorCtr="0">
+          <a:noAutofit/>
+        </a:bodyPr>
+        <a:lstStyle/>
+        <a:p>
+          <a:pPr lvl="0" algn="ctr" defTabSz="222250">
+            <a:lnSpc>
+              <a:spcPct val="90000"/>
+            </a:lnSpc>
+            <a:spcBef>
+              <a:spcPct val="0"/>
+            </a:spcBef>
+            <a:spcAft>
+              <a:spcPct val="35000"/>
+            </a:spcAft>
+          </a:pPr>
+          <a:endParaRPr lang="en-US" sz="500" kern="1200"/>
+        </a:p>
+      </dsp:txBody>
+      <dsp:txXfrm>
+        <a:off x="1520523" y="590808"/>
+        <a:ext cx="32971" cy="32971"/>
+      </dsp:txXfrm>
+    </dsp:sp>
+    <dsp:sp modelId="{53975860-54D1-405F-A889-01B934832FD4}">
+      <dsp:nvSpPr>
+        <dsp:cNvPr id="0" name=""/>
+        <dsp:cNvSpPr/>
+      </dsp:nvSpPr>
+      <dsp:spPr>
+        <a:xfrm rot="16200000">
+          <a:off x="654354" y="798644"/>
+          <a:ext cx="1342808" cy="255133"/>
+        </a:xfrm>
+        <a:prstGeom prst="rect">
+          <a:avLst/>
+        </a:prstGeom>
+        <a:gradFill rotWithShape="0">
+          <a:gsLst>
+            <a:gs pos="0">
+              <a:schemeClr val="accent1">
+                <a:hueOff val="0"/>
+                <a:satOff val="0"/>
+                <a:lumOff val="0"/>
+                <a:alphaOff val="0"/>
+                <a:shade val="85000"/>
+                <a:satMod val="130000"/>
+              </a:schemeClr>
+            </a:gs>
+            <a:gs pos="34000">
+              <a:schemeClr val="accent1">
+                <a:hueOff val="0"/>
+                <a:satOff val="0"/>
+                <a:lumOff val="0"/>
+                <a:alphaOff val="0"/>
+                <a:shade val="87000"/>
+                <a:satMod val="125000"/>
+              </a:schemeClr>
+            </a:gs>
+            <a:gs pos="70000">
+              <a:schemeClr val="accent1">
+                <a:hueOff val="0"/>
+                <a:satOff val="0"/>
+                <a:lumOff val="0"/>
+                <a:alphaOff val="0"/>
+                <a:tint val="100000"/>
+                <a:shade val="90000"/>
+                <a:satMod val="130000"/>
+              </a:schemeClr>
+            </a:gs>
+            <a:gs pos="100000">
+              <a:schemeClr val="accent1">
+                <a:hueOff val="0"/>
+                <a:satOff val="0"/>
+                <a:lumOff val="0"/>
+                <a:alphaOff val="0"/>
+                <a:tint val="100000"/>
+                <a:shade val="100000"/>
+                <a:satMod val="110000"/>
+              </a:schemeClr>
+            </a:gs>
+          </a:gsLst>
+          <a:path path="circle">
+            <a:fillToRect l="100000" t="100000" r="100000" b="100000"/>
+          </a:path>
+        </a:gradFill>
+        <a:ln>
+          <a:noFill/>
+        </a:ln>
+        <a:effectLst>
+          <a:outerShdw blurRad="38100" dist="25400" dir="2700000" algn="br" rotWithShape="0">
+            <a:srgbClr val="000000">
+              <a:alpha val="60000"/>
+            </a:srgbClr>
+          </a:outerShdw>
+        </a:effectLst>
+        <a:scene3d>
+          <a:camera prst="orthographicFront"/>
+          <a:lightRig rig="threePt" dir="t">
+            <a:rot lat="0" lon="0" rev="7500000"/>
+          </a:lightRig>
+        </a:scene3d>
+        <a:sp3d prstMaterial="plastic">
+          <a:bevelT w="127000" h="25400" prst="relaxedInset"/>
+        </a:sp3d>
+      </dsp:spPr>
+      <dsp:style>
+        <a:lnRef idx="0">
+          <a:scrgbClr r="0" g="0" b="0"/>
+        </a:lnRef>
+        <a:fillRef idx="3">
+          <a:scrgbClr r="0" g="0" b="0"/>
+        </a:fillRef>
+        <a:effectRef idx="2">
+          <a:scrgbClr r="0" g="0" b="0"/>
+        </a:effectRef>
+        <a:fontRef idx="minor">
+          <a:schemeClr val="lt1"/>
+        </a:fontRef>
+      </dsp:style>
+      <dsp:txBody>
+        <a:bodyPr spcFirstLastPara="0" vert="horz" wrap="square" lIns="10160" tIns="10160" rIns="10160" bIns="10160" numCol="1" spcCol="1270" anchor="ctr" anchorCtr="0">
+          <a:noAutofit/>
+        </a:bodyPr>
+        <a:lstStyle/>
+        <a:p>
+          <a:pPr lvl="0" algn="ctr" defTabSz="711200">
+            <a:lnSpc>
+              <a:spcPct val="90000"/>
+            </a:lnSpc>
+            <a:spcBef>
+              <a:spcPct val="0"/>
+            </a:spcBef>
+            <a:spcAft>
+              <a:spcPct val="35000"/>
+            </a:spcAft>
+          </a:pPr>
+          <a:r>
+            <a:rPr lang="en-US" sz="1600" b="1" kern="1200" dirty="0" smtClean="0"/>
+            <a:t>/opt/PFMS/</a:t>
+          </a:r>
+          <a:endParaRPr lang="en-US" sz="1600" kern="1200" dirty="0"/>
+        </a:p>
+      </dsp:txBody>
+      <dsp:txXfrm>
+        <a:off x="654354" y="798644"/>
+        <a:ext cx="1342808" cy="255133"/>
+      </dsp:txXfrm>
+    </dsp:sp>
+    <dsp:sp modelId="{BB105F6C-DE2C-4E49-95AA-A9AF5B53CF8A}">
+      <dsp:nvSpPr>
+        <dsp:cNvPr id="0" name=""/>
+        <dsp:cNvSpPr/>
+      </dsp:nvSpPr>
+      <dsp:spPr>
+        <a:xfrm>
+          <a:off x="1620692" y="160810"/>
+          <a:ext cx="836838" cy="255133"/>
+        </a:xfrm>
+        <a:prstGeom prst="rect">
+          <a:avLst/>
+        </a:prstGeom>
+        <a:gradFill rotWithShape="0">
+          <a:gsLst>
+            <a:gs pos="0">
+              <a:schemeClr val="accent2">
+                <a:hueOff val="0"/>
+                <a:satOff val="0"/>
+                <a:lumOff val="0"/>
+                <a:alphaOff val="0"/>
+                <a:shade val="85000"/>
+                <a:satMod val="130000"/>
+              </a:schemeClr>
+            </a:gs>
+            <a:gs pos="34000">
+              <a:schemeClr val="accent2">
+                <a:hueOff val="0"/>
+                <a:satOff val="0"/>
+                <a:lumOff val="0"/>
+                <a:alphaOff val="0"/>
+                <a:shade val="87000"/>
+                <a:satMod val="125000"/>
+              </a:schemeClr>
+            </a:gs>
+            <a:gs pos="70000">
+              <a:schemeClr val="accent2">
+                <a:hueOff val="0"/>
+                <a:satOff val="0"/>
+                <a:lumOff val="0"/>
+                <a:alphaOff val="0"/>
+                <a:tint val="100000"/>
+                <a:shade val="90000"/>
+                <a:satMod val="130000"/>
+              </a:schemeClr>
+            </a:gs>
+            <a:gs pos="100000">
+              <a:schemeClr val="accent2">
+                <a:hueOff val="0"/>
+                <a:satOff val="0"/>
+                <a:lumOff val="0"/>
+                <a:alphaOff val="0"/>
+                <a:tint val="100000"/>
+                <a:shade val="100000"/>
+                <a:satMod val="110000"/>
+              </a:schemeClr>
+            </a:gs>
+          </a:gsLst>
+          <a:path path="circle">
+            <a:fillToRect l="100000" t="100000" r="100000" b="100000"/>
+          </a:path>
+        </a:gradFill>
+        <a:ln>
+          <a:noFill/>
+        </a:ln>
+        <a:effectLst>
+          <a:outerShdw blurRad="38100" dist="25400" dir="2700000" algn="br" rotWithShape="0">
+            <a:srgbClr val="000000">
+              <a:alpha val="60000"/>
+            </a:srgbClr>
+          </a:outerShdw>
+        </a:effectLst>
+        <a:scene3d>
+          <a:camera prst="orthographicFront"/>
+          <a:lightRig rig="threePt" dir="t">
+            <a:rot lat="0" lon="0" rev="7500000"/>
+          </a:lightRig>
+        </a:scene3d>
+        <a:sp3d prstMaterial="plastic">
+          <a:bevelT w="127000" h="25400" prst="relaxedInset"/>
+        </a:sp3d>
+      </dsp:spPr>
+      <dsp:style>
+        <a:lnRef idx="0">
+          <a:scrgbClr r="0" g="0" b="0"/>
+        </a:lnRef>
+        <a:fillRef idx="3">
+          <a:scrgbClr r="0" g="0" b="0"/>
+        </a:fillRef>
+        <a:effectRef idx="2">
+          <a:scrgbClr r="0" g="0" b="0"/>
+        </a:effectRef>
+        <a:fontRef idx="minor">
+          <a:schemeClr val="lt1"/>
+        </a:fontRef>
+      </dsp:style>
+      <dsp:txBody>
+        <a:bodyPr spcFirstLastPara="0" vert="horz" wrap="square" lIns="5080" tIns="5080" rIns="5080" bIns="5080" numCol="1" spcCol="1270" anchor="ctr" anchorCtr="0">
+          <a:noAutofit/>
+        </a:bodyPr>
+        <a:lstStyle/>
+        <a:p>
+          <a:pPr lvl="0" algn="ctr" defTabSz="355600">
+            <a:lnSpc>
+              <a:spcPct val="90000"/>
+            </a:lnSpc>
+            <a:spcBef>
+              <a:spcPct val="0"/>
+            </a:spcBef>
+            <a:spcAft>
+              <a:spcPct val="35000"/>
+            </a:spcAft>
+          </a:pPr>
+          <a:r>
+            <a:rPr lang="en-US" sz="800" b="1" kern="1200" dirty="0" smtClean="0"/>
+            <a:t>Outgoing</a:t>
+          </a:r>
+          <a:endParaRPr lang="en-US" sz="800" b="1" kern="1200" dirty="0"/>
+        </a:p>
+      </dsp:txBody>
+      <dsp:txXfrm>
+        <a:off x="1620692" y="160810"/>
+        <a:ext cx="836838" cy="255133"/>
+      </dsp:txXfrm>
+    </dsp:sp>
+    <dsp:sp modelId="{49B28A51-79A3-45DF-93EF-FAC1549BD0C3}">
+      <dsp:nvSpPr>
+        <dsp:cNvPr id="0" name=""/>
+        <dsp:cNvSpPr/>
+      </dsp:nvSpPr>
+      <dsp:spPr>
+        <a:xfrm>
+          <a:off x="1620692" y="479727"/>
+          <a:ext cx="836838" cy="255133"/>
+        </a:xfrm>
+        <a:prstGeom prst="rect">
+          <a:avLst/>
+        </a:prstGeom>
+        <a:gradFill rotWithShape="0">
+          <a:gsLst>
+            <a:gs pos="0">
+              <a:schemeClr val="accent2">
+                <a:hueOff val="0"/>
+                <a:satOff val="0"/>
+                <a:lumOff val="0"/>
+                <a:alphaOff val="0"/>
+                <a:shade val="85000"/>
+                <a:satMod val="130000"/>
+              </a:schemeClr>
+            </a:gs>
+            <a:gs pos="34000">
+              <a:schemeClr val="accent2">
+                <a:hueOff val="0"/>
+                <a:satOff val="0"/>
+                <a:lumOff val="0"/>
+                <a:alphaOff val="0"/>
+                <a:shade val="87000"/>
+                <a:satMod val="125000"/>
+              </a:schemeClr>
+            </a:gs>
+            <a:gs pos="70000">
+              <a:schemeClr val="accent2">
+                <a:hueOff val="0"/>
+                <a:satOff val="0"/>
+                <a:lumOff val="0"/>
+                <a:alphaOff val="0"/>
+                <a:tint val="100000"/>
+                <a:shade val="90000"/>
+                <a:satMod val="130000"/>
+              </a:schemeClr>
+            </a:gs>
+            <a:gs pos="100000">
+              <a:schemeClr val="accent2">
+                <a:hueOff val="0"/>
+                <a:satOff val="0"/>
+                <a:lumOff val="0"/>
+                <a:alphaOff val="0"/>
+                <a:tint val="100000"/>
+                <a:shade val="100000"/>
+                <a:satMod val="110000"/>
+              </a:schemeClr>
+            </a:gs>
+          </a:gsLst>
+          <a:path path="circle">
+            <a:fillToRect l="100000" t="100000" r="100000" b="100000"/>
+          </a:path>
+        </a:gradFill>
+        <a:ln>
+          <a:noFill/>
+        </a:ln>
+        <a:effectLst>
+          <a:outerShdw blurRad="38100" dist="25400" dir="2700000" algn="br" rotWithShape="0">
+            <a:srgbClr val="000000">
+              <a:alpha val="60000"/>
+            </a:srgbClr>
+          </a:outerShdw>
+        </a:effectLst>
+        <a:scene3d>
+          <a:camera prst="orthographicFront"/>
+          <a:lightRig rig="threePt" dir="t">
+            <a:rot lat="0" lon="0" rev="7500000"/>
+          </a:lightRig>
+        </a:scene3d>
+        <a:sp3d prstMaterial="plastic">
+          <a:bevelT w="127000" h="25400" prst="relaxedInset"/>
+        </a:sp3d>
+      </dsp:spPr>
+      <dsp:style>
+        <a:lnRef idx="0">
+          <a:scrgbClr r="0" g="0" b="0"/>
+        </a:lnRef>
+        <a:fillRef idx="3">
+          <a:scrgbClr r="0" g="0" b="0"/>
+        </a:fillRef>
+        <a:effectRef idx="2">
+          <a:scrgbClr r="0" g="0" b="0"/>
+        </a:effectRef>
+        <a:fontRef idx="minor">
+          <a:schemeClr val="lt1"/>
+        </a:fontRef>
+      </dsp:style>
+      <dsp:txBody>
+        <a:bodyPr spcFirstLastPara="0" vert="horz" wrap="square" lIns="5080" tIns="5080" rIns="5080" bIns="5080" numCol="1" spcCol="1270" anchor="ctr" anchorCtr="0">
+          <a:noAutofit/>
+        </a:bodyPr>
+        <a:lstStyle/>
+        <a:p>
+          <a:pPr lvl="0" algn="ctr" defTabSz="355600">
+            <a:lnSpc>
+              <a:spcPct val="90000"/>
+            </a:lnSpc>
+            <a:spcBef>
+              <a:spcPct val="0"/>
+            </a:spcBef>
+            <a:spcAft>
+              <a:spcPct val="35000"/>
+            </a:spcAft>
+          </a:pPr>
+          <a:r>
+            <a:rPr lang="en-US" sz="800" b="1" kern="1200" dirty="0" smtClean="0"/>
+            <a:t>Pending</a:t>
+          </a:r>
+          <a:endParaRPr lang="en-US" sz="800" b="1" kern="1200" dirty="0"/>
+        </a:p>
+      </dsp:txBody>
+      <dsp:txXfrm>
+        <a:off x="1620692" y="479727"/>
+        <a:ext cx="836838" cy="255133"/>
+      </dsp:txXfrm>
+    </dsp:sp>
+    <dsp:sp modelId="{D2AF1980-0A0B-43F8-9A7D-6954BB8A5458}">
+      <dsp:nvSpPr>
+        <dsp:cNvPr id="0" name=""/>
+        <dsp:cNvSpPr/>
+      </dsp:nvSpPr>
+      <dsp:spPr>
+        <a:xfrm>
+          <a:off x="2624898" y="1352"/>
+          <a:ext cx="836838" cy="255133"/>
+        </a:xfrm>
+        <a:prstGeom prst="rect">
+          <a:avLst/>
+        </a:prstGeom>
+        <a:solidFill>
+          <a:schemeClr val="accent2">
+            <a:lumMod val="50000"/>
+          </a:schemeClr>
+        </a:solidFill>
+        <a:ln>
+          <a:noFill/>
+        </a:ln>
+        <a:effectLst>
+          <a:outerShdw blurRad="38100" dist="25400" dir="2700000" algn="br" rotWithShape="0">
+            <a:srgbClr val="000000">
+              <a:alpha val="60000"/>
+            </a:srgbClr>
+          </a:outerShdw>
+        </a:effectLst>
+        <a:scene3d>
+          <a:camera prst="orthographicFront"/>
+          <a:lightRig rig="threePt" dir="t">
+            <a:rot lat="0" lon="0" rev="7500000"/>
+          </a:lightRig>
+        </a:scene3d>
+        <a:sp3d prstMaterial="plastic">
+          <a:bevelT w="127000" h="25400" prst="relaxedInset"/>
+        </a:sp3d>
+      </dsp:spPr>
+      <dsp:style>
+        <a:lnRef idx="0">
+          <a:scrgbClr r="0" g="0" b="0"/>
+        </a:lnRef>
+        <a:fillRef idx="3">
+          <a:scrgbClr r="0" g="0" b="0"/>
+        </a:fillRef>
+        <a:effectRef idx="2">
+          <a:scrgbClr r="0" g="0" b="0"/>
+        </a:effectRef>
+        <a:fontRef idx="minor">
+          <a:schemeClr val="lt1"/>
+        </a:fontRef>
+      </dsp:style>
+      <dsp:txBody>
+        <a:bodyPr spcFirstLastPara="0" vert="horz" wrap="square" lIns="6985" tIns="6985" rIns="6985" bIns="6985" numCol="1" spcCol="1270" anchor="ctr" anchorCtr="0">
+          <a:noAutofit/>
+        </a:bodyPr>
+        <a:lstStyle/>
+        <a:p>
+          <a:pPr lvl="0" algn="ctr" defTabSz="488950">
+            <a:lnSpc>
+              <a:spcPct val="90000"/>
+            </a:lnSpc>
+            <a:spcBef>
+              <a:spcPct val="0"/>
+            </a:spcBef>
+            <a:spcAft>
+              <a:spcPct val="35000"/>
+            </a:spcAft>
+          </a:pPr>
+          <a:r>
+            <a:rPr lang="en-US" sz="1100" b="1" kern="1200" dirty="0" err="1" smtClean="0"/>
+            <a:t>SVPending</a:t>
+          </a:r>
+          <a:endParaRPr lang="en-US" sz="1100" b="1" kern="1200" dirty="0"/>
+        </a:p>
+      </dsp:txBody>
+      <dsp:txXfrm>
+        <a:off x="2624898" y="1352"/>
+        <a:ext cx="836838" cy="255133"/>
+      </dsp:txXfrm>
+    </dsp:sp>
+    <dsp:sp modelId="{48E5A03B-FA17-4D8C-AF4D-95792EEA64BA}">
+      <dsp:nvSpPr>
+        <dsp:cNvPr id="0" name=""/>
+        <dsp:cNvSpPr/>
+      </dsp:nvSpPr>
+      <dsp:spPr>
+        <a:xfrm>
+          <a:off x="2624898" y="320269"/>
+          <a:ext cx="836838" cy="255133"/>
+        </a:xfrm>
+        <a:prstGeom prst="rect">
+          <a:avLst/>
+        </a:prstGeom>
+        <a:solidFill>
+          <a:schemeClr val="accent2">
+            <a:lumMod val="50000"/>
+          </a:schemeClr>
+        </a:solidFill>
+        <a:ln>
+          <a:noFill/>
+        </a:ln>
+        <a:effectLst>
+          <a:outerShdw blurRad="38100" dist="25400" dir="2700000" algn="br" rotWithShape="0">
+            <a:srgbClr val="000000">
+              <a:alpha val="60000"/>
+            </a:srgbClr>
+          </a:outerShdw>
+        </a:effectLst>
+        <a:scene3d>
+          <a:camera prst="orthographicFront"/>
+          <a:lightRig rig="threePt" dir="t">
+            <a:rot lat="0" lon="0" rev="7500000"/>
+          </a:lightRig>
+        </a:scene3d>
+        <a:sp3d prstMaterial="plastic">
+          <a:bevelT w="127000" h="25400" prst="relaxedInset"/>
+        </a:sp3d>
+      </dsp:spPr>
+      <dsp:style>
+        <a:lnRef idx="0">
+          <a:scrgbClr r="0" g="0" b="0"/>
+        </a:lnRef>
+        <a:fillRef idx="3">
+          <a:scrgbClr r="0" g="0" b="0"/>
+        </a:fillRef>
+        <a:effectRef idx="2">
+          <a:scrgbClr r="0" g="0" b="0"/>
+        </a:effectRef>
+        <a:fontRef idx="minor">
+          <a:schemeClr val="lt1"/>
+        </a:fontRef>
+      </dsp:style>
+      <dsp:txBody>
+        <a:bodyPr spcFirstLastPara="0" vert="horz" wrap="square" lIns="6985" tIns="6985" rIns="6985" bIns="6985" numCol="1" spcCol="1270" anchor="ctr" anchorCtr="0">
+          <a:noAutofit/>
+        </a:bodyPr>
+        <a:lstStyle/>
+        <a:p>
+          <a:pPr lvl="0" algn="ctr" defTabSz="488950">
+            <a:lnSpc>
+              <a:spcPct val="90000"/>
+            </a:lnSpc>
+            <a:spcBef>
+              <a:spcPct val="0"/>
+            </a:spcBef>
+            <a:spcAft>
+              <a:spcPct val="35000"/>
+            </a:spcAft>
+          </a:pPr>
+          <a:r>
+            <a:rPr lang="en-US" sz="1100" b="1" kern="1200" dirty="0" err="1" smtClean="0"/>
+            <a:t>FASPending</a:t>
+          </a:r>
+          <a:endParaRPr lang="en-US" sz="1100" b="1" kern="1200" dirty="0"/>
+        </a:p>
+      </dsp:txBody>
+      <dsp:txXfrm>
+        <a:off x="2624898" y="320269"/>
+        <a:ext cx="836838" cy="255133"/>
+      </dsp:txXfrm>
+    </dsp:sp>
+    <dsp:sp modelId="{92AE9F0A-4317-4E08-B368-5F7267F9C11E}">
+      <dsp:nvSpPr>
+        <dsp:cNvPr id="0" name=""/>
+        <dsp:cNvSpPr/>
+      </dsp:nvSpPr>
+      <dsp:spPr>
+        <a:xfrm>
+          <a:off x="2624898" y="639185"/>
+          <a:ext cx="1192469" cy="255133"/>
+        </a:xfrm>
+        <a:prstGeom prst="rect">
+          <a:avLst/>
+        </a:prstGeom>
+        <a:solidFill>
+          <a:schemeClr val="accent2">
+            <a:lumMod val="50000"/>
+          </a:schemeClr>
+        </a:solidFill>
+        <a:ln>
+          <a:noFill/>
+        </a:ln>
+        <a:effectLst>
+          <a:outerShdw blurRad="38100" dist="25400" dir="2700000" algn="br" rotWithShape="0">
+            <a:srgbClr val="000000">
+              <a:alpha val="60000"/>
+            </a:srgbClr>
+          </a:outerShdw>
+        </a:effectLst>
+        <a:scene3d>
+          <a:camera prst="orthographicFront"/>
+          <a:lightRig rig="threePt" dir="t">
+            <a:rot lat="0" lon="0" rev="7500000"/>
+          </a:lightRig>
+        </a:scene3d>
+        <a:sp3d prstMaterial="plastic">
+          <a:bevelT w="127000" h="25400" prst="relaxedInset"/>
+        </a:sp3d>
+      </dsp:spPr>
+      <dsp:style>
+        <a:lnRef idx="0">
+          <a:scrgbClr r="0" g="0" b="0"/>
+        </a:lnRef>
+        <a:fillRef idx="3">
+          <a:scrgbClr r="0" g="0" b="0"/>
+        </a:fillRef>
+        <a:effectRef idx="2">
+          <a:scrgbClr r="0" g="0" b="0"/>
+        </a:effectRef>
+        <a:fontRef idx="minor">
+          <a:schemeClr val="lt1"/>
+        </a:fontRef>
+      </dsp:style>
+      <dsp:txBody>
+        <a:bodyPr spcFirstLastPara="0" vert="horz" wrap="square" lIns="6985" tIns="6985" rIns="6985" bIns="6985" numCol="1" spcCol="1270" anchor="ctr" anchorCtr="0">
+          <a:noAutofit/>
+        </a:bodyPr>
+        <a:lstStyle/>
+        <a:p>
+          <a:pPr lvl="0" algn="ctr" defTabSz="488950">
+            <a:lnSpc>
+              <a:spcPct val="90000"/>
+            </a:lnSpc>
+            <a:spcBef>
+              <a:spcPct val="0"/>
+            </a:spcBef>
+            <a:spcAft>
+              <a:spcPct val="35000"/>
+            </a:spcAft>
+          </a:pPr>
+          <a:r>
+            <a:rPr lang="en-US" sz="1100" b="1" kern="1200" dirty="0" err="1" smtClean="0"/>
+            <a:t>VendorPending</a:t>
+          </a:r>
+          <a:endParaRPr lang="en-US" sz="1100" b="1" kern="1200" dirty="0"/>
+        </a:p>
+      </dsp:txBody>
+      <dsp:txXfrm>
+        <a:off x="2624898" y="639185"/>
+        <a:ext cx="1192469" cy="255133"/>
+      </dsp:txXfrm>
+    </dsp:sp>
+    <dsp:sp modelId="{46578617-3BC7-4745-ACFC-294A4ADE715F}">
+      <dsp:nvSpPr>
+        <dsp:cNvPr id="0" name=""/>
+        <dsp:cNvSpPr/>
+      </dsp:nvSpPr>
+      <dsp:spPr>
+        <a:xfrm>
+          <a:off x="2624898" y="958102"/>
+          <a:ext cx="1119597" cy="255133"/>
+        </a:xfrm>
+        <a:prstGeom prst="rect">
+          <a:avLst/>
+        </a:prstGeom>
+        <a:solidFill>
+          <a:schemeClr val="accent2">
+            <a:lumMod val="50000"/>
+          </a:schemeClr>
+        </a:solidFill>
+        <a:ln>
+          <a:noFill/>
+        </a:ln>
+        <a:effectLst>
+          <a:outerShdw blurRad="38100" dist="25400" dir="2700000" algn="br" rotWithShape="0">
+            <a:srgbClr val="000000">
+              <a:alpha val="60000"/>
+            </a:srgbClr>
+          </a:outerShdw>
+        </a:effectLst>
+        <a:scene3d>
+          <a:camera prst="orthographicFront"/>
+          <a:lightRig rig="threePt" dir="t">
+            <a:rot lat="0" lon="0" rev="7500000"/>
+          </a:lightRig>
+        </a:scene3d>
+        <a:sp3d prstMaterial="plastic">
+          <a:bevelT w="127000" h="25400" prst="relaxedInset"/>
+        </a:sp3d>
+      </dsp:spPr>
+      <dsp:style>
+        <a:lnRef idx="0">
+          <a:scrgbClr r="0" g="0" b="0"/>
+        </a:lnRef>
+        <a:fillRef idx="3">
+          <a:scrgbClr r="0" g="0" b="0"/>
+        </a:fillRef>
+        <a:effectRef idx="2">
+          <a:scrgbClr r="0" g="0" b="0"/>
+        </a:effectRef>
+        <a:fontRef idx="minor">
+          <a:schemeClr val="lt1"/>
+        </a:fontRef>
+      </dsp:style>
+      <dsp:txBody>
+        <a:bodyPr spcFirstLastPara="0" vert="horz" wrap="square" lIns="6985" tIns="6985" rIns="6985" bIns="6985" numCol="1" spcCol="1270" anchor="ctr" anchorCtr="0">
+          <a:noAutofit/>
+        </a:bodyPr>
+        <a:lstStyle/>
+        <a:p>
+          <a:pPr lvl="0" algn="ctr" defTabSz="488950">
+            <a:lnSpc>
+              <a:spcPct val="90000"/>
+            </a:lnSpc>
+            <a:spcBef>
+              <a:spcPct val="0"/>
+            </a:spcBef>
+            <a:spcAft>
+              <a:spcPct val="35000"/>
+            </a:spcAft>
+          </a:pPr>
+          <a:r>
+            <a:rPr lang="en-US" sz="1100" b="1" kern="1200" dirty="0" err="1" smtClean="0"/>
+            <a:t>PEPCPendingCase</a:t>
+          </a:r>
+          <a:endParaRPr lang="en-US" sz="1100" b="1" kern="1200" dirty="0"/>
+        </a:p>
+      </dsp:txBody>
+      <dsp:txXfrm>
+        <a:off x="2624898" y="958102"/>
+        <a:ext cx="1119597" cy="255133"/>
+      </dsp:txXfrm>
+    </dsp:sp>
+    <dsp:sp modelId="{664035F2-8451-4E45-873D-0B24AECBE763}">
+      <dsp:nvSpPr>
+        <dsp:cNvPr id="0" name=""/>
+        <dsp:cNvSpPr/>
+      </dsp:nvSpPr>
+      <dsp:spPr>
+        <a:xfrm>
+          <a:off x="1620692" y="798644"/>
+          <a:ext cx="836838" cy="255133"/>
+        </a:xfrm>
+        <a:prstGeom prst="rect">
+          <a:avLst/>
+        </a:prstGeom>
+        <a:gradFill rotWithShape="0">
+          <a:gsLst>
+            <a:gs pos="0">
+              <a:schemeClr val="accent2">
+                <a:hueOff val="0"/>
+                <a:satOff val="0"/>
+                <a:lumOff val="0"/>
+                <a:alphaOff val="0"/>
+                <a:shade val="85000"/>
+                <a:satMod val="130000"/>
+              </a:schemeClr>
+            </a:gs>
+            <a:gs pos="34000">
+              <a:schemeClr val="accent2">
+                <a:hueOff val="0"/>
+                <a:satOff val="0"/>
+                <a:lumOff val="0"/>
+                <a:alphaOff val="0"/>
+                <a:shade val="87000"/>
+                <a:satMod val="125000"/>
+              </a:schemeClr>
+            </a:gs>
+            <a:gs pos="70000">
+              <a:schemeClr val="accent2">
+                <a:hueOff val="0"/>
+                <a:satOff val="0"/>
+                <a:lumOff val="0"/>
+                <a:alphaOff val="0"/>
+                <a:tint val="100000"/>
+                <a:shade val="90000"/>
+                <a:satMod val="130000"/>
+              </a:schemeClr>
+            </a:gs>
+            <a:gs pos="100000">
+              <a:schemeClr val="accent2">
+                <a:hueOff val="0"/>
+                <a:satOff val="0"/>
+                <a:lumOff val="0"/>
+                <a:alphaOff val="0"/>
+                <a:tint val="100000"/>
+                <a:shade val="100000"/>
+                <a:satMod val="110000"/>
+              </a:schemeClr>
+            </a:gs>
+          </a:gsLst>
+          <a:path path="circle">
+            <a:fillToRect l="100000" t="100000" r="100000" b="100000"/>
+          </a:path>
+        </a:gradFill>
+        <a:ln>
+          <a:noFill/>
+        </a:ln>
+        <a:effectLst>
+          <a:outerShdw blurRad="38100" dist="25400" dir="2700000" algn="br" rotWithShape="0">
+            <a:srgbClr val="000000">
+              <a:alpha val="60000"/>
+            </a:srgbClr>
+          </a:outerShdw>
+        </a:effectLst>
+        <a:scene3d>
+          <a:camera prst="orthographicFront"/>
+          <a:lightRig rig="threePt" dir="t">
+            <a:rot lat="0" lon="0" rev="7500000"/>
+          </a:lightRig>
+        </a:scene3d>
+        <a:sp3d prstMaterial="plastic">
+          <a:bevelT w="127000" h="25400" prst="relaxedInset"/>
+        </a:sp3d>
+      </dsp:spPr>
+      <dsp:style>
+        <a:lnRef idx="0">
+          <a:scrgbClr r="0" g="0" b="0"/>
+        </a:lnRef>
+        <a:fillRef idx="3">
+          <a:scrgbClr r="0" g="0" b="0"/>
+        </a:fillRef>
+        <a:effectRef idx="2">
+          <a:scrgbClr r="0" g="0" b="0"/>
+        </a:effectRef>
+        <a:fontRef idx="minor">
+          <a:schemeClr val="lt1"/>
+        </a:fontRef>
+      </dsp:style>
+      <dsp:txBody>
+        <a:bodyPr spcFirstLastPara="0" vert="horz" wrap="square" lIns="5080" tIns="5080" rIns="5080" bIns="5080" numCol="1" spcCol="1270" anchor="ctr" anchorCtr="0">
+          <a:noAutofit/>
+        </a:bodyPr>
+        <a:lstStyle/>
+        <a:p>
+          <a:pPr lvl="0" algn="ctr" defTabSz="355600">
+            <a:lnSpc>
+              <a:spcPct val="90000"/>
+            </a:lnSpc>
+            <a:spcBef>
+              <a:spcPct val="0"/>
+            </a:spcBef>
+            <a:spcAft>
+              <a:spcPct val="35000"/>
+            </a:spcAft>
+          </a:pPr>
+          <a:r>
+            <a:rPr lang="en-US" sz="800" b="1" kern="1200" dirty="0" smtClean="0"/>
+            <a:t>Sent</a:t>
+          </a:r>
+          <a:endParaRPr lang="en-US" sz="800" b="1" kern="1200" dirty="0"/>
+        </a:p>
+      </dsp:txBody>
+      <dsp:txXfrm>
+        <a:off x="1620692" y="798644"/>
+        <a:ext cx="836838" cy="255133"/>
+      </dsp:txXfrm>
+    </dsp:sp>
+    <dsp:sp modelId="{2CCCFC99-71B2-4144-9B5F-1B9107AA16AA}">
+      <dsp:nvSpPr>
+        <dsp:cNvPr id="0" name=""/>
+        <dsp:cNvSpPr/>
+      </dsp:nvSpPr>
+      <dsp:spPr>
+        <a:xfrm>
+          <a:off x="1620692" y="1117561"/>
+          <a:ext cx="836838" cy="255133"/>
+        </a:xfrm>
+        <a:prstGeom prst="rect">
+          <a:avLst/>
+        </a:prstGeom>
+        <a:gradFill rotWithShape="0">
+          <a:gsLst>
+            <a:gs pos="0">
+              <a:schemeClr val="accent2">
+                <a:hueOff val="0"/>
+                <a:satOff val="0"/>
+                <a:lumOff val="0"/>
+                <a:alphaOff val="0"/>
+                <a:shade val="85000"/>
+                <a:satMod val="130000"/>
+              </a:schemeClr>
+            </a:gs>
+            <a:gs pos="34000">
+              <a:schemeClr val="accent2">
+                <a:hueOff val="0"/>
+                <a:satOff val="0"/>
+                <a:lumOff val="0"/>
+                <a:alphaOff val="0"/>
+                <a:shade val="87000"/>
+                <a:satMod val="125000"/>
+              </a:schemeClr>
+            </a:gs>
+            <a:gs pos="70000">
+              <a:schemeClr val="accent2">
+                <a:hueOff val="0"/>
+                <a:satOff val="0"/>
+                <a:lumOff val="0"/>
+                <a:alphaOff val="0"/>
+                <a:tint val="100000"/>
+                <a:shade val="90000"/>
+                <a:satMod val="130000"/>
+              </a:schemeClr>
+            </a:gs>
+            <a:gs pos="100000">
+              <a:schemeClr val="accent2">
+                <a:hueOff val="0"/>
+                <a:satOff val="0"/>
+                <a:lumOff val="0"/>
+                <a:alphaOff val="0"/>
+                <a:tint val="100000"/>
+                <a:shade val="100000"/>
+                <a:satMod val="110000"/>
+              </a:schemeClr>
+            </a:gs>
+          </a:gsLst>
+          <a:path path="circle">
+            <a:fillToRect l="100000" t="100000" r="100000" b="100000"/>
+          </a:path>
+        </a:gradFill>
+        <a:ln>
+          <a:noFill/>
+        </a:ln>
+        <a:effectLst>
+          <a:outerShdw blurRad="38100" dist="25400" dir="2700000" algn="br" rotWithShape="0">
+            <a:srgbClr val="000000">
+              <a:alpha val="60000"/>
+            </a:srgbClr>
+          </a:outerShdw>
+        </a:effectLst>
+        <a:scene3d>
+          <a:camera prst="orthographicFront"/>
+          <a:lightRig rig="threePt" dir="t">
+            <a:rot lat="0" lon="0" rev="7500000"/>
+          </a:lightRig>
+        </a:scene3d>
+        <a:sp3d prstMaterial="plastic">
+          <a:bevelT w="127000" h="25400" prst="relaxedInset"/>
+        </a:sp3d>
+      </dsp:spPr>
+      <dsp:style>
+        <a:lnRef idx="0">
+          <a:scrgbClr r="0" g="0" b="0"/>
+        </a:lnRef>
+        <a:fillRef idx="3">
+          <a:scrgbClr r="0" g="0" b="0"/>
+        </a:fillRef>
+        <a:effectRef idx="2">
+          <a:scrgbClr r="0" g="0" b="0"/>
+        </a:effectRef>
+        <a:fontRef idx="minor">
+          <a:schemeClr val="lt1"/>
+        </a:fontRef>
+      </dsp:style>
+      <dsp:txBody>
+        <a:bodyPr spcFirstLastPara="0" vert="horz" wrap="square" lIns="5080" tIns="5080" rIns="5080" bIns="5080" numCol="1" spcCol="1270" anchor="ctr" anchorCtr="0">
+          <a:noAutofit/>
+        </a:bodyPr>
+        <a:lstStyle/>
+        <a:p>
+          <a:pPr lvl="0" algn="ctr" defTabSz="355600">
+            <a:lnSpc>
+              <a:spcPct val="90000"/>
+            </a:lnSpc>
+            <a:spcBef>
+              <a:spcPct val="0"/>
+            </a:spcBef>
+            <a:spcAft>
+              <a:spcPct val="35000"/>
+            </a:spcAft>
+          </a:pPr>
+          <a:r>
+            <a:rPr lang="en-US" sz="800" b="1" kern="1200" dirty="0" smtClean="0"/>
+            <a:t>Response Success</a:t>
+          </a:r>
+          <a:endParaRPr lang="en-US" sz="800" b="1" kern="1200" dirty="0"/>
+        </a:p>
+      </dsp:txBody>
+      <dsp:txXfrm>
+        <a:off x="1620692" y="1117561"/>
+        <a:ext cx="836838" cy="255133"/>
+      </dsp:txXfrm>
+    </dsp:sp>
+    <dsp:sp modelId="{7EB01731-D03F-4C88-8DF2-D6243ECEC4AE}">
+      <dsp:nvSpPr>
+        <dsp:cNvPr id="0" name=""/>
+        <dsp:cNvSpPr/>
+      </dsp:nvSpPr>
+      <dsp:spPr>
+        <a:xfrm>
+          <a:off x="1620692" y="1436478"/>
+          <a:ext cx="836838" cy="255133"/>
+        </a:xfrm>
+        <a:prstGeom prst="rect">
+          <a:avLst/>
+        </a:prstGeom>
+        <a:gradFill rotWithShape="0">
+          <a:gsLst>
+            <a:gs pos="0">
+              <a:schemeClr val="accent2">
+                <a:hueOff val="0"/>
+                <a:satOff val="0"/>
+                <a:lumOff val="0"/>
+                <a:alphaOff val="0"/>
+                <a:shade val="85000"/>
+                <a:satMod val="130000"/>
+              </a:schemeClr>
+            </a:gs>
+            <a:gs pos="34000">
+              <a:schemeClr val="accent2">
+                <a:hueOff val="0"/>
+                <a:satOff val="0"/>
+                <a:lumOff val="0"/>
+                <a:alphaOff val="0"/>
+                <a:shade val="87000"/>
+                <a:satMod val="125000"/>
+              </a:schemeClr>
+            </a:gs>
+            <a:gs pos="70000">
+              <a:schemeClr val="accent2">
+                <a:hueOff val="0"/>
+                <a:satOff val="0"/>
+                <a:lumOff val="0"/>
+                <a:alphaOff val="0"/>
+                <a:tint val="100000"/>
+                <a:shade val="90000"/>
+                <a:satMod val="130000"/>
+              </a:schemeClr>
+            </a:gs>
+            <a:gs pos="100000">
+              <a:schemeClr val="accent2">
+                <a:hueOff val="0"/>
+                <a:satOff val="0"/>
+                <a:lumOff val="0"/>
+                <a:alphaOff val="0"/>
+                <a:tint val="100000"/>
+                <a:shade val="100000"/>
+                <a:satMod val="110000"/>
+              </a:schemeClr>
+            </a:gs>
+          </a:gsLst>
+          <a:path path="circle">
+            <a:fillToRect l="100000" t="100000" r="100000" b="100000"/>
+          </a:path>
+        </a:gradFill>
+        <a:ln>
+          <a:noFill/>
+        </a:ln>
+        <a:effectLst>
+          <a:outerShdw blurRad="38100" dist="25400" dir="2700000" algn="br" rotWithShape="0">
+            <a:srgbClr val="000000">
+              <a:alpha val="60000"/>
+            </a:srgbClr>
+          </a:outerShdw>
+        </a:effectLst>
+        <a:scene3d>
+          <a:camera prst="orthographicFront"/>
+          <a:lightRig rig="threePt" dir="t">
+            <a:rot lat="0" lon="0" rev="7500000"/>
+          </a:lightRig>
+        </a:scene3d>
+        <a:sp3d prstMaterial="plastic">
+          <a:bevelT w="127000" h="25400" prst="relaxedInset"/>
+        </a:sp3d>
+      </dsp:spPr>
+      <dsp:style>
+        <a:lnRef idx="0">
+          <a:scrgbClr r="0" g="0" b="0"/>
+        </a:lnRef>
+        <a:fillRef idx="3">
+          <a:scrgbClr r="0" g="0" b="0"/>
+        </a:fillRef>
+        <a:effectRef idx="2">
+          <a:scrgbClr r="0" g="0" b="0"/>
+        </a:effectRef>
+        <a:fontRef idx="minor">
+          <a:schemeClr val="lt1"/>
+        </a:fontRef>
+      </dsp:style>
+      <dsp:txBody>
+        <a:bodyPr spcFirstLastPara="0" vert="horz" wrap="square" lIns="5080" tIns="5080" rIns="5080" bIns="5080" numCol="1" spcCol="1270" anchor="ctr" anchorCtr="0">
+          <a:noAutofit/>
+        </a:bodyPr>
+        <a:lstStyle/>
+        <a:p>
+          <a:pPr lvl="0" algn="ctr" defTabSz="355600">
+            <a:lnSpc>
+              <a:spcPct val="90000"/>
+            </a:lnSpc>
+            <a:spcBef>
+              <a:spcPct val="0"/>
+            </a:spcBef>
+            <a:spcAft>
+              <a:spcPct val="35000"/>
+            </a:spcAft>
+          </a:pPr>
+          <a:r>
+            <a:rPr lang="en-US" sz="800" b="1" kern="1200" dirty="0" smtClean="0"/>
+            <a:t>Response Failure</a:t>
+          </a:r>
+          <a:endParaRPr lang="en-US" sz="800" b="1" kern="1200" dirty="0"/>
+        </a:p>
+      </dsp:txBody>
+      <dsp:txXfrm>
+        <a:off x="1620692" y="1436478"/>
+        <a:ext cx="836838" cy="255133"/>
+      </dsp:txXfrm>
+    </dsp:sp>
+  </dsp:spTree>
+</dsp:drawing>
+</file>
+
+<file path=ppt/diagrams/layout1.xml><?xml version="1.0" encoding="utf-8"?>
+<dgm:layoutDef xmlns:dgm="http://schemas.openxmlformats.org/drawingml/2006/diagram" xmlns:a="http://schemas.openxmlformats.org/drawingml/2006/main" uniqueId="urn:microsoft.com/office/officeart/2008/layout/HorizontalMultiLevelHierarchy">
+  <dgm:title val=""/>
+  <dgm:desc val=""/>
+  <dgm:catLst>
+    <dgm:cat type="hierarchy" pri="4600"/>
+  </dgm:catLst>
+  <dgm:sampData>
+    <dgm:dataModel>
+      <dgm:ptLst>
+        <dgm:pt modelId="0" type="doc"/>
+        <dgm:pt modelId="1">
+          <dgm:prSet phldr="1"/>
+        </dgm:pt>
+        <dgm:pt modelId="11">
+          <dgm:prSet phldr="1"/>
+        </dgm:pt>
+        <dgm:pt modelId="12">
+          <dgm:prSet phldr="1"/>
+        </dgm:pt>
+        <dgm:pt modelId="13">
+          <dgm:prSet phldr="1"/>
+        </dgm:pt>
+      </dgm:ptLst>
+      <dgm:cxnLst>
+        <dgm:cxn modelId="2" srcId="0" destId="1" srcOrd="0" destOrd="0"/>
+        <dgm:cxn modelId="3" srcId="1" destId="11" srcOrd="0" destOrd="0"/>
+        <dgm:cxn modelId="4" srcId="1" destId="12" srcOrd="1" destOrd="0"/>
+        <dgm:cxn modelId="5" srcId="1" destId="13" srcOrd="2" destOrd="0"/>
+      </dgm:cxnLst>
+      <dgm:bg/>
+      <dgm:whole/>
+    </dgm:dataModel>
+  </dgm:sampData>
+  <dgm:styleData>
+    <dgm:dataModel>
+      <dgm:ptLst>
+        <dgm:pt modelId="0" type="doc"/>
+        <dgm:pt modelId="1">
+          <dgm:prSet phldr="1"/>
+        </dgm:pt>
+        <dgm:pt modelId="11">
+          <dgm:prSet phldr="1"/>
+        </dgm:pt>
+        <dgm:pt modelId="12">
+          <dgm:prSet phldr="1"/>
+        </dgm:pt>
+      </dgm:ptLst>
+      <dgm:cxnLst>
+        <dgm:cxn modelId="2" srcId="0" destId="1" srcOrd="0" destOrd="0"/>
+        <dgm:cxn modelId="3" srcId="1" destId="11" srcOrd="0" destOrd="0"/>
+        <dgm:cxn modelId="4" srcId="1" destId="12" srcOrd="1" destOrd="0"/>
+      </dgm:cxnLst>
+      <dgm:bg/>
+      <dgm:whole/>
+    </dgm:dataModel>
+  </dgm:styleData>
+  <dgm:clrData>
+    <dgm:dataModel>
+      <dgm:ptLst>
+        <dgm:pt modelId="0" type="doc"/>
+        <dgm:pt modelId="1">
+          <dgm:prSet phldr="1"/>
+        </dgm:pt>
+        <dgm:pt modelId="11">
+          <dgm:prSet phldr="1"/>
+        </dgm:pt>
+        <dgm:pt modelId="12">
+          <dgm:prSet phldr="1"/>
+        </dgm:pt>
+        <dgm:pt modelId="13">
+          <dgm:prSet phldr="1"/>
+        </dgm:pt>
+      </dgm:ptLst>
+      <dgm:cxnLst>
+        <dgm:cxn modelId="2" srcId="0" destId="1" srcOrd="0" destOrd="0"/>
+        <dgm:cxn modelId="3" srcId="1" destId="11" srcOrd="0" destOrd="0"/>
+        <dgm:cxn modelId="4" srcId="1" destId="12" srcOrd="1" destOrd="0"/>
+        <dgm:cxn modelId="5" srcId="1" destId="13" srcOrd="2" destOrd="0"/>
+      </dgm:cxnLst>
+      <dgm:bg/>
+      <dgm:whole/>
+    </dgm:dataModel>
+  </dgm:clrData>
+  <dgm:layoutNode name="Name0">
+    <dgm:varLst>
+      <dgm:chPref val="1"/>
+      <dgm:dir/>
+      <dgm:animOne val="branch"/>
+      <dgm:animLvl val="lvl"/>
+      <dgm:resizeHandles val="exact"/>
+    </dgm:varLst>
+    <dgm:choose name="Name1">
+      <dgm:if name="Name2" func="var" arg="dir" op="equ" val="norm">
+        <dgm:alg type="hierChild">
+          <dgm:param type="linDir" val="fromT"/>
+          <dgm:param type="chAlign" val="l"/>
+        </dgm:alg>
+      </dgm:if>
+      <dgm:else name="Name3">
+        <dgm:alg type="hierChild">
+          <dgm:param type="linDir" val="fromT"/>
+          <dgm:param type="chAlign" val="r"/>
+        </dgm:alg>
+      </dgm:else>
+    </dgm:choose>
+    <dgm:shape xmlns:r="http://schemas.openxmlformats.org/officeDocument/2006/relationships" r:blip="">
+      <dgm:adjLst/>
+    </dgm:shape>
+    <dgm:presOf/>
+    <dgm:constrLst>
+      <dgm:constr type="h" for="des" forName="LevelOneTextNode" refType="h"/>
+      <dgm:constr type="w" for="des" forName="LevelOneTextNode" refType="h" refFor="des" refForName="LevelOneTextNode" fact="0.19"/>
+      <dgm:constr type="h" for="des" forName="LevelTwoTextNode" refType="w" refFor="des" refForName="LevelOneTextNode"/>
+      <dgm:constr type="w" for="des" forName="LevelTwoTextNode" refType="h" refFor="des" refForName="LevelTwoTextNode" fact="3.28"/>
+      <dgm:constr type="sibSp" refType="h" refFor="des" refForName="LevelTwoTextNode" op="equ" fact="0.25"/>
+      <dgm:constr type="sibSp" for="des" forName="level2hierChild" refType="h" refFor="des" refForName="LevelTwoTextNode" op="equ" fact="0.25"/>
+      <dgm:constr type="sibSp" for="des" forName="level3hierChild" refType="h" refFor="des" refForName="LevelTwoTextNode" op="equ" fact="0.25"/>
+      <dgm:constr type="sp" for="des" forName="root1" refType="w" refFor="des" refForName="LevelTwoTextNode" fact="0.2"/>
+      <dgm:constr type="sp" for="des" forName="root2" refType="sp" refFor="des" refForName="root1" op="equ"/>
+      <dgm:constr type="primFontSz" for="des" forName="LevelOneTextNode" op="equ" val="65"/>
+      <dgm:constr type="primFontSz" for="des" forName="LevelTwoTextNode" op="equ" val="65"/>
+      <dgm:constr type="primFontSz" for="des" forName="LevelTwoTextNode" refType="primFontSz" refFor="des" refForName="LevelOneTextNode" op="lte"/>
+      <dgm:constr type="primFontSz" for="des" forName="connTx" op="equ" val="50"/>
+      <dgm:constr type="primFontSz" for="des" forName="connTx" refType="primFontSz" refFor="des" refForName="LevelOneTextNode" op="lte" fact="0.78"/>
+    </dgm:constrLst>
+    <dgm:forEach name="Name4" axis="ch">
+      <dgm:forEach name="Name5" axis="self" ptType="node">
+        <dgm:layoutNode name="root1">
+          <dgm:choose name="Name6">
+            <dgm:if name="Name7" func="var" arg="dir" op="equ" val="norm">
+              <dgm:alg type="hierRoot">
+                <dgm:param type="hierAlign" val="lCtrCh"/>
+              </dgm:alg>
+            </dgm:if>
+            <dgm:else name="Name8">
+              <dgm:alg type="hierRoot">
+                <dgm:param type="hierAlign" val="rCtrCh"/>
+              </dgm:alg>
+            </dgm:else>
+          </dgm:choose>
+          <dgm:shape xmlns:r="http://schemas.openxmlformats.org/officeDocument/2006/relationships" r:blip="">
+            <dgm:adjLst/>
+          </dgm:shape>
+          <dgm:presOf/>
+          <dgm:layoutNode name="LevelOneTextNode" styleLbl="node0">
+            <dgm:varLst>
+              <dgm:chPref val="3"/>
+            </dgm:varLst>
+            <dgm:alg type="tx">
+              <dgm:param type="autoTxRot" val="grav"/>
+            </dgm:alg>
+            <dgm:choose name="Name9">
+              <dgm:if name="Name10" func="var" arg="dir" op="equ" val="norm">
+                <dgm:shape xmlns:r="http://schemas.openxmlformats.org/officeDocument/2006/relationships" rot="270" type="rect" r:blip="">
+                  <dgm:adjLst/>
+                </dgm:shape>
+              </dgm:if>
+              <dgm:else name="Name11">
+                <dgm:shape xmlns:r="http://schemas.openxmlformats.org/officeDocument/2006/relationships" rot="90" type="rect" r:blip="">
+                  <dgm:adjLst/>
+                </dgm:shape>
+              </dgm:else>
+            </dgm:choose>
+            <dgm:presOf axis="self"/>
+            <dgm:constrLst>
+              <dgm:constr type="tMarg" refType="primFontSz" fact="0.05"/>
+              <dgm:constr type="bMarg" refType="primFontSz" fact="0.05"/>
+              <dgm:constr type="lMarg" refType="primFontSz" fact="0.05"/>
+              <dgm:constr type="rMarg" refType="primFontSz" fact="0.05"/>
+            </dgm:constrLst>
+            <dgm:ruleLst>
+              <dgm:rule type="primFontSz" val="2" fact="NaN" max="NaN"/>
+            </dgm:ruleLst>
+          </dgm:layoutNode>
+          <dgm:layoutNode name="level2hierChild">
+            <dgm:choose name="Name12">
+              <dgm:if name="Name13" func="var" arg="dir" op="equ" val="norm">
+                <dgm:alg type="hierChild">
+                  <dgm:param type="linDir" val="fromT"/>
+                  <dgm:param type="chAlign" val="l"/>
+                </dgm:alg>
+              </dgm:if>
+              <dgm:else name="Name14">
+                <dgm:alg type="hierChild">
+                  <dgm:param type="linDir" val="fromT"/>
+                  <dgm:param type="chAlign" val="r"/>
+                </dgm:alg>
+              </dgm:else>
+            </dgm:choose>
+            <dgm:shape xmlns:r="http://schemas.openxmlformats.org/officeDocument/2006/relationships" r:blip="">
+              <dgm:adjLst/>
+            </dgm:shape>
+            <dgm:presOf/>
+            <dgm:forEach name="repeat" axis="ch">
+              <dgm:forEach name="Name15" axis="self" ptType="parTrans" cnt="1">
+                <dgm:layoutNode name="conn2-1">
+                  <dgm:choose name="Name16">
+                    <dgm:if name="Name17" func="var" arg="dir" op="equ" val="norm">
+                      <dgm:alg type="conn">
+                        <dgm:param type="dim" val="1D"/>
+                        <dgm:param type="begPts" val="midR"/>
+                        <dgm:param type="endPts" val="midL"/>
+                        <dgm:param type="endSty" val="noArr"/>
+                        <dgm:param type="connRout" val="bend"/>
+                      </dgm:alg>
+                    </dgm:if>
+                    <dgm:else name="Name18">
+                      <dgm:alg type="conn">
+                        <dgm:param type="dim" val="1D"/>
+                        <dgm:param type="begPts" val="midL"/>
+                        <dgm:param type="endPts" val="midR"/>
+                        <dgm:param type="endSty" val="noArr"/>
+                        <dgm:param type="connRout" val="bend"/>
+                      </dgm:alg>
+                    </dgm:else>
+                  </dgm:choose>
+                  <dgm:shape xmlns:r="http://schemas.openxmlformats.org/officeDocument/2006/relationships" type="conn" r:blip="" zOrderOff="-99999">
+                    <dgm:adjLst/>
+                  </dgm:shape>
+                  <dgm:presOf axis="self"/>
+                  <dgm:constrLst>
+                    <dgm:constr type="w" val="1"/>
+                    <dgm:constr type="h" val="5"/>
+                    <dgm:constr type="connDist"/>
+                    <dgm:constr type="begPad"/>
+                    <dgm:constr type="endPad"/>
+                    <dgm:constr type="userA" for="ch" refType="connDist"/>
+                  </dgm:constrLst>
+                  <dgm:layoutNode name="connTx">
+                    <dgm:alg type="tx">
+                      <dgm:param type="autoTxRot" val="grav"/>
+                    </dgm:alg>
+                    <dgm:shape xmlns:r="http://schemas.openxmlformats.org/officeDocument/2006/relationships" type="rect" r:blip="" hideGeom="1">
+                      <dgm:adjLst/>
+                    </dgm:shape>
+                    <dgm:presOf axis="self"/>
+                    <dgm:constrLst>
+                      <dgm:constr type="userA"/>
+                      <dgm:constr type="w" refType="userA" fact="0.05"/>
+                      <dgm:constr type="h" refType="userA" fact="0.05"/>
+                      <dgm:constr type="lMarg" val="1"/>
+                      <dgm:constr type="rMarg" val="1"/>
+                      <dgm:constr type="tMarg"/>
+                      <dgm:constr type="bMarg"/>
+                    </dgm:constrLst>
+                    <dgm:ruleLst>
+                      <dgm:rule type="h" val="NaN" fact="0.25" max="NaN"/>
+                      <dgm:rule type="w" val="NaN" fact="0.8" max="NaN"/>
+                      <dgm:rule type="primFontSz" val="5" fact="NaN" max="NaN"/>
+                    </dgm:ruleLst>
+                  </dgm:layoutNode>
+                </dgm:layoutNode>
+              </dgm:forEach>
+              <dgm:forEach name="Name19" axis="self" ptType="node">
+                <dgm:layoutNode name="root2">
+                  <dgm:choose name="Name20">
+                    <dgm:if name="Name21" func="var" arg="dir" op="equ" val="norm">
+                      <dgm:alg type="hierRoot">
+                        <dgm:param type="hierAlign" val="lCtrCh"/>
+                      </dgm:alg>
+                    </dgm:if>
+                    <dgm:else name="Name22">
+                      <dgm:alg type="hierRoot">
+                        <dgm:param type="hierAlign" val="rCtrCh"/>
+                      </dgm:alg>
+                    </dgm:else>
+                  </dgm:choose>
+                  <dgm:shape xmlns:r="http://schemas.openxmlformats.org/officeDocument/2006/relationships" r:blip="">
+                    <dgm:adjLst/>
+                  </dgm:shape>
+                  <dgm:presOf/>
+                  <dgm:layoutNode name="LevelTwoTextNode">
+                    <dgm:varLst>
+                      <dgm:chPref val="3"/>
+                    </dgm:varLst>
+                    <dgm:alg type="tx"/>
+                    <dgm:shape xmlns:r="http://schemas.openxmlformats.org/officeDocument/2006/relationships" type="rect" r:blip="">
+                      <dgm:adjLst/>
+                    </dgm:shape>
+                    <dgm:presOf axis="self"/>
+                    <dgm:constrLst>
+                      <dgm:constr type="tMarg" refType="primFontSz" fact="0.05"/>
+                      <dgm:constr type="bMarg" refType="primFontSz" fact="0.05"/>
+                      <dgm:constr type="lMarg" refType="primFontSz" fact="0.05"/>
+                      <dgm:constr type="rMarg" refType="primFontSz" fact="0.05"/>
+                    </dgm:constrLst>
+                    <dgm:ruleLst>
+                      <dgm:rule type="primFontSz" val="2" fact="NaN" max="NaN"/>
+                    </dgm:ruleLst>
+                  </dgm:layoutNode>
+                  <dgm:layoutNode name="level3hierChild">
+                    <dgm:choose name="Name23">
+                      <dgm:if name="Name24" func="var" arg="dir" op="equ" val="norm">
+                        <dgm:alg type="hierChild">
+                          <dgm:param type="linDir" val="fromT"/>
+                          <dgm:param type="chAlign" val="l"/>
+                        </dgm:alg>
+                      </dgm:if>
+                      <dgm:else name="Name25">
+                        <dgm:alg type="hierChild">
+                          <dgm:param type="linDir" val="fromT"/>
+                          <dgm:param type="chAlign" val="r"/>
+                        </dgm:alg>
+                      </dgm:else>
+                    </dgm:choose>
+                    <dgm:shape xmlns:r="http://schemas.openxmlformats.org/officeDocument/2006/relationships" r:blip="">
+                      <dgm:adjLst/>
+                    </dgm:shape>
+                    <dgm:presOf/>
+                    <dgm:forEach name="Name26" ref="repeat"/>
+                  </dgm:layoutNode>
+                </dgm:layoutNode>
+              </dgm:forEach>
+            </dgm:forEach>
+          </dgm:layoutNode>
+        </dgm:layoutNode>
+      </dgm:forEach>
+    </dgm:forEach>
+  </dgm:layoutNode>
+</dgm:layoutDef>
+</file>
+
+<file path=ppt/diagrams/quickStyle1.xml><?xml version="1.0" encoding="utf-8"?>
+<dgm:styleDef xmlns:dgm="http://schemas.openxmlformats.org/drawingml/2006/diagram" xmlns:a="http://schemas.openxmlformats.org/drawingml/2006/main" uniqueId="urn:microsoft.com/office/officeart/2005/8/quickstyle/3d2">
+  <dgm:title val=""/>
+  <dgm:desc val=""/>
+  <dgm:catLst>
+    <dgm:cat type="3D" pri="11200"/>
+  </dgm:catLst>
+  <dgm:scene3d>
+    <a:camera prst="orthographicFront"/>
+    <a:lightRig rig="threePt" dir="t"/>
+  </dgm:scene3d>
+  <dgm:styleLbl name="node0">
+    <dgm:scene3d>
+      <a:camera prst="orthographicFront"/>
+      <a:lightRig rig="threePt" dir="t">
+        <a:rot lat="0" lon="0" rev="7500000"/>
+      </a:lightRig>
+    </dgm:scene3d>
+    <dgm:sp3d prstMaterial="plastic">
+      <a:bevelT w="127000" h="25400" prst="relaxedInset"/>
+    </dgm:sp3d>
+    <dgm:txPr/>
+    <dgm:style>
+      <a:lnRef idx="0">
+        <a:scrgbClr r="0" g="0" b="0"/>
+      </a:lnRef>
+      <a:fillRef idx="3">
+        <a:scrgbClr r="0" g="0" b="0"/>
+      </a:fillRef>
+      <a:effectRef idx="2">
+        <a:scrgbClr r="0" g="0" b="0"/>
+      </a:effectRef>
+      <a:fontRef idx="minor">
+        <a:schemeClr val="lt1"/>
+      </a:fontRef>
+    </dgm:style>
+  </dgm:styleLbl>
+  <dgm:styleLbl name="lnNode1">
+    <dgm:scene3d>
+      <a:camera prst="orthographicFront"/>
+      <a:lightRig rig="threePt" dir="t">
+        <a:rot lat="0" lon="0" rev="7500000"/>
+      </a:lightRig>
+    </dgm:scene3d>
+    <dgm:sp3d prstMaterial="plastic">
+      <a:bevelT w="127000" h="25400" prst="relaxedInset"/>
+    </dgm:sp3d>
+    <dgm:txPr/>
+    <dgm:style>
+      <a:lnRef idx="1">
+        <a:scrgbClr r="0" g="0" b="0"/>
+      </a:lnRef>
+      <a:fillRef idx="3">
+        <a:scrgbClr r="0" g="0" b="0"/>
+      </a:fillRef>
+      <a:effectRef idx="2">
+        <a:scrgbClr r="0" g="0" b="0"/>
+      </a:effectRef>
+      <a:fontRef idx="minor">
+        <a:schemeClr val="lt1"/>
+      </a:fontRef>
+    </dgm:style>
+  </dgm:styleLbl>
+  <dgm:styleLbl name="vennNode1">
+    <dgm:scene3d>
+      <a:camera prst="orthographicFront"/>
+      <a:lightRig rig="threePt" dir="t">
+        <a:rot lat="0" lon="0" rev="7500000"/>
+      </a:lightRig>
+    </dgm:scene3d>
+    <dgm:sp3d prstMaterial="plastic">
+      <a:bevelT w="127000" h="25400" prst="relaxedInset"/>
+    </dgm:sp3d>
+    <dgm:txPr/>
+    <dgm:style>
+      <a:lnRef idx="0">
+        <a:scrgbClr r="0" g="0" b="0"/>
+      </a:lnRef>
+      <a:fillRef idx="3">
+        <a:scrgbClr r="0" g="0" b="0"/>
+      </a:fillRef>
+      <a:effectRef idx="2">
+        <a:scrgbClr r="0" g="0" b="0"/>
+      </a:effectRef>
+      <a:fontRef idx="minor">
+        <a:schemeClr val="tx1"/>
+      </a:fontRef>
+    </dgm:style>
+  </dgm:styleLbl>
+  <dgm:styleLbl name="alingNode1">
+    <dgm:scene3d>
+      <a:camera prst="orthographicFront"/>
+      <a:lightRig rig="threePt" dir="t">
+        <a:rot lat="0" lon="0" rev="7500000"/>
+      </a:lightRig>
+    </dgm:scene3d>
+    <dgm:sp3d prstMaterial="plastic">
+      <a:bevelT w="127000" h="25400" prst="relaxedInset"/>
+    </dgm:sp3d>
+    <dgm:txPr/>
+    <dgm:style>
+      <a:lnRef idx="0">
+        <a:scrgbClr r="0" g="0" b="0"/>
+      </a:lnRef>
+      <a:fillRef idx="3">
+        <a:scrgbClr r="0" g="0" b="0"/>
+      </a:fillRef>
+      <a:effectRef idx="2">
+        <a:scrgbClr r="0" g="0" b="0"/>
+      </a:effectRef>
+      <a:fontRef idx="minor">
+        <a:schemeClr val="lt1"/>
+      </a:fontRef>
+    </dgm:style>
+  </dgm:styleLbl>
+  <dgm:styleLbl name="node1">
+    <dgm:scene3d>
+      <a:camera prst="orthographicFront"/>
+      <a:lightRig rig="threePt" dir="t">
+        <a:rot lat="0" lon="0" rev="7500000"/>
+      </a:lightRig>
+    </dgm:scene3d>
+    <dgm:sp3d prstMaterial="plastic">
+      <a:bevelT w="127000" h="25400" prst="relaxedInset"/>
+    </dgm:sp3d>
+    <dgm:txPr/>
+    <dgm:style>
+      <a:lnRef idx="0">
+        <a:scrgbClr r="0" g="0" b="0"/>
+      </a:lnRef>
+      <a:fillRef idx="3">
+        <a:scrgbClr r="0" g="0" b="0"/>
+      </a:fillRef>
+      <a:effectRef idx="2">
+        <a:scrgbClr r="0" g="0" b="0"/>
+      </a:effectRef>
+      <a:fontRef idx="minor">
+        <a:schemeClr val="lt1"/>
+      </a:fontRef>
+    </dgm:style>
+  </dgm:styleLbl>
+  <dgm:styleLbl name="node2">
+    <dgm:scene3d>
+      <a:camera prst="orthographicFront"/>
+      <a:lightRig rig="threePt" dir="t">
+        <a:rot lat="0" lon="0" rev="7500000"/>
+      </a:lightRig>
+    </dgm:scene3d>
+    <dgm:sp3d prstMaterial="plastic">
+      <a:bevelT w="127000" h="25400" prst="relaxedInset"/>
+    </dgm:sp3d>
+    <dgm:txPr/>
+    <dgm:style>
+      <a:lnRef idx="0">
+        <a:scrgbClr r="0" g="0" b="0"/>
+      </a:lnRef>
+      <a:fillRef idx="3">
+        <a:scrgbClr r="0" g="0" b="0"/>
+      </a:fillRef>
+      <a:effectRef idx="2">
+        <a:scrgbClr r="0" g="0" b="0"/>
+      </a:effectRef>
+      <a:fontRef idx="minor">
+        <a:schemeClr val="lt1"/>
+      </a:fontRef>
+    </dgm:style>
+  </dgm:styleLbl>
+  <dgm:styleLbl name="node3">
+    <dgm:scene3d>
+      <a:camera prst="orthographicFront"/>
+      <a:lightRig rig="threePt" dir="t">
+        <a:rot lat="0" lon="0" rev="7500000"/>
+      </a:lightRig>
+    </dgm:scene3d>
+    <dgm:sp3d prstMaterial="plastic">
+      <a:bevelT w="127000" h="25400" prst="relaxedInset"/>
+    </dgm:sp3d>
+    <dgm:txPr/>
+    <dgm:style>
+      <a:lnRef idx="0">
+        <a:scrgbClr r="0" g="0" b="0"/>
+      </a:lnRef>
+      <a:fillRef idx="3">
+        <a:scrgbClr r="0" g="0" b="0"/>
+      </a:fillRef>
+      <a:effectRef idx="2">
+        <a:scrgbClr r="0" g="0" b="0"/>
+      </a:effectRef>
+      <a:fontRef idx="minor">
+        <a:schemeClr val="lt1"/>
+      </a:fontRef>
+    </dgm:style>
+  </dgm:styleLbl>
+  <dgm:styleLbl name="node4">
+    <dgm:scene3d>
+      <a:camera prst="orthographicFront"/>
+      <a:lightRig rig="threePt" dir="t">
+        <a:rot lat="0" lon="0" rev="7500000"/>
+      </a:lightRig>
+    </dgm:scene3d>
+    <dgm:sp3d prstMaterial="plastic">
+      <a:bevelT w="127000" h="25400" prst="relaxedInset"/>
+    </dgm:sp3d>
+    <dgm:txPr/>
+    <dgm:style>
+      <a:lnRef idx="0">
+        <a:scrgbClr r="0" g="0" b="0"/>
+      </a:lnRef>
+      <a:fillRef idx="3">
+        <a:scrgbClr r="0" g="0" b="0"/>
+      </a:fillRef>
+      <a:effectRef idx="2">
+        <a:scrgbClr r="0" g="0" b="0"/>
+      </a:effectRef>
+      <a:fontRef idx="minor">
+        <a:schemeClr val="lt1"/>
+      </a:fontRef>
+    </dgm:style>
+  </dgm:styleLbl>
+  <dgm:styleLbl name="fgImgPlace1">
+    <dgm:scene3d>
+      <a:camera prst="orthographicFront"/>
+      <a:lightRig rig="threePt" dir="t">
+        <a:rot lat="0" lon="0" rev="7500000"/>
+      </a:lightRig>
+    </dgm:scene3d>
+    <dgm:sp3d z="152400" extrusionH="63500" prstMaterial="matte">
+      <a:bevelT w="50800" h="19050" prst="relaxedInset"/>
+      <a:contourClr>
+        <a:schemeClr val="bg1"/>
+      </a:contourClr>
+    </dgm:sp3d>
+    <dgm:txPr/>
+    <dgm:style>
+      <a:lnRef idx="0">
+        <a:scrgbClr r="0" g="0" b="0"/>
+      </a:lnRef>
+      <a:fillRef idx="1">
+        <a:scrgbClr r="0" g="0" b="0"/>
+      </a:fillRef>
+      <a:effectRef idx="0">
+        <a:scrgbClr r="0" g="0" b="0"/>
+      </a:effectRef>
+      <a:fontRef idx="minor"/>
+    </dgm:style>
+  </dgm:styleLbl>
+  <dgm:styleLbl name="alignImgPlace1">
+    <dgm:scene3d>
+      <a:camera prst="orthographicFront"/>
+      <a:lightRig rig="threePt" dir="t">
+        <a:rot lat="0" lon="0" rev="7500000"/>
+      </a:lightRig>
+    </dgm:scene3d>
+    <dgm:sp3d z="254000" extrusionH="63500" contourW="12700" prstMaterial="matte">
+      <a:contourClr>
+        <a:schemeClr val="lt1"/>
+      </a:contourClr>
+    </dgm:sp3d>
+    <dgm:txPr/>
+    <dgm:style>
+      <a:lnRef idx="0">
+        <a:scrgbClr r="0" g="0" b="0"/>
+      </a:lnRef>
+      <a:fillRef idx="1">
+        <a:scrgbClr r="0" g="0" b="0"/>
+      </a:fillRef>
+      <a:effectRef idx="0">
+        <a:scrgbClr r="0" g="0" b="0"/>
+      </a:effectRef>
+      <a:fontRef idx="minor"/>
+    </dgm:style>
+  </dgm:styleLbl>
+  <dgm:styleLbl name="bgImgPlace1">
+    <dgm:scene3d>
+      <a:camera prst="orthographicFront"/>
+      <a:lightRig rig="threePt" dir="t">
+        <a:rot lat="0" lon="0" rev="7500000"/>
+      </a:lightRig>
+    </dgm:scene3d>
+    <dgm:sp3d z="-152400" extrusionH="63500" contourW="12700" prstMaterial="matte">
+      <a:contourClr>
+        <a:schemeClr val="lt1"/>
+      </a:contourClr>
+    </dgm:sp3d>
+    <dgm:txPr/>
+    <dgm:style>
+      <a:lnRef idx="0">
+        <a:scrgbClr r="0" g="0" b="0"/>
+      </a:lnRef>
+      <a:fillRef idx="1">
+        <a:scrgbClr r="0" g="0" b="0"/>
+      </a:fillRef>
+      <a:effectRef idx="0">
+        <a:scrgbClr r="0" g="0" b="0"/>
+      </a:effectRef>
+      <a:fontRef idx="minor"/>
+    </dgm:style>
+  </dgm:styleLbl>
+  <dgm:styleLbl name="sibTrans2D1">
+    <dgm:scene3d>
+      <a:camera prst="orthographicFront"/>
+      <a:lightRig rig="threePt" dir="t">
+        <a:rot lat="0" lon="0" rev="7500000"/>
+      </a:lightRig>
+    </dgm:scene3d>
+    <dgm:sp3d z="-70000" extrusionH="63500" prstMaterial="matte">
+      <a:bevelT w="25400" h="6350" prst="relaxedInset"/>
+      <a:contourClr>
+        <a:schemeClr val="bg1"/>
+      </a:contourClr>
+    </dgm:sp3d>
+    <dgm:txPr/>
+    <dgm:style>
+      <a:lnRef idx="0">
+        <a:scrgbClr r="0" g="0" b="0"/>
+      </a:lnRef>
+      <a:fillRef idx="1">
+        <a:scrgbClr r="0" g="0" b="0"/>
+      </a:fillRef>
+      <a:effectRef idx="2">
+        <a:scrgbClr r="0" g="0" b="0"/>
+      </a:effectRef>
+      <a:fontRef idx="minor">
+        <a:schemeClr val="lt1"/>
+      </a:fontRef>
+    </dgm:style>
+  </dgm:styleLbl>
+  <dgm:styleLbl name="fgSibTrans2D1">
+    <dgm:scene3d>
+      <a:camera prst="orthographicFront"/>
+      <a:lightRig rig="threePt" dir="t">
+        <a:rot lat="0" lon="0" rev="7500000"/>
+      </a:lightRig>
+    </dgm:scene3d>
+    <dgm:sp3d z="152400" extrusionH="63500" prstMaterial="matte">
+      <a:bevelT w="25400" h="6350" prst="relaxedInset"/>
+      <a:contourClr>
+        <a:schemeClr val="bg1"/>
+      </a:contourClr>
+    </dgm:sp3d>
+    <dgm:txPr/>
+    <dgm:style>
+      <a:lnRef idx="0">
+        <a:scrgbClr r="0" g="0" b="0"/>
+      </a:lnRef>
+      <a:fillRef idx="1">
+        <a:scrgbClr r="0" g="0" b="0"/>
+      </a:fillRef>
+      <a:effectRef idx="2">
+        <a:scrgbClr r="0" g="0" b="0"/>
+      </a:effectRef>
+      <a:fontRef idx="minor">
+        <a:schemeClr val="lt1"/>
+      </a:fontRef>
+    </dgm:style>
+  </dgm:styleLbl>
+  <dgm:styleLbl name="bgSibTrans2D1">
+    <dgm:scene3d>
+      <a:camera prst="orthographicFront"/>
+      <a:lightRig rig="threePt" dir="t">
+        <a:rot lat="0" lon="0" rev="7500000"/>
+      </a:lightRig>
+    </dgm:scene3d>
+    <dgm:sp3d z="-152400" extrusionH="63500" prstMaterial="matte">
+      <a:bevelT w="25400" h="6350" prst="relaxedInset"/>
+      <a:contourClr>
+        <a:schemeClr val="bg1"/>
+      </a:contourClr>
+    </dgm:sp3d>
+    <dgm:txPr/>
+    <dgm:style>
+      <a:lnRef idx="0">
+        <a:scrgbClr r="0" g="0" b="0"/>
+      </a:lnRef>
+      <a:fillRef idx="1">
+        <a:scrgbClr r="0" g="0" b="0"/>
+      </a:fillRef>
+      <a:effectRef idx="2">
+        <a:scrgbClr r="0" g="0" b="0"/>
+      </a:effectRef>
+      <a:fontRef idx="minor">
+        <a:schemeClr val="lt1"/>
+      </a:fontRef>
+    </dgm:style>
+  </dgm:styleLbl>
+  <dgm:styleLbl name="sibTrans1D1">
+    <dgm:scene3d>
+      <a:camera prst="orthographicFront"/>
+      <a:lightRig rig="threePt" dir="t">
+        <a:rot lat="0" lon="0" rev="7500000"/>
+      </a:lightRig>
+    </dgm:scene3d>
+    <dgm:sp3d z="-40000" prstMaterial="matte"/>
+    <dgm:txPr/>
+    <dgm:style>
+      <a:lnRef idx="1">
+        <a:scrgbClr r="0" g="0" b="0"/>
+      </a:lnRef>
+      <a:fillRef idx="0">
+        <a:scrgbClr r="0" g="0" b="0"/>
+      </a:fillRef>
+      <a:effectRef idx="0">
+        <a:scrgbClr r="0" g="0" b="0"/>
+      </a:effectRef>
+      <a:fontRef idx="minor"/>
+    </dgm:style>
+  </dgm:styleLbl>
+  <dgm:styleLbl name="callout">
+    <dgm:scene3d>
+      <a:camera prst="orthographicFront"/>
+      <a:lightRig rig="threePt" dir="t">
+        <a:rot lat="0" lon="0" rev="7500000"/>
+      </a:lightRig>
+    </dgm:scene3d>
+    <dgm:sp3d z="127000" prstMaterial="matte"/>
+    <dgm:txPr/>
+    <dgm:style>
+      <a:lnRef idx="2">
+        <a:scrgbClr r="0" g="0" b="0"/>
+      </a:lnRef>
+      <a:fillRef idx="1">
+        <a:scrgbClr r="0" g="0" b="0"/>
+      </a:fillRef>
+      <a:effectRef idx="0">
+        <a:scrgbClr r="0" g="0" b="0"/>
+      </a:effectRef>
+      <a:fontRef idx="minor"/>
+    </dgm:style>
+  </dgm:styleLbl>
+  <dgm:styleLbl name="asst0">
+    <dgm:scene3d>
+      <a:camera prst="orthographicFront"/>
+      <a:lightRig rig="threePt" dir="t">
+        <a:rot lat="0" lon="0" rev="7500000"/>
+      </a:lightRig>
+    </dgm:scene3d>
+    <dgm:sp3d prstMaterial="plastic">
+      <a:bevelT w="127000" h="25400" prst="relaxedInset"/>
+    </dgm:sp3d>
+    <dgm:txPr/>
+    <dgm:style>
+      <a:lnRef idx="0">
+        <a:scrgbClr r="0" g="0" b="0"/>
+      </a:lnRef>
+      <a:fillRef idx="3">
+        <a:scrgbClr r="0" g="0" b="0"/>
+      </a:fillRef>
+      <a:effectRef idx="2">
+        <a:scrgbClr r="0" g="0" b="0"/>
+      </a:effectRef>
+      <a:fontRef idx="minor">
+        <a:schemeClr val="lt1"/>
+      </a:fontRef>
+    </dgm:style>
+  </dgm:styleLbl>
+  <dgm:styleLbl name="asst1">
+    <dgm:scene3d>
+      <a:camera prst="orthographicFront"/>
+      <a:lightRig rig="threePt" dir="t">
+        <a:rot lat="0" lon="0" rev="7500000"/>
+      </a:lightRig>
+    </dgm:scene3d>
+    <dgm:sp3d prstMaterial="plastic">
+      <a:bevelT w="127000" h="25400" prst="relaxedInset"/>
+    </dgm:sp3d>
+    <dgm:txPr/>
+    <dgm:style>
+      <a:lnRef idx="0">
+        <a:scrgbClr r="0" g="0" b="0"/>
+      </a:lnRef>
+      <a:fillRef idx="3">
+        <a:scrgbClr r="0" g="0" b="0"/>
+      </a:fillRef>
+      <a:effectRef idx="2">
+        <a:scrgbClr r="0" g="0" b="0"/>
+      </a:effectRef>
+      <a:fontRef idx="minor">
+        <a:schemeClr val="lt1"/>
+      </a:fontRef>
+    </dgm:style>
+  </dgm:styleLbl>
+  <dgm:styleLbl name="asst2">
+    <dgm:scene3d>
+      <a:camera prst="orthographicFront"/>
+      <a:lightRig rig="threePt" dir="t">
+        <a:rot lat="0" lon="0" rev="7500000"/>
+      </a:lightRig>
+    </dgm:scene3d>
+    <dgm:sp3d prstMaterial="plastic">
+      <a:bevelT w="127000" h="25400" prst="relaxedInset"/>
+    </dgm:sp3d>
+    <dgm:txPr/>
+    <dgm:style>
+      <a:lnRef idx="0">
+        <a:scrgbClr r="0" g="0" b="0"/>
+      </a:lnRef>
+      <a:fillRef idx="3">
+        <a:scrgbClr r="0" g="0" b="0"/>
+      </a:fillRef>
+      <a:effectRef idx="2">
+        <a:scrgbClr r="0" g="0" b="0"/>
+      </a:effectRef>
+      <a:fontRef idx="minor">
+        <a:schemeClr val="lt1"/>
+      </a:fontRef>
+    </dgm:style>
+  </dgm:styleLbl>
+  <dgm:styleLbl name="asst3">
+    <dgm:scene3d>
+      <a:camera prst="orthographicFront"/>
+      <a:lightRig rig="threePt" dir="t">
+        <a:rot lat="0" lon="0" rev="7500000"/>
+      </a:lightRig>
+    </dgm:scene3d>
+    <dgm:sp3d prstMaterial="plastic">
+      <a:bevelT w="127000" h="25400" prst="relaxedInset"/>
+    </dgm:sp3d>
+    <dgm:txPr/>
+    <dgm:style>
+      <a:lnRef idx="0">
+        <a:scrgbClr r="0" g="0" b="0"/>
+      </a:lnRef>
+      <a:fillRef idx="3">
+        <a:scrgbClr r="0" g="0" b="0"/>
+      </a:fillRef>
+      <a:effectRef idx="2">
+        <a:scrgbClr r="0" g="0" b="0"/>
+      </a:effectRef>
+      <a:fontRef idx="minor">
+        <a:schemeClr val="lt1"/>
+      </a:fontRef>
+    </dgm:style>
+  </dgm:styleLbl>
+  <dgm:styleLbl name="parChTrans2D1">
+    <dgm:scene3d>
+      <a:camera prst="orthographicFront"/>
+      <a:lightRig rig="threePt" dir="t">
+        <a:rot lat="0" lon="0" rev="7500000"/>
+      </a:lightRig>
+    </dgm:scene3d>
+    <dgm:sp3d extrusionH="63500" prstMaterial="matte">
+      <a:bevelT w="50800" h="19050" prst="relaxedInset"/>
+      <a:contourClr>
+        <a:schemeClr val="bg1"/>
+      </a:contourClr>
+    </dgm:sp3d>
+    <dgm:txPr/>
+    <dgm:style>
+      <a:lnRef idx="0">
+        <a:scrgbClr r="0" g="0" b="0"/>
+      </a:lnRef>
+      <a:fillRef idx="1">
+        <a:scrgbClr r="0" g="0" b="0"/>
+      </a:fillRef>
+      <a:effectRef idx="2">
+        <a:scrgbClr r="0" g="0" b="0"/>
+      </a:effectRef>
+      <a:fontRef idx="minor">
+        <a:schemeClr val="lt1"/>
+      </a:fontRef>
+    </dgm:style>
+  </dgm:styleLbl>
+  <dgm:styleLbl name="parChTrans2D2">
+    <dgm:scene3d>
+      <a:camera prst="orthographicFront"/>
+      <a:lightRig rig="threePt" dir="t">
+        <a:rot lat="0" lon="0" rev="7500000"/>
+      </a:lightRig>
+    </dgm:scene3d>
+    <dgm:sp3d extrusionH="63500" prstMaterial="matte">
+      <a:bevelT w="50800" h="19050" prst="relaxedInset"/>
+      <a:contourClr>
+        <a:schemeClr val="bg1"/>
+      </a:contourClr>
+    </dgm:sp3d>
+    <dgm:txPr/>
+    <dgm:style>
+      <a:lnRef idx="0">
+        <a:scrgbClr r="0" g="0" b="0"/>
+      </a:lnRef>
+      <a:fillRef idx="1">
+        <a:scrgbClr r="0" g="0" b="0"/>
+      </a:fillRef>
+      <a:effectRef idx="0">
+        <a:scrgbClr r="0" g="0" b="0"/>
+      </a:effectRef>
+      <a:fontRef idx="minor">
+        <a:schemeClr val="lt1"/>
+      </a:fontRef>
+    </dgm:style>
+  </dgm:styleLbl>
+  <dgm:styleLbl name="parChTrans2D3">
+    <dgm:scene3d>
+      <a:camera prst="orthographicFront"/>
+      <a:lightRig rig="threePt" dir="t">
+        <a:rot lat="0" lon="0" rev="7500000"/>
+      </a:lightRig>
+    </dgm:scene3d>
+    <dgm:sp3d z="60000" prstMaterial="flat">
+      <a:bevelT w="120900" h="88900"/>
+    </dgm:sp3d>
+    <dgm:txPr/>
+    <dgm:style>
+      <a:lnRef idx="0">
+        <a:scrgbClr r="0" g="0" b="0"/>
+      </a:lnRef>
+      <a:fillRef idx="3">
+        <a:scrgbClr r="0" g="0" b="0"/>
+      </a:fillRef>
+      <a:effectRef idx="1">
+        <a:scrgbClr r="0" g="0" b="0"/>
+      </a:effectRef>
+      <a:fontRef idx="minor">
+        <a:schemeClr val="lt1"/>
+      </a:fontRef>
+    </dgm:style>
+  </dgm:styleLbl>
+  <dgm:styleLbl name="parChTrans2D4">
+    <dgm:scene3d>
+      <a:camera prst="orthographicFront"/>
+      <a:lightRig rig="threePt" dir="t">
+        <a:rot lat="0" lon="0" rev="7500000"/>
+      </a:lightRig>
+    </dgm:scene3d>
+    <dgm:sp3d z="60000" prstMaterial="flat">
+      <a:bevelT w="120900" h="88900"/>
+    </dgm:sp3d>
+    <dgm:txPr/>
+    <dgm:style>
+      <a:lnRef idx="0">
+        <a:scrgbClr r="0" g="0" b="0"/>
+      </a:lnRef>
+      <a:fillRef idx="3">
+        <a:scrgbClr r="0" g="0" b="0"/>
+      </a:fillRef>
+      <a:effectRef idx="1">
+        <a:scrgbClr r="0" g="0" b="0"/>
+      </a:effectRef>
+      <a:fontRef idx="minor">
+        <a:schemeClr val="lt1"/>
+      </a:fontRef>
+    </dgm:style>
+  </dgm:styleLbl>
+  <dgm:styleLbl name="parChTrans1D1">
+    <dgm:scene3d>
+      <a:camera prst="orthographicFront"/>
+      <a:lightRig rig="threePt" dir="t">
+        <a:rot lat="0" lon="0" rev="7500000"/>
+      </a:lightRig>
+    </dgm:scene3d>
+    <dgm:sp3d z="-40000" prstMaterial="matte"/>
+    <dgm:txPr/>
+    <dgm:style>
+      <a:lnRef idx="2">
+        <a:scrgbClr r="0" g="0" b="0"/>
+      </a:lnRef>
+      <a:fillRef idx="0">
+        <a:scrgbClr r="0" g="0" b="0"/>
+      </a:fillRef>
+      <a:effectRef idx="0">
+        <a:scrgbClr r="0" g="0" b="0"/>
+      </a:effectRef>
+      <a:fontRef idx="minor"/>
+    </dgm:style>
+  </dgm:styleLbl>
+  <dgm:styleLbl name="parChTrans1D2">
+    <dgm:scene3d>
+      <a:camera prst="orthographicFront"/>
+      <a:lightRig rig="threePt" dir="t">
+        <a:rot lat="0" lon="0" rev="7500000"/>
+      </a:lightRig>
+    </dgm:scene3d>
+    <dgm:sp3d z="-40000" prstMaterial="matte"/>
+    <dgm:txPr/>
+    <dgm:style>
+      <a:lnRef idx="2">
+        <a:scrgbClr r="0" g="0" b="0"/>
+      </a:lnRef>
+      <a:fillRef idx="0">
+        <a:scrgbClr r="0" g="0" b="0"/>
+      </a:fillRef>
+      <a:effectRef idx="0">
+        <a:scrgbClr r="0" g="0" b="0"/>
+      </a:effectRef>
+      <a:fontRef idx="minor"/>
+    </dgm:style>
+  </dgm:styleLbl>
+  <dgm:styleLbl name="parChTrans1D3">
+    <dgm:scene3d>
+      <a:camera prst="orthographicFront"/>
+      <a:lightRig rig="threePt" dir="t">
+        <a:rot lat="0" lon="0" rev="7500000"/>
+      </a:lightRig>
+    </dgm:scene3d>
+    <dgm:sp3d z="-40000" prstMaterial="matte"/>
+    <dgm:txPr/>
+    <dgm:style>
+      <a:lnRef idx="2">
+        <a:scrgbClr r="0" g="0" b="0"/>
+      </a:lnRef>
+      <a:fillRef idx="0">
+        <a:scrgbClr r="0" g="0" b="0"/>
+      </a:fillRef>
+      <a:effectRef idx="0">
+        <a:scrgbClr r="0" g="0" b="0"/>
+      </a:effectRef>
+      <a:fontRef idx="minor"/>
+    </dgm:style>
+  </dgm:styleLbl>
+  <dgm:styleLbl name="parChTrans1D4">
+    <dgm:scene3d>
+      <a:camera prst="orthographicFront"/>
+      <a:lightRig rig="threePt" dir="t">
+        <a:rot lat="0" lon="0" rev="7500000"/>
+      </a:lightRig>
+    </dgm:scene3d>
+    <dgm:sp3d z="-40000" prstMaterial="matte"/>
+    <dgm:txPr/>
+    <dgm:style>
+      <a:lnRef idx="2">
+        <a:scrgbClr r="0" g="0" b="0"/>
+      </a:lnRef>
+      <a:fillRef idx="0">
+        <a:scrgbClr r="0" g="0" b="0"/>
+      </a:fillRef>
+      <a:effectRef idx="0">
+        <a:scrgbClr r="0" g="0" b="0"/>
+      </a:effectRef>
+      <a:fontRef idx="minor"/>
+    </dgm:style>
+  </dgm:styleLbl>
+  <dgm:styleLbl name="fgAcc1">
+    <dgm:scene3d>
+      <a:camera prst="orthographicFront"/>
+      <a:lightRig rig="threePt" dir="t">
+        <a:rot lat="0" lon="0" rev="7500000"/>
+      </a:lightRig>
+    </dgm:scene3d>
+    <dgm:sp3d z="152400" extrusionH="63500" prstMaterial="dkEdge">
+      <a:bevelT w="135400" h="16350" prst="relaxedInset"/>
+      <a:contourClr>
+        <a:schemeClr val="bg1"/>
+      </a:contourClr>
+    </dgm:sp3d>
+    <dgm:txPr/>
+    <dgm:style>
+      <a:lnRef idx="1">
+        <a:scrgbClr r="0" g="0" b="0"/>
+      </a:lnRef>
+      <a:fillRef idx="1">
+        <a:scrgbClr r="0" g="0" b="0"/>
+      </a:fillRef>
+      <a:effectRef idx="2">
+        <a:scrgbClr r="0" g="0" b="0"/>
+      </a:effectRef>
+      <a:fontRef idx="minor"/>
+    </dgm:style>
+  </dgm:styleLbl>
+  <dgm:styleLbl name="conFgAcc1">
+    <dgm:scene3d>
+      <a:camera prst="orthographicFront"/>
+      <a:lightRig rig="threePt" dir="t">
+        <a:rot lat="0" lon="0" rev="7500000"/>
+      </a:lightRig>
+    </dgm:scene3d>
+    <dgm:sp3d z="152400" extrusionH="63500" prstMaterial="dkEdge">
+      <a:bevelT w="135400" h="16350" prst="relaxedInset"/>
+      <a:contourClr>
+        <a:schemeClr val="bg1"/>
+      </a:contourClr>
+    </dgm:sp3d>
+    <dgm:txPr/>
+    <dgm:style>
+      <a:lnRef idx="1">
+        <a:scrgbClr r="0" g="0" b="0"/>
+      </a:lnRef>
+      <a:fillRef idx="1">
+        <a:scrgbClr r="0" g="0" b="0"/>
+      </a:fillRef>
+      <a:effectRef idx="2">
+        <a:scrgbClr r="0" g="0" b="0"/>
+      </a:effectRef>
+      <a:fontRef idx="minor"/>
+    </dgm:style>
+  </dgm:styleLbl>
+  <dgm:styleLbl name="alignAcc1">
+    <dgm:scene3d>
+      <a:camera prst="orthographicFront"/>
+      <a:lightRig rig="threePt" dir="t">
+        <a:rot lat="0" lon="0" rev="7500000"/>
+      </a:lightRig>
+    </dgm:scene3d>
+    <dgm:sp3d extrusionH="190500" prstMaterial="dkEdge">
+      <a:bevelT w="135400" h="16350" prst="relaxedInset"/>
+      <a:contourClr>
+        <a:schemeClr val="bg1"/>
+      </a:contourClr>
+    </dgm:sp3d>
+    <dgm:txPr/>
+    <dgm:style>
+      <a:lnRef idx="1">
+        <a:scrgbClr r="0" g="0" b="0"/>
+      </a:lnRef>
+      <a:fillRef idx="1">
+        <a:scrgbClr r="0" g="0" b="0"/>
+      </a:fillRef>
+      <a:effectRef idx="2">
+        <a:scrgbClr r="0" g="0" b="0"/>
+      </a:effectRef>
+      <a:fontRef idx="minor"/>
+    </dgm:style>
+  </dgm:styleLbl>
+  <dgm:styleLbl name="trAlignAcc1">
+    <dgm:scene3d>
+      <a:camera prst="orthographicFront"/>
+      <a:lightRig rig="threePt" dir="t">
+        <a:rot lat="0" lon="0" rev="7500000"/>
+      </a:lightRig>
+    </dgm:scene3d>
+    <dgm:sp3d prstMaterial="plastic">
+      <a:bevelT w="127000" h="35400"/>
+    </dgm:sp3d>
+    <dgm:txPr/>
+    <dgm:style>
+      <a:lnRef idx="1">
+        <a:scrgbClr r="0" g="0" b="0"/>
+      </a:lnRef>
+      <a:fillRef idx="1">
+        <a:scrgbClr r="0" g="0" b="0"/>
+      </a:fillRef>
+      <a:effectRef idx="2">
+        <a:scrgbClr r="0" g="0" b="0"/>
+      </a:effectRef>
+      <a:fontRef idx="minor">
+        <a:schemeClr val="lt1"/>
+      </a:fontRef>
+    </dgm:style>
+  </dgm:styleLbl>
+  <dgm:styleLbl name="bgAcc1">
+    <dgm:scene3d>
+      <a:camera prst="orthographicFront"/>
+      <a:lightRig rig="threePt" dir="t">
+        <a:rot lat="0" lon="0" rev="7500000"/>
+      </a:lightRig>
+    </dgm:scene3d>
+    <dgm:sp3d z="-152400" extrusionH="63500" prstMaterial="dkEdge">
+      <a:bevelT w="124450" h="16350" prst="relaxedInset"/>
+      <a:contourClr>
+        <a:schemeClr val="bg1"/>
+      </a:contourClr>
+    </dgm:sp3d>
+    <dgm:txPr/>
+    <dgm:style>
+      <a:lnRef idx="1">
+        <a:scrgbClr r="0" g="0" b="0"/>
+      </a:lnRef>
+      <a:fillRef idx="1">
+        <a:scrgbClr r="0" g="0" b="0"/>
+      </a:fillRef>
+      <a:effectRef idx="0">
+        <a:scrgbClr r="0" g="0" b="0"/>
+      </a:effectRef>
+      <a:fontRef idx="minor"/>
+    </dgm:style>
+  </dgm:styleLbl>
+  <dgm:styleLbl name="solidFgAcc1">
+    <dgm:scene3d>
+      <a:camera prst="orthographicFront"/>
+      <a:lightRig rig="threePt" dir="t">
+        <a:rot lat="0" lon="0" rev="7500000"/>
+      </a:lightRig>
+    </dgm:scene3d>
+    <dgm:sp3d z="152400" extrusionH="63500" prstMaterial="dkEdge">
+      <a:bevelT w="120800" h="19050" prst="relaxedInset"/>
+      <a:contourClr>
+        <a:schemeClr val="bg1"/>
+      </a:contourClr>
+    </dgm:sp3d>
+    <dgm:txPr/>
+    <dgm:style>
+      <a:lnRef idx="1">
+        <a:scrgbClr r="0" g="0" b="0"/>
+      </a:lnRef>
+      <a:fillRef idx="1">
+        <a:scrgbClr r="0" g="0" b="0"/>
+      </a:fillRef>
+      <a:effectRef idx="2">
+        <a:scrgbClr r="0" g="0" b="0"/>
+      </a:effectRef>
+      <a:fontRef idx="minor"/>
+    </dgm:style>
+  </dgm:styleLbl>
+  <dgm:styleLbl name="solidAlignAcc1">
+    <dgm:scene3d>
+      <a:camera prst="orthographicFront"/>
+      <a:lightRig rig="threePt" dir="t">
+        <a:rot lat="0" lon="0" rev="7500000"/>
+      </a:lightRig>
+    </dgm:scene3d>
+    <dgm:sp3d extrusionH="190500" prstMaterial="dkEdge">
+      <a:bevelT w="120650" h="38100" prst="relaxedInset"/>
+      <a:contourClr>
+        <a:schemeClr val="bg1"/>
+      </a:contourClr>
+    </dgm:sp3d>
+    <dgm:txPr/>
+    <dgm:style>
+      <a:lnRef idx="1">
+        <a:scrgbClr r="0" g="0" b="0"/>
+      </a:lnRef>
+      <a:fillRef idx="1">
+        <a:scrgbClr r="0" g="0" b="0"/>
+      </a:fillRef>
+      <a:effectRef idx="2">
+        <a:scrgbClr r="0" g="0" b="0"/>
+      </a:effectRef>
+      <a:fontRef idx="minor"/>
+    </dgm:style>
+  </dgm:styleLbl>
+  <dgm:styleLbl name="solidBgAcc1">
+    <dgm:scene3d>
+      <a:camera prst="orthographicFront"/>
+      <a:lightRig rig="threePt" dir="t">
+        <a:rot lat="0" lon="0" rev="7500000"/>
+      </a:lightRig>
+    </dgm:scene3d>
+    <dgm:sp3d z="-152400" extrusionH="63500" prstMaterial="dkEdge">
+      <a:bevelT w="144450" h="36350" prst="relaxedInset"/>
+      <a:contourClr>
+        <a:schemeClr val="bg1"/>
+      </a:contourClr>
+    </dgm:sp3d>
+    <dgm:txPr/>
+    <dgm:style>
+      <a:lnRef idx="1">
+        <a:scrgbClr r="0" g="0" b="0"/>
+      </a:lnRef>
+      <a:fillRef idx="1">
+        <a:scrgbClr r="0" g="0" b="0"/>
+      </a:fillRef>
+      <a:effectRef idx="0">
+        <a:scrgbClr r="0" g="0" b="0"/>
+      </a:effectRef>
+      <a:fontRef idx="minor"/>
+    </dgm:style>
+  </dgm:styleLbl>
+  <dgm:styleLbl name="fgAccFollowNode1">
+    <dgm:scene3d>
+      <a:camera prst="orthographicFront"/>
+      <a:lightRig rig="threePt" dir="t">
+        <a:rot lat="0" lon="0" rev="7500000"/>
+      </a:lightRig>
+    </dgm:scene3d>
+    <dgm:sp3d z="152400" extrusionH="63500" prstMaterial="dkEdge">
+      <a:bevelT w="125400" h="36350" prst="relaxedInset"/>
+      <a:contourClr>
+        <a:schemeClr val="bg1"/>
+      </a:contourClr>
+    </dgm:sp3d>
+    <dgm:txPr/>
+    <dgm:style>
+      <a:lnRef idx="1">
+        <a:scrgbClr r="0" g="0" b="0"/>
+      </a:lnRef>
+      <a:fillRef idx="1">
+        <a:scrgbClr r="0" g="0" b="0"/>
+      </a:fillRef>
+      <a:effectRef idx="0">
+        <a:scrgbClr r="0" g="0" b="0"/>
+      </a:effectRef>
+      <a:fontRef idx="minor"/>
+    </dgm:style>
+  </dgm:styleLbl>
+  <dgm:styleLbl name="alignAccFollowNode1">
+    <dgm:scene3d>
+      <a:camera prst="orthographicFront"/>
+      <a:lightRig rig="threePt" dir="t">
+        <a:rot lat="0" lon="0" rev="7500000"/>
+      </a:lightRig>
+    </dgm:scene3d>
+    <dgm:sp3d extrusionH="190500" prstMaterial="dkEdge">
+      <a:bevelT w="120650" h="38100" prst="relaxedInset"/>
+      <a:bevelB w="120650" h="57150" prst="relaxedInset"/>
+      <a:contourClr>
+        <a:schemeClr val="bg1"/>
+      </a:contourClr>
+    </dgm:sp3d>
+    <dgm:txPr/>
+    <dgm:style>
+      <a:lnRef idx="1">
+        <a:scrgbClr r="0" g="0" b="0"/>
+      </a:lnRef>
+      <a:fillRef idx="1">
+        <a:scrgbClr r="0" g="0" b="0"/>
+      </a:fillRef>
+      <a:effectRef idx="2">
+        <a:scrgbClr r="0" g="0" b="0"/>
+      </a:effectRef>
+      <a:fontRef idx="minor"/>
+    </dgm:style>
+  </dgm:styleLbl>
+  <dgm:styleLbl name="bgAccFollowNode1">
+    <dgm:scene3d>
+      <a:camera prst="orthographicFront"/>
+      <a:lightRig rig="threePt" dir="t">
+        <a:rot lat="0" lon="0" rev="7500000"/>
+      </a:lightRig>
+    </dgm:scene3d>
+    <dgm:sp3d z="-152400" extrusionH="63500" prstMaterial="dkEdge">
+      <a:bevelT w="144450" h="36350" prst="relaxedInset"/>
+      <a:contourClr>
+        <a:schemeClr val="bg1"/>
+      </a:contourClr>
+    </dgm:sp3d>
+    <dgm:txPr/>
+    <dgm:style>
+      <a:lnRef idx="1">
+        <a:scrgbClr r="0" g="0" b="0"/>
+      </a:lnRef>
+      <a:fillRef idx="1">
+        <a:scrgbClr r="0" g="0" b="0"/>
+      </a:fillRef>
+      <a:effectRef idx="2">
+        <a:scrgbClr r="0" g="0" b="0"/>
+      </a:effectRef>
+      <a:fontRef idx="minor"/>
+    </dgm:style>
+  </dgm:styleLbl>
+  <dgm:styleLbl name="fgAcc0">
+    <dgm:scene3d>
+      <a:camera prst="orthographicFront"/>
+      <a:lightRig rig="threePt" dir="t">
+        <a:rot lat="0" lon="0" rev="7500000"/>
+      </a:lightRig>
+    </dgm:scene3d>
+    <dgm:sp3d z="152400" extrusionH="63500" prstMaterial="dkEdge">
+      <a:bevelT w="125400" h="36350" prst="relaxedInset"/>
+      <a:contourClr>
+        <a:schemeClr val="bg1"/>
+      </a:contourClr>
+    </dgm:sp3d>
+    <dgm:txPr/>
+    <dgm:style>
+      <a:lnRef idx="1">
+        <a:scrgbClr r="0" g="0" b="0"/>
+      </a:lnRef>
+      <a:fillRef idx="1">
+        <a:scrgbClr r="0" g="0" b="0"/>
+      </a:fillRef>
+      <a:effectRef idx="2">
+        <a:scrgbClr r="0" g="0" b="0"/>
+      </a:effectRef>
+      <a:fontRef idx="minor"/>
+    </dgm:style>
+  </dgm:styleLbl>
+  <dgm:styleLbl name="fgAcc2">
+    <dgm:scene3d>
+      <a:camera prst="orthographicFront"/>
+      <a:lightRig rig="threePt" dir="t">
+        <a:rot lat="0" lon="0" rev="7500000"/>
+      </a:lightRig>
+    </dgm:scene3d>
+    <dgm:sp3d z="152400" extrusionH="63500" prstMaterial="dkEdge">
+      <a:bevelT w="125400" h="36350" prst="relaxedInset"/>
+      <a:contourClr>
+        <a:schemeClr val="bg1"/>
+      </a:contourClr>
+    </dgm:sp3d>
+    <dgm:txPr/>
+    <dgm:style>
+      <a:lnRef idx="1">
+        <a:scrgbClr r="0" g="0" b="0"/>
+      </a:lnRef>
+      <a:fillRef idx="1">
+        <a:scrgbClr r="0" g="0" b="0"/>
+      </a:fillRef>
+      <a:effectRef idx="2">
+        <a:scrgbClr r="0" g="0" b="0"/>
+      </a:effectRef>
+      <a:fontRef idx="minor"/>
+    </dgm:style>
+  </dgm:styleLbl>
+  <dgm:styleLbl name="fgAcc3">
+    <dgm:scene3d>
+      <a:camera prst="orthographicFront"/>
+      <a:lightRig rig="threePt" dir="t">
+        <a:rot lat="0" lon="0" rev="7500000"/>
+      </a:lightRig>
+    </dgm:scene3d>
+    <dgm:sp3d z="152400" extrusionH="63500" prstMaterial="dkEdge">
+      <a:bevelT w="125400" h="36350" prst="relaxedInset"/>
+      <a:contourClr>
+        <a:schemeClr val="bg1"/>
+      </a:contourClr>
+    </dgm:sp3d>
+    <dgm:txPr/>
+    <dgm:style>
+      <a:lnRef idx="1">
+        <a:scrgbClr r="0" g="0" b="0"/>
+      </a:lnRef>
+      <a:fillRef idx="1">
+        <a:scrgbClr r="0" g="0" b="0"/>
+      </a:fillRef>
+      <a:effectRef idx="2">
+        <a:scrgbClr r="0" g="0" b="0"/>
+      </a:effectRef>
+      <a:fontRef idx="minor"/>
+    </dgm:style>
+  </dgm:styleLbl>
+  <dgm:styleLbl name="fgAcc4">
+    <dgm:scene3d>
+      <a:camera prst="orthographicFront"/>
+      <a:lightRig rig="threePt" dir="t">
+        <a:rot lat="0" lon="0" rev="7500000"/>
+      </a:lightRig>
+    </dgm:scene3d>
+    <dgm:sp3d z="152400" extrusionH="63500" prstMaterial="dkEdge">
+      <a:bevelT w="125400" h="36350" prst="relaxedInset"/>
+      <a:contourClr>
+        <a:schemeClr val="bg1"/>
+      </a:contourClr>
+    </dgm:sp3d>
+    <dgm:txPr/>
+    <dgm:style>
+      <a:lnRef idx="1">
+        <a:scrgbClr r="0" g="0" b="0"/>
+      </a:lnRef>
+      <a:fillRef idx="1">
+        <a:scrgbClr r="0" g="0" b="0"/>
+      </a:fillRef>
+      <a:effectRef idx="2">
+        <a:scrgbClr r="0" g="0" b="0"/>
+      </a:effectRef>
+      <a:fontRef idx="minor"/>
+    </dgm:style>
+  </dgm:styleLbl>
+  <dgm:styleLbl name="bgShp">
+    <dgm:scene3d>
+      <a:camera prst="orthographicFront"/>
+      <a:lightRig rig="threePt" dir="t">
+        <a:rot lat="0" lon="0" rev="7500000"/>
+      </a:lightRig>
+    </dgm:scene3d>
+    <dgm:sp3d z="-152400" extrusionH="63500" prstMaterial="matte">
+      <a:bevelT w="144450" h="6350" prst="relaxedInset"/>
+      <a:contourClr>
+        <a:schemeClr val="bg1"/>
+      </a:contourClr>
+    </dgm:sp3d>
+    <dgm:txPr/>
+    <dgm:style>
+      <a:lnRef idx="0">
+        <a:scrgbClr r="0" g="0" b="0"/>
+      </a:lnRef>
+      <a:fillRef idx="3">
+        <a:scrgbClr r="0" g="0" b="0"/>
+      </a:fillRef>
+      <a:effectRef idx="0">
+        <a:scrgbClr r="0" g="0" b="0"/>
+      </a:effectRef>
+      <a:fontRef idx="minor"/>
+    </dgm:style>
+  </dgm:styleLbl>
+  <dgm:styleLbl name="dkBgShp">
+    <dgm:scene3d>
+      <a:camera prst="orthographicFront"/>
+      <a:lightRig rig="threePt" dir="t">
+        <a:rot lat="0" lon="0" rev="7500000"/>
+      </a:lightRig>
+    </dgm:scene3d>
+    <dgm:sp3d prstMaterial="plastic">
+      <a:bevelT w="127000" h="25400" prst="relaxedInset"/>
+      <a:bevelB w="88900" h="121750" prst="angle"/>
+    </dgm:sp3d>
+    <dgm:txPr/>
+    <dgm:style>
+      <a:lnRef idx="0">
+        <a:scrgbClr r="0" g="0" b="0"/>
+      </a:lnRef>
+      <a:fillRef idx="1">
+        <a:scrgbClr r="0" g="0" b="0"/>
+      </a:fillRef>
+      <a:effectRef idx="2">
+        <a:scrgbClr r="0" g="0" b="0"/>
+      </a:effectRef>
+      <a:fontRef idx="minor">
+        <a:schemeClr val="lt1"/>
+      </a:fontRef>
+    </dgm:style>
+  </dgm:styleLbl>
+  <dgm:styleLbl name="trBgShp">
+    <dgm:scene3d>
+      <a:camera prst="orthographicFront"/>
+      <a:lightRig rig="threePt" dir="t"/>
+    </dgm:scene3d>
+    <dgm:sp3d z="-152400" prstMaterial="matte"/>
+    <dgm:txPr/>
+    <dgm:style>
+      <a:lnRef idx="0">
+        <a:scrgbClr r="0" g="0" b="0"/>
+      </a:lnRef>
+      <a:fillRef idx="1">
+        <a:scrgbClr r="0" g="0" b="0"/>
+      </a:fillRef>
+      <a:effectRef idx="0">
+        <a:scrgbClr r="0" g="0" b="0"/>
+      </a:effectRef>
+      <a:fontRef idx="minor"/>
+    </dgm:style>
+  </dgm:styleLbl>
+  <dgm:styleLbl name="fgShp">
+    <dgm:scene3d>
+      <a:camera prst="orthographicFront"/>
+      <a:lightRig rig="threePt" dir="t">
+        <a:rot lat="0" lon="0" rev="7500000"/>
+      </a:lightRig>
+    </dgm:scene3d>
+    <dgm:sp3d z="152400" extrusionH="63500" prstMaterial="matte">
+      <a:bevelT w="50800" h="19050" prst="relaxedInset"/>
+      <a:contourClr>
+        <a:schemeClr val="bg1"/>
+      </a:contourClr>
+    </dgm:sp3d>
+    <dgm:txPr/>
+    <dgm:style>
+      <a:lnRef idx="0">
+        <a:scrgbClr r="0" g="0" b="0"/>
+      </a:lnRef>
+      <a:fillRef idx="1">
+        <a:scrgbClr r="0" g="0" b="0"/>
+      </a:fillRef>
+      <a:effectRef idx="2">
+        <a:scrgbClr r="0" g="0" b="0"/>
+      </a:effectRef>
+      <a:fontRef idx="minor">
+        <a:schemeClr val="lt1"/>
+      </a:fontRef>
+    </dgm:style>
+  </dgm:styleLbl>
+  <dgm:styleLbl name="revTx">
+    <dgm:scene3d>
+      <a:camera prst="orthographicFront"/>
+      <a:lightRig rig="threePt" dir="t"/>
+    </dgm:scene3d>
+    <dgm:sp3d/>
+    <dgm:txPr/>
+    <dgm:style>
+      <a:lnRef idx="0">
+        <a:scrgbClr r="0" g="0" b="0"/>
+      </a:lnRef>
+      <a:fillRef idx="0">
+        <a:scrgbClr r="0" g="0" b="0"/>
+      </a:fillRef>
+      <a:effectRef idx="0">
+        <a:scrgbClr r="0" g="0" b="0"/>
+      </a:effectRef>
+      <a:fontRef idx="minor"/>
+    </dgm:style>
+  </dgm:styleLbl>
+</dgm:styleDef>
+</file>
+
+<file path=ppt/notesMasters/notesMaster1.xml><?xml version="1.0" encoding="utf-8"?>
+<p:notesMaster xmlns:a="http://schemas.openxmlformats.org/drawingml/2006/main" xmlns:r="http://schemas.openxmlformats.org/officeDocument/2006/relationships" xmlns:p="http://schemas.openxmlformats.org/presentationml/2006/main">
+  <p:cSld>
+    <p:bg>
+      <p:bgRef idx="1001">
+        <a:schemeClr val="bg1"/>
+      </p:bgRef>
+    </p:bg>
+    <p:spTree>
+      <p:nvGrpSpPr>
+        <p:cNvPr id="1" name=""/>
+        <p:cNvGrpSpPr/>
+        <p:nvPr/>
+      </p:nvGrpSpPr>
+      <p:grpSpPr>
+        <a:xfrm>
+          <a:off x="0" y="0"/>
+          <a:ext cx="0" cy="0"/>
+          <a:chOff x="0" y="0"/>
+          <a:chExt cx="0" cy="0"/>
+        </a:xfrm>
+      </p:grpSpPr>
+      <p:sp>
+        <p:nvSpPr>
+          <p:cNvPr id="2" name="Header Placeholder 1"/>
+          <p:cNvSpPr>
+            <a:spLocks noGrp="1"/>
+          </p:cNvSpPr>
+          <p:nvPr>
+            <p:ph type="hdr" sz="quarter"/>
+          </p:nvPr>
+        </p:nvSpPr>
+        <p:spPr>
+          <a:xfrm>
+            <a:off x="0" y="0"/>
+            <a:ext cx="2971800" cy="458788"/>
+          </a:xfrm>
+          <a:prstGeom prst="rect">
+            <a:avLst/>
+          </a:prstGeom>
+        </p:spPr>
+        <p:txBody>
+          <a:bodyPr vert="horz" lIns="91440" tIns="45720" rIns="91440" bIns="45720" rtlCol="0"/>
+          <a:lstStyle>
+            <a:lvl1pPr algn="l">
+              <a:defRPr sz="1200"/>
+            </a:lvl1pPr>
+          </a:lstStyle>
+          <a:p>
+            <a:endParaRPr lang="en-GB"/>
+          </a:p>
+        </p:txBody>
+      </p:sp>
+      <p:sp>
+        <p:nvSpPr>
+          <p:cNvPr id="3" name="Date Placeholder 2"/>
+          <p:cNvSpPr>
+            <a:spLocks noGrp="1"/>
+          </p:cNvSpPr>
+          <p:nvPr>
+            <p:ph type="dt" idx="1"/>
+          </p:nvPr>
+        </p:nvSpPr>
+        <p:spPr>
+          <a:xfrm>
+            <a:off x="3884613" y="0"/>
+            <a:ext cx="2971800" cy="458788"/>
+          </a:xfrm>
+          <a:prstGeom prst="rect">
+            <a:avLst/>
+          </a:prstGeom>
+        </p:spPr>
+        <p:txBody>
+          <a:bodyPr vert="horz" lIns="91440" tIns="45720" rIns="91440" bIns="45720" rtlCol="0"/>
+          <a:lstStyle>
+            <a:lvl1pPr algn="r">
+              <a:defRPr sz="1200"/>
+            </a:lvl1pPr>
+          </a:lstStyle>
+          <a:p>
+            <a:fld id="{217822EC-AD40-4710-ABF3-BB1970241976}" type="datetimeFigureOut">
+              <a:rPr lang="en-GB" smtClean="0"/>
+              <a:t>04/06/2020</a:t>
+            </a:fld>
+            <a:endParaRPr lang="en-GB"/>
+          </a:p>
+        </p:txBody>
+      </p:sp>
+      <p:sp>
+        <p:nvSpPr>
+          <p:cNvPr id="4" name="Slide Image Placeholder 3"/>
+          <p:cNvSpPr>
+            <a:spLocks noGrp="1" noRot="1" noChangeAspect="1"/>
+          </p:cNvSpPr>
+          <p:nvPr>
+            <p:ph type="sldImg" idx="2"/>
+          </p:nvPr>
+        </p:nvSpPr>
+        <p:spPr>
+          <a:xfrm>
+            <a:off x="685800" y="1143000"/>
+            <a:ext cx="5486400" cy="3086100"/>
+          </a:xfrm>
+          <a:prstGeom prst="rect">
+            <a:avLst/>
+          </a:prstGeom>
+          <a:noFill/>
+          <a:ln w="12700">
+            <a:solidFill>
+              <a:prstClr val="black"/>
+            </a:solidFill>
+          </a:ln>
+        </p:spPr>
+        <p:txBody>
+          <a:bodyPr vert="horz" lIns="91440" tIns="45720" rIns="91440" bIns="45720" rtlCol="0" anchor="ctr"/>
+          <a:lstStyle/>
+          <a:p>
+            <a:endParaRPr lang="en-GB"/>
+          </a:p>
+        </p:txBody>
+      </p:sp>
+      <p:sp>
+        <p:nvSpPr>
+          <p:cNvPr id="5" name="Notes Placeholder 4"/>
+          <p:cNvSpPr>
+            <a:spLocks noGrp="1"/>
+          </p:cNvSpPr>
+          <p:nvPr>
+            <p:ph type="body" sz="quarter" idx="3"/>
+          </p:nvPr>
+        </p:nvSpPr>
+        <p:spPr>
+          <a:xfrm>
+            <a:off x="685800" y="4400550"/>
+            <a:ext cx="5486400" cy="3600450"/>
+          </a:xfrm>
+          <a:prstGeom prst="rect">
+            <a:avLst/>
+          </a:prstGeom>
+        </p:spPr>
+        <p:txBody>
+          <a:bodyPr vert="horz" lIns="91440" tIns="45720" rIns="91440" bIns="45720" rtlCol="0"/>
+          <a:lstStyle/>
+          <a:p>
+            <a:pPr lvl="0"/>
+            <a:r>
+              <a:rPr lang="en-US" smtClean="0"/>
+              <a:t>Edit Master text styles</a:t>
+            </a:r>
+          </a:p>
+          <a:p>
+            <a:pPr lvl="1"/>
+            <a:r>
+              <a:rPr lang="en-US" smtClean="0"/>
+              <a:t>Second level</a:t>
+            </a:r>
+          </a:p>
+          <a:p>
+            <a:pPr lvl="2"/>
+            <a:r>
+              <a:rPr lang="en-US" smtClean="0"/>
+              <a:t>Third level</a:t>
+            </a:r>
+          </a:p>
+          <a:p>
+            <a:pPr lvl="3"/>
+            <a:r>
+              <a:rPr lang="en-US" smtClean="0"/>
+              <a:t>Fourth level</a:t>
+            </a:r>
+          </a:p>
+          <a:p>
+            <a:pPr lvl="4"/>
+            <a:r>
+              <a:rPr lang="en-US" smtClean="0"/>
+              <a:t>Fifth level</a:t>
+            </a:r>
+            <a:endParaRPr lang="en-GB"/>
+          </a:p>
+        </p:txBody>
+      </p:sp>
+      <p:sp>
+        <p:nvSpPr>
+          <p:cNvPr id="6" name="Footer Placeholder 5"/>
+          <p:cNvSpPr>
+            <a:spLocks noGrp="1"/>
+          </p:cNvSpPr>
+          <p:nvPr>
+            <p:ph type="ftr" sz="quarter" idx="4"/>
+          </p:nvPr>
+        </p:nvSpPr>
+        <p:spPr>
+          <a:xfrm>
+            <a:off x="0" y="8685213"/>
+            <a:ext cx="2971800" cy="458787"/>
+          </a:xfrm>
+          <a:prstGeom prst="rect">
+            <a:avLst/>
+          </a:prstGeom>
+        </p:spPr>
+        <p:txBody>
+          <a:bodyPr vert="horz" lIns="91440" tIns="45720" rIns="91440" bIns="45720" rtlCol="0" anchor="b"/>
+          <a:lstStyle>
+            <a:lvl1pPr algn="l">
+              <a:defRPr sz="1200"/>
+            </a:lvl1pPr>
+          </a:lstStyle>
+          <a:p>
+            <a:endParaRPr lang="en-GB"/>
+          </a:p>
+        </p:txBody>
+      </p:sp>
+      <p:sp>
+        <p:nvSpPr>
+          <p:cNvPr id="7" name="Slide Number Placeholder 6"/>
+          <p:cNvSpPr>
+            <a:spLocks noGrp="1"/>
+          </p:cNvSpPr>
+          <p:nvPr>
+            <p:ph type="sldNum" sz="quarter" idx="5"/>
+          </p:nvPr>
+        </p:nvSpPr>
+        <p:spPr>
+          <a:xfrm>
+            <a:off x="3884613" y="8685213"/>
+            <a:ext cx="2971800" cy="458787"/>
+          </a:xfrm>
+          <a:prstGeom prst="rect">
+            <a:avLst/>
+          </a:prstGeom>
+        </p:spPr>
+        <p:txBody>
+          <a:bodyPr vert="horz" lIns="91440" tIns="45720" rIns="91440" bIns="45720" rtlCol="0" anchor="b"/>
+          <a:lstStyle>
+            <a:lvl1pPr algn="r">
+              <a:defRPr sz="1200"/>
+            </a:lvl1pPr>
+          </a:lstStyle>
+          <a:p>
+            <a:fld id="{2E0E47FD-A40E-4DA9-B5BB-FD3D8C4ABC39}" type="slidenum">
+              <a:rPr lang="en-GB" smtClean="0"/>
+              <a:t>‹#›</a:t>
+            </a:fld>
+            <a:endParaRPr lang="en-GB"/>
+          </a:p>
+        </p:txBody>
+      </p:sp>
+    </p:spTree>
+    <p:extLst>
+      <p:ext uri="{BB962C8B-B14F-4D97-AF65-F5344CB8AC3E}">
+        <p14:creationId xmlns:p14="http://schemas.microsoft.com/office/powerpoint/2010/main" val="1499535654"/>
+      </p:ext>
+    </p:extLst>
+  </p:cSld>
+  <p:clrMap bg1="lt1" tx1="dk1" bg2="lt2" tx2="dk2" accent1="accent1" accent2="accent2" accent3="accent3" accent4="accent4" accent5="accent5" accent6="accent6" hlink="hlink" folHlink="folHlink"/>
+  <p:notesStyle>
+    <a:lvl1pPr marL="0" algn="l" defTabSz="914400" rtl="0" eaLnBrk="1" latinLnBrk="0" hangingPunct="1">
+      <a:defRPr sz="1200" kern="1200">
+        <a:solidFill>
+          <a:schemeClr val="tx1"/>
+        </a:solidFill>
+        <a:latin typeface="+mn-lt"/>
+        <a:ea typeface="+mn-ea"/>
+        <a:cs typeface="+mn-cs"/>
+      </a:defRPr>
+    </a:lvl1pPr>
+    <a:lvl2pPr marL="457200" algn="l" defTabSz="914400" rtl="0" eaLnBrk="1" latinLnBrk="0" hangingPunct="1">
+      <a:defRPr sz="1200" kern="1200">
+        <a:solidFill>
+          <a:schemeClr val="tx1"/>
+        </a:solidFill>
+        <a:latin typeface="+mn-lt"/>
+        <a:ea typeface="+mn-ea"/>
+        <a:cs typeface="+mn-cs"/>
+      </a:defRPr>
+    </a:lvl2pPr>
+    <a:lvl3pPr marL="914400" algn="l" defTabSz="914400" rtl="0" eaLnBrk="1" latinLnBrk="0" hangingPunct="1">
+      <a:defRPr sz="1200" kern="1200">
+        <a:solidFill>
+          <a:schemeClr val="tx1"/>
+        </a:solidFill>
+        <a:latin typeface="+mn-lt"/>
+        <a:ea typeface="+mn-ea"/>
+        <a:cs typeface="+mn-cs"/>
+      </a:defRPr>
+    </a:lvl3pPr>
+    <a:lvl4pPr marL="1371600" algn="l" defTabSz="914400" rtl="0" eaLnBrk="1" latinLnBrk="0" hangingPunct="1">
+      <a:defRPr sz="1200" kern="1200">
+        <a:solidFill>
+          <a:schemeClr val="tx1"/>
+        </a:solidFill>
+        <a:latin typeface="+mn-lt"/>
+        <a:ea typeface="+mn-ea"/>
+        <a:cs typeface="+mn-cs"/>
+      </a:defRPr>
+    </a:lvl4pPr>
+    <a:lvl5pPr marL="1828800" algn="l" defTabSz="914400" rtl="0" eaLnBrk="1" latinLnBrk="0" hangingPunct="1">
+      <a:defRPr sz="1200" kern="1200">
+        <a:solidFill>
+          <a:schemeClr val="tx1"/>
+        </a:solidFill>
+        <a:latin typeface="+mn-lt"/>
+        <a:ea typeface="+mn-ea"/>
+        <a:cs typeface="+mn-cs"/>
+      </a:defRPr>
+    </a:lvl5pPr>
+    <a:lvl6pPr marL="2286000" algn="l" defTabSz="914400" rtl="0" eaLnBrk="1" latinLnBrk="0" hangingPunct="1">
+      <a:defRPr sz="1200" kern="1200">
+        <a:solidFill>
+          <a:schemeClr val="tx1"/>
+        </a:solidFill>
+        <a:latin typeface="+mn-lt"/>
+        <a:ea typeface="+mn-ea"/>
+        <a:cs typeface="+mn-cs"/>
+      </a:defRPr>
+    </a:lvl6pPr>
+    <a:lvl7pPr marL="2743200" algn="l" defTabSz="914400" rtl="0" eaLnBrk="1" latinLnBrk="0" hangingPunct="1">
+      <a:defRPr sz="1200" kern="1200">
+        <a:solidFill>
+          <a:schemeClr val="tx1"/>
+        </a:solidFill>
+        <a:latin typeface="+mn-lt"/>
+        <a:ea typeface="+mn-ea"/>
+        <a:cs typeface="+mn-cs"/>
+      </a:defRPr>
+    </a:lvl7pPr>
+    <a:lvl8pPr marL="3200400" algn="l" defTabSz="914400" rtl="0" eaLnBrk="1" latinLnBrk="0" hangingPunct="1">
+      <a:defRPr sz="1200" kern="1200">
+        <a:solidFill>
+          <a:schemeClr val="tx1"/>
+        </a:solidFill>
+        <a:latin typeface="+mn-lt"/>
+        <a:ea typeface="+mn-ea"/>
+        <a:cs typeface="+mn-cs"/>
+      </a:defRPr>
+    </a:lvl8pPr>
+    <a:lvl9pPr marL="3657600" algn="l" defTabSz="914400" rtl="0" eaLnBrk="1" latinLnBrk="0" hangingPunct="1">
+      <a:defRPr sz="1200" kern="1200">
+        <a:solidFill>
+          <a:schemeClr val="tx1"/>
+        </a:solidFill>
+        <a:latin typeface="+mn-lt"/>
+        <a:ea typeface="+mn-ea"/>
+        <a:cs typeface="+mn-cs"/>
+      </a:defRPr>
+    </a:lvl9pPr>
+  </p:notesStyle>
+</p:notesMaster>
+</file>
+
+<file path=ppt/notesSlides/notesSlide1.xml><?xml version="1.0" encoding="utf-8"?>
+<p:notes xmlns:a="http://schemas.openxmlformats.org/drawingml/2006/main" xmlns:r="http://schemas.openxmlformats.org/officeDocument/2006/relationships" xmlns:p="http://schemas.openxmlformats.org/presentationml/2006/main">
+  <p:cSld>
+    <p:spTree>
+      <p:nvGrpSpPr>
+        <p:cNvPr id="1" name=""/>
+        <p:cNvGrpSpPr/>
+        <p:nvPr/>
+      </p:nvGrpSpPr>
+      <p:grpSpPr>
+        <a:xfrm>
+          <a:off x="0" y="0"/>
+          <a:ext cx="0" cy="0"/>
+          <a:chOff x="0" y="0"/>
+          <a:chExt cx="0" cy="0"/>
+        </a:xfrm>
+      </p:grpSpPr>
+      <p:sp>
+        <p:nvSpPr>
+          <p:cNvPr id="2" name="Slide Image Placeholder 1"/>
+          <p:cNvSpPr>
+            <a:spLocks noGrp="1" noRot="1" noChangeAspect="1"/>
+          </p:cNvSpPr>
+          <p:nvPr>
+            <p:ph type="sldImg"/>
+          </p:nvPr>
+        </p:nvSpPr>
+        <p:spPr/>
+      </p:sp>
+      <p:sp>
+        <p:nvSpPr>
+          <p:cNvPr id="3" name="Notes Placeholder 2"/>
+          <p:cNvSpPr>
+            <a:spLocks noGrp="1"/>
+          </p:cNvSpPr>
+          <p:nvPr>
+            <p:ph type="body" idx="1"/>
+          </p:nvPr>
+        </p:nvSpPr>
+        <p:spPr/>
+        <p:txBody>
+          <a:bodyPr/>
+          <a:lstStyle/>
+          <a:p>
+            <a:endParaRPr lang="en-GB" dirty="0"/>
+          </a:p>
+        </p:txBody>
+      </p:sp>
+      <p:sp>
+        <p:nvSpPr>
+          <p:cNvPr id="4" name="Slide Number Placeholder 3"/>
+          <p:cNvSpPr>
+            <a:spLocks noGrp="1"/>
+          </p:cNvSpPr>
+          <p:nvPr>
+            <p:ph type="sldNum" sz="quarter" idx="10"/>
+          </p:nvPr>
+        </p:nvSpPr>
+        <p:spPr/>
+        <p:txBody>
+          <a:bodyPr/>
+          <a:lstStyle/>
+          <a:p>
+            <a:fld id="{2E0E47FD-A40E-4DA9-B5BB-FD3D8C4ABC39}" type="slidenum">
+              <a:rPr lang="en-GB" smtClean="0"/>
+              <a:t>4</a:t>
+            </a:fld>
+            <a:endParaRPr lang="en-GB"/>
+          </a:p>
+        </p:txBody>
+      </p:sp>
+    </p:spTree>
+    <p:extLst>
+      <p:ext uri="{BB962C8B-B14F-4D97-AF65-F5344CB8AC3E}">
+        <p14:creationId xmlns:p14="http://schemas.microsoft.com/office/powerpoint/2010/main" val="1122535875"/>
+      </p:ext>
+    </p:extLst>
+  </p:cSld>
+  <p:clrMapOvr>
+    <a:masterClrMapping/>
+  </p:clrMapOvr>
+</p:notes>
 </file>
 
 <file path=ppt/slideLayouts/slideLayout1.xml><?xml version="1.0" encoding="utf-8"?>
@@ -343,7 +6139,7 @@
           <a:p>
             <a:fld id="{FAE648DA-AB40-4E99-A391-BD85BFC6A8BA}" type="datetimeFigureOut">
               <a:rPr lang="en-GB" smtClean="0"/>
-              <a:t>02/06/2020</a:t>
+              <a:t>04/06/2020</a:t>
             </a:fld>
             <a:endParaRPr lang="en-GB"/>
           </a:p>
@@ -432,7 +6228,7 @@
     </p:spTree>
     <p:extLst>
       <p:ext uri="{BB962C8B-B14F-4D97-AF65-F5344CB8AC3E}">
-        <p14:creationId xmlns:p14="http://schemas.microsoft.com/office/powerpoint/2010/main" val="51995953"/>
+        <p14:creationId xmlns:p14="http://schemas.microsoft.com/office/powerpoint/2010/main" val="1539783364"/>
       </p:ext>
     </p:extLst>
   </p:cSld>
@@ -551,7 +6347,7 @@
           <a:p>
             <a:fld id="{FAE648DA-AB40-4E99-A391-BD85BFC6A8BA}" type="datetimeFigureOut">
               <a:rPr lang="en-GB" smtClean="0"/>
-              <a:t>02/06/2020</a:t>
+              <a:t>04/06/2020</a:t>
             </a:fld>
             <a:endParaRPr lang="en-GB"/>
           </a:p>
@@ -602,7 +6398,7 @@
     </p:spTree>
     <p:extLst>
       <p:ext uri="{BB962C8B-B14F-4D97-AF65-F5344CB8AC3E}">
-        <p14:creationId xmlns:p14="http://schemas.microsoft.com/office/powerpoint/2010/main" val="2662629544"/>
+        <p14:creationId xmlns:p14="http://schemas.microsoft.com/office/powerpoint/2010/main" val="2613066774"/>
       </p:ext>
     </p:extLst>
   </p:cSld>
@@ -807,7 +6603,7 @@
           <a:p>
             <a:fld id="{FAE648DA-AB40-4E99-A391-BD85BFC6A8BA}" type="datetimeFigureOut">
               <a:rPr lang="en-GB" smtClean="0"/>
-              <a:t>02/06/2020</a:t>
+              <a:t>04/06/2020</a:t>
             </a:fld>
             <a:endParaRPr lang="en-GB"/>
           </a:p>
@@ -858,7 +6654,7 @@
     </p:spTree>
     <p:extLst>
       <p:ext uri="{BB962C8B-B14F-4D97-AF65-F5344CB8AC3E}">
-        <p14:creationId xmlns:p14="http://schemas.microsoft.com/office/powerpoint/2010/main" val="3404959286"/>
+        <p14:creationId xmlns:p14="http://schemas.microsoft.com/office/powerpoint/2010/main" val="2199727665"/>
       </p:ext>
     </p:extLst>
   </p:cSld>
@@ -977,7 +6773,7 @@
           <a:p>
             <a:fld id="{FAE648DA-AB40-4E99-A391-BD85BFC6A8BA}" type="datetimeFigureOut">
               <a:rPr lang="en-GB" smtClean="0"/>
-              <a:t>02/06/2020</a:t>
+              <a:t>04/06/2020</a:t>
             </a:fld>
             <a:endParaRPr lang="en-GB"/>
           </a:p>
@@ -1028,7 +6824,7 @@
     </p:spTree>
     <p:extLst>
       <p:ext uri="{BB962C8B-B14F-4D97-AF65-F5344CB8AC3E}">
-        <p14:creationId xmlns:p14="http://schemas.microsoft.com/office/powerpoint/2010/main" val="896832717"/>
+        <p14:creationId xmlns:p14="http://schemas.microsoft.com/office/powerpoint/2010/main" val="783114850"/>
       </p:ext>
     </p:extLst>
   </p:cSld>
@@ -1320,7 +7116,7 @@
           <a:p>
             <a:fld id="{FAE648DA-AB40-4E99-A391-BD85BFC6A8BA}" type="datetimeFigureOut">
               <a:rPr lang="en-GB" smtClean="0"/>
-              <a:t>02/06/2020</a:t>
+              <a:t>04/06/2020</a:t>
             </a:fld>
             <a:endParaRPr lang="en-GB"/>
           </a:p>
@@ -1409,7 +7205,7 @@
     </p:spTree>
     <p:extLst>
       <p:ext uri="{BB962C8B-B14F-4D97-AF65-F5344CB8AC3E}">
-        <p14:creationId xmlns:p14="http://schemas.microsoft.com/office/powerpoint/2010/main" val="3590827629"/>
+        <p14:creationId xmlns:p14="http://schemas.microsoft.com/office/powerpoint/2010/main" val="4182428679"/>
       </p:ext>
     </p:extLst>
   </p:cSld>
@@ -1595,7 +7391,7 @@
           <a:p>
             <a:fld id="{FAE648DA-AB40-4E99-A391-BD85BFC6A8BA}" type="datetimeFigureOut">
               <a:rPr lang="en-GB" smtClean="0"/>
-              <a:t>02/06/2020</a:t>
+              <a:t>04/06/2020</a:t>
             </a:fld>
             <a:endParaRPr lang="en-GB"/>
           </a:p>
@@ -1646,7 +7442,7 @@
     </p:spTree>
     <p:extLst>
       <p:ext uri="{BB962C8B-B14F-4D97-AF65-F5344CB8AC3E}">
-        <p14:creationId xmlns:p14="http://schemas.microsoft.com/office/powerpoint/2010/main" val="1809167881"/>
+        <p14:creationId xmlns:p14="http://schemas.microsoft.com/office/powerpoint/2010/main" val="1402666528"/>
       </p:ext>
     </p:extLst>
   </p:cSld>
@@ -1974,7 +7770,7 @@
           <a:p>
             <a:fld id="{FAE648DA-AB40-4E99-A391-BD85BFC6A8BA}" type="datetimeFigureOut">
               <a:rPr lang="en-GB" smtClean="0"/>
-              <a:t>02/06/2020</a:t>
+              <a:t>04/06/2020</a:t>
             </a:fld>
             <a:endParaRPr lang="en-GB"/>
           </a:p>
@@ -2025,7 +7821,7 @@
     </p:spTree>
     <p:extLst>
       <p:ext uri="{BB962C8B-B14F-4D97-AF65-F5344CB8AC3E}">
-        <p14:creationId xmlns:p14="http://schemas.microsoft.com/office/powerpoint/2010/main" val="3453528141"/>
+        <p14:creationId xmlns:p14="http://schemas.microsoft.com/office/powerpoint/2010/main" val="2472083916"/>
       </p:ext>
     </p:extLst>
   </p:cSld>
@@ -2092,7 +7888,7 @@
           <a:p>
             <a:fld id="{FAE648DA-AB40-4E99-A391-BD85BFC6A8BA}" type="datetimeFigureOut">
               <a:rPr lang="en-GB" smtClean="0"/>
-              <a:t>02/06/2020</a:t>
+              <a:t>04/06/2020</a:t>
             </a:fld>
             <a:endParaRPr lang="en-GB"/>
           </a:p>
@@ -2143,7 +7939,7 @@
     </p:spTree>
     <p:extLst>
       <p:ext uri="{BB962C8B-B14F-4D97-AF65-F5344CB8AC3E}">
-        <p14:creationId xmlns:p14="http://schemas.microsoft.com/office/powerpoint/2010/main" val="4266645918"/>
+        <p14:creationId xmlns:p14="http://schemas.microsoft.com/office/powerpoint/2010/main" val="902290891"/>
       </p:ext>
     </p:extLst>
   </p:cSld>
@@ -2263,7 +8059,7 @@
           <a:p>
             <a:fld id="{FAE648DA-AB40-4E99-A391-BD85BFC6A8BA}" type="datetimeFigureOut">
               <a:rPr lang="en-GB" smtClean="0"/>
-              <a:t>02/06/2020</a:t>
+              <a:t>04/06/2020</a:t>
             </a:fld>
             <a:endParaRPr lang="en-GB"/>
           </a:p>
@@ -2322,7 +8118,7 @@
     </p:spTree>
     <p:extLst>
       <p:ext uri="{BB962C8B-B14F-4D97-AF65-F5344CB8AC3E}">
-        <p14:creationId xmlns:p14="http://schemas.microsoft.com/office/powerpoint/2010/main" val="2696894118"/>
+        <p14:creationId xmlns:p14="http://schemas.microsoft.com/office/powerpoint/2010/main" val="4042023386"/>
       </p:ext>
     </p:extLst>
   </p:cSld>
@@ -2617,7 +8413,7 @@
           <a:p>
             <a:fld id="{FAE648DA-AB40-4E99-A391-BD85BFC6A8BA}" type="datetimeFigureOut">
               <a:rPr lang="en-GB" smtClean="0"/>
-              <a:t>02/06/2020</a:t>
+              <a:t>04/06/2020</a:t>
             </a:fld>
             <a:endParaRPr lang="en-GB"/>
           </a:p>
@@ -2689,7 +8485,7 @@
     </p:spTree>
     <p:extLst>
       <p:ext uri="{BB962C8B-B14F-4D97-AF65-F5344CB8AC3E}">
-        <p14:creationId xmlns:p14="http://schemas.microsoft.com/office/powerpoint/2010/main" val="63799821"/>
+        <p14:creationId xmlns:p14="http://schemas.microsoft.com/office/powerpoint/2010/main" val="795465807"/>
       </p:ext>
     </p:extLst>
   </p:cSld>
@@ -2994,7 +8790,7 @@
           <a:p>
             <a:fld id="{FAE648DA-AB40-4E99-A391-BD85BFC6A8BA}" type="datetimeFigureOut">
               <a:rPr lang="en-GB" smtClean="0"/>
-              <a:t>02/06/2020</a:t>
+              <a:t>04/06/2020</a:t>
             </a:fld>
             <a:endParaRPr lang="en-GB"/>
           </a:p>
@@ -3045,7 +8841,7 @@
     </p:spTree>
     <p:extLst>
       <p:ext uri="{BB962C8B-B14F-4D97-AF65-F5344CB8AC3E}">
-        <p14:creationId xmlns:p14="http://schemas.microsoft.com/office/powerpoint/2010/main" val="2771557381"/>
+        <p14:creationId xmlns:p14="http://schemas.microsoft.com/office/powerpoint/2010/main" val="2994321841"/>
       </p:ext>
     </p:extLst>
   </p:cSld>
@@ -3281,7 +9077,7 @@
           <a:p>
             <a:fld id="{FAE648DA-AB40-4E99-A391-BD85BFC6A8BA}" type="datetimeFigureOut">
               <a:rPr lang="en-GB" smtClean="0"/>
-              <a:t>02/06/2020</a:t>
+              <a:t>04/06/2020</a:t>
             </a:fld>
             <a:endParaRPr lang="en-GB"/>
           </a:p>
@@ -3402,23 +9198,23 @@
     </p:spTree>
     <p:extLst>
       <p:ext uri="{BB962C8B-B14F-4D97-AF65-F5344CB8AC3E}">
-        <p14:creationId xmlns:p14="http://schemas.microsoft.com/office/powerpoint/2010/main" val="194924058"/>
+        <p14:creationId xmlns:p14="http://schemas.microsoft.com/office/powerpoint/2010/main" val="2018465607"/>
       </p:ext>
     </p:extLst>
   </p:cSld>
   <p:clrMap bg1="lt1" tx1="dk1" bg2="lt2" tx2="dk2" accent1="accent1" accent2="accent2" accent3="accent3" accent4="accent4" accent5="accent5" accent6="accent6" hlink="hlink" folHlink="folHlink"/>
   <p:sldLayoutIdLst>
-    <p:sldLayoutId id="2147483673" r:id="rId1"/>
-    <p:sldLayoutId id="2147483674" r:id="rId2"/>
-    <p:sldLayoutId id="2147483675" r:id="rId3"/>
-    <p:sldLayoutId id="2147483676" r:id="rId4"/>
-    <p:sldLayoutId id="2147483677" r:id="rId5"/>
-    <p:sldLayoutId id="2147483678" r:id="rId6"/>
-    <p:sldLayoutId id="2147483679" r:id="rId7"/>
-    <p:sldLayoutId id="2147483680" r:id="rId8"/>
-    <p:sldLayoutId id="2147483681" r:id="rId9"/>
-    <p:sldLayoutId id="2147483682" r:id="rId10"/>
-    <p:sldLayoutId id="2147483683" r:id="rId11"/>
+    <p:sldLayoutId id="2147483697" r:id="rId1"/>
+    <p:sldLayoutId id="2147483698" r:id="rId2"/>
+    <p:sldLayoutId id="2147483699" r:id="rId3"/>
+    <p:sldLayoutId id="2147483700" r:id="rId4"/>
+    <p:sldLayoutId id="2147483701" r:id="rId5"/>
+    <p:sldLayoutId id="2147483702" r:id="rId6"/>
+    <p:sldLayoutId id="2147483703" r:id="rId7"/>
+    <p:sldLayoutId id="2147483704" r:id="rId8"/>
+    <p:sldLayoutId id="2147483705" r:id="rId9"/>
+    <p:sldLayoutId id="2147483706" r:id="rId10"/>
+    <p:sldLayoutId id="2147483707" r:id="rId11"/>
   </p:sldLayoutIdLst>
   <p:txStyles>
     <p:titleStyle>
@@ -4097,14 +9893,14 @@
             <p:ph idx="1"/>
             <p:extLst>
               <p:ext uri="{D42A27DB-BD31-4B8C-83A1-F6EECF244321}">
-                <p14:modId xmlns:p14="http://schemas.microsoft.com/office/powerpoint/2010/main" val="367486277"/>
+                <p14:modId xmlns:p14="http://schemas.microsoft.com/office/powerpoint/2010/main" val="1015223196"/>
               </p:ext>
             </p:extLst>
           </p:nvPr>
         </p:nvGraphicFramePr>
         <p:xfrm>
           <a:off x="1189558" y="1803632"/>
-          <a:ext cx="10118802" cy="4511040"/>
+          <a:ext cx="10118802" cy="4183314"/>
         </p:xfrm>
         <a:graphic>
           <a:graphicData uri="http://schemas.openxmlformats.org/drawingml/2006/table">
@@ -4374,13 +10170,7 @@
                         <a:rPr lang="en-US" sz="1600" dirty="0" smtClean="0">
                           <a:effectLst/>
                         </a:rPr>
-                        <a:t>software </a:t>
-                      </a:r>
-                      <a:r>
-                        <a:rPr lang="en-US" sz="1600" dirty="0" smtClean="0">
-                          <a:effectLst/>
-                        </a:rPr>
-                        <a:t>development life cycle (SDLC)</a:t>
+                        <a:t>software development life cycle (SDLC)</a:t>
                       </a:r>
                       <a:r>
                         <a:rPr lang="en-US" sz="1600" baseline="0" dirty="0" smtClean="0">
@@ -4423,40 +10213,7 @@
                           <a:ea typeface="+mn-ea"/>
                           <a:cs typeface="+mn-cs"/>
                         </a:rPr>
-                        <a:t>Value </a:t>
-                      </a:r>
-                      <a:r>
-                        <a:rPr lang="en-US" sz="1600" b="0" i="0" u="none" strike="noStrike" kern="1200" baseline="0" dirty="0" smtClean="0">
-                          <a:solidFill>
-                            <a:schemeClr val="dk1"/>
-                          </a:solidFill>
-                          <a:latin typeface="+mn-lt"/>
-                          <a:ea typeface="+mn-ea"/>
-                          <a:cs typeface="+mn-cs"/>
-                        </a:rPr>
-                        <a:t>Additions, Innovations </a:t>
-                      </a:r>
-                      <a:r>
-                        <a:rPr lang="en-US" sz="1600" b="0" i="0" u="none" strike="noStrike" kern="1200" baseline="0" dirty="0" smtClean="0">
-                          <a:solidFill>
-                            <a:schemeClr val="dk1"/>
-                          </a:solidFill>
-                          <a:latin typeface="+mn-lt"/>
-                          <a:ea typeface="+mn-ea"/>
-                          <a:cs typeface="+mn-cs"/>
-                        </a:rPr>
-                        <a:t>and Maintenance </a:t>
-                      </a:r>
-                      <a:r>
-                        <a:rPr lang="en-US" sz="1600" b="0" i="0" u="none" strike="noStrike" kern="1200" baseline="0" dirty="0" smtClean="0">
-                          <a:solidFill>
-                            <a:schemeClr val="dk1"/>
-                          </a:solidFill>
-                          <a:latin typeface="+mn-lt"/>
-                          <a:ea typeface="+mn-ea"/>
-                          <a:cs typeface="+mn-cs"/>
-                        </a:rPr>
-                        <a:t>in </a:t>
+                        <a:t>Value Additions, Innovations and Maintenance in </a:t>
                       </a:r>
                       <a:r>
                         <a:rPr lang="en-GB" sz="1600" b="0" i="0" u="none" strike="noStrike" kern="1200" baseline="0" dirty="0" smtClean="0">
@@ -4492,17 +10249,8 @@
                         <a:rPr lang="en-US" sz="1600" dirty="0" smtClean="0">
                           <a:effectLst/>
                         </a:rPr>
-                        <a:t>Deploy programs and evaluate </a:t>
+                        <a:t>Deploy programs and evaluate users’ feedbacks.</a:t>
                       </a:r>
-                      <a:r>
-                        <a:rPr lang="en-US" sz="1600" dirty="0" smtClean="0">
-                          <a:effectLst/>
-                        </a:rPr>
-                        <a:t>users’ feedbacks.</a:t>
-                      </a:r>
-                      <a:endParaRPr lang="en-US" sz="1600" dirty="0" smtClean="0">
-                        <a:effectLst/>
-                      </a:endParaRPr>
                     </a:p>
                     <a:p>
                       <a:pPr marL="285750" marR="0" indent="-285750" algn="l" defTabSz="914400" rtl="0" eaLnBrk="1" fontAlgn="auto" latinLnBrk="0" hangingPunct="1">
@@ -4523,31 +10271,11 @@
                         <a:defRPr/>
                       </a:pPr>
                       <a:r>
-                        <a:rPr lang="en-US" sz="1600" b="1" i="0" u="none" strike="noStrike" kern="1200" baseline="0" dirty="0" smtClean="0">
-                          <a:solidFill>
-                            <a:schemeClr val="dk1"/>
-                          </a:solidFill>
+                        <a:rPr lang="en-US" sz="1600" dirty="0" smtClean="0">
                           <a:effectLst/>
-                          <a:latin typeface="+mn-lt"/>
-                          <a:ea typeface="+mn-ea"/>
-                          <a:cs typeface="+mn-cs"/>
                         </a:rPr>
-                        <a:t>TODO</a:t>
+                        <a:t> </a:t>
                       </a:r>
-                      <a:endParaRPr lang="en-GB" sz="1600" b="1" i="0" u="none" strike="noStrike" kern="1200" baseline="0" dirty="0" smtClean="0">
-                        <a:solidFill>
-                          <a:schemeClr val="dk1"/>
-                        </a:solidFill>
-                        <a:latin typeface="+mn-lt"/>
-                        <a:ea typeface="+mn-ea"/>
-                        <a:cs typeface="+mn-cs"/>
-                      </a:endParaRPr>
-                    </a:p>
-                    <a:p>
-                      <a:pPr marL="285750" indent="-285750">
-                        <a:buFont typeface="Arial" panose="020B0604020202020204" pitchFamily="34" charset="0"/>
-                        <a:buChar char="•"/>
-                      </a:pPr>
                       <a:r>
                         <a:rPr lang="en-GB" sz="1600" b="0" i="0" u="none" strike="noStrike" kern="1200" baseline="0" dirty="0" smtClean="0">
                           <a:solidFill>
@@ -4560,28 +10288,6 @@
                         <a:t>Division Level Management Representatives(D</a:t>
                       </a:r>
                       <a:r>
-                        <a:rPr lang="en-US" sz="1600" b="0" i="0" u="none" strike="noStrike" kern="1200" baseline="0" smtClean="0">
-                          <a:solidFill>
-                            <a:schemeClr val="dk1"/>
-                          </a:solidFill>
-                          <a:latin typeface="+mn-lt"/>
-                          <a:ea typeface="+mn-ea"/>
-                          <a:cs typeface="+mn-cs"/>
-                        </a:rPr>
-                        <a:t>MR</a:t>
-                      </a:r>
-                      <a:r>
-                        <a:rPr lang="en-US" sz="1600" b="0" i="0" u="none" strike="noStrike" kern="1200" baseline="0" smtClean="0">
-                          <a:solidFill>
-                            <a:schemeClr val="dk1"/>
-                          </a:solidFill>
-                          <a:latin typeface="+mn-lt"/>
-                          <a:ea typeface="+mn-ea"/>
-                          <a:cs typeface="+mn-cs"/>
-                        </a:rPr>
-                        <a:t>) of </a:t>
-                      </a:r>
-                      <a:r>
                         <a:rPr lang="en-US" sz="1600" b="0" i="0" u="none" strike="noStrike" kern="1200" baseline="0" dirty="0" smtClean="0">
                           <a:solidFill>
                             <a:schemeClr val="dk1"/>
@@ -4590,7 +10296,7 @@
                           <a:ea typeface="+mn-ea"/>
                           <a:cs typeface="+mn-cs"/>
                         </a:rPr>
-                        <a:t>MISD for ISO implementation.</a:t>
+                        <a:t>MR) of MISD for ISO implementation.</a:t>
                       </a:r>
                     </a:p>
                     <a:p>
@@ -4717,19 +10423,11 @@
                       </a:pPr>
                       <a:r>
                         <a:rPr lang="en-US" sz="1600" b="1" dirty="0" smtClean="0"/>
-                        <a:t>Designed, Developed and successfully</a:t>
+                        <a:t>Realization </a:t>
                       </a:r>
                       <a:r>
                         <a:rPr lang="en-US" sz="1600" b="1" baseline="0" dirty="0" smtClean="0"/>
-                        <a:t> </a:t>
-                      </a:r>
-                      <a:r>
-                        <a:rPr lang="en-US" sz="1600" b="1" dirty="0" smtClean="0"/>
-                        <a:t>Operationalized</a:t>
-                      </a:r>
-                      <a:r>
-                        <a:rPr lang="en-US" sz="1600" b="1" baseline="0" dirty="0" smtClean="0"/>
-                        <a:t> </a:t>
+                        <a:t>of </a:t>
                       </a:r>
                       <a:r>
                         <a:rPr lang="en-US" sz="1600" b="1" dirty="0" smtClean="0">
@@ -4737,57 +10435,9 @@
                             <a:srgbClr val="FF6600"/>
                           </a:solidFill>
                         </a:rPr>
-                        <a:t>ISRO/DOS PFMS Web Services Interface System (IPWS)</a:t>
-                      </a:r>
-                      <a:r>
-                        <a:rPr lang="en-US" sz="1600" b="1" baseline="0" dirty="0" smtClean="0">
-                          <a:solidFill>
-                            <a:srgbClr val="FF6600"/>
-                          </a:solidFill>
-                        </a:rPr>
-                        <a:t> </a:t>
-                      </a:r>
-                      <a:r>
-                        <a:rPr lang="en-US" sz="1600" b="1" baseline="0" dirty="0" smtClean="0"/>
-                        <a:t>across all ISRO </a:t>
-                      </a:r>
-                      <a:r>
-                        <a:rPr lang="en-US" sz="1600" b="1" baseline="0" dirty="0" err="1" smtClean="0"/>
-                        <a:t>Centres</a:t>
-                      </a:r>
-                      <a:r>
-                        <a:rPr lang="en-US" sz="1600" b="1" baseline="0" dirty="0" smtClean="0"/>
-                        <a:t>/Units.</a:t>
+                        <a:t>ISRO/DOS PFMS Web Services Interface System (IPWS).</a:t>
                       </a:r>
                       <a:endParaRPr lang="en-US" sz="1600" b="1" dirty="0" smtClean="0"/>
-                    </a:p>
-                    <a:p>
-                      <a:pPr marL="285750" indent="-285750">
-                        <a:spcBef>
-                          <a:spcPts val="400"/>
-                        </a:spcBef>
-                        <a:spcAft>
-                          <a:spcPts val="400"/>
-                        </a:spcAft>
-                        <a:buFont typeface="Arial" panose="020B0604020202020204" pitchFamily="34" charset="0"/>
-                        <a:buChar char="•"/>
-                      </a:pPr>
-                      <a:r>
-                        <a:rPr lang="en-US" sz="1600" b="1" dirty="0" smtClean="0"/>
-                        <a:t>Realization of </a:t>
-                      </a:r>
-                      <a:r>
-                        <a:rPr lang="en-US" sz="1600" b="1" dirty="0" smtClean="0">
-                          <a:solidFill>
-                            <a:srgbClr val="FF6600"/>
-                          </a:solidFill>
-                        </a:rPr>
-                        <a:t>COINS-PFMS Interface Software</a:t>
-                      </a:r>
-                      <a:r>
-                        <a:rPr lang="en-US" sz="1600" b="1" dirty="0" smtClean="0"/>
-                        <a:t>.</a:t>
-                      </a:r>
                     </a:p>
                     <a:p>
                       <a:pPr marL="285750" indent="-285750">
@@ -4810,7 +10460,7 @@
                             <a:srgbClr val="FF6600"/>
                           </a:solidFill>
                         </a:rPr>
-                        <a:t>Government-to-Employee (G2E) </a:t>
+                        <a:t>Government-to-Employee (G2E) , G2B </a:t>
                       </a:r>
                       <a:r>
                         <a:rPr lang="en-US" sz="1600" b="1" dirty="0" smtClean="0"/>
@@ -4834,7 +10484,11 @@
                         <a:buChar char="•"/>
                       </a:pPr>
                       <a:r>
-                        <a:rPr lang="en-US" sz="1600" b="1" kern="1200" dirty="0" smtClean="0">
+                        <a:rPr lang="en-US" sz="1600" b="1" strike="sngStrike" dirty="0" smtClean="0"/>
+                        <a:t>Developed  a </a:t>
+                      </a:r>
+                      <a:r>
+                        <a:rPr lang="en-US" sz="1600" b="1" strike="sngStrike" kern="1200" dirty="0" smtClean="0">
                           <a:solidFill>
                             <a:schemeClr val="dk1"/>
                           </a:solidFill>
@@ -4842,7 +10496,64 @@
                           <a:ea typeface="+mn-ea"/>
                           <a:cs typeface="+mn-cs"/>
                         </a:rPr>
-                        <a:t>Prototype model of Integrated MIS system.</a:t>
+                        <a:t>Prototype for Integrated MIS system.</a:t>
+                      </a:r>
+                      <a:endParaRPr lang="en-US" sz="1600" b="1" strike="sngStrike" dirty="0" smtClean="0"/>
+                    </a:p>
+                    <a:p>
+                      <a:pPr marL="285750" indent="-285750">
+                        <a:spcBef>
+                          <a:spcPts val="400"/>
+                        </a:spcBef>
+                        <a:spcAft>
+                          <a:spcPts val="400"/>
+                        </a:spcAft>
+                        <a:buFont typeface="Arial" panose="020B0604020202020204" pitchFamily="34" charset="0"/>
+                        <a:buChar char="•"/>
+                      </a:pPr>
+                      <a:r>
+                        <a:rPr lang="en-US" sz="1600" b="1" dirty="0" smtClean="0"/>
+                        <a:t>Enhancements</a:t>
+                      </a:r>
+                      <a:r>
+                        <a:rPr lang="en-US" sz="1600" b="1" baseline="0" dirty="0" smtClean="0"/>
+                        <a:t> in  ‘</a:t>
+                      </a:r>
+                      <a:r>
+                        <a:rPr lang="en-US" sz="1600" b="1" baseline="0" dirty="0" smtClean="0">
+                          <a:solidFill>
+                            <a:srgbClr val="FF6600"/>
+                          </a:solidFill>
+                        </a:rPr>
+                        <a:t>SANDESH</a:t>
+                      </a:r>
+                      <a:r>
+                        <a:rPr lang="en-US" sz="1600" b="1" baseline="0" dirty="0" smtClean="0"/>
+                        <a:t>’ system</a:t>
+                      </a:r>
+                    </a:p>
+                    <a:p>
+                      <a:pPr marL="285750" indent="-285750">
+                        <a:spcBef>
+                          <a:spcPts val="400"/>
+                        </a:spcBef>
+                        <a:spcAft>
+                          <a:spcPts val="400"/>
+                        </a:spcAft>
+                        <a:buFont typeface="Arial" panose="020B0604020202020204" pitchFamily="34" charset="0"/>
+                        <a:buChar char="•"/>
+                      </a:pPr>
+                      <a:r>
+                        <a:rPr lang="en-US" sz="1600" b="1" baseline="0" dirty="0" err="1" smtClean="0"/>
+                        <a:t>Todo</a:t>
+                      </a:r>
+                      <a:r>
+                        <a:rPr lang="en-US" sz="1600" b="1" baseline="0" dirty="0" smtClean="0"/>
+                        <a:t> for developmental </a:t>
+                      </a:r>
+                      <a:r>
+                        <a:rPr lang="en-US" sz="1600" b="1" baseline="0" dirty="0" err="1" smtClean="0"/>
+                        <a:t>acivities</a:t>
                       </a:r>
                       <a:endParaRPr lang="en-US" sz="1600" b="1" dirty="0" smtClean="0"/>
                     </a:p>
@@ -4857,30 +10568,6 @@
                         <a:buFont typeface="Arial" panose="020B0604020202020204" pitchFamily="34" charset="0"/>
                         <a:buChar char="•"/>
                       </a:pPr>
-                      <a:r>
-                        <a:rPr lang="en-US" sz="1600" b="1" dirty="0" smtClean="0"/>
-                        <a:t>Enhanced</a:t>
-                      </a:r>
-                      <a:r>
-                        <a:rPr lang="en-US" sz="1600" b="1" baseline="0" dirty="0" smtClean="0"/>
-                        <a:t> ‘</a:t>
-                      </a:r>
-                      <a:r>
-                        <a:rPr lang="en-US" sz="1600" b="1" baseline="0" dirty="0" err="1" smtClean="0">
-                          <a:solidFill>
-                            <a:srgbClr val="FF6600"/>
-                          </a:solidFill>
-                        </a:rPr>
-                        <a:t>Sandesh</a:t>
-                      </a:r>
-                      <a:r>
-                        <a:rPr lang="en-US" sz="1600" b="1" baseline="0" dirty="0" smtClean="0"/>
-                        <a:t>’ application to realize an effective and efficient  </a:t>
-                      </a:r>
-                      <a:r>
-                        <a:rPr lang="en-GB" sz="1600" b="1" dirty="0" smtClean="0"/>
-                        <a:t>Management Information Systems (MIS) software for URSC</a:t>
-                      </a:r>
                       <a:endParaRPr lang="en-GB" sz="1600" dirty="0"/>
                     </a:p>
                   </a:txBody>
@@ -5018,8 +10705,8 @@
         </p:blipFill>
         <p:spPr>
           <a:xfrm>
-            <a:off x="8402595" y="1826684"/>
-            <a:ext cx="3608762" cy="4330835"/>
+            <a:off x="8496300" y="1737361"/>
+            <a:ext cx="3524250" cy="4320539"/>
           </a:xfrm>
           <a:prstGeom prst="rect">
             <a:avLst/>
@@ -5048,15 +10735,46 @@
         </p:nvSpPr>
         <p:spPr>
           <a:xfrm>
-            <a:off x="1188720" y="1826684"/>
-            <a:ext cx="6934532" cy="4499975"/>
+            <a:off x="1097280" y="1866899"/>
+            <a:ext cx="7484745" cy="4505325"/>
           </a:xfrm>
         </p:spPr>
         <p:txBody>
           <a:bodyPr>
-            <a:normAutofit fontScale="32500" lnSpcReduction="20000"/>
+            <a:normAutofit fontScale="25000" lnSpcReduction="20000"/>
           </a:bodyPr>
           <a:lstStyle/>
+          <a:p>
+            <a:pPr>
+              <a:lnSpc>
+                <a:spcPct val="120000"/>
+              </a:lnSpc>
+              <a:buClrTx/>
+              <a:buFont typeface="Arial" panose="020B0604020202020204" pitchFamily="34" charset="0"/>
+              <a:buChar char="•"/>
+            </a:pPr>
+            <a:r>
+              <a:rPr lang="en-US" sz="5600" dirty="0" smtClean="0"/>
+              <a:t>IPWS , </a:t>
+            </a:r>
+            <a:r>
+              <a:rPr lang="en-US" sz="5600" dirty="0"/>
+              <a:t>process XML input requests received from COINS server </a:t>
+            </a:r>
+            <a:r>
+              <a:rPr lang="en-US" sz="5600" dirty="0" smtClean="0"/>
+              <a:t>and return PFMS </a:t>
+            </a:r>
+            <a:r>
+              <a:rPr lang="en-US" sz="5600" dirty="0"/>
+              <a:t>response after </a:t>
+            </a:r>
+            <a:r>
+              <a:rPr lang="en-US" sz="5600" dirty="0" smtClean="0"/>
+              <a:t>processing.</a:t>
+            </a:r>
+            <a:endParaRPr lang="en-US" sz="5600" dirty="0"/>
+          </a:p>
           <a:p>
             <a:pPr>
               <a:buClrTx/>
@@ -5064,28 +10782,168 @@
               <a:buChar char="•"/>
             </a:pPr>
             <a:r>
-              <a:rPr lang="en-US" sz="3000" b="1" dirty="0" smtClean="0"/>
-              <a:t> </a:t>
-            </a:r>
-            <a:r>
-              <a:rPr lang="en-US" sz="3700" dirty="0" smtClean="0"/>
-              <a:t>Responsible for complete </a:t>
-            </a:r>
-            <a:r>
-              <a:rPr lang="en-US" sz="3700" dirty="0"/>
-              <a:t>software development life cycle (</a:t>
-            </a:r>
-            <a:r>
-              <a:rPr lang="en-US" sz="3700" b="1" dirty="0"/>
+              <a:rPr lang="en-US" sz="5600" dirty="0" smtClean="0"/>
+              <a:t>Responsible for system configuration and software development life cycle (</a:t>
+            </a:r>
+            <a:r>
+              <a:rPr lang="en-US" sz="5600" b="1" dirty="0" smtClean="0"/>
               <a:t>SDLC</a:t>
             </a:r>
             <a:r>
-              <a:rPr lang="en-US" sz="3700" dirty="0"/>
-              <a:t>) </a:t>
-            </a:r>
-            <a:r>
-              <a:rPr lang="en-US" sz="3700" dirty="0" smtClean="0"/>
-              <a:t>of IPWS system.</a:t>
+              <a:rPr lang="en-US" sz="5600" dirty="0" smtClean="0"/>
+              <a:t>) of IPWS system.</a:t>
+            </a:r>
+          </a:p>
+          <a:p>
+            <a:pPr>
+              <a:lnSpc>
+                <a:spcPct val="120000"/>
+              </a:lnSpc>
+              <a:buClrTx/>
+              <a:buFont typeface="Arial" panose="020B0604020202020204" pitchFamily="34" charset="0"/>
+              <a:buChar char="•"/>
+            </a:pPr>
+            <a:r>
+              <a:rPr lang="en-US" sz="5600" dirty="0" smtClean="0"/>
+              <a:t>Carried </a:t>
+            </a:r>
+            <a:r>
+              <a:rPr lang="en-US" sz="5600" dirty="0" smtClean="0"/>
+              <a:t>out detailed requirement gathering, design and prepared SRS , SRD.</a:t>
+            </a:r>
+          </a:p>
+          <a:p>
+            <a:pPr>
+              <a:lnSpc>
+                <a:spcPct val="120000"/>
+              </a:lnSpc>
+              <a:buClrTx/>
+              <a:buFont typeface="Arial" panose="020B0604020202020204" pitchFamily="34" charset="0"/>
+              <a:buChar char="•"/>
+            </a:pPr>
+            <a:r>
+              <a:rPr lang="en-US" sz="5600" dirty="0" smtClean="0"/>
+              <a:t>Developed </a:t>
+            </a:r>
+            <a:r>
+              <a:rPr lang="en-US" sz="5600" dirty="0" smtClean="0"/>
+              <a:t>the </a:t>
+            </a:r>
+            <a:r>
+              <a:rPr lang="en-US" sz="5600" dirty="0" smtClean="0"/>
+              <a:t>application in Java</a:t>
+            </a:r>
+            <a:r>
+              <a:rPr lang="en-GB" sz="5600" dirty="0"/>
+              <a:t> Runtime</a:t>
+            </a:r>
+            <a:r>
+              <a:rPr lang="en-US" sz="5600" dirty="0" smtClean="0"/>
+              <a:t> Environment using </a:t>
+            </a:r>
+            <a:r>
+              <a:rPr lang="en-US" sz="5600" dirty="0" smtClean="0"/>
+              <a:t>log4J, </a:t>
+            </a:r>
+            <a:r>
+              <a:rPr lang="en-US" sz="5600" dirty="0" err="1" smtClean="0"/>
+              <a:t>Quatrz</a:t>
+            </a:r>
+            <a:r>
+              <a:rPr lang="en-US" sz="5600" dirty="0" smtClean="0"/>
+              <a:t>, </a:t>
+            </a:r>
+            <a:r>
+              <a:rPr lang="en-US" sz="5600" dirty="0" err="1" smtClean="0"/>
+              <a:t>Jasypt</a:t>
+            </a:r>
+            <a:r>
+              <a:rPr lang="en-US" sz="5600" dirty="0" smtClean="0"/>
+              <a:t> API and exchange messages in SOAP format.</a:t>
+            </a:r>
+            <a:endParaRPr lang="en-US" sz="5600" dirty="0" smtClean="0"/>
+          </a:p>
+          <a:p>
+            <a:pPr>
+              <a:lnSpc>
+                <a:spcPct val="120000"/>
+              </a:lnSpc>
+              <a:buClrTx/>
+              <a:buFont typeface="Arial" panose="020B0604020202020204" pitchFamily="34" charset="0"/>
+              <a:buChar char="•"/>
+            </a:pPr>
+            <a:r>
+              <a:rPr lang="en-US" sz="5600" dirty="0" smtClean="0"/>
+              <a:t>Deployed the application as a Linux service using </a:t>
+            </a:r>
+            <a:r>
+              <a:rPr lang="en-US" sz="5600" b="1" dirty="0" smtClean="0"/>
+              <a:t>systemd</a:t>
+            </a:r>
+            <a:r>
+              <a:rPr lang="en-US" sz="5600" dirty="0" smtClean="0"/>
+              <a:t>.</a:t>
+            </a:r>
+            <a:endParaRPr lang="en-US" sz="5600" dirty="0" smtClean="0"/>
+          </a:p>
+          <a:p>
+            <a:pPr>
+              <a:lnSpc>
+                <a:spcPct val="120000"/>
+              </a:lnSpc>
+              <a:buClrTx/>
+              <a:buFont typeface="Arial" panose="020B0604020202020204" pitchFamily="34" charset="0"/>
+              <a:buChar char="•"/>
+            </a:pPr>
+            <a:r>
+              <a:rPr lang="en-US" sz="5600" dirty="0" smtClean="0"/>
+              <a:t>Carried out functional and </a:t>
+            </a:r>
+            <a:r>
+              <a:rPr lang="en-US" sz="5600" dirty="0"/>
+              <a:t>non- functional testing</a:t>
+            </a:r>
+            <a:r>
+              <a:rPr lang="en-US" sz="5600" dirty="0" smtClean="0"/>
+              <a:t>.</a:t>
+            </a:r>
+          </a:p>
+          <a:p>
+            <a:pPr>
+              <a:lnSpc>
+                <a:spcPct val="120000"/>
+              </a:lnSpc>
+              <a:buClrTx/>
+              <a:buFont typeface="Arial" panose="020B0604020202020204" pitchFamily="34" charset="0"/>
+              <a:buChar char="•"/>
+            </a:pPr>
+            <a:r>
+              <a:rPr lang="en-IN" sz="5600" dirty="0" smtClean="0"/>
+              <a:t>Developed shell </a:t>
+            </a:r>
+            <a:r>
+              <a:rPr lang="en-IN" sz="5600" dirty="0"/>
+              <a:t>scripts using </a:t>
+            </a:r>
+            <a:r>
+              <a:rPr lang="en-IN" sz="5600" b="1" dirty="0"/>
+              <a:t>rsync utility</a:t>
+            </a:r>
+            <a:r>
+              <a:rPr lang="en-IN" sz="5600" dirty="0" smtClean="0"/>
+              <a:t> for XML files </a:t>
+            </a:r>
+            <a:r>
+              <a:rPr lang="en-GB" sz="5600" dirty="0" smtClean="0"/>
+              <a:t>synchronization</a:t>
+            </a:r>
+            <a:r>
+              <a:rPr lang="en-IN" sz="5600" dirty="0" smtClean="0"/>
+              <a:t> between </a:t>
+            </a:r>
+            <a:r>
+              <a:rPr lang="en-IN" sz="5600" b="1" dirty="0" smtClean="0"/>
+              <a:t>COINS and IPWS. </a:t>
             </a:r>
           </a:p>
           <a:p>
@@ -5095,22 +10953,61 @@
               <a:buChar char="•"/>
             </a:pPr>
             <a:r>
-              <a:rPr lang="en-US" sz="3700" dirty="0"/>
-              <a:t>Analyzed interface model implemented by NIC team </a:t>
-            </a:r>
-            <a:r>
-              <a:rPr lang="en-US" sz="3700" dirty="0" smtClean="0"/>
-              <a:t>and completed the </a:t>
-            </a:r>
-            <a:r>
-              <a:rPr lang="en-US" sz="3700" b="1" dirty="0" smtClean="0"/>
-              <a:t>requirement analysis in coordination with IT department at PFMS</a:t>
-            </a:r>
-            <a:r>
-              <a:rPr lang="en-US" sz="3700" dirty="0" smtClean="0"/>
-              <a:t>.</a:t>
-            </a:r>
-            <a:endParaRPr lang="en-US" sz="3700" dirty="0"/>
+              <a:rPr lang="en-IN" sz="5600" dirty="0" smtClean="0"/>
+              <a:t>Implemented recommendations </a:t>
+            </a:r>
+            <a:r>
+              <a:rPr lang="en-US" sz="5600" dirty="0"/>
+              <a:t>given by ISRO/DOS </a:t>
+            </a:r>
+            <a:r>
+              <a:rPr lang="en-GB" sz="5600" dirty="0"/>
+              <a:t>Cyber Security Mock Drill </a:t>
+            </a:r>
+            <a:r>
+              <a:rPr lang="en-US" sz="5600" dirty="0"/>
+              <a:t>(CSMD) </a:t>
+            </a:r>
+            <a:r>
+              <a:rPr lang="en-US" sz="5600" dirty="0" smtClean="0"/>
+              <a:t>team on:</a:t>
+            </a:r>
+          </a:p>
+          <a:p>
+            <a:pPr lvl="1">
+              <a:buClrTx/>
+              <a:buFont typeface="Arial" panose="020B0604020202020204" pitchFamily="34" charset="0"/>
+              <a:buChar char="•"/>
+            </a:pPr>
+            <a:r>
+              <a:rPr lang="en-GB" sz="5600" dirty="0"/>
+              <a:t>System Configuration</a:t>
+            </a:r>
+            <a:endParaRPr lang="en-IN" sz="5600" dirty="0"/>
+          </a:p>
+          <a:p>
+            <a:pPr lvl="1">
+              <a:buClrTx/>
+              <a:buFont typeface="Arial" panose="020B0604020202020204" pitchFamily="34" charset="0"/>
+              <a:buChar char="•"/>
+            </a:pPr>
+            <a:r>
+              <a:rPr lang="en-GB" sz="5600" dirty="0" smtClean="0"/>
+              <a:t>Code </a:t>
+            </a:r>
+            <a:r>
+              <a:rPr lang="en-GB" sz="5600" dirty="0"/>
+              <a:t>Analysis </a:t>
+            </a:r>
+            <a:r>
+              <a:rPr lang="en-GB" sz="5600" dirty="0" smtClean="0"/>
+              <a:t>of </a:t>
+            </a:r>
+            <a:r>
+              <a:rPr lang="en-GB" sz="5600" dirty="0"/>
+              <a:t>IPWS Software</a:t>
+            </a:r>
+            <a:endParaRPr lang="en-IN" sz="5600" dirty="0"/>
           </a:p>
           <a:p>
             <a:pPr>
@@ -5119,28 +11016,20 @@
               <a:buChar char="•"/>
             </a:pPr>
             <a:r>
-              <a:rPr lang="en-US" sz="3700" b="1" dirty="0" smtClean="0"/>
-              <a:t>Developed</a:t>
-            </a:r>
-            <a:r>
-              <a:rPr lang="en-US" sz="3700" dirty="0" smtClean="0"/>
-              <a:t> the IPWS application that </a:t>
-            </a:r>
-            <a:r>
-              <a:rPr lang="en-US" sz="3700" dirty="0"/>
-              <a:t>process XML input requests received from COINS </a:t>
-            </a:r>
-            <a:r>
-              <a:rPr lang="en-US" sz="3700" dirty="0" smtClean="0"/>
-              <a:t>server and send it </a:t>
-            </a:r>
-            <a:r>
-              <a:rPr lang="en-US" sz="3700" dirty="0"/>
-              <a:t>to PFMS web </a:t>
-            </a:r>
-            <a:r>
-              <a:rPr lang="en-US" sz="3700" dirty="0" smtClean="0"/>
-              <a:t>service consumption system after validation at IPWS. PFMS server in return send XML responses which are exhaustively processed at IPWS against various conditions before passing it to COINS server for database updates.</a:t>
+              <a:rPr lang="en-IN" sz="5600" dirty="0" smtClean="0"/>
+              <a:t>Providing </a:t>
+            </a:r>
+            <a:r>
+              <a:rPr lang="en-GB" sz="5600" dirty="0" smtClean="0"/>
+              <a:t>enhancement and</a:t>
+            </a:r>
+            <a:r>
+              <a:rPr lang="en-IN" sz="5600" dirty="0" smtClean="0"/>
+              <a:t> </a:t>
+            </a:r>
+            <a:r>
+              <a:rPr lang="en-GB" sz="5600" dirty="0" smtClean="0"/>
+              <a:t>maintenance support.</a:t>
             </a:r>
           </a:p>
           <a:p>
@@ -5150,237 +11039,97 @@
               <a:buChar char="•"/>
             </a:pPr>
             <a:r>
-              <a:rPr lang="en-IN" sz="3700" dirty="0" smtClean="0"/>
-              <a:t>Developed shell scripts for the transferring of XML files between </a:t>
-            </a:r>
-            <a:r>
-              <a:rPr lang="en-IN" sz="3700" b="1" dirty="0" smtClean="0"/>
-              <a:t>COINS and IPWS </a:t>
-            </a:r>
-            <a:r>
-              <a:rPr lang="en-IN" sz="3700" dirty="0" smtClean="0"/>
-              <a:t>server using </a:t>
-            </a:r>
-            <a:r>
-              <a:rPr lang="en-IN" sz="3700" b="1" dirty="0" smtClean="0"/>
-              <a:t>rsync utility. </a:t>
-            </a:r>
-            <a:endParaRPr lang="en-IN" sz="3700" b="1" dirty="0" smtClean="0"/>
-          </a:p>
-          <a:p>
-            <a:pPr>
-              <a:buClrTx/>
-              <a:buFont typeface="Arial" panose="020B0604020202020204" pitchFamily="34" charset="0"/>
-              <a:buChar char="•"/>
-            </a:pPr>
-            <a:r>
-              <a:rPr lang="en-IN" sz="3700" dirty="0"/>
-              <a:t>Presented </a:t>
-            </a:r>
-            <a:r>
-              <a:rPr lang="en-IN" sz="3700" dirty="0" smtClean="0"/>
-              <a:t>code walk-through </a:t>
-            </a:r>
-            <a:r>
-              <a:rPr lang="en-IN" sz="3700" dirty="0"/>
-              <a:t>of IPWS</a:t>
-            </a:r>
-          </a:p>
-          <a:p>
-            <a:pPr>
-              <a:buClrTx/>
-              <a:buFont typeface="Arial" panose="020B0604020202020204" pitchFamily="34" charset="0"/>
-              <a:buChar char="•"/>
-            </a:pPr>
-            <a:r>
-              <a:rPr lang="en-IN" sz="3700" dirty="0" smtClean="0"/>
-              <a:t>Based </a:t>
-            </a:r>
-            <a:r>
-              <a:rPr lang="en-IN" sz="3700" dirty="0"/>
-              <a:t>on the </a:t>
-            </a:r>
-            <a:r>
-              <a:rPr lang="en-US" sz="3700" dirty="0"/>
-              <a:t>recommendations </a:t>
-            </a:r>
-            <a:r>
-              <a:rPr lang="en-US" sz="3700" dirty="0" smtClean="0"/>
-              <a:t>given by </a:t>
-            </a:r>
-            <a:r>
-              <a:rPr lang="en-US" sz="3700" dirty="0"/>
-              <a:t>ISRO/DOS Cyber Security (CSMD) </a:t>
-            </a:r>
-            <a:r>
-              <a:rPr lang="en-US" sz="3700" dirty="0" smtClean="0"/>
-              <a:t>team , </a:t>
-            </a:r>
-            <a:r>
-              <a:rPr lang="en-IN" sz="3700" dirty="0" smtClean="0"/>
-              <a:t>ensured the </a:t>
-            </a:r>
-            <a:r>
-              <a:rPr lang="en-IN" sz="3700" b="1" dirty="0" smtClean="0"/>
-              <a:t>hardening of IPWS server </a:t>
-            </a:r>
-            <a:r>
-              <a:rPr lang="en-IN" sz="3700" dirty="0" smtClean="0"/>
-              <a:t>to </a:t>
-            </a:r>
-            <a:r>
-              <a:rPr lang="en-IN" sz="3700" dirty="0"/>
-              <a:t>enhance server security from cyber attacks</a:t>
-            </a:r>
-            <a:r>
-              <a:rPr lang="en-IN" sz="3700" dirty="0" smtClean="0"/>
-              <a:t>.</a:t>
-            </a:r>
-          </a:p>
-          <a:p>
-            <a:pPr>
-              <a:buClrTx/>
-              <a:buFont typeface="Arial" panose="020B0604020202020204" pitchFamily="34" charset="0"/>
-              <a:buChar char="•"/>
-            </a:pPr>
-            <a:r>
-              <a:rPr lang="en-IN" sz="3700" dirty="0" smtClean="0"/>
-              <a:t>IPWS system is a standalone system which is making use of java </a:t>
-            </a:r>
-            <a:r>
-              <a:rPr lang="en-IN" sz="3700" dirty="0"/>
-              <a:t>property file </a:t>
-            </a:r>
-            <a:r>
-              <a:rPr lang="en-IN" sz="3700" dirty="0" smtClean="0"/>
-              <a:t>to </a:t>
-            </a:r>
-            <a:r>
-              <a:rPr lang="en-IN" sz="3700" dirty="0"/>
-              <a:t>commence its </a:t>
-            </a:r>
-            <a:r>
-              <a:rPr lang="en-IN" sz="3700" dirty="0" smtClean="0"/>
-              <a:t>desired operations </a:t>
-            </a:r>
-            <a:r>
-              <a:rPr lang="en-IN" sz="3700" b="1" dirty="0" smtClean="0"/>
-              <a:t>without interacting with any database server.</a:t>
-            </a:r>
-          </a:p>
-          <a:p>
-            <a:pPr>
-              <a:buClrTx/>
-              <a:buFont typeface="Arial" panose="020B0604020202020204" pitchFamily="34" charset="0"/>
-              <a:buChar char="•"/>
-            </a:pPr>
-            <a:r>
-              <a:rPr lang="en-IN" sz="3700" dirty="0" smtClean="0"/>
-              <a:t>Responsible for</a:t>
-            </a:r>
-            <a:r>
-              <a:rPr lang="en-IN" sz="3700" b="1" dirty="0" smtClean="0"/>
-              <a:t> all enhancements</a:t>
-            </a:r>
-            <a:r>
-              <a:rPr lang="en-IN" sz="3700" dirty="0" smtClean="0"/>
-              <a:t> to be made in the system in order to satisfy new </a:t>
-            </a:r>
-            <a:r>
-              <a:rPr lang="en-IN" sz="3700" dirty="0"/>
-              <a:t>emerging </a:t>
-            </a:r>
-            <a:r>
-              <a:rPr lang="en-IN" sz="3700" dirty="0" smtClean="0"/>
-              <a:t>requirements and improvement in system performance on the  whole.</a:t>
-            </a:r>
-          </a:p>
-          <a:p>
-            <a:pPr>
-              <a:buClrTx/>
-              <a:buFont typeface="Arial" panose="020B0604020202020204" pitchFamily="34" charset="0"/>
-              <a:buChar char="•"/>
-            </a:pPr>
-            <a:r>
-              <a:rPr lang="en-IN" sz="3700" dirty="0" smtClean="0"/>
-              <a:t>Responsible for </a:t>
-            </a:r>
-            <a:r>
-              <a:rPr lang="en-IN" sz="3700" b="1" dirty="0" smtClean="0"/>
-              <a:t>continual monitoring of the system </a:t>
-            </a:r>
-            <a:r>
-              <a:rPr lang="en-IN" sz="3700" dirty="0" smtClean="0"/>
-              <a:t>to </a:t>
-            </a:r>
-            <a:r>
-              <a:rPr lang="en-IN" sz="3700" dirty="0"/>
-              <a:t>report </a:t>
-            </a:r>
-            <a:r>
-              <a:rPr lang="en-IN" sz="3700" dirty="0" smtClean="0"/>
-              <a:t>or correct any </a:t>
-            </a:r>
-            <a:r>
-              <a:rPr lang="en-GB" sz="3700" dirty="0"/>
-              <a:t>unexpected</a:t>
-            </a:r>
-            <a:r>
-              <a:rPr lang="en-IN" sz="3700" dirty="0" smtClean="0"/>
-              <a:t> incidents.</a:t>
-            </a:r>
-          </a:p>
-          <a:p>
-            <a:pPr>
-              <a:buClrTx/>
-              <a:buFont typeface="Arial" panose="020B0604020202020204" pitchFamily="34" charset="0"/>
-              <a:buChar char="•"/>
-            </a:pPr>
-            <a:r>
-              <a:rPr lang="en-US" sz="3700" dirty="0" smtClean="0"/>
-              <a:t>Presently </a:t>
-            </a:r>
-            <a:r>
-              <a:rPr lang="en-US" sz="3700" dirty="0"/>
-              <a:t>IPWS is </a:t>
-            </a:r>
-            <a:r>
-              <a:rPr lang="en-US" sz="3700" b="1" dirty="0"/>
-              <a:t>satisfactorily serving its objective </a:t>
-            </a:r>
-            <a:r>
-              <a:rPr lang="en-US" sz="3700" b="1" dirty="0" smtClean="0"/>
-              <a:t>across </a:t>
-            </a:r>
-            <a:r>
-              <a:rPr lang="en-US" sz="3700" b="1" dirty="0"/>
-              <a:t>all ISRO </a:t>
-            </a:r>
-            <a:r>
-              <a:rPr lang="en-US" sz="3700" b="1" dirty="0" err="1" smtClean="0"/>
+              <a:rPr lang="en-US" sz="5600" b="1" dirty="0"/>
+              <a:t>IPWS </a:t>
+            </a:r>
+            <a:r>
+              <a:rPr lang="en-US" sz="5600" b="1" dirty="0" smtClean="0"/>
+              <a:t>is </a:t>
+            </a:r>
+            <a:r>
+              <a:rPr lang="en-US" sz="5600" b="1" dirty="0"/>
+              <a:t>serving</a:t>
+            </a:r>
+            <a:r>
+              <a:rPr lang="en-US" sz="5600" b="1" dirty="0" smtClean="0"/>
+              <a:t> </a:t>
+            </a:r>
+            <a:r>
+              <a:rPr lang="en-US" sz="5600" b="1" dirty="0"/>
+              <a:t>satisfactorily </a:t>
+            </a:r>
+            <a:r>
+              <a:rPr lang="en-US" sz="5600" b="1" dirty="0" smtClean="0"/>
+              <a:t>its </a:t>
+            </a:r>
+            <a:r>
+              <a:rPr lang="en-US" sz="5600" b="1" dirty="0"/>
+              <a:t>objective across all ISRO </a:t>
+            </a:r>
+            <a:r>
+              <a:rPr lang="en-US" sz="5600" b="1" dirty="0" err="1"/>
               <a:t>centres</a:t>
             </a:r>
             <a:r>
-              <a:rPr lang="en-US" sz="3700" b="1" dirty="0" smtClean="0"/>
-              <a:t>/units.</a:t>
-            </a:r>
-            <a:endParaRPr lang="en-IN" sz="3700" b="1" dirty="0"/>
-          </a:p>
-          <a:p>
-            <a:pPr>
-              <a:buClrTx/>
-              <a:buFont typeface="Arial" panose="020B0604020202020204" pitchFamily="34" charset="0"/>
-              <a:buChar char="•"/>
-            </a:pPr>
-            <a:endParaRPr lang="en-US" sz="3700" b="1" dirty="0"/>
-          </a:p>
-          <a:p>
-            <a:pPr>
-              <a:buClrTx/>
-              <a:buFont typeface="Arial" panose="020B0604020202020204" pitchFamily="34" charset="0"/>
-              <a:buChar char="•"/>
-            </a:pPr>
-            <a:endParaRPr lang="en-GB" sz="3700" b="1" dirty="0"/>
+              <a:rPr lang="en-US" sz="5600" b="1" dirty="0"/>
+              <a:t>/units </a:t>
+            </a:r>
+            <a:r>
+              <a:rPr lang="en-US" sz="5600" b="1" dirty="0"/>
+              <a:t>since </a:t>
+            </a:r>
+            <a:r>
+              <a:rPr lang="en-US" sz="5600" b="1" dirty="0" smtClean="0"/>
+              <a:t>01-Jan-2019.</a:t>
+            </a:r>
+            <a:endParaRPr lang="en-US" sz="5600" b="1" dirty="0"/>
+          </a:p>
+        </p:txBody>
+      </p:sp>
+      <p:sp>
+        <p:nvSpPr>
+          <p:cNvPr id="6" name="TextBox 5"/>
+          <p:cNvSpPr txBox="1"/>
+          <p:nvPr/>
+        </p:nvSpPr>
+        <p:spPr>
+          <a:xfrm>
+            <a:off x="9736456" y="5953452"/>
+            <a:ext cx="1419224" cy="261610"/>
+          </a:xfrm>
+          <a:prstGeom prst="rect">
+            <a:avLst/>
+          </a:prstGeom>
+        </p:spPr>
+        <p:style>
+          <a:lnRef idx="2">
+            <a:schemeClr val="accent1"/>
+          </a:lnRef>
+          <a:fillRef idx="1">
+            <a:schemeClr val="lt1"/>
+          </a:fillRef>
+          <a:effectRef idx="0">
+            <a:schemeClr val="accent1"/>
+          </a:effectRef>
+          <a:fontRef idx="minor">
+            <a:schemeClr val="dk1"/>
+          </a:fontRef>
+        </p:style>
+        <p:txBody>
+          <a:bodyPr wrap="square" rtlCol="0">
+            <a:spAutoFit/>
+          </a:bodyPr>
+          <a:lstStyle/>
+          <a:p>
+            <a:r>
+              <a:rPr lang="en-IN" sz="1100" dirty="0" smtClean="0"/>
+              <a:t>System </a:t>
+            </a:r>
+            <a:r>
+              <a:rPr lang="en-IN" sz="1100" dirty="0" smtClean="0"/>
+              <a:t>Architecture</a:t>
+            </a:r>
+            <a:endParaRPr lang="en-GB" sz="1100" dirty="0"/>
           </a:p>
         </p:txBody>
       </p:sp>
@@ -5444,7 +11193,15 @@
                   <a:srgbClr val="FF6600"/>
                 </a:solidFill>
               </a:rPr>
-              <a:t>COINS-PFMS Interface Software</a:t>
+              <a:t>ISRO/DOS PFMS Web Services Interface System (IPWS</a:t>
+            </a:r>
+            <a:r>
+              <a:rPr lang="en-IN" sz="3600" b="1" dirty="0" smtClean="0">
+                <a:solidFill>
+                  <a:srgbClr val="FF6600"/>
+                </a:solidFill>
+              </a:rPr>
+              <a:t>)</a:t>
             </a:r>
             <a:endParaRPr lang="en-GB" sz="3600" b="1" dirty="0">
               <a:solidFill>
@@ -5456,269 +11213,507 @@
       </p:sp>
       <p:sp>
         <p:nvSpPr>
-          <p:cNvPr id="19" name="Content Placeholder 18"/>
+          <p:cNvPr id="3" name="Content Placeholder 2"/>
           <p:cNvSpPr>
             <a:spLocks noGrp="1"/>
           </p:cNvSpPr>
           <p:nvPr>
-            <p:ph idx="1"/>
+            <p:ph sz="half" idx="1"/>
           </p:nvPr>
         </p:nvSpPr>
-        <p:spPr/>
+        <p:spPr>
+          <a:xfrm>
+            <a:off x="1210962" y="1737359"/>
+            <a:ext cx="5997146" cy="4614013"/>
+          </a:xfrm>
+        </p:spPr>
         <p:txBody>
-          <a:bodyPr/>
+          <a:bodyPr>
+            <a:normAutofit fontScale="92500" lnSpcReduction="10000"/>
+          </a:bodyPr>
           <a:lstStyle/>
           <a:p>
-            <a:pPr>
-              <a:buClr>
-                <a:schemeClr val="tx1"/>
-              </a:buClr>
+            <a:pPr marL="0" indent="0">
+              <a:lnSpc>
+                <a:spcPct val="120000"/>
+              </a:lnSpc>
+              <a:buNone/>
+            </a:pPr>
+            <a:r>
+              <a:rPr lang="en-GB" sz="1500" b="1" u="sng" dirty="0"/>
+              <a:t>System</a:t>
+            </a:r>
+            <a:r>
+              <a:rPr lang="en-US" sz="1500" b="1" u="sng" dirty="0"/>
+              <a:t> Configurations</a:t>
+            </a:r>
+          </a:p>
+          <a:p>
+            <a:pPr lvl="1">
+              <a:lnSpc>
+                <a:spcPct val="110000"/>
+              </a:lnSpc>
+              <a:buClrTx/>
               <a:buFont typeface="Arial" panose="020B0604020202020204" pitchFamily="34" charset="0"/>
               <a:buChar char="•"/>
             </a:pPr>
             <a:r>
-              <a:rPr lang="en-US" sz="1600" dirty="0" smtClean="0"/>
-              <a:t>It is an interface software that transfer ISRO-DOS accounting information to PFMS system in the form of XML files.</a:t>
-            </a:r>
-          </a:p>
-          <a:p>
-            <a:pPr>
-              <a:buClr>
-                <a:schemeClr val="tx1"/>
-              </a:buClr>
+              <a:rPr lang="en-US" sz="1500" dirty="0" smtClean="0"/>
+              <a:t>Allowing </a:t>
+            </a:r>
+            <a:r>
+              <a:rPr lang="en-US" sz="1500" b="1" dirty="0" smtClean="0"/>
+              <a:t>only</a:t>
+            </a:r>
+            <a:r>
+              <a:rPr lang="en-US" sz="1500" dirty="0" smtClean="0"/>
+              <a:t> required TCP/80 and TCP/443 ports in the firewall on Internet side</a:t>
+            </a:r>
+          </a:p>
+          <a:p>
+            <a:pPr lvl="1">
+              <a:lnSpc>
+                <a:spcPct val="110000"/>
+              </a:lnSpc>
+              <a:buClrTx/>
               <a:buFont typeface="Arial" panose="020B0604020202020204" pitchFamily="34" charset="0"/>
               <a:buChar char="•"/>
             </a:pPr>
             <a:r>
-              <a:rPr lang="en-US" sz="1600" dirty="0"/>
-              <a:t>Played key role from conceptual design to operationalization of this system</a:t>
-            </a:r>
-            <a:r>
-              <a:rPr lang="en-US" sz="1600" dirty="0" smtClean="0"/>
-              <a:t>.</a:t>
-            </a:r>
-          </a:p>
-          <a:p>
-            <a:pPr>
-              <a:buClr>
-                <a:schemeClr val="tx1"/>
-              </a:buClr>
+              <a:rPr lang="en-US" sz="1500" dirty="0" smtClean="0"/>
+              <a:t>Only </a:t>
+            </a:r>
+            <a:r>
+              <a:rPr lang="en-US" sz="1500" b="1" dirty="0"/>
+              <a:t>rsync</a:t>
+            </a:r>
+            <a:r>
+              <a:rPr lang="en-US" sz="1500" dirty="0"/>
+              <a:t> protocol to be allowed in the firewall on intranet side</a:t>
+            </a:r>
+          </a:p>
+          <a:p>
+            <a:pPr lvl="1">
+              <a:lnSpc>
+                <a:spcPct val="110000"/>
+              </a:lnSpc>
+              <a:buClrTx/>
               <a:buFont typeface="Arial" panose="020B0604020202020204" pitchFamily="34" charset="0"/>
               <a:buChar char="•"/>
             </a:pPr>
             <a:r>
-              <a:rPr lang="en-IN" sz="1600" dirty="0" smtClean="0"/>
-              <a:t> </a:t>
-            </a:r>
-            <a:r>
-              <a:rPr lang="en-US" sz="1600" dirty="0"/>
-              <a:t>As a member of ‘COINS-PFMS Interface /software review Committee’ team </a:t>
-            </a:r>
-            <a:r>
-              <a:rPr lang="en-US" sz="1600" dirty="0" smtClean="0"/>
-              <a:t>reported all major  incidents related </a:t>
-            </a:r>
-            <a:r>
-              <a:rPr lang="en-US" sz="1600" dirty="0"/>
-              <a:t>to business logic, </a:t>
-            </a:r>
-            <a:r>
-              <a:rPr lang="en-US" sz="1600" dirty="0" smtClean="0"/>
-              <a:t>bugs, </a:t>
-            </a:r>
-            <a:r>
-              <a:rPr lang="en-US" sz="1600" dirty="0"/>
-              <a:t>performance related </a:t>
-            </a:r>
-            <a:r>
-              <a:rPr lang="en-US" sz="1600" dirty="0" smtClean="0"/>
-              <a:t>issues, code-reusability and modularity were submitted to </a:t>
-            </a:r>
-            <a:r>
-              <a:rPr lang="en-US" sz="1600" dirty="0"/>
-              <a:t>DD, RO, </a:t>
-            </a:r>
-            <a:r>
-              <a:rPr lang="en-US" sz="1600" dirty="0" smtClean="0"/>
-              <a:t>SDSC.</a:t>
-            </a:r>
-          </a:p>
-          <a:p>
-            <a:pPr>
-              <a:buClr>
-                <a:schemeClr val="tx1"/>
-              </a:buClr>
+              <a:rPr lang="en-US" sz="1500" dirty="0"/>
+              <a:t>Minimal installation of </a:t>
+            </a:r>
+            <a:r>
+              <a:rPr lang="en-US" sz="1500" dirty="0" smtClean="0"/>
+              <a:t>CentOS/RHEL </a:t>
+            </a:r>
+            <a:r>
+              <a:rPr lang="en-US" sz="1500" dirty="0"/>
+              <a:t>OS without GUI/application </a:t>
+            </a:r>
+            <a:r>
+              <a:rPr lang="en-US" sz="1500" dirty="0" smtClean="0"/>
+              <a:t>software</a:t>
+            </a:r>
+          </a:p>
+          <a:p>
+            <a:pPr lvl="1">
+              <a:lnSpc>
+                <a:spcPct val="110000"/>
+              </a:lnSpc>
+              <a:buClrTx/>
               <a:buFont typeface="Arial" panose="020B0604020202020204" pitchFamily="34" charset="0"/>
               <a:buChar char="•"/>
             </a:pPr>
             <a:r>
-              <a:rPr lang="en-US" sz="1600" dirty="0" smtClean="0"/>
-              <a:t>Ensures </a:t>
-            </a:r>
-            <a:r>
-              <a:rPr lang="en-US" sz="1600" dirty="0" smtClean="0"/>
-              <a:t>continuous operations </a:t>
-            </a:r>
-            <a:r>
-              <a:rPr lang="en-US" sz="1600" dirty="0"/>
-              <a:t>and maintenance of the finance, accounts and stores related modules of COINS at </a:t>
-            </a:r>
-            <a:r>
-              <a:rPr lang="en-US" sz="1600" dirty="0" smtClean="0"/>
-              <a:t>URSC</a:t>
-            </a:r>
-          </a:p>
-          <a:p>
-            <a:pPr>
-              <a:buClr>
-                <a:schemeClr val="tx1"/>
-              </a:buClr>
+              <a:rPr lang="en-US" sz="1500" dirty="0" smtClean="0"/>
+              <a:t>Import SSL/TLS </a:t>
+            </a:r>
+            <a:r>
+              <a:rPr lang="en-US" sz="1500" dirty="0"/>
+              <a:t>certificate deployed at </a:t>
+            </a:r>
+            <a:r>
+              <a:rPr lang="en-US" sz="1500" b="1" dirty="0"/>
+              <a:t>pfms.nic.in </a:t>
+            </a:r>
+            <a:r>
+              <a:rPr lang="en-US" sz="1500" dirty="0" smtClean="0"/>
+              <a:t>and </a:t>
+            </a:r>
+            <a:r>
+              <a:rPr lang="en-US" sz="1500" dirty="0"/>
+              <a:t>handle </a:t>
+            </a:r>
+            <a:r>
+              <a:rPr lang="en-US" sz="1500" dirty="0" smtClean="0"/>
+              <a:t>in </a:t>
+            </a:r>
+            <a:r>
+              <a:rPr lang="en-US" sz="1500" b="1" dirty="0" smtClean="0"/>
+              <a:t>jre</a:t>
+            </a:r>
+            <a:r>
+              <a:rPr lang="en-US" sz="1500" dirty="0" smtClean="0"/>
+              <a:t>.</a:t>
+            </a:r>
+          </a:p>
+          <a:p>
+            <a:pPr lvl="1">
+              <a:buClrTx/>
               <a:buFont typeface="Arial" panose="020B0604020202020204" pitchFamily="34" charset="0"/>
               <a:buChar char="•"/>
             </a:pPr>
             <a:r>
-              <a:rPr lang="en-US" sz="1600" dirty="0"/>
-              <a:t>Provided support for configuring the COINS-PFMS interface software across all ISRO </a:t>
-            </a:r>
-            <a:r>
-              <a:rPr lang="en-US" sz="1600" dirty="0" err="1"/>
-              <a:t>centres</a:t>
-            </a:r>
-            <a:r>
-              <a:rPr lang="en-US" sz="1600" dirty="0"/>
-              <a:t>. The system is </a:t>
-            </a:r>
-            <a:r>
-              <a:rPr lang="en-US" sz="1600" dirty="0" smtClean="0"/>
-              <a:t>in continual use </a:t>
-            </a:r>
-            <a:r>
-              <a:rPr lang="en-US" sz="1600" dirty="0"/>
-              <a:t>and serving its objective since 01-Jan-2019</a:t>
-            </a:r>
-            <a:r>
-              <a:rPr lang="en-US" sz="1600" dirty="0" smtClean="0"/>
-              <a:t>.</a:t>
-            </a:r>
-          </a:p>
-          <a:p>
-            <a:pPr>
-              <a:buClr>
-                <a:schemeClr val="tx1"/>
-              </a:buClr>
+              <a:rPr lang="en-US" sz="1500" dirty="0" err="1" smtClean="0"/>
+              <a:t>Selinux</a:t>
+            </a:r>
+            <a:r>
+              <a:rPr lang="en-US" sz="1500" dirty="0" smtClean="0"/>
+              <a:t> </a:t>
+            </a:r>
+            <a:r>
+              <a:rPr lang="en-US" sz="1500" dirty="0"/>
+              <a:t>based mandatory access control </a:t>
+            </a:r>
+            <a:r>
+              <a:rPr lang="en-US" sz="1500" dirty="0" smtClean="0"/>
+              <a:t>to </a:t>
+            </a:r>
+            <a:r>
+              <a:rPr lang="en-US" sz="1500" dirty="0"/>
+              <a:t>be enabled and </a:t>
+            </a:r>
+            <a:r>
+              <a:rPr lang="en-US" sz="1500" dirty="0" smtClean="0"/>
+              <a:t>enforced.</a:t>
+            </a:r>
+            <a:endParaRPr lang="en-US" sz="1500" dirty="0"/>
+          </a:p>
+          <a:p>
+            <a:pPr lvl="1">
+              <a:buClrTx/>
               <a:buFont typeface="Arial" panose="020B0604020202020204" pitchFamily="34" charset="0"/>
               <a:buChar char="•"/>
             </a:pPr>
             <a:r>
-              <a:rPr lang="en-US" sz="1600" dirty="0" smtClean="0"/>
-              <a:t>Involved </a:t>
-            </a:r>
-            <a:r>
-              <a:rPr lang="en-US" sz="1600" dirty="0"/>
-              <a:t>in </a:t>
-            </a:r>
-            <a:r>
-              <a:rPr lang="en-US" sz="1600" dirty="0" smtClean="0"/>
-              <a:t>complete </a:t>
-            </a:r>
-            <a:r>
-              <a:rPr lang="en-US" sz="1600" dirty="0"/>
-              <a:t>verification and validation of COINS-PFMS Interface Software and submitted detailed test results </a:t>
-            </a:r>
-            <a:r>
-              <a:rPr lang="en-US" sz="1600" dirty="0" smtClean="0"/>
-              <a:t>report for making the desired changes.</a:t>
-            </a:r>
-          </a:p>
-          <a:p>
-            <a:pPr>
-              <a:buClr>
-                <a:schemeClr val="tx1"/>
-              </a:buClr>
+              <a:rPr lang="en-US" sz="1500" dirty="0"/>
+              <a:t>Strong password for root &amp; other </a:t>
+            </a:r>
+            <a:r>
+              <a:rPr lang="en-US" sz="1500" dirty="0" smtClean="0"/>
+              <a:t>users.</a:t>
+            </a:r>
+            <a:endParaRPr lang="en-US" sz="1500" dirty="0"/>
+          </a:p>
+          <a:p>
+            <a:pPr lvl="1">
+              <a:buClrTx/>
               <a:buFont typeface="Arial" panose="020B0604020202020204" pitchFamily="34" charset="0"/>
               <a:buChar char="•"/>
             </a:pPr>
-            <a:endParaRPr lang="en-US" sz="1600" b="1" dirty="0" smtClean="0"/>
-          </a:p>
-          <a:p>
-            <a:pPr>
-              <a:buClr>
-                <a:schemeClr val="tx1"/>
-              </a:buClr>
+            <a:r>
+              <a:rPr lang="en-US" sz="1500" dirty="0" smtClean="0"/>
+              <a:t>For</a:t>
+            </a:r>
+            <a:r>
+              <a:rPr lang="en-US" sz="1600" dirty="0" smtClean="0"/>
+              <a:t> </a:t>
+            </a:r>
+            <a:r>
+              <a:rPr lang="en-US" sz="1600" dirty="0" err="1"/>
+              <a:t>OpenSSH</a:t>
+            </a:r>
+            <a:endParaRPr lang="en-US" sz="1500" dirty="0" smtClean="0"/>
+          </a:p>
+          <a:p>
+            <a:pPr lvl="2">
+              <a:buClrTx/>
               <a:buFont typeface="Arial" panose="020B0604020202020204" pitchFamily="34" charset="0"/>
               <a:buChar char="•"/>
             </a:pPr>
-            <a:endParaRPr lang="en-US" sz="1600" b="1" dirty="0" smtClean="0"/>
-          </a:p>
-          <a:p>
-            <a:pPr>
-              <a:buClr>
-                <a:schemeClr val="tx1"/>
-              </a:buClr>
+            <a:r>
+              <a:rPr lang="en-US" dirty="0"/>
+              <a:t>X11 forwarding should be </a:t>
+            </a:r>
+            <a:r>
+              <a:rPr lang="en-US" dirty="0" smtClean="0"/>
+              <a:t>disallowed</a:t>
+            </a:r>
+          </a:p>
+          <a:p>
+            <a:pPr lvl="2">
+              <a:buClrTx/>
               <a:buFont typeface="Arial" panose="020B0604020202020204" pitchFamily="34" charset="0"/>
               <a:buChar char="•"/>
             </a:pPr>
-            <a:endParaRPr lang="en-US" b="1" dirty="0"/>
-          </a:p>
-          <a:p>
-            <a:pPr>
-              <a:buClr>
-                <a:schemeClr val="tx1"/>
-              </a:buClr>
+            <a:r>
+              <a:rPr lang="en-US" dirty="0"/>
+              <a:t>Listening port </a:t>
+            </a:r>
+            <a:r>
+              <a:rPr lang="en-US" dirty="0" smtClean="0"/>
+              <a:t>must be a non-standard port</a:t>
+            </a:r>
+          </a:p>
+          <a:p>
+            <a:pPr lvl="2">
+              <a:buClrTx/>
               <a:buFont typeface="Arial" panose="020B0604020202020204" pitchFamily="34" charset="0"/>
               <a:buChar char="•"/>
             </a:pPr>
+            <a:r>
+              <a:rPr lang="en-US" dirty="0" err="1"/>
+              <a:t>GSSAPIAuthentication</a:t>
+            </a:r>
+            <a:r>
+              <a:rPr lang="en-US" dirty="0"/>
+              <a:t> must be set to ‘no’</a:t>
+            </a:r>
+          </a:p>
+          <a:p>
+            <a:pPr lvl="2">
+              <a:buClrTx/>
+              <a:buFont typeface="Arial" panose="020B0604020202020204" pitchFamily="34" charset="0"/>
+              <a:buChar char="•"/>
+            </a:pPr>
+            <a:r>
+              <a:rPr lang="en-GB" dirty="0"/>
+              <a:t>Only RSA key based </a:t>
+            </a:r>
+            <a:r>
+              <a:rPr lang="en-GB" dirty="0" smtClean="0"/>
+              <a:t>authentication</a:t>
+            </a:r>
+          </a:p>
+          <a:p>
+            <a:pPr lvl="1">
+              <a:lnSpc>
+                <a:spcPct val="120000"/>
+              </a:lnSpc>
+              <a:buClrTx/>
+              <a:buFont typeface="Arial" panose="020B0604020202020204" pitchFamily="34" charset="0"/>
+              <a:buChar char="•"/>
+            </a:pPr>
+            <a:r>
+              <a:rPr lang="en-US" sz="1500" dirty="0"/>
+              <a:t>No direct login to root account, No remote login to any account, locking of account on 3 unsuccessful attempts need to be </a:t>
+            </a:r>
+            <a:r>
+              <a:rPr lang="en-US" sz="1500" dirty="0" smtClean="0"/>
+              <a:t>implemented</a:t>
+            </a:r>
+          </a:p>
+          <a:p>
+            <a:pPr marL="0" lvl="1" indent="0">
+              <a:lnSpc>
+                <a:spcPct val="120000"/>
+              </a:lnSpc>
+              <a:spcBef>
+                <a:spcPts val="1200"/>
+              </a:spcBef>
+              <a:spcAft>
+                <a:spcPts val="200"/>
+              </a:spcAft>
+              <a:buSzPct val="100000"/>
+              <a:buNone/>
+            </a:pPr>
+            <a:r>
+              <a:rPr lang="en-IN" sz="1500" b="1" u="sng" dirty="0" smtClean="0"/>
+              <a:t> </a:t>
+            </a:r>
+            <a:endParaRPr lang="en-US" sz="1500" b="1" u="sng" dirty="0"/>
+          </a:p>
+          <a:p>
+            <a:pPr lvl="1">
+              <a:lnSpc>
+                <a:spcPct val="120000"/>
+              </a:lnSpc>
+              <a:buClrTx/>
+              <a:buFont typeface="Arial" panose="020B0604020202020204" pitchFamily="34" charset="0"/>
+              <a:buChar char="•"/>
+            </a:pPr>
+            <a:endParaRPr lang="en-US" sz="1500" b="1" u="sng" dirty="0"/>
+          </a:p>
+          <a:p>
+            <a:pPr marL="201168" lvl="1" indent="0">
+              <a:lnSpc>
+                <a:spcPct val="120000"/>
+              </a:lnSpc>
+              <a:buClrTx/>
+              <a:buNone/>
+            </a:pPr>
+            <a:endParaRPr lang="en-US" sz="1500" dirty="0"/>
+          </a:p>
+          <a:p>
+            <a:pPr lvl="1">
+              <a:lnSpc>
+                <a:spcPct val="120000"/>
+              </a:lnSpc>
+              <a:buClrTx/>
+              <a:buFont typeface="Arial" panose="020B0604020202020204" pitchFamily="34" charset="0"/>
+              <a:buChar char="•"/>
+            </a:pPr>
+            <a:endParaRPr lang="en-US" sz="1500" dirty="0"/>
+          </a:p>
+          <a:p>
+            <a:pPr lvl="2"/>
+            <a:endParaRPr lang="en-US" dirty="0"/>
+          </a:p>
+          <a:p>
+            <a:endParaRPr lang="en-GB" dirty="0"/>
+          </a:p>
+          <a:p>
             <a:endParaRPr lang="en-GB" dirty="0"/>
           </a:p>
         </p:txBody>
       </p:sp>
       <p:pic>
         <p:nvPicPr>
-          <p:cNvPr id="20" name="Picture 19"/>
+          <p:cNvPr id="5" name="Content Placeholder 4"/>
           <p:cNvPicPr>
-            <a:picLocks noChangeAspect="1"/>
+            <a:picLocks noGrp="1" noChangeAspect="1"/>
           </p:cNvPicPr>
-          <p:nvPr/>
+          <p:nvPr>
+            <p:ph sz="half" idx="2"/>
+          </p:nvPr>
         </p:nvPicPr>
         <p:blipFill>
-          <a:blip r:embed="rId2">
-            <a:extLst>
-              <a:ext uri="{28A0092B-C50C-407E-A947-70E740481C1C}">
-                <a14:useLocalDpi xmlns:a14="http://schemas.microsoft.com/office/drawing/2010/main" val="0"/>
-              </a:ext>
-            </a:extLst>
-          </a:blip>
+          <a:blip r:embed="rId3"/>
           <a:stretch>
             <a:fillRect/>
           </a:stretch>
         </p:blipFill>
         <p:spPr>
           <a:xfrm>
-            <a:off x="1344168" y="4818888"/>
-            <a:ext cx="7479792" cy="893635"/>
+            <a:off x="7208108" y="1826693"/>
+            <a:ext cx="4366054" cy="2126186"/>
           </a:xfrm>
           <a:prstGeom prst="rect">
             <a:avLst/>
           </a:prstGeom>
         </p:spPr>
       </p:pic>
+      <p:graphicFrame>
+        <p:nvGraphicFramePr>
+          <p:cNvPr id="13" name="Diagram 12"/>
+          <p:cNvGraphicFramePr/>
+          <p:nvPr>
+            <p:extLst>
+              <p:ext uri="{D42A27DB-BD31-4B8C-83A1-F6EECF244321}">
+                <p14:modId xmlns:p14="http://schemas.microsoft.com/office/powerpoint/2010/main" val="3464744430"/>
+              </p:ext>
+            </p:extLst>
+          </p:nvPr>
+        </p:nvGraphicFramePr>
+        <p:xfrm>
+          <a:off x="7052616" y="4248150"/>
+          <a:ext cx="5015559" cy="1692964"/>
+        </p:xfrm>
+        <a:graphic>
+          <a:graphicData uri="http://schemas.openxmlformats.org/drawingml/2006/diagram">
+            <dgm:relIds xmlns:dgm="http://schemas.openxmlformats.org/drawingml/2006/diagram" xmlns:r="http://schemas.openxmlformats.org/officeDocument/2006/relationships" r:dm="rId4" r:lo="rId5" r:qs="rId6" r:cs="rId7"/>
+          </a:graphicData>
+        </a:graphic>
+      </p:graphicFrame>
+      <p:sp>
+        <p:nvSpPr>
+          <p:cNvPr id="14" name="TextBox 13"/>
+          <p:cNvSpPr txBox="1"/>
+          <p:nvPr/>
+        </p:nvSpPr>
+        <p:spPr>
+          <a:xfrm>
+            <a:off x="8236033" y="3822074"/>
+            <a:ext cx="1453979" cy="261610"/>
+          </a:xfrm>
+          <a:prstGeom prst="rect">
+            <a:avLst/>
+          </a:prstGeom>
+        </p:spPr>
+        <p:style>
+          <a:lnRef idx="2">
+            <a:schemeClr val="accent1"/>
+          </a:lnRef>
+          <a:fillRef idx="1">
+            <a:schemeClr val="lt1"/>
+          </a:fillRef>
+          <a:effectRef idx="0">
+            <a:schemeClr val="accent1"/>
+          </a:effectRef>
+          <a:fontRef idx="minor">
+            <a:schemeClr val="dk1"/>
+          </a:fontRef>
+        </p:style>
+        <p:txBody>
+          <a:bodyPr wrap="square" rtlCol="0">
+            <a:spAutoFit/>
+          </a:bodyPr>
+          <a:lstStyle/>
+          <a:p>
+            <a:r>
+              <a:rPr lang="en-IN" sz="1100" dirty="0" smtClean="0"/>
+              <a:t>Network Architecture</a:t>
+            </a:r>
+            <a:endParaRPr lang="en-GB" sz="1100" dirty="0"/>
+          </a:p>
+        </p:txBody>
+      </p:sp>
+      <p:sp>
+        <p:nvSpPr>
+          <p:cNvPr id="15" name="TextBox 14"/>
+          <p:cNvSpPr txBox="1"/>
+          <p:nvPr/>
+        </p:nvSpPr>
+        <p:spPr>
+          <a:xfrm>
+            <a:off x="8236033" y="6024812"/>
+            <a:ext cx="1753374" cy="261610"/>
+          </a:xfrm>
+          <a:prstGeom prst="rect">
+            <a:avLst/>
+          </a:prstGeom>
+        </p:spPr>
+        <p:style>
+          <a:lnRef idx="2">
+            <a:schemeClr val="accent1"/>
+          </a:lnRef>
+          <a:fillRef idx="1">
+            <a:schemeClr val="lt1"/>
+          </a:fillRef>
+          <a:effectRef idx="0">
+            <a:schemeClr val="accent1"/>
+          </a:effectRef>
+          <a:fontRef idx="minor">
+            <a:schemeClr val="dk1"/>
+          </a:fontRef>
+        </p:style>
+        <p:txBody>
+          <a:bodyPr wrap="square" rtlCol="0">
+            <a:spAutoFit/>
+          </a:bodyPr>
+          <a:lstStyle/>
+          <a:p>
+            <a:r>
+              <a:rPr lang="en-IN" sz="1100" dirty="0" smtClean="0"/>
+              <a:t>IPWS Directory Structure</a:t>
+            </a:r>
+            <a:endParaRPr lang="en-GB" sz="1100" dirty="0"/>
+          </a:p>
+        </p:txBody>
+      </p:sp>
     </p:spTree>
     <p:extLst>
       <p:ext uri="{BB962C8B-B14F-4D97-AF65-F5344CB8AC3E}">
-        <p14:creationId xmlns:p14="http://schemas.microsoft.com/office/powerpoint/2010/main" val="3623182616"/>
+        <p14:creationId xmlns:p14="http://schemas.microsoft.com/office/powerpoint/2010/main" val="359088024"/>
       </p:ext>
     </p:extLst>
   </p:cSld>
   <p:clrMapOvr>
     <a:masterClrMapping/>
   </p:clrMapOvr>
-  <p:timing>
-    <p:tnLst>
-      <p:par>
-        <p:cTn id="1" dur="indefinite" restart="never" nodeType="tmRoot"/>
-      </p:par>
-    </p:tnLst>
-  </p:timing>
 </p:sld>
 </file>
 
@@ -5757,36 +11752,12 @@
           <a:lstStyle/>
           <a:p>
             <a:r>
-              <a:rPr lang="en-IN" sz="3600" b="1" dirty="0" smtClean="0">
-                <a:solidFill>
-                  <a:srgbClr val="FF6600"/>
-                </a:solidFill>
-              </a:rPr>
-              <a:t>SANDESH </a:t>
-            </a:r>
-            <a:r>
               <a:rPr lang="en-IN" sz="3600" b="1" dirty="0">
                 <a:solidFill>
                   <a:srgbClr val="FF6600"/>
                 </a:solidFill>
               </a:rPr>
-              <a:t>- The </a:t>
-            </a:r>
-            <a:r>
-              <a:rPr lang="en-IN" sz="3600" b="1" dirty="0" smtClean="0">
-                <a:solidFill>
-                  <a:srgbClr val="FF6600"/>
-                </a:solidFill>
-              </a:rPr>
-              <a:t>Management Information </a:t>
-            </a:r>
-            <a:r>
-              <a:rPr lang="en-IN" sz="3600" b="1" dirty="0">
-                <a:solidFill>
-                  <a:srgbClr val="FF6600"/>
-                </a:solidFill>
-              </a:rPr>
-              <a:t>System</a:t>
+              <a:t>COINS-PFMS Interface Software</a:t>
             </a:r>
             <a:endParaRPr lang="en-GB" sz="3600" b="1" dirty="0">
               <a:solidFill>
@@ -5798,7 +11769,7 @@
       </p:sp>
       <p:sp>
         <p:nvSpPr>
-          <p:cNvPr id="3" name="Content Placeholder 2"/>
+          <p:cNvPr id="19" name="Content Placeholder 18"/>
           <p:cNvSpPr>
             <a:spLocks noGrp="1"/>
           </p:cNvSpPr>
@@ -5806,16 +11777,9 @@
             <p:ph idx="1"/>
           </p:nvPr>
         </p:nvSpPr>
-        <p:spPr>
-          <a:xfrm>
-            <a:off x="1097280" y="1845734"/>
-            <a:ext cx="7142205" cy="4462787"/>
-          </a:xfrm>
-        </p:spPr>
+        <p:spPr/>
         <p:txBody>
-          <a:bodyPr>
-            <a:noAutofit/>
-          </a:bodyPr>
+          <a:bodyPr/>
           <a:lstStyle/>
           <a:p>
             <a:pPr>
@@ -5826,48 +11790,8 @@
               <a:buChar char="•"/>
             </a:pPr>
             <a:r>
-              <a:rPr lang="en-US" sz="1200" dirty="0" smtClean="0"/>
-              <a:t>Responsible for </a:t>
-            </a:r>
-            <a:r>
-              <a:rPr lang="en-US" sz="1200" b="1" dirty="0" smtClean="0"/>
-              <a:t>continual </a:t>
-            </a:r>
-            <a:r>
-              <a:rPr lang="en-US" sz="1200" dirty="0" smtClean="0"/>
-              <a:t>value </a:t>
-            </a:r>
-            <a:r>
-              <a:rPr lang="en-US" sz="1200" dirty="0"/>
-              <a:t>a</a:t>
-            </a:r>
-            <a:r>
-              <a:rPr lang="en-US" sz="1200" dirty="0" smtClean="0"/>
-              <a:t>ddition</a:t>
-            </a:r>
-            <a:r>
-              <a:rPr lang="en-US" sz="1200" dirty="0"/>
-              <a:t>, </a:t>
-            </a:r>
-            <a:r>
-              <a:rPr lang="en-US" sz="1200" dirty="0" smtClean="0"/>
-              <a:t>innovation , maintenance and encourage paperless </a:t>
-            </a:r>
-            <a:r>
-              <a:rPr lang="en-US" sz="1200" dirty="0"/>
-              <a:t>and </a:t>
-            </a:r>
-            <a:r>
-              <a:rPr lang="en-US" sz="1200" b="1" dirty="0"/>
-              <a:t>office automation</a:t>
-            </a:r>
-            <a:r>
-              <a:rPr lang="en-US" sz="1200" dirty="0"/>
-              <a:t> </a:t>
-            </a:r>
-            <a:r>
-              <a:rPr lang="en-US" sz="1200" dirty="0" smtClean="0"/>
-              <a:t>through SANDESH system.</a:t>
+              <a:rPr lang="en-US" sz="1600" dirty="0" smtClean="0"/>
+              <a:t>It is an interface software that transfer ISRO-DOS accounting information to PFMS system in the form of XML files.</a:t>
             </a:r>
           </a:p>
           <a:p>
@@ -5879,26 +11803,17 @@
               <a:buChar char="•"/>
             </a:pPr>
             <a:r>
-              <a:rPr lang="en-US" sz="1200" dirty="0"/>
-              <a:t>Developed a new module for </a:t>
-            </a:r>
-            <a:r>
-              <a:rPr lang="en-US" sz="1200" b="1" dirty="0"/>
-              <a:t>Foreign Tour Allowance (FTA</a:t>
-            </a:r>
-            <a:r>
-              <a:rPr lang="en-US" sz="1200" b="1" dirty="0" smtClean="0"/>
-              <a:t>)</a:t>
-            </a:r>
-            <a:r>
-              <a:rPr lang="en-US" sz="1200" dirty="0" smtClean="0"/>
-              <a:t>,</a:t>
-            </a:r>
-            <a:r>
-              <a:rPr lang="en-US" sz="1200" dirty="0"/>
-              <a:t> in which account personal can add Travelling Allowance advance and settlement details through online mode for employees who travelled on foreign official tours. </a:t>
-            </a:r>
-            <a:endParaRPr lang="en-US" sz="1200" dirty="0" smtClean="0"/>
+              <a:rPr lang="en-US" sz="1600" dirty="0" smtClean="0"/>
+              <a:t>Providing operational and maintenance support for Finance, Accounts and Stores modules </a:t>
+            </a:r>
+            <a:r>
+              <a:rPr lang="en-US" sz="1600" strike="sngStrike" dirty="0" smtClean="0"/>
+              <a:t>of COINS </a:t>
+            </a:r>
+            <a:r>
+              <a:rPr lang="en-US" sz="1600" dirty="0" smtClean="0"/>
+              <a:t>in URSC.</a:t>
+            </a:r>
           </a:p>
           <a:p>
             <a:pPr>
@@ -5909,20 +11824,32 @@
               <a:buChar char="•"/>
             </a:pPr>
             <a:r>
-              <a:rPr lang="en-US" sz="1200" dirty="0"/>
-              <a:t>Developed a module for </a:t>
-            </a:r>
-            <a:r>
-              <a:rPr lang="en-US" sz="1200" b="1" dirty="0"/>
-              <a:t>digitization</a:t>
-            </a:r>
-            <a:r>
-              <a:rPr lang="en-US" sz="1200" dirty="0"/>
-              <a:t> of TRAVEL Agents transactions related to payment details and air-travel booking details that made by TRAVEL Agents like ‘Balmer Lawrie</a:t>
-            </a:r>
-            <a:r>
-              <a:rPr lang="en-US" sz="1200" dirty="0" smtClean="0"/>
-              <a:t>’.</a:t>
+              <a:rPr lang="en-IN" sz="1600" dirty="0" smtClean="0"/>
+              <a:t> </a:t>
+            </a:r>
+            <a:r>
+              <a:rPr lang="en-US" sz="1600" dirty="0" smtClean="0"/>
+              <a:t>As a member of </a:t>
+            </a:r>
+            <a:r>
+              <a:rPr lang="en-US" sz="1600" dirty="0" err="1" smtClean="0"/>
+              <a:t>Codewalk</a:t>
+            </a:r>
+            <a:r>
+              <a:rPr lang="en-US" sz="1600" dirty="0" smtClean="0"/>
+              <a:t> </a:t>
+            </a:r>
+            <a:r>
+              <a:rPr lang="en-US" sz="1600" dirty="0"/>
+              <a:t>through Committee of COINS-PFMS Interface software </a:t>
+            </a:r>
+            <a:r>
+              <a:rPr lang="en-US" sz="1600" dirty="0" smtClean="0"/>
+              <a:t>carried out detailed analysis and report all major  incidents related to business logic, bugs, performance related issues, code-reusability and modularity were submitted to DD, RO, SDSC , and recommended possible code optimization , enhancing exception handling and implement modularity in code</a:t>
+            </a:r>
+            <a:r>
+              <a:rPr lang="en-US" sz="1600" dirty="0" smtClean="0"/>
+              <a:t>.</a:t>
             </a:r>
           </a:p>
           <a:p>
@@ -5934,28 +11861,12 @@
               <a:buChar char="•"/>
             </a:pPr>
             <a:r>
-              <a:rPr lang="en-US" sz="1200" dirty="0"/>
-              <a:t>Developed an </a:t>
-            </a:r>
-            <a:r>
-              <a:rPr lang="en-US" sz="1200" b="1" dirty="0"/>
-              <a:t>INCENTIVE MANAGEMENT MODULE</a:t>
-            </a:r>
-            <a:r>
-              <a:rPr lang="en-US" sz="1200" dirty="0"/>
-              <a:t>, by which cost of tickets can be adjusted against </a:t>
-            </a:r>
-            <a:r>
-              <a:rPr lang="en-US" sz="1200" dirty="0" smtClean="0"/>
-              <a:t>incentives </a:t>
-            </a:r>
-            <a:r>
-              <a:rPr lang="en-US" sz="1200" dirty="0"/>
-              <a:t>received to travel agent from airlines companies for </a:t>
-            </a:r>
-            <a:r>
-              <a:rPr lang="en-US" sz="1200" dirty="0" smtClean="0"/>
-              <a:t>URSC accomplished tours.</a:t>
+              <a:rPr lang="en-US" sz="1600" dirty="0" smtClean="0"/>
+              <a:t> Involved </a:t>
+            </a:r>
+            <a:r>
+              <a:rPr lang="en-US" sz="1600" dirty="0" smtClean="0"/>
+              <a:t>in Testing and evaluation of COINS-PFMS Interface Software and submitted detailed test results report for making the desired changes.</a:t>
             </a:r>
           </a:p>
           <a:p>
@@ -5966,38 +11877,7 @@
               <a:buFont typeface="Arial" panose="020B0604020202020204" pitchFamily="34" charset="0"/>
               <a:buChar char="•"/>
             </a:pPr>
-            <a:r>
-              <a:rPr lang="en-US" sz="1200" dirty="0"/>
-              <a:t>Developed a module towards </a:t>
-            </a:r>
-            <a:r>
-              <a:rPr lang="en-US" sz="1200" b="1" dirty="0"/>
-              <a:t>e-Governance</a:t>
-            </a:r>
-            <a:r>
-              <a:rPr lang="en-US" sz="1200" dirty="0"/>
-              <a:t> , where automated alerts of payment acknowledgements will be sent through SMS and </a:t>
-            </a:r>
-            <a:r>
-              <a:rPr lang="en-US" sz="1200" dirty="0" smtClean="0"/>
-              <a:t>e-Mail</a:t>
-            </a:r>
-            <a:r>
-              <a:rPr lang="en-US" sz="1200" dirty="0"/>
-              <a:t>. This will </a:t>
-            </a:r>
-            <a:r>
-              <a:rPr lang="en-US" sz="1200" dirty="0" smtClean="0"/>
-              <a:t>be a one more step towards practicing office-automation </a:t>
-            </a:r>
-            <a:r>
-              <a:rPr lang="en-US" sz="1200" dirty="0"/>
-              <a:t>in URSC</a:t>
-            </a:r>
-            <a:r>
-              <a:rPr lang="en-US" sz="1200" dirty="0" smtClean="0"/>
-              <a:t>.</a:t>
-            </a:r>
+            <a:endParaRPr lang="en-US" sz="1600" b="1" dirty="0" smtClean="0"/>
           </a:p>
           <a:p>
             <a:pPr>
@@ -6007,30 +11887,16 @@
               <a:buFont typeface="Arial" panose="020B0604020202020204" pitchFamily="34" charset="0"/>
               <a:buChar char="•"/>
             </a:pPr>
-            <a:r>
-              <a:rPr lang="en-GB" sz="1200" dirty="0" smtClean="0"/>
-              <a:t>Transform the traditional database connection mechanism to </a:t>
-            </a:r>
-            <a:r>
-              <a:rPr lang="en-GB" sz="1200" b="1" dirty="0" smtClean="0"/>
-              <a:t>CONNECTION POOLING </a:t>
-            </a:r>
-            <a:r>
-              <a:rPr lang="en-GB" sz="1200" dirty="0"/>
-              <a:t>to enhance </a:t>
-            </a:r>
-            <a:r>
-              <a:rPr lang="en-GB" sz="1200" dirty="0" smtClean="0"/>
-              <a:t>the</a:t>
-            </a:r>
-            <a:r>
-              <a:rPr lang="en-GB" sz="1200" dirty="0"/>
-              <a:t> application</a:t>
-            </a:r>
-            <a:r>
-              <a:rPr lang="en-GB" sz="1200" dirty="0" smtClean="0"/>
-              <a:t> performance.</a:t>
-            </a:r>
+            <a:endParaRPr lang="en-US" sz="1600" b="1" dirty="0" smtClean="0"/>
+          </a:p>
+          <a:p>
+            <a:pPr marL="0" indent="0">
+              <a:buClr>
+                <a:schemeClr val="tx1"/>
+              </a:buClr>
+              <a:buNone/>
+            </a:pPr>
+            <a:endParaRPr lang="en-US" b="1" dirty="0"/>
           </a:p>
           <a:p>
             <a:pPr>
@@ -6040,118 +11906,20 @@
               <a:buFont typeface="Arial" panose="020B0604020202020204" pitchFamily="34" charset="0"/>
               <a:buChar char="•"/>
             </a:pPr>
-            <a:r>
-              <a:rPr lang="en-US" sz="1200" dirty="0"/>
-              <a:t>Introduced the </a:t>
-            </a:r>
-            <a:r>
-              <a:rPr lang="en-US" sz="1200" b="1" dirty="0"/>
-              <a:t>open source version control </a:t>
-            </a:r>
-            <a:r>
-              <a:rPr lang="en-US" sz="1200" dirty="0"/>
-              <a:t>system GIT </a:t>
-            </a:r>
-            <a:r>
-              <a:rPr lang="en-US" sz="1200" dirty="0" smtClean="0"/>
-              <a:t> to </a:t>
-            </a:r>
-            <a:r>
-              <a:rPr lang="en-US" sz="1200" dirty="0"/>
-              <a:t>track </a:t>
-            </a:r>
-            <a:r>
-              <a:rPr lang="en-US" sz="1200" dirty="0" smtClean="0"/>
-              <a:t>every </a:t>
-            </a:r>
-            <a:r>
-              <a:rPr lang="en-US" sz="1200" dirty="0"/>
-              <a:t>code </a:t>
-            </a:r>
-            <a:r>
-              <a:rPr lang="en-US" sz="1200" dirty="0" smtClean="0"/>
-              <a:t>change. This </a:t>
-            </a:r>
-            <a:r>
-              <a:rPr lang="en-US" sz="1200" dirty="0"/>
-              <a:t>helps in seamless collaboration amongst </a:t>
-            </a:r>
-            <a:r>
-              <a:rPr lang="en-US" sz="1200" dirty="0" smtClean="0"/>
-              <a:t>developers.</a:t>
-            </a:r>
-          </a:p>
-          <a:p>
-            <a:pPr>
-              <a:buClr>
-                <a:schemeClr val="tx1"/>
-              </a:buClr>
-              <a:buFont typeface="Arial" panose="020B0604020202020204" pitchFamily="34" charset="0"/>
-              <a:buChar char="•"/>
-            </a:pPr>
-            <a:r>
-              <a:rPr lang="en-GB" sz="1200" dirty="0"/>
-              <a:t>Comprehensive online system for </a:t>
-            </a:r>
-            <a:r>
-              <a:rPr lang="en-GB" sz="1200" b="1" dirty="0"/>
-              <a:t>Official Travelling Allowance</a:t>
-            </a:r>
-            <a:r>
-              <a:rPr lang="en-GB" sz="1200" dirty="0" smtClean="0"/>
-              <a:t>.</a:t>
-            </a:r>
-          </a:p>
-          <a:p>
-            <a:pPr>
-              <a:buClr>
-                <a:schemeClr val="tx1"/>
-              </a:buClr>
-              <a:buFont typeface="Arial" panose="020B0604020202020204" pitchFamily="34" charset="0"/>
-              <a:buChar char="•"/>
-            </a:pPr>
-            <a:r>
-              <a:rPr lang="en-US" sz="1200" dirty="0" err="1"/>
-              <a:t>Sandesh</a:t>
-            </a:r>
-            <a:r>
-              <a:rPr lang="en-US" sz="1200" dirty="0"/>
-              <a:t> system </a:t>
-            </a:r>
-            <a:r>
-              <a:rPr lang="en-US" sz="1200" dirty="0" smtClean="0"/>
-              <a:t>is presently </a:t>
-            </a:r>
-            <a:r>
-              <a:rPr lang="en-US" sz="1200" b="1" dirty="0" smtClean="0"/>
-              <a:t>deployed </a:t>
-            </a:r>
-            <a:r>
-              <a:rPr lang="en-US" sz="1200" b="1" dirty="0"/>
-              <a:t>at VSSC, LPSC(B), HSFC, MCF, ISRO HQ and </a:t>
-            </a:r>
-            <a:r>
-              <a:rPr lang="en-US" sz="1200" b="1" dirty="0" smtClean="0"/>
-              <a:t>PRL </a:t>
-            </a:r>
-            <a:r>
-              <a:rPr lang="en-US" sz="1200" dirty="0" smtClean="0"/>
-              <a:t>due to its effectiveness.</a:t>
-            </a:r>
-            <a:endParaRPr lang="en-IN" sz="1200" dirty="0"/>
+            <a:endParaRPr lang="en-GB" dirty="0"/>
           </a:p>
         </p:txBody>
       </p:sp>
       <p:pic>
         <p:nvPicPr>
-          <p:cNvPr id="4" name="Picture 3"/>
+          <p:cNvPr id="20" name="Picture 19"/>
           <p:cNvPicPr>
             <a:picLocks noChangeAspect="1"/>
           </p:cNvPicPr>
           <p:nvPr/>
         </p:nvPicPr>
         <p:blipFill>
-          <a:blip r:embed="rId2" cstate="print">
+          <a:blip r:embed="rId2">
             <a:extLst>
               <a:ext uri="{28A0092B-C50C-407E-A947-70E740481C1C}">
                 <a14:useLocalDpi xmlns:a14="http://schemas.microsoft.com/office/drawing/2010/main" val="0"/>
@@ -6164,68 +11932,18 @@
         </p:blipFill>
         <p:spPr>
           <a:xfrm>
-            <a:off x="8314985" y="1845733"/>
-            <a:ext cx="3622549" cy="1702809"/>
+            <a:off x="1185846" y="4467225"/>
+            <a:ext cx="7167579" cy="1401869"/>
           </a:xfrm>
           <a:prstGeom prst="rect">
             <a:avLst/>
           </a:prstGeom>
-          <a:ln>
-            <a:noFill/>
-          </a:ln>
-          <a:effectLst>
-            <a:outerShdw blurRad="292100" dist="139700" dir="2700000" algn="tl" rotWithShape="0">
-              <a:srgbClr val="333333">
-                <a:alpha val="65000"/>
-              </a:srgbClr>
-            </a:outerShdw>
-          </a:effectLst>
-        </p:spPr>
-      </p:pic>
-      <p:pic>
-        <p:nvPicPr>
-          <p:cNvPr id="7" name="Picture 6"/>
-          <p:cNvPicPr>
-            <a:picLocks noChangeAspect="1"/>
-          </p:cNvPicPr>
-          <p:nvPr/>
-        </p:nvPicPr>
-        <p:blipFill>
-          <a:blip r:embed="rId3">
-            <a:extLst>
-              <a:ext uri="{28A0092B-C50C-407E-A947-70E740481C1C}">
-                <a14:useLocalDpi xmlns:a14="http://schemas.microsoft.com/office/drawing/2010/main" val="0"/>
-              </a:ext>
-            </a:extLst>
-          </a:blip>
-          <a:stretch>
-            <a:fillRect/>
-          </a:stretch>
-        </p:blipFill>
-        <p:spPr>
-          <a:xfrm>
-            <a:off x="8314986" y="3716323"/>
-            <a:ext cx="3698050" cy="2348918"/>
-          </a:xfrm>
-          <a:prstGeom prst="rect">
-            <a:avLst/>
-          </a:prstGeom>
-          <a:ln>
-            <a:noFill/>
-          </a:ln>
-          <a:effectLst>
-            <a:outerShdw blurRad="292100" dist="139700" dir="2700000" algn="tl" rotWithShape="0">
-              <a:srgbClr val="333333">
-                <a:alpha val="65000"/>
-              </a:srgbClr>
-            </a:outerShdw>
-          </a:effectLst>
         </p:spPr>
       </p:pic>
     </p:spTree>
     <p:extLst>
       <p:ext uri="{BB962C8B-B14F-4D97-AF65-F5344CB8AC3E}">
-        <p14:creationId xmlns:p14="http://schemas.microsoft.com/office/powerpoint/2010/main" val="678091287"/>
+        <p14:creationId xmlns:p14="http://schemas.microsoft.com/office/powerpoint/2010/main" val="3623182616"/>
       </p:ext>
     </p:extLst>
   </p:cSld>
@@ -6269,7 +11987,12 @@
             <p:ph type="title"/>
           </p:nvPr>
         </p:nvSpPr>
-        <p:spPr/>
+        <p:spPr>
+          <a:xfrm>
+            <a:off x="1097280" y="286603"/>
+            <a:ext cx="10058400" cy="970697"/>
+          </a:xfrm>
+        </p:spPr>
         <p:txBody>
           <a:bodyPr>
             <a:normAutofit/>
@@ -6277,12 +12000,36 @@
           <a:lstStyle/>
           <a:p>
             <a:r>
+              <a:rPr lang="en-IN" sz="3600" b="1" dirty="0" smtClean="0">
+                <a:solidFill>
+                  <a:srgbClr val="FF6600"/>
+                </a:solidFill>
+              </a:rPr>
+              <a:t>SANDESH </a:t>
+            </a:r>
+            <a:r>
               <a:rPr lang="en-IN" sz="3600" b="1" dirty="0">
                 <a:solidFill>
                   <a:srgbClr val="FF6600"/>
                 </a:solidFill>
               </a:rPr>
-              <a:t>Additional Activities</a:t>
+              <a:t>- The </a:t>
+            </a:r>
+            <a:r>
+              <a:rPr lang="en-IN" sz="3600" b="1" dirty="0" smtClean="0">
+                <a:solidFill>
+                  <a:srgbClr val="FF6600"/>
+                </a:solidFill>
+              </a:rPr>
+              <a:t>Information </a:t>
+            </a:r>
+            <a:r>
+              <a:rPr lang="en-IN" sz="3600" b="1" dirty="0">
+                <a:solidFill>
+                  <a:srgbClr val="FF6600"/>
+                </a:solidFill>
+              </a:rPr>
+              <a:t>System</a:t>
             </a:r>
             <a:endParaRPr lang="en-GB" sz="3600" b="1" dirty="0">
               <a:solidFill>
@@ -6302,6 +12049,492 @@
             <p:ph idx="1"/>
           </p:nvPr>
         </p:nvSpPr>
+        <p:spPr>
+          <a:xfrm>
+            <a:off x="1097280" y="1724024"/>
+            <a:ext cx="7142205" cy="4638675"/>
+          </a:xfrm>
+        </p:spPr>
+        <p:txBody>
+          <a:bodyPr>
+            <a:noAutofit/>
+          </a:bodyPr>
+          <a:lstStyle/>
+          <a:p>
+            <a:pPr>
+              <a:lnSpc>
+                <a:spcPct val="100000"/>
+              </a:lnSpc>
+              <a:buClr>
+                <a:schemeClr val="tx1"/>
+              </a:buClr>
+              <a:buFont typeface="Arial" panose="020B0604020202020204" pitchFamily="34" charset="0"/>
+              <a:buChar char="•"/>
+            </a:pPr>
+            <a:r>
+              <a:rPr lang="en-US" sz="1400" dirty="0" smtClean="0"/>
+              <a:t>SANDESH </a:t>
+            </a:r>
+            <a:r>
+              <a:rPr lang="en-US" sz="1400" dirty="0"/>
+              <a:t>system provides required personal information to employees, MIS reports to management for decision making based on COWAA </a:t>
+            </a:r>
+            <a:r>
+              <a:rPr lang="en-US" sz="1400" dirty="0" smtClean="0"/>
+              <a:t>database.</a:t>
+            </a:r>
+            <a:endParaRPr lang="en-US" sz="1400" dirty="0"/>
+          </a:p>
+          <a:p>
+            <a:pPr>
+              <a:lnSpc>
+                <a:spcPct val="100000"/>
+              </a:lnSpc>
+              <a:buClr>
+                <a:schemeClr val="tx1"/>
+              </a:buClr>
+              <a:buFont typeface="Arial" panose="020B0604020202020204" pitchFamily="34" charset="0"/>
+              <a:buChar char="•"/>
+            </a:pPr>
+            <a:r>
+              <a:rPr lang="en-US" sz="1400" dirty="0" smtClean="0"/>
+              <a:t>Responsible for </a:t>
+            </a:r>
+            <a:r>
+              <a:rPr lang="en-US" sz="1400" b="1" dirty="0" smtClean="0"/>
+              <a:t>continual </a:t>
+            </a:r>
+            <a:r>
+              <a:rPr lang="en-US" sz="1400" dirty="0" smtClean="0"/>
+              <a:t>value addition, innovation and maintenance of SANDESH system.</a:t>
+            </a:r>
+          </a:p>
+          <a:p>
+            <a:pPr>
+              <a:lnSpc>
+                <a:spcPct val="100000"/>
+              </a:lnSpc>
+              <a:buClr>
+                <a:schemeClr val="tx1"/>
+              </a:buClr>
+              <a:buFont typeface="Arial" panose="020B0604020202020204" pitchFamily="34" charset="0"/>
+              <a:buChar char="•"/>
+            </a:pPr>
+            <a:r>
+              <a:rPr lang="en-GB" sz="1400" dirty="0" smtClean="0"/>
+              <a:t>Developed </a:t>
+            </a:r>
+            <a:r>
+              <a:rPr lang="en-GB" sz="1400" dirty="0" smtClean="0"/>
+              <a:t>a dashboard </a:t>
+            </a:r>
+            <a:r>
+              <a:rPr lang="en-GB" sz="1400" dirty="0" smtClean="0"/>
+              <a:t>based Official </a:t>
+            </a:r>
+            <a:r>
+              <a:rPr lang="en-GB" sz="1400" dirty="0"/>
+              <a:t>Travelling </a:t>
+            </a:r>
+            <a:r>
+              <a:rPr lang="en-GB" sz="1400" dirty="0" smtClean="0"/>
+              <a:t>Allowance Processing system.</a:t>
+            </a:r>
+          </a:p>
+          <a:p>
+            <a:pPr lvl="1">
+              <a:lnSpc>
+                <a:spcPct val="100000"/>
+              </a:lnSpc>
+              <a:buClr>
+                <a:schemeClr val="tx1"/>
+              </a:buClr>
+              <a:buFont typeface="Arial" panose="020B0604020202020204" pitchFamily="34" charset="0"/>
+              <a:buChar char="•"/>
+            </a:pPr>
+            <a:r>
+              <a:rPr lang="en-US" sz="1400" b="1" dirty="0" smtClean="0"/>
+              <a:t>Domestic </a:t>
+            </a:r>
+            <a:r>
+              <a:rPr lang="en-US" sz="1400" b="1" dirty="0"/>
+              <a:t>Tour Allowance </a:t>
+            </a:r>
+            <a:r>
+              <a:rPr lang="en-US" sz="1400" b="1" dirty="0" smtClean="0"/>
+              <a:t>(DTA</a:t>
+            </a:r>
+            <a:r>
+              <a:rPr lang="en-US" sz="1400" b="1" dirty="0"/>
+              <a:t>)</a:t>
+            </a:r>
+            <a:r>
+              <a:rPr lang="en-US" sz="1400" dirty="0"/>
+              <a:t>, to process advance and settlements for </a:t>
+            </a:r>
+            <a:r>
+              <a:rPr lang="en-US" sz="1400" dirty="0" smtClean="0"/>
+              <a:t>domestic </a:t>
+            </a:r>
+            <a:r>
+              <a:rPr lang="en-US" sz="1400" dirty="0"/>
+              <a:t>official tours. </a:t>
+            </a:r>
+            <a:endParaRPr lang="en-US" sz="1400" b="1" dirty="0" smtClean="0"/>
+          </a:p>
+          <a:p>
+            <a:pPr lvl="1">
+              <a:lnSpc>
+                <a:spcPct val="100000"/>
+              </a:lnSpc>
+              <a:buClr>
+                <a:schemeClr val="tx1"/>
+              </a:buClr>
+              <a:buFont typeface="Arial" panose="020B0604020202020204" pitchFamily="34" charset="0"/>
+              <a:buChar char="•"/>
+            </a:pPr>
+            <a:r>
+              <a:rPr lang="en-US" sz="1400" b="1" dirty="0" smtClean="0"/>
+              <a:t>Foreign Tour Allowance (FTA)</a:t>
+            </a:r>
+            <a:r>
+              <a:rPr lang="en-US" sz="1400" dirty="0" smtClean="0"/>
+              <a:t>, to process advance and settlements for foreign official tours. </a:t>
+            </a:r>
+          </a:p>
+          <a:p>
+            <a:pPr lvl="1">
+              <a:lnSpc>
+                <a:spcPct val="100000"/>
+              </a:lnSpc>
+              <a:buClr>
+                <a:schemeClr val="tx1"/>
+              </a:buClr>
+              <a:buFont typeface="Arial" panose="020B0604020202020204" pitchFamily="34" charset="0"/>
+              <a:buChar char="•"/>
+            </a:pPr>
+            <a:r>
+              <a:rPr lang="en-US" sz="1400" b="1" dirty="0" smtClean="0"/>
+              <a:t>Digitization</a:t>
+            </a:r>
+            <a:r>
+              <a:rPr lang="en-US" sz="1400" dirty="0" smtClean="0"/>
+              <a:t> </a:t>
+            </a:r>
+            <a:r>
+              <a:rPr lang="en-US" sz="1400" dirty="0"/>
+              <a:t>of air-travel </a:t>
+            </a:r>
+            <a:r>
+              <a:rPr lang="en-US" sz="1400" dirty="0" smtClean="0"/>
+              <a:t>booking transactions made by </a:t>
+            </a:r>
+            <a:r>
+              <a:rPr lang="en-US" sz="1400" dirty="0"/>
+              <a:t>TRAVEL </a:t>
+            </a:r>
+            <a:r>
+              <a:rPr lang="en-US" sz="1400" dirty="0" smtClean="0"/>
+              <a:t>Agents like ‘Balmer Lawrie’.</a:t>
+            </a:r>
+          </a:p>
+          <a:p>
+            <a:pPr lvl="1">
+              <a:lnSpc>
+                <a:spcPct val="100000"/>
+              </a:lnSpc>
+              <a:buClr>
+                <a:schemeClr val="tx1"/>
+              </a:buClr>
+              <a:buFont typeface="Arial" panose="020B0604020202020204" pitchFamily="34" charset="0"/>
+              <a:buChar char="•"/>
+            </a:pPr>
+            <a:r>
+              <a:rPr lang="en-US" sz="1400" b="1" dirty="0" smtClean="0"/>
+              <a:t>Incentive Management Module</a:t>
+            </a:r>
+            <a:r>
+              <a:rPr lang="en-US" sz="1400" dirty="0" smtClean="0"/>
+              <a:t>, to adjust received incentives with air ticket cost.</a:t>
+            </a:r>
+            <a:endParaRPr lang="en-US" sz="1600" dirty="0"/>
+          </a:p>
+          <a:p>
+            <a:pPr>
+              <a:lnSpc>
+                <a:spcPct val="100000"/>
+              </a:lnSpc>
+              <a:buClr>
+                <a:schemeClr val="tx1"/>
+              </a:buClr>
+              <a:buFont typeface="Arial" panose="020B0604020202020204" pitchFamily="34" charset="0"/>
+              <a:buChar char="•"/>
+            </a:pPr>
+            <a:r>
+              <a:rPr lang="en-US" sz="1400" strike="sngStrike" dirty="0"/>
+              <a:t>Developed SMS and e-Mail gateway module towards e-Governance , to replace manual practice of sending payment acknowledgements with automated alerts to registered vendors </a:t>
+            </a:r>
+            <a:r>
+              <a:rPr lang="en-US" sz="1400" dirty="0" smtClean="0"/>
+              <a:t>through</a:t>
+            </a:r>
+          </a:p>
+          <a:p>
+            <a:pPr>
+              <a:lnSpc>
+                <a:spcPct val="100000"/>
+              </a:lnSpc>
+              <a:buClr>
+                <a:schemeClr val="tx1"/>
+              </a:buClr>
+              <a:buFont typeface="Arial" panose="020B0604020202020204" pitchFamily="34" charset="0"/>
+              <a:buChar char="•"/>
+            </a:pPr>
+            <a:r>
+              <a:rPr lang="en-GB" sz="1400" dirty="0" smtClean="0"/>
+              <a:t>Transform the database connection mechanism to </a:t>
+            </a:r>
+            <a:r>
+              <a:rPr lang="en-GB" sz="1400" b="1" dirty="0" smtClean="0"/>
+              <a:t>CONNECTION POOLING </a:t>
+            </a:r>
+            <a:r>
+              <a:rPr lang="en-GB" sz="1400" dirty="0" smtClean="0"/>
+              <a:t>.</a:t>
+            </a:r>
+          </a:p>
+          <a:p>
+            <a:pPr>
+              <a:lnSpc>
+                <a:spcPct val="100000"/>
+              </a:lnSpc>
+              <a:buClr>
+                <a:schemeClr val="tx1"/>
+              </a:buClr>
+              <a:buFont typeface="Arial" panose="020B0604020202020204" pitchFamily="34" charset="0"/>
+              <a:buChar char="•"/>
+            </a:pPr>
+            <a:r>
+              <a:rPr lang="en-US" sz="1400" dirty="0" smtClean="0"/>
+              <a:t>Implemented </a:t>
+            </a:r>
+            <a:r>
+              <a:rPr lang="en-US" sz="1400" b="1" dirty="0" smtClean="0"/>
+              <a:t>software</a:t>
+            </a:r>
+            <a:r>
+              <a:rPr lang="en-US" sz="1400" dirty="0" smtClean="0"/>
+              <a:t> </a:t>
+            </a:r>
+            <a:r>
+              <a:rPr lang="en-US" sz="1400" b="1" dirty="0" smtClean="0"/>
+              <a:t>version </a:t>
+            </a:r>
+            <a:r>
+              <a:rPr lang="en-US" sz="1400" b="1" dirty="0"/>
+              <a:t>control </a:t>
+            </a:r>
+            <a:r>
+              <a:rPr lang="en-US" sz="1400" b="1" dirty="0" smtClean="0"/>
+              <a:t>system </a:t>
+            </a:r>
+            <a:r>
+              <a:rPr lang="en-US" sz="1400" dirty="0" smtClean="0"/>
+              <a:t>using </a:t>
+            </a:r>
+            <a:r>
+              <a:rPr lang="en-US" sz="1400" b="1" dirty="0" smtClean="0"/>
+              <a:t>GIT</a:t>
+            </a:r>
+            <a:r>
+              <a:rPr lang="en-US" sz="1400" dirty="0" smtClean="0"/>
+              <a:t> tool.</a:t>
+            </a:r>
+          </a:p>
+          <a:p>
+            <a:pPr>
+              <a:lnSpc>
+                <a:spcPct val="100000"/>
+              </a:lnSpc>
+              <a:buClr>
+                <a:schemeClr val="tx1"/>
+              </a:buClr>
+              <a:buFont typeface="Arial" panose="020B0604020202020204" pitchFamily="34" charset="0"/>
+              <a:buChar char="•"/>
+            </a:pPr>
+            <a:r>
+              <a:rPr lang="en-US" sz="1400" dirty="0" smtClean="0"/>
+              <a:t>SANDESH </a:t>
+            </a:r>
+            <a:r>
+              <a:rPr lang="en-US" sz="1400" dirty="0"/>
+              <a:t>system </a:t>
+            </a:r>
+            <a:r>
+              <a:rPr lang="en-US" sz="1400" dirty="0" smtClean="0"/>
+              <a:t>is presently </a:t>
+            </a:r>
+            <a:r>
+              <a:rPr lang="en-US" sz="1400" b="1" dirty="0" smtClean="0"/>
+              <a:t>deployed </a:t>
+            </a:r>
+            <a:r>
+              <a:rPr lang="en-US" sz="1400" b="1" dirty="0"/>
+              <a:t>at VSSC, LPSC(B), HSFC, MCF, ISRO HQ and </a:t>
+            </a:r>
+            <a:r>
+              <a:rPr lang="en-US" sz="1400" b="1" dirty="0" smtClean="0"/>
+              <a:t>PRL </a:t>
+            </a:r>
+            <a:r>
+              <a:rPr lang="en-US" sz="1400" dirty="0" smtClean="0"/>
+              <a:t>due to its effectiveness.</a:t>
+            </a:r>
+            <a:endParaRPr lang="en-IN" sz="1400" dirty="0"/>
+          </a:p>
+        </p:txBody>
+      </p:sp>
+      <p:pic>
+        <p:nvPicPr>
+          <p:cNvPr id="4" name="Picture 3"/>
+          <p:cNvPicPr>
+            <a:picLocks noChangeAspect="1"/>
+          </p:cNvPicPr>
+          <p:nvPr/>
+        </p:nvPicPr>
+        <p:blipFill>
+          <a:blip r:embed="rId2" cstate="print">
+            <a:extLst>
+              <a:ext uri="{28A0092B-C50C-407E-A947-70E740481C1C}">
+                <a14:useLocalDpi xmlns:a14="http://schemas.microsoft.com/office/drawing/2010/main" val="0"/>
+              </a:ext>
+            </a:extLst>
+          </a:blip>
+          <a:stretch>
+            <a:fillRect/>
+          </a:stretch>
+        </p:blipFill>
+        <p:spPr>
+          <a:xfrm>
+            <a:off x="8314985" y="1845733"/>
+            <a:ext cx="3622549" cy="1820105"/>
+          </a:xfrm>
+          <a:prstGeom prst="rect">
+            <a:avLst/>
+          </a:prstGeom>
+          <a:ln>
+            <a:noFill/>
+          </a:ln>
+          <a:effectLst>
+            <a:outerShdw blurRad="292100" dist="139700" dir="2700000" algn="tl" rotWithShape="0">
+              <a:srgbClr val="333333">
+                <a:alpha val="65000"/>
+              </a:srgbClr>
+            </a:outerShdw>
+          </a:effectLst>
+        </p:spPr>
+      </p:pic>
+      <p:pic>
+        <p:nvPicPr>
+          <p:cNvPr id="5" name="Picture 4"/>
+          <p:cNvPicPr>
+            <a:picLocks noChangeAspect="1"/>
+          </p:cNvPicPr>
+          <p:nvPr/>
+        </p:nvPicPr>
+        <p:blipFill>
+          <a:blip r:embed="rId3">
+            <a:extLst>
+              <a:ext uri="{28A0092B-C50C-407E-A947-70E740481C1C}">
+                <a14:useLocalDpi xmlns:a14="http://schemas.microsoft.com/office/drawing/2010/main" val="0"/>
+              </a:ext>
+            </a:extLst>
+          </a:blip>
+          <a:stretch>
+            <a:fillRect/>
+          </a:stretch>
+        </p:blipFill>
+        <p:spPr>
+          <a:xfrm>
+            <a:off x="8394357" y="3921210"/>
+            <a:ext cx="3543177" cy="2084173"/>
+          </a:xfrm>
+          <a:prstGeom prst="rect">
+            <a:avLst/>
+          </a:prstGeom>
+          <a:ln w="127000" cap="rnd">
+            <a:solidFill>
+              <a:srgbClr val="FFFFFF"/>
+            </a:solidFill>
+          </a:ln>
+          <a:effectLst>
+            <a:outerShdw blurRad="76200" dist="95250" dir="10500000" sx="97000" sy="23000" kx="900000" algn="br" rotWithShape="0">
+              <a:srgbClr val="000000">
+                <a:alpha val="20000"/>
+              </a:srgbClr>
+            </a:outerShdw>
+          </a:effectLst>
+          <a:scene3d>
+            <a:camera prst="orthographicFront"/>
+            <a:lightRig rig="twoPt" dir="t">
+              <a:rot lat="0" lon="0" rev="7800000"/>
+            </a:lightRig>
+          </a:scene3d>
+          <a:sp3d contourW="6350">
+            <a:bevelT w="50800" h="16510"/>
+            <a:contourClr>
+              <a:srgbClr val="C0C0C0"/>
+            </a:contourClr>
+          </a:sp3d>
+        </p:spPr>
+      </p:pic>
+    </p:spTree>
+    <p:extLst>
+      <p:ext uri="{BB962C8B-B14F-4D97-AF65-F5344CB8AC3E}">
+        <p14:creationId xmlns:p14="http://schemas.microsoft.com/office/powerpoint/2010/main" val="678091287"/>
+      </p:ext>
+    </p:extLst>
+  </p:cSld>
+  <p:clrMapOvr>
+    <a:masterClrMapping/>
+  </p:clrMapOvr>
+  <p:timing>
+    <p:tnLst>
+      <p:par>
+        <p:cTn id="1" dur="indefinite" restart="never" nodeType="tmRoot"/>
+      </p:par>
+    </p:tnLst>
+  </p:timing>
+</p:sld>
+</file>
+
+<file path=ppt/slides/slide7.xml><?xml version="1.0" encoding="utf-8"?>
+<p:sld xmlns:a="http://schemas.openxmlformats.org/drawingml/2006/main" xmlns:r="http://schemas.openxmlformats.org/officeDocument/2006/relationships" xmlns:p="http://schemas.openxmlformats.org/presentationml/2006/main">
+  <p:cSld>
+    <p:spTree>
+      <p:nvGrpSpPr>
+        <p:cNvPr id="1" name=""/>
+        <p:cNvGrpSpPr/>
+        <p:nvPr/>
+      </p:nvGrpSpPr>
+      <p:grpSpPr>
+        <a:xfrm>
+          <a:off x="0" y="0"/>
+          <a:ext cx="0" cy="0"/>
+          <a:chOff x="0" y="0"/>
+          <a:chExt cx="0" cy="0"/>
+        </a:xfrm>
+      </p:grpSpPr>
+      <p:sp>
+        <p:nvSpPr>
+          <p:cNvPr id="2" name="Title 1"/>
+          <p:cNvSpPr>
+            <a:spLocks noGrp="1"/>
+          </p:cNvSpPr>
+          <p:nvPr>
+            <p:ph type="title"/>
+          </p:nvPr>
+        </p:nvSpPr>
         <p:spPr/>
         <p:txBody>
           <a:bodyPr>
@@ -6309,309 +12542,383 @@
           </a:bodyPr>
           <a:lstStyle/>
           <a:p>
+            <a:r>
+              <a:rPr lang="en-IN" sz="3600" b="1" dirty="0">
+                <a:solidFill>
+                  <a:srgbClr val="FF6600"/>
+                </a:solidFill>
+              </a:rPr>
+              <a:t>Additional Activities</a:t>
+            </a:r>
+            <a:endParaRPr lang="en-GB" sz="3600" b="1" dirty="0">
+              <a:solidFill>
+                <a:srgbClr val="FF6600"/>
+              </a:solidFill>
+            </a:endParaRPr>
+          </a:p>
+        </p:txBody>
+      </p:sp>
+      <p:sp>
+        <p:nvSpPr>
+          <p:cNvPr id="3" name="Content Placeholder 2"/>
+          <p:cNvSpPr>
+            <a:spLocks noGrp="1"/>
+          </p:cNvSpPr>
+          <p:nvPr>
+            <p:ph idx="1"/>
+          </p:nvPr>
+        </p:nvSpPr>
+        <p:spPr>
+          <a:xfrm>
+            <a:off x="1097280" y="1809750"/>
+            <a:ext cx="10058400" cy="4448175"/>
+          </a:xfrm>
+        </p:spPr>
+        <p:txBody>
+          <a:bodyPr>
+            <a:normAutofit lnSpcReduction="10000"/>
+          </a:bodyPr>
+          <a:lstStyle/>
+          <a:p>
             <a:pPr>
+              <a:lnSpc>
+                <a:spcPct val="110000"/>
+              </a:lnSpc>
               <a:buClrTx/>
               <a:buFont typeface="Arial" panose="020B0604020202020204" pitchFamily="34" charset="0"/>
               <a:buChar char="•"/>
             </a:pPr>
             <a:r>
-              <a:rPr lang="en-US" sz="1400" dirty="0" smtClean="0"/>
+              <a:rPr lang="en-US" sz="1500" dirty="0" smtClean="0"/>
               <a:t>As </a:t>
             </a:r>
             <a:r>
-              <a:rPr lang="en-US" sz="1400" dirty="0"/>
+              <a:rPr lang="en-US" sz="1500" dirty="0"/>
               <a:t>an author of technical paper on ‘</a:t>
             </a:r>
             <a:r>
-              <a:rPr lang="en-US" sz="1400" b="1" dirty="0"/>
+              <a:rPr lang="en-US" sz="1500" b="1" dirty="0"/>
               <a:t>e-Governance Initiative in URSC - Automation of various Government-to-Employee (G2E) Services</a:t>
             </a:r>
             <a:r>
-              <a:rPr lang="en-US" sz="1400" dirty="0"/>
+              <a:rPr lang="en-US" sz="1500" dirty="0"/>
               <a:t>’ got </a:t>
             </a:r>
             <a:r>
-              <a:rPr lang="en-US" sz="1400" dirty="0" smtClean="0"/>
+              <a:rPr lang="en-US" sz="1500" dirty="0" smtClean="0"/>
               <a:t>the opportunity  </a:t>
             </a:r>
             <a:r>
-              <a:rPr lang="en-US" sz="1400" dirty="0"/>
+              <a:rPr lang="en-US" sz="1500" dirty="0"/>
               <a:t>for oral presentation from ISRO Seminar on Computer and Information Technology (</a:t>
             </a:r>
             <a:r>
-              <a:rPr lang="en-US" sz="1400" b="1" dirty="0"/>
+              <a:rPr lang="en-US" sz="1500" b="1" dirty="0" smtClean="0"/>
               <a:t>ISCIT</a:t>
             </a:r>
             <a:r>
-              <a:rPr lang="en-US" sz="1400" dirty="0"/>
-              <a:t>) held at </a:t>
-            </a:r>
-            <a:r>
-              <a:rPr lang="en-GB" sz="1400" dirty="0" smtClean="0"/>
-              <a:t>ISRO </a:t>
-            </a:r>
-            <a:r>
-              <a:rPr lang="en-GB" sz="1400" dirty="0"/>
-              <a:t>Propulsion Complex (IPRC), </a:t>
-            </a:r>
-            <a:r>
-              <a:rPr lang="en-GB" sz="1400" dirty="0" smtClean="0"/>
-              <a:t>Mahendragiri.</a:t>
-            </a:r>
-            <a:endParaRPr lang="en-US" sz="1400" dirty="0" smtClean="0"/>
+              <a:rPr lang="en-US" sz="1500" dirty="0" smtClean="0"/>
+              <a:t>)-2018.</a:t>
+            </a:r>
           </a:p>
           <a:p>
             <a:pPr>
+              <a:lnSpc>
+                <a:spcPct val="110000"/>
+              </a:lnSpc>
               <a:buClrTx/>
               <a:buFont typeface="Arial" panose="020B0604020202020204" pitchFamily="34" charset="0"/>
               <a:buChar char="•"/>
             </a:pPr>
             <a:r>
-              <a:rPr lang="en-US" sz="1400" dirty="0" smtClean="0"/>
+              <a:rPr lang="en-US" sz="1500" dirty="0" smtClean="0"/>
               <a:t>Designed, developed and demonstrated a prototype model to retrieve data from </a:t>
             </a:r>
             <a:r>
-              <a:rPr lang="en-GB" sz="1400" b="1" dirty="0"/>
+              <a:rPr lang="en-GB" sz="1500" b="1" dirty="0"/>
               <a:t>distributed database</a:t>
             </a:r>
             <a:r>
-              <a:rPr lang="en-GB" sz="1400" dirty="0"/>
+              <a:rPr lang="en-GB" sz="1500" dirty="0"/>
               <a:t> </a:t>
             </a:r>
             <a:r>
-              <a:rPr lang="en-US" sz="1400" dirty="0" smtClean="0"/>
+              <a:rPr lang="en-US" sz="1500" dirty="0" smtClean="0"/>
               <a:t>on </a:t>
             </a:r>
             <a:r>
-              <a:rPr lang="en-US" sz="1400" dirty="0"/>
+              <a:rPr lang="en-US" sz="1500" dirty="0"/>
               <a:t>real time </a:t>
             </a:r>
             <a:r>
-              <a:rPr lang="en-US" sz="1400" dirty="0" smtClean="0"/>
+              <a:rPr lang="en-US" sz="1500" dirty="0" smtClean="0"/>
               <a:t>basis using </a:t>
             </a:r>
             <a:br>
-              <a:rPr lang="en-US" sz="1400" dirty="0" smtClean="0"/>
+              <a:rPr lang="en-US" sz="1500" dirty="0" smtClean="0"/>
             </a:br>
             <a:r>
-              <a:rPr lang="en-US" sz="1400" b="1" dirty="0" smtClean="0"/>
+              <a:rPr lang="en-US" sz="1500" b="1" dirty="0" smtClean="0"/>
               <a:t>SPRING-BOOT</a:t>
             </a:r>
             <a:r>
-              <a:rPr lang="en-US" sz="1400" b="1" dirty="0"/>
-              <a:t>, Hibernate and bootstrap technologies. This will be useful in </a:t>
-            </a:r>
-            <a:r>
-              <a:rPr lang="en-GB" sz="1400" b="1" dirty="0"/>
-              <a:t>developing an Integrated MIS </a:t>
-            </a:r>
-            <a:r>
-              <a:rPr lang="en-GB" sz="1400" b="1" dirty="0" smtClean="0"/>
-              <a:t>system.</a:t>
-            </a:r>
-            <a:endParaRPr lang="en-US" sz="1400" b="1" dirty="0" smtClean="0"/>
+              <a:rPr lang="en-US" sz="1500" b="1" dirty="0"/>
+              <a:t>, Hibernate and bootstrap </a:t>
+            </a:r>
+            <a:r>
+              <a:rPr lang="en-US" sz="1500" b="1" dirty="0" smtClean="0"/>
+              <a:t>technologies</a:t>
+            </a:r>
+            <a:r>
+              <a:rPr lang="en-US" sz="1500" b="1" dirty="0" smtClean="0"/>
+              <a:t>.</a:t>
+            </a:r>
           </a:p>
           <a:p>
             <a:pPr>
+              <a:lnSpc>
+                <a:spcPct val="110000"/>
+              </a:lnSpc>
               <a:buClrTx/>
               <a:buFont typeface="Arial" panose="020B0604020202020204" pitchFamily="34" charset="0"/>
               <a:buChar char="•"/>
             </a:pPr>
             <a:r>
-              <a:rPr lang="en-US" sz="1400" dirty="0" smtClean="0"/>
-              <a:t>Completed </a:t>
-            </a:r>
-            <a:r>
-              <a:rPr lang="en-US" sz="1400" b="1" dirty="0" err="1"/>
-              <a:t>M.Tech</a:t>
-            </a:r>
-            <a:r>
-              <a:rPr lang="en-US" sz="1400" b="1" dirty="0"/>
-              <a:t>. Software </a:t>
-            </a:r>
-            <a:r>
-              <a:rPr lang="en-US" sz="1400" b="1" dirty="0" smtClean="0"/>
-              <a:t>Systems program in</a:t>
-            </a:r>
-            <a:r>
-              <a:rPr lang="en-US" sz="1400" dirty="0" smtClean="0"/>
+              <a:rPr lang="en-GB" sz="1500" b="1" dirty="0" smtClean="0"/>
               <a:t> </a:t>
             </a:r>
             <a:r>
-              <a:rPr lang="en-US" sz="1400" b="1" dirty="0" smtClean="0"/>
-              <a:t>Data Analytics from BITS-</a:t>
-            </a:r>
-            <a:r>
-              <a:rPr lang="en-US" sz="1400" b="1" dirty="0" err="1" smtClean="0"/>
-              <a:t>Pilani</a:t>
-            </a:r>
-            <a:r>
-              <a:rPr lang="en-US" sz="1400" b="1" dirty="0" smtClean="0"/>
-              <a:t> ,Work Integrated Learning </a:t>
-            </a:r>
-            <a:r>
-              <a:rPr lang="en-US" sz="1400" b="1" dirty="0" err="1" smtClean="0"/>
-              <a:t>Programmes</a:t>
-            </a:r>
-            <a:r>
-              <a:rPr lang="en-US" sz="1400" b="1" dirty="0" smtClean="0"/>
-              <a:t> (WILP). </a:t>
-            </a:r>
-            <a:r>
-              <a:rPr lang="en-US" sz="1400" dirty="0" smtClean="0"/>
-              <a:t>This program is carried out in </a:t>
-            </a:r>
-            <a:r>
-              <a:rPr lang="en-US" sz="1400" dirty="0"/>
-              <a:t>online classes </a:t>
-            </a:r>
-            <a:r>
-              <a:rPr lang="en-US" sz="1400" dirty="0" smtClean="0"/>
-              <a:t>mode and conducted </a:t>
-            </a:r>
-            <a:r>
-              <a:rPr lang="en-US" sz="1400" dirty="0"/>
-              <a:t>mostly on weekends or after business hours</a:t>
-            </a:r>
-            <a:r>
-              <a:rPr lang="en-US" sz="1400" dirty="0" smtClean="0"/>
-              <a:t>.</a:t>
-            </a:r>
+              <a:rPr lang="en-US" sz="1500" dirty="0" smtClean="0"/>
+              <a:t>Implemented </a:t>
+            </a:r>
+            <a:r>
+              <a:rPr lang="en-US" sz="1500" dirty="0" smtClean="0"/>
+              <a:t>DOXYGEN tool , </a:t>
+            </a:r>
+            <a:r>
+              <a:rPr lang="en-US" sz="1500" dirty="0" smtClean="0"/>
+              <a:t>that </a:t>
+            </a:r>
+            <a:r>
+              <a:rPr lang="en-GB" sz="1500" dirty="0" smtClean="0"/>
+              <a:t>generates coding and design documents </a:t>
+            </a:r>
+            <a:r>
+              <a:rPr lang="en-IN" sz="1500" dirty="0" smtClean="0"/>
+              <a:t>for all MISD applications.</a:t>
+            </a:r>
+            <a:endParaRPr lang="en-US" sz="1500" b="1" strike="sngStrike" dirty="0" smtClean="0"/>
           </a:p>
           <a:p>
             <a:pPr>
+              <a:lnSpc>
+                <a:spcPct val="110000"/>
+              </a:lnSpc>
               <a:buClrTx/>
               <a:buFont typeface="Arial" panose="020B0604020202020204" pitchFamily="34" charset="0"/>
               <a:buChar char="•"/>
             </a:pPr>
             <a:r>
-              <a:rPr lang="en-US" sz="1400" dirty="0"/>
-              <a:t>As </a:t>
-            </a:r>
-            <a:r>
-              <a:rPr lang="en-US" sz="1400" b="1" dirty="0"/>
-              <a:t>Division Level Management Representatives (DMR) </a:t>
-            </a:r>
-            <a:r>
-              <a:rPr lang="en-US" sz="1400" dirty="0"/>
-              <a:t>of MISD for ISO program, responsible for maintaining required ISO documents for the division which are essential in maintaining ISO standard activities</a:t>
-            </a:r>
-            <a:r>
-              <a:rPr lang="en-US" sz="1400" dirty="0" smtClean="0"/>
-              <a:t>.</a:t>
+              <a:rPr lang="en-US" sz="1500" dirty="0"/>
+              <a:t>Pursuing </a:t>
+            </a:r>
+            <a:r>
+              <a:rPr lang="en-US" sz="1500" b="1" dirty="0" err="1"/>
+              <a:t>M.Tech</a:t>
+            </a:r>
+            <a:r>
+              <a:rPr lang="en-US" sz="1500" b="1" dirty="0"/>
+              <a:t>. Software Systems program in</a:t>
+            </a:r>
+            <a:r>
+              <a:rPr lang="en-US" sz="1500" dirty="0"/>
+              <a:t> </a:t>
+            </a:r>
+            <a:r>
+              <a:rPr lang="en-US" sz="1500" b="1" dirty="0"/>
+              <a:t>Data Analytics from BITS-</a:t>
+            </a:r>
+            <a:r>
+              <a:rPr lang="en-US" sz="1500" b="1" dirty="0" err="1"/>
+              <a:t>Pilani</a:t>
+            </a:r>
+            <a:r>
+              <a:rPr lang="en-US" sz="1500" b="1" dirty="0"/>
+              <a:t> ,Work Integrated Learning </a:t>
+            </a:r>
+            <a:r>
+              <a:rPr lang="en-US" sz="1500" b="1" dirty="0" err="1"/>
+              <a:t>Programmes</a:t>
+            </a:r>
+            <a:r>
+              <a:rPr lang="en-US" sz="1500" b="1" dirty="0"/>
+              <a:t> (WILP). </a:t>
+            </a:r>
+            <a:r>
+              <a:rPr lang="en-US" sz="1500" dirty="0"/>
+              <a:t>This program is carried out in online classes mode and conducted mostly on weekends or after business hours.</a:t>
             </a:r>
           </a:p>
           <a:p>
             <a:pPr>
+              <a:lnSpc>
+                <a:spcPct val="110000"/>
+              </a:lnSpc>
               <a:buClrTx/>
               <a:buFont typeface="Arial" panose="020B0604020202020204" pitchFamily="34" charset="0"/>
               <a:buChar char="•"/>
             </a:pPr>
             <a:r>
-              <a:rPr lang="en-US" sz="1400" dirty="0" smtClean="0"/>
-              <a:t>Implemented </a:t>
-            </a:r>
-            <a:r>
-              <a:rPr lang="en-US" sz="1400" dirty="0" smtClean="0"/>
-              <a:t>an Open source tool , DOXYGEN for </a:t>
-            </a:r>
-            <a:r>
-              <a:rPr lang="en-GB" sz="1400" dirty="0" smtClean="0"/>
-              <a:t>generating </a:t>
-            </a:r>
-            <a:r>
-              <a:rPr lang="en-GB" sz="1400" dirty="0"/>
-              <a:t>documentation </a:t>
-            </a:r>
-            <a:r>
-              <a:rPr lang="en-GB" sz="1400" dirty="0" smtClean="0"/>
-              <a:t>from all popular annotated programming languages. This tool has </a:t>
-            </a:r>
-            <a:r>
-              <a:rPr lang="en-GB" sz="1400" dirty="0"/>
-              <a:t>generated online documentations(in browser) and set of off-line reference </a:t>
-            </a:r>
-            <a:r>
-              <a:rPr lang="en-GB" sz="1400" dirty="0" smtClean="0"/>
-              <a:t>manual in PDFs </a:t>
-            </a:r>
-            <a:r>
-              <a:rPr lang="en-GB" sz="1400" dirty="0" smtClean="0"/>
-              <a:t>which helped </a:t>
-            </a:r>
-            <a:r>
-              <a:rPr lang="en-GB" sz="1400" b="1" dirty="0" smtClean="0"/>
-              <a:t>in maintaining software-quality and </a:t>
-            </a:r>
-            <a:r>
-              <a:rPr lang="en-US" sz="1400" b="1" dirty="0" smtClean="0"/>
-              <a:t>ISO standard activities.</a:t>
-            </a:r>
-            <a:endParaRPr lang="en-US" sz="1400" b="1" dirty="0" smtClean="0"/>
+              <a:rPr lang="en-US" sz="1500" dirty="0"/>
+              <a:t>As </a:t>
+            </a:r>
+            <a:r>
+              <a:rPr lang="en-US" sz="1500" b="1" dirty="0"/>
+              <a:t>Division Level Management Representatives (DMR) </a:t>
+            </a:r>
+            <a:r>
+              <a:rPr lang="en-US" sz="1500" dirty="0"/>
+              <a:t>of MISD for ISO program, responsible for maintaining required ISO documents for the division which are essential in maintaining ISO standard activities</a:t>
+            </a:r>
+            <a:r>
+              <a:rPr lang="en-US" sz="1500" dirty="0" smtClean="0"/>
+              <a:t>.</a:t>
+            </a:r>
+            <a:endParaRPr lang="en-US" sz="1500" b="1" dirty="0" smtClean="0"/>
           </a:p>
           <a:p>
             <a:pPr>
+              <a:lnSpc>
+                <a:spcPct val="110000"/>
+              </a:lnSpc>
               <a:buClrTx/>
               <a:buFont typeface="Arial" panose="020B0604020202020204" pitchFamily="34" charset="0"/>
               <a:buChar char="•"/>
             </a:pPr>
             <a:r>
-              <a:rPr lang="en-US" sz="1400" b="1" dirty="0" smtClean="0"/>
-              <a:t> </a:t>
-            </a:r>
-            <a:r>
-              <a:rPr lang="en-US" sz="1400" dirty="0" smtClean="0"/>
-              <a:t>On </a:t>
-            </a:r>
-            <a:r>
-              <a:rPr lang="en-US" sz="1400" dirty="0"/>
-              <a:t>behalf of URSC, attended ‘</a:t>
-            </a:r>
-            <a:r>
-              <a:rPr lang="en-US" sz="1400" dirty="0" smtClean="0"/>
-              <a:t>One-Day </a:t>
-            </a:r>
-            <a:r>
-              <a:rPr lang="en-US" sz="1400" dirty="0"/>
-              <a:t>Workshop on HINDI KNOWLEDGE MANAGEMENT APPLICATION’ held at SAC. This application is developed to digitalizes the various operational activities of respective </a:t>
-            </a:r>
-            <a:r>
-              <a:rPr lang="en-US" sz="1400" dirty="0" err="1"/>
-              <a:t>centres’</a:t>
-            </a:r>
-            <a:r>
-              <a:rPr lang="en-US" sz="1400" dirty="0"/>
-              <a:t> Hindi Cell. After making </a:t>
-            </a:r>
-            <a:r>
-              <a:rPr lang="en-US" sz="1400" dirty="0" err="1"/>
-              <a:t>centre</a:t>
-            </a:r>
-            <a:r>
-              <a:rPr lang="en-US" sz="1400" dirty="0"/>
-              <a:t> specific changes, this application is configured successfully on the test server </a:t>
-            </a:r>
-            <a:r>
-              <a:rPr lang="en-US" sz="1400" dirty="0" smtClean="0"/>
-              <a:t>for URSC-Hindi </a:t>
-            </a:r>
-            <a:r>
-              <a:rPr lang="en-US" sz="1400" dirty="0"/>
-              <a:t>Cell and made available for the Functional </a:t>
-            </a:r>
-            <a:r>
-              <a:rPr lang="en-US" sz="1400" dirty="0" smtClean="0"/>
-              <a:t>testing to </a:t>
-            </a:r>
-            <a:r>
-              <a:rPr lang="en-US" sz="1400" dirty="0" smtClean="0"/>
-              <a:t>end </a:t>
-            </a:r>
-            <a:r>
-              <a:rPr lang="en-US" sz="1400" dirty="0" smtClean="0"/>
-              <a:t>users.</a:t>
-            </a:r>
-            <a:endParaRPr lang="en-GB" sz="1400" dirty="0"/>
+              <a:rPr lang="en-US" sz="1500" dirty="0" smtClean="0"/>
+              <a:t>Configured </a:t>
+            </a:r>
+            <a:r>
+              <a:rPr lang="en-US" sz="1500" dirty="0"/>
+              <a:t>successfully </a:t>
+            </a:r>
+            <a:r>
+              <a:rPr lang="en-US" sz="1500" dirty="0" smtClean="0"/>
+              <a:t>HINDI KNOWLEDGE MANAGEMENT APPLICATION </a:t>
+            </a:r>
+            <a:r>
+              <a:rPr lang="en-US" sz="1500" dirty="0" smtClean="0"/>
+              <a:t>(developed </a:t>
+            </a:r>
+            <a:r>
+              <a:rPr lang="en-US" sz="1500" dirty="0" smtClean="0"/>
+              <a:t>by </a:t>
+            </a:r>
+            <a:r>
+              <a:rPr lang="en-US" sz="1500" dirty="0" smtClean="0"/>
+              <a:t>SAC) on URSC test server. Application is presently under functional </a:t>
+            </a:r>
+            <a:r>
+              <a:rPr lang="en-US" sz="1500" dirty="0" smtClean="0"/>
+              <a:t>testing to end users</a:t>
+            </a:r>
+            <a:r>
+              <a:rPr lang="en-US" sz="1500" dirty="0" smtClean="0"/>
+              <a:t>.(</a:t>
+            </a:r>
+            <a:r>
+              <a:rPr lang="en-US" sz="1500" smtClean="0"/>
+              <a:t>On behalf line)?</a:t>
+            </a:r>
+            <a:endParaRPr lang="en-US" sz="1500" dirty="0" smtClean="0"/>
+          </a:p>
+          <a:p>
+            <a:pPr>
+              <a:lnSpc>
+                <a:spcPct val="110000"/>
+              </a:lnSpc>
+              <a:buClrTx/>
+              <a:buFont typeface="Arial" panose="020B0604020202020204" pitchFamily="34" charset="0"/>
+              <a:buChar char="•"/>
+            </a:pPr>
+            <a:r>
+              <a:rPr lang="en-US" sz="1500" dirty="0" smtClean="0"/>
+              <a:t> Member of ‘</a:t>
+            </a:r>
+            <a:r>
+              <a:rPr lang="en-US" sz="1500" dirty="0" err="1" smtClean="0"/>
+              <a:t>Vikram</a:t>
+            </a:r>
+            <a:r>
+              <a:rPr lang="en-US" sz="1500" dirty="0" smtClean="0"/>
+              <a:t> Sarabhai Life Journey Team’ in ‘</a:t>
+            </a:r>
+            <a:r>
+              <a:rPr lang="en-US" sz="1500" dirty="0" err="1" smtClean="0"/>
+              <a:t>Vikram</a:t>
+            </a:r>
+            <a:r>
+              <a:rPr lang="en-US" sz="1500" dirty="0" smtClean="0"/>
+              <a:t> Sarabhai Centenary </a:t>
+            </a:r>
+            <a:r>
+              <a:rPr lang="en-US" sz="1500" dirty="0" err="1" smtClean="0"/>
+              <a:t>Programme</a:t>
+            </a:r>
+            <a:r>
+              <a:rPr lang="en-US" sz="1500" dirty="0" smtClean="0"/>
+              <a:t>’ (VSCP).</a:t>
+            </a:r>
+          </a:p>
+          <a:p>
+            <a:pPr>
+              <a:lnSpc>
+                <a:spcPct val="110000"/>
+              </a:lnSpc>
+              <a:buClrTx/>
+              <a:buFont typeface="Arial" panose="020B0604020202020204" pitchFamily="34" charset="0"/>
+              <a:buChar char="•"/>
+            </a:pPr>
+            <a:r>
+              <a:rPr lang="en-US" sz="1500" dirty="0" smtClean="0"/>
+              <a:t> Member of ‘Gymnasium Committee</a:t>
+            </a:r>
+            <a:r>
+              <a:rPr lang="en-US" sz="1500" dirty="0"/>
+              <a:t>’ to </a:t>
+            </a:r>
+            <a:r>
+              <a:rPr lang="en-US" sz="1500" dirty="0" smtClean="0"/>
+              <a:t>support </a:t>
+            </a:r>
+            <a:r>
+              <a:rPr lang="en-US" sz="1500" dirty="0"/>
+              <a:t>the </a:t>
+            </a:r>
+            <a:r>
+              <a:rPr lang="en-US" sz="1500" dirty="0" smtClean="0"/>
+              <a:t>management of all </a:t>
+            </a:r>
+            <a:r>
+              <a:rPr lang="en-US" sz="1500" dirty="0"/>
+              <a:t>four GYM complex of ISRO in Bengaluru</a:t>
+            </a:r>
+            <a:r>
+              <a:rPr lang="en-US" sz="1500" dirty="0" smtClean="0"/>
+              <a:t>.</a:t>
+            </a:r>
+          </a:p>
+          <a:p>
+            <a:pPr>
+              <a:lnSpc>
+                <a:spcPct val="110000"/>
+              </a:lnSpc>
+              <a:buClrTx/>
+              <a:buFont typeface="Arial" panose="020B0604020202020204" pitchFamily="34" charset="0"/>
+              <a:buChar char="•"/>
+            </a:pPr>
+            <a:endParaRPr lang="en-US" sz="1400" dirty="0"/>
           </a:p>
         </p:txBody>
       </p:sp>
@@ -6916,4 +13223,265 @@
     </a:ext>
   </a:extLst>
 </a:theme>
+</file>
+
+<file path=ppt/theme/theme2.xml><?xml version="1.0" encoding="utf-8"?>
+<a:theme xmlns:a="http://schemas.openxmlformats.org/drawingml/2006/main" name="Office Theme">
+  <a:themeElements>
+    <a:clrScheme name="Office">
+      <a:dk1>
+        <a:sysClr val="windowText" lastClr="000000"/>
+      </a:dk1>
+      <a:lt1>
+        <a:sysClr val="window" lastClr="FFFFFF"/>
+      </a:lt1>
+      <a:dk2>
+        <a:srgbClr val="44546A"/>
+      </a:dk2>
+      <a:lt2>
+        <a:srgbClr val="E7E6E6"/>
+      </a:lt2>
+      <a:accent1>
+        <a:srgbClr val="5B9BD5"/>
+      </a:accent1>
+      <a:accent2>
+        <a:srgbClr val="ED7D31"/>
+      </a:accent2>
+      <a:accent3>
+        <a:srgbClr val="A5A5A5"/>
+      </a:accent3>
+      <a:accent4>
+        <a:srgbClr val="FFC000"/>
+      </a:accent4>
+      <a:accent5>
+        <a:srgbClr val="4472C4"/>
+      </a:accent5>
+      <a:accent6>
+        <a:srgbClr val="70AD47"/>
+      </a:accent6>
+      <a:hlink>
+        <a:srgbClr val="0563C1"/>
+      </a:hlink>
+      <a:folHlink>
+        <a:srgbClr val="954F72"/>
+      </a:folHlink>
+    </a:clrScheme>
+    <a:fontScheme name="Office">
+      <a:majorFont>
+        <a:latin typeface="Calibri Light" panose="020F0302020204030204"/>
+        <a:ea typeface=""/>
+        <a:cs typeface=""/>
+        <a:font script="Jpan" typeface="游ゴシック Light"/>
+        <a:font script="Hang" typeface="맑은 고딕"/>
+        <a:font script="Hans" typeface="等线 Light"/>
+        <a:font script="Hant" typeface="新細明體"/>
+        <a:font script="Arab" typeface="Times New Roman"/>
+        <a:font script="Hebr" typeface="Times New Roman"/>
+        <a:font script="Thai" typeface="Angsana New"/>
+        <a:font script="Ethi" typeface="Nyala"/>
+        <a:font script="Beng" typeface="Vrinda"/>
+        <a:font script="Gujr" typeface="Shruti"/>
+        <a:font script="Khmr" typeface="MoolBoran"/>
+        <a:font script="Knda" typeface="Tunga"/>
+        <a:font script="Guru" typeface="Raavi"/>
+        <a:font script="Cans" typeface="Euphemia"/>
+        <a:font script="Cher" typeface="Plantagenet Cherokee"/>
+        <a:font script="Yiii" typeface="Microsoft Yi Baiti"/>
+        <a:font script="Tibt" typeface="Microsoft Himalaya"/>
+        <a:font script="Thaa" typeface="MV Boli"/>
+        <a:font script="Deva" typeface="Mangal"/>
+        <a:font script="Telu" typeface="Gautami"/>
+        <a:font script="Taml" typeface="Latha"/>
+        <a:font script="Syrc" typeface="Estrangelo Edessa"/>
+        <a:font script="Orya" typeface="Kalinga"/>
+        <a:font script="Mlym" typeface="Kartika"/>
+        <a:font script="Laoo" typeface="DokChampa"/>
+        <a:font script="Sinh" typeface="Iskoola Pota"/>
+        <a:font script="Mong" typeface="Mongolian Baiti"/>
+        <a:font script="Viet" typeface="Times New Roman"/>
+        <a:font script="Uigh" typeface="Microsoft Uighur"/>
+        <a:font script="Geor" typeface="Sylfaen"/>
+      </a:majorFont>
+      <a:minorFont>
+        <a:latin typeface="Calibri" panose="020F0502020204030204"/>
+        <a:ea typeface=""/>
+        <a:cs typeface=""/>
+        <a:font script="Jpan" typeface="游ゴシック"/>
+        <a:font script="Hang" typeface="맑은 고딕"/>
+        <a:font script="Hans" typeface="等线"/>
+        <a:font script="Hant" typeface="新細明體"/>
+        <a:font script="Arab" typeface="Arial"/>
+        <a:font script="Hebr" typeface="Arial"/>
+        <a:font script="Thai" typeface="Cordia New"/>
+        <a:font script="Ethi" typeface="Nyala"/>
+        <a:font script="Beng" typeface="Vrinda"/>
+        <a:font script="Gujr" typeface="Shruti"/>
+        <a:font script="Khmr" typeface="DaunPenh"/>
+        <a:font script="Knda" typeface="Tunga"/>
+        <a:font script="Guru" typeface="Raavi"/>
+        <a:font script="Cans" typeface="Euphemia"/>
+        <a:font script="Cher" typeface="Plantagenet Cherokee"/>
+        <a:font script="Yiii" typeface="Microsoft Yi Baiti"/>
+        <a:font script="Tibt" typeface="Microsoft Himalaya"/>
+        <a:font script="Thaa" typeface="MV Boli"/>
+        <a:font script="Deva" typeface="Mangal"/>
+        <a:font script="Telu" typeface="Gautami"/>
+        <a:font script="Taml" typeface="Latha"/>
+        <a:font script="Syrc" typeface="Estrangelo Edessa"/>
+        <a:font script="Orya" typeface="Kalinga"/>
+        <a:font script="Mlym" typeface="Kartika"/>
+        <a:font script="Laoo" typeface="DokChampa"/>
+        <a:font script="Sinh" typeface="Iskoola Pota"/>
+        <a:font script="Mong" typeface="Mongolian Baiti"/>
+        <a:font script="Viet" typeface="Arial"/>
+        <a:font script="Uigh" typeface="Microsoft Uighur"/>
+        <a:font script="Geor" typeface="Sylfaen"/>
+      </a:minorFont>
+    </a:fontScheme>
+    <a:fmtScheme name="Office">
+      <a:fillStyleLst>
+        <a:solidFill>
+          <a:schemeClr val="phClr"/>
+        </a:solidFill>
+        <a:gradFill rotWithShape="1">
+          <a:gsLst>
+            <a:gs pos="0">
+              <a:schemeClr val="phClr">
+                <a:lumMod val="110000"/>
+                <a:satMod val="105000"/>
+                <a:tint val="67000"/>
+              </a:schemeClr>
+            </a:gs>
+            <a:gs pos="50000">
+              <a:schemeClr val="phClr">
+                <a:lumMod val="105000"/>
+                <a:satMod val="103000"/>
+                <a:tint val="73000"/>
+              </a:schemeClr>
+            </a:gs>
+            <a:gs pos="100000">
+              <a:schemeClr val="phClr">
+                <a:lumMod val="105000"/>
+                <a:satMod val="109000"/>
+                <a:tint val="81000"/>
+              </a:schemeClr>
+            </a:gs>
+          </a:gsLst>
+          <a:lin ang="5400000" scaled="0"/>
+        </a:gradFill>
+        <a:gradFill rotWithShape="1">
+          <a:gsLst>
+            <a:gs pos="0">
+              <a:schemeClr val="phClr">
+                <a:satMod val="103000"/>
+                <a:lumMod val="102000"/>
+                <a:tint val="94000"/>
+              </a:schemeClr>
+            </a:gs>
+            <a:gs pos="50000">
+              <a:schemeClr val="phClr">
+                <a:satMod val="110000"/>
+                <a:lumMod val="100000"/>
+                <a:shade val="100000"/>
+              </a:schemeClr>
+            </a:gs>
+            <a:gs pos="100000">
+              <a:schemeClr val="phClr">
+                <a:lumMod val="99000"/>
+                <a:satMod val="120000"/>
+                <a:shade val="78000"/>
+              </a:schemeClr>
+            </a:gs>
+          </a:gsLst>
+          <a:lin ang="5400000" scaled="0"/>
+        </a:gradFill>
+      </a:fillStyleLst>
+      <a:lnStyleLst>
+        <a:ln w="6350" cap="flat" cmpd="sng" algn="ctr">
+          <a:solidFill>
+            <a:schemeClr val="phClr"/>
+          </a:solidFill>
+          <a:prstDash val="solid"/>
+          <a:miter lim="800000"/>
+        </a:ln>
+        <a:ln w="12700" cap="flat" cmpd="sng" algn="ctr">
+          <a:solidFill>
+            <a:schemeClr val="phClr"/>
+          </a:solidFill>
+          <a:prstDash val="solid"/>
+          <a:miter lim="800000"/>
+        </a:ln>
+        <a:ln w="19050" cap="flat" cmpd="sng" algn="ctr">
+          <a:solidFill>
+            <a:schemeClr val="phClr"/>
+          </a:solidFill>
+          <a:prstDash val="solid"/>
+          <a:miter lim="800000"/>
+        </a:ln>
+      </a:lnStyleLst>
+      <a:effectStyleLst>
+        <a:effectStyle>
+          <a:effectLst/>
+        </a:effectStyle>
+        <a:effectStyle>
+          <a:effectLst/>
+        </a:effectStyle>
+        <a:effectStyle>
+          <a:effectLst>
+            <a:outerShdw blurRad="57150" dist="19050" dir="5400000" algn="ctr" rotWithShape="0">
+              <a:srgbClr val="000000">
+                <a:alpha val="63000"/>
+              </a:srgbClr>
+            </a:outerShdw>
+          </a:effectLst>
+        </a:effectStyle>
+      </a:effectStyleLst>
+      <a:bgFillStyleLst>
+        <a:solidFill>
+          <a:schemeClr val="phClr"/>
+        </a:solidFill>
+        <a:solidFill>
+          <a:schemeClr val="phClr">
+            <a:tint val="95000"/>
+            <a:satMod val="170000"/>
+          </a:schemeClr>
+        </a:solidFill>
+        <a:gradFill rotWithShape="1">
+          <a:gsLst>
+            <a:gs pos="0">
+              <a:schemeClr val="phClr">
+                <a:tint val="93000"/>
+                <a:satMod val="150000"/>
+                <a:shade val="98000"/>
+                <a:lumMod val="102000"/>
+              </a:schemeClr>
+            </a:gs>
+            <a:gs pos="50000">
+              <a:schemeClr val="phClr">
+                <a:tint val="98000"/>
+                <a:satMod val="130000"/>
+                <a:shade val="90000"/>
+                <a:lumMod val="103000"/>
+              </a:schemeClr>
+            </a:gs>
+            <a:gs pos="100000">
+              <a:schemeClr val="phClr">
+                <a:shade val="63000"/>
+                <a:satMod val="120000"/>
+              </a:schemeClr>
+            </a:gs>
+          </a:gsLst>
+          <a:lin ang="5400000" scaled="0"/>
+        </a:gradFill>
+      </a:bgFillStyleLst>
+    </a:fmtScheme>
+  </a:themeElements>
+  <a:objectDefaults/>
+  <a:extraClrSchemeLst/>
+  <a:extLst>
+    <a:ext uri="{05A4C25C-085E-4340-85A3-A5531E510DB2}">
+      <thm15:themeFamily xmlns:thm15="http://schemas.microsoft.com/office/thememl/2012/main" name="Office Theme" id="{62F939B6-93AF-4DB8-9C6B-D6C7DFDC589F}" vid="{4A3C46E8-61CC-4603-A589-7422A47A8E4A}"/>
+    </a:ext>
+  </a:extLst>
+</a:theme>
 </file>
--- a/handOutSources/navdeep.pptx
+++ b/handOutSources/navdeep.pptx
@@ -1897,45 +1897,45 @@
     </dgm:pt>
   </dgm:ptLst>
   <dgm:cxnLst>
+    <dgm:cxn modelId="{9826E078-E0F1-4B7D-ADA0-B3D190FAB21A}" type="presOf" srcId="{02D4C35B-757D-4A26-ABF9-EB062347B49C}" destId="{BA9559E5-A1E7-4EED-A02D-40E9AD225969}" srcOrd="0" destOrd="0" presId="urn:microsoft.com/office/officeart/2008/layout/HorizontalMultiLevelHierarchy"/>
+    <dgm:cxn modelId="{AAD6FF71-9419-4B68-BFA2-0E02D183255C}" srcId="{2CD48D77-BE21-40B3-8CBE-A5E2180F17F6}" destId="{2799595B-A5B9-4141-9B92-E8A33ADA7F5C}" srcOrd="0" destOrd="0" parTransId="{A5E99A83-AD3E-4D9B-892D-67D3D64BAC18}" sibTransId="{6ECEBC69-FF95-4755-B59F-BA069D9DB35F}"/>
+    <dgm:cxn modelId="{8EF08AC9-713B-4A09-8702-1D8B1148D154}" srcId="{73608496-C71E-4E04-954E-7324A877FCE6}" destId="{4456A574-DC07-4E29-9503-E3088322F9EF}" srcOrd="2" destOrd="0" parTransId="{45FB58CB-7DA1-4E14-B564-367C4C6C116B}" sibTransId="{E31D2D81-FD04-4F0F-9DA1-C391B26B2A1F}"/>
+    <dgm:cxn modelId="{0348287F-75A9-4CD7-9DCC-24EBC0EBC196}" type="presOf" srcId="{4456A574-DC07-4E29-9503-E3088322F9EF}" destId="{92AE9F0A-4317-4E08-B368-5F7267F9C11E}" srcOrd="0" destOrd="0" presId="urn:microsoft.com/office/officeart/2008/layout/HorizontalMultiLevelHierarchy"/>
     <dgm:cxn modelId="{85B8BF06-77FB-4813-9B94-A15DE0B6E520}" type="presOf" srcId="{8AD0ECD5-B82F-432A-A91A-57BA82016F10}" destId="{46578617-3BC7-4745-ACFC-294A4ADE715F}" srcOrd="0" destOrd="0" presId="urn:microsoft.com/office/officeart/2008/layout/HorizontalMultiLevelHierarchy"/>
-    <dgm:cxn modelId="{0348287F-75A9-4CD7-9DCC-24EBC0EBC196}" type="presOf" srcId="{4456A574-DC07-4E29-9503-E3088322F9EF}" destId="{92AE9F0A-4317-4E08-B368-5F7267F9C11E}" srcOrd="0" destOrd="0" presId="urn:microsoft.com/office/officeart/2008/layout/HorizontalMultiLevelHierarchy"/>
+    <dgm:cxn modelId="{42281A92-1148-400D-811A-AB6E156EB9FD}" srcId="{2CD48D77-BE21-40B3-8CBE-A5E2180F17F6}" destId="{F7718C43-EC58-416A-938B-C652B175DEA4}" srcOrd="2" destOrd="0" parTransId="{02D4C35B-757D-4A26-ABF9-EB062347B49C}" sibTransId="{B9CC0C24-C75A-41DC-A2AB-6B74AF630EBA}"/>
+    <dgm:cxn modelId="{6BBE2A8F-3CFC-4B1F-803A-29217B57B134}" srcId="{2CD48D77-BE21-40B3-8CBE-A5E2180F17F6}" destId="{4C365737-CB30-40F2-A17F-28A2ED83F818}" srcOrd="3" destOrd="0" parTransId="{89F5C37F-389D-4EB0-B598-35B5D1E9207A}" sibTransId="{8C4C3C18-77F8-4528-A744-22A7F933F16C}"/>
+    <dgm:cxn modelId="{DE94DAFF-B937-4DA6-8C1D-0ED13C0C34AE}" srcId="{2CD48D77-BE21-40B3-8CBE-A5E2180F17F6}" destId="{1461B457-6FD2-4CC4-9A19-91474B69B91D}" srcOrd="4" destOrd="0" parTransId="{F94C3D0C-24EA-421D-A927-2EAB58C8C5DE}" sibTransId="{F8FB352F-AD5B-49E5-AB68-B7984675C7FD}"/>
+    <dgm:cxn modelId="{5F951319-233D-448E-84F3-5A7CB1618BBD}" type="presOf" srcId="{488E4E53-0EE4-4CCC-85FD-CCB1EBC499C8}" destId="{B4ECD626-F8DE-4A03-8BBE-286133768483}" srcOrd="1" destOrd="0" presId="urn:microsoft.com/office/officeart/2008/layout/HorizontalMultiLevelHierarchy"/>
+    <dgm:cxn modelId="{25A55FA0-CACC-4A39-AC6C-31213C069B95}" srcId="{581A9FF4-19EA-4B04-9BEF-D16ACDA8A41B}" destId="{2CD48D77-BE21-40B3-8CBE-A5E2180F17F6}" srcOrd="0" destOrd="0" parTransId="{DE9434DD-CB97-4DF8-8B4E-A8D53054D5D8}" sibTransId="{F73CFAA2-E7B1-4A53-ACC4-DBE00B8F710B}"/>
+    <dgm:cxn modelId="{BD9340CF-385F-4511-B84D-5E13289943FF}" srcId="{73608496-C71E-4E04-954E-7324A877FCE6}" destId="{7B88B522-8C09-4369-BF24-2108C004F578}" srcOrd="1" destOrd="0" parTransId="{488E4E53-0EE4-4CCC-85FD-CCB1EBC499C8}" sibTransId="{4F461D30-A5B2-4AC0-9BC7-FD3BB71D827F}"/>
+    <dgm:cxn modelId="{2B8BB3C1-28F4-4410-9E2E-9AB516E471BE}" type="presOf" srcId="{58A11B15-3820-4941-BE2E-F6D04A27C047}" destId="{0F8821C7-4A3D-44E6-8A21-8DF0FF4061D6}" srcOrd="0" destOrd="0" presId="urn:microsoft.com/office/officeart/2008/layout/HorizontalMultiLevelHierarchy"/>
+    <dgm:cxn modelId="{6F1C1709-A4F9-4B26-A89D-830C2B20E7BD}" type="presOf" srcId="{89F5C37F-389D-4EB0-B598-35B5D1E9207A}" destId="{0202EF73-3765-429E-A44A-6449D2AEBE56}" srcOrd="0" destOrd="0" presId="urn:microsoft.com/office/officeart/2008/layout/HorizontalMultiLevelHierarchy"/>
+    <dgm:cxn modelId="{C8DF7BA3-DB84-448F-9EE2-3ED91402466E}" type="presOf" srcId="{45FB58CB-7DA1-4E14-B564-367C4C6C116B}" destId="{01C1B402-0020-44DF-9A62-E5610B5CD990}" srcOrd="0" destOrd="0" presId="urn:microsoft.com/office/officeart/2008/layout/HorizontalMultiLevelHierarchy"/>
+    <dgm:cxn modelId="{C58F9FA3-8530-4E58-AD0F-6CEE920A6D56}" type="presOf" srcId="{1461B457-6FD2-4CC4-9A19-91474B69B91D}" destId="{7EB01731-D03F-4C88-8DF2-D6243ECEC4AE}" srcOrd="0" destOrd="0" presId="urn:microsoft.com/office/officeart/2008/layout/HorizontalMultiLevelHierarchy"/>
+    <dgm:cxn modelId="{E098C6BD-4CE6-4F91-A1D6-17C9A87AC28B}" type="presOf" srcId="{02D4C35B-757D-4A26-ABF9-EB062347B49C}" destId="{E3418C5C-8673-493C-BF06-0B6808D5A844}" srcOrd="1" destOrd="0" presId="urn:microsoft.com/office/officeart/2008/layout/HorizontalMultiLevelHierarchy"/>
+    <dgm:cxn modelId="{D0DF096F-5956-44DD-8F99-F70EB0544467}" type="presOf" srcId="{A5E99A83-AD3E-4D9B-892D-67D3D64BAC18}" destId="{00C2A214-3467-4290-A89A-2E37DFA85757}" srcOrd="1" destOrd="0" presId="urn:microsoft.com/office/officeart/2008/layout/HorizontalMultiLevelHierarchy"/>
+    <dgm:cxn modelId="{0620A9E4-E114-42B4-BA73-ECCEAC2A6703}" type="presOf" srcId="{C9953552-5260-4C2B-BE54-33FD1BBA5E72}" destId="{1CA0B04D-97FB-4AAE-B2BA-6865800C43C6}" srcOrd="1" destOrd="0" presId="urn:microsoft.com/office/officeart/2008/layout/HorizontalMultiLevelHierarchy"/>
+    <dgm:cxn modelId="{F70DB969-7C53-4769-B50A-84D53CA10A36}" type="presOf" srcId="{2D02C620-56F9-42B4-A5F3-B2902AE52B07}" destId="{66CA485B-68C8-4246-A6A6-9C133B1D148E}" srcOrd="0" destOrd="0" presId="urn:microsoft.com/office/officeart/2008/layout/HorizontalMultiLevelHierarchy"/>
+    <dgm:cxn modelId="{118BEA0B-24B6-43A5-9B5E-BB5F318B63C3}" type="presOf" srcId="{F94C3D0C-24EA-421D-A927-2EAB58C8C5DE}" destId="{C6DC9683-92CD-4183-9F86-CDB5A9B13078}" srcOrd="0" destOrd="0" presId="urn:microsoft.com/office/officeart/2008/layout/HorizontalMultiLevelHierarchy"/>
+    <dgm:cxn modelId="{D22028CF-1ACC-4280-9E96-477D98FF5F88}" type="presOf" srcId="{F7718C43-EC58-416A-938B-C652B175DEA4}" destId="{664035F2-8451-4E45-873D-0B24AECBE763}" srcOrd="0" destOrd="0" presId="urn:microsoft.com/office/officeart/2008/layout/HorizontalMultiLevelHierarchy"/>
+    <dgm:cxn modelId="{60A6549D-6C4F-4226-9404-2AB58E572FA7}" type="presOf" srcId="{A5E99A83-AD3E-4D9B-892D-67D3D64BAC18}" destId="{DAE6B772-9B80-4BC4-95A7-43B452B2A1C4}" srcOrd="0" destOrd="0" presId="urn:microsoft.com/office/officeart/2008/layout/HorizontalMultiLevelHierarchy"/>
+    <dgm:cxn modelId="{58E1AEBC-5DDE-4F2F-A937-5D188C1B9B43}" type="presOf" srcId="{2799595B-A5B9-4141-9B92-E8A33ADA7F5C}" destId="{BB105F6C-DE2C-4E49-95AA-A9AF5B53CF8A}" srcOrd="0" destOrd="0" presId="urn:microsoft.com/office/officeart/2008/layout/HorizontalMultiLevelHierarchy"/>
+    <dgm:cxn modelId="{9D75E9BA-293F-4EF1-AD38-D79434133A30}" type="presOf" srcId="{7580BA2A-FDD6-4D25-AB7E-33651468206C}" destId="{D2AF1980-0A0B-43F8-9A7D-6954BB8A5458}" srcOrd="0" destOrd="0" presId="urn:microsoft.com/office/officeart/2008/layout/HorizontalMultiLevelHierarchy"/>
+    <dgm:cxn modelId="{678C744C-902D-4C26-A34B-B0E606AD2000}" type="presOf" srcId="{F94C3D0C-24EA-421D-A927-2EAB58C8C5DE}" destId="{D41C7770-0946-4222-AA92-57871C027F38}" srcOrd="1" destOrd="0" presId="urn:microsoft.com/office/officeart/2008/layout/HorizontalMultiLevelHierarchy"/>
+    <dgm:cxn modelId="{85CF3BEC-2BB9-4DE4-AE43-5571BB97B6A4}" srcId="{2CD48D77-BE21-40B3-8CBE-A5E2180F17F6}" destId="{73608496-C71E-4E04-954E-7324A877FCE6}" srcOrd="1" destOrd="0" parTransId="{2D02C620-56F9-42B4-A5F3-B2902AE52B07}" sibTransId="{681BDFC0-D12E-4B5F-A069-96767514660F}"/>
+    <dgm:cxn modelId="{24C66857-A79D-4474-BABA-80A97F4C7497}" type="presOf" srcId="{4C365737-CB30-40F2-A17F-28A2ED83F818}" destId="{2CCCFC99-71B2-4144-9B5F-1B9107AA16AA}" srcOrd="0" destOrd="0" presId="urn:microsoft.com/office/officeart/2008/layout/HorizontalMultiLevelHierarchy"/>
+    <dgm:cxn modelId="{2EEF3558-BA80-4F42-9F2C-4CABC21865CF}" type="presOf" srcId="{58A11B15-3820-4941-BE2E-F6D04A27C047}" destId="{15C4DF66-D3B1-4B62-AD25-3512467F8125}" srcOrd="1" destOrd="0" presId="urn:microsoft.com/office/officeart/2008/layout/HorizontalMultiLevelHierarchy"/>
+    <dgm:cxn modelId="{6BB2D755-293E-4744-B266-8114148262D2}" type="presOf" srcId="{73608496-C71E-4E04-954E-7324A877FCE6}" destId="{49B28A51-79A3-45DF-93EF-FAC1549BD0C3}" srcOrd="0" destOrd="0" presId="urn:microsoft.com/office/officeart/2008/layout/HorizontalMultiLevelHierarchy"/>
+    <dgm:cxn modelId="{136427DC-9447-47B3-B259-945ABF51844A}" type="presOf" srcId="{7B88B522-8C09-4369-BF24-2108C004F578}" destId="{48E5A03B-FA17-4D8C-AF4D-95792EEA64BA}" srcOrd="0" destOrd="0" presId="urn:microsoft.com/office/officeart/2008/layout/HorizontalMultiLevelHierarchy"/>
+    <dgm:cxn modelId="{212897A1-E32D-4577-A1D9-03A40EEC5849}" type="presOf" srcId="{581A9FF4-19EA-4B04-9BEF-D16ACDA8A41B}" destId="{205F9E91-23F9-491C-94EC-FEB94F6AC835}" srcOrd="0" destOrd="0" presId="urn:microsoft.com/office/officeart/2008/layout/HorizontalMultiLevelHierarchy"/>
+    <dgm:cxn modelId="{18571B71-B8D2-41F0-A1FD-7BA9D7CBA68F}" srcId="{73608496-C71E-4E04-954E-7324A877FCE6}" destId="{7580BA2A-FDD6-4D25-AB7E-33651468206C}" srcOrd="0" destOrd="0" parTransId="{C9953552-5260-4C2B-BE54-33FD1BBA5E72}" sibTransId="{A64DA436-0193-4D11-A174-10D97919F94F}"/>
+    <dgm:cxn modelId="{12AED730-941D-441D-9222-705B595E4CB3}" type="presOf" srcId="{C9953552-5260-4C2B-BE54-33FD1BBA5E72}" destId="{B4D2F5E3-6F87-43A2-BA8A-2718C43C3B7A}" srcOrd="0" destOrd="0" presId="urn:microsoft.com/office/officeart/2008/layout/HorizontalMultiLevelHierarchy"/>
+    <dgm:cxn modelId="{7AE86A1F-AC48-419A-9875-F0B55433C0A2}" type="presOf" srcId="{2D02C620-56F9-42B4-A5F3-B2902AE52B07}" destId="{E11BCC54-6891-4C63-9983-BEFA94519D29}" srcOrd="1" destOrd="0" presId="urn:microsoft.com/office/officeart/2008/layout/HorizontalMultiLevelHierarchy"/>
     <dgm:cxn modelId="{2FC165DD-640C-4F23-A598-E1B8A060F514}" type="presOf" srcId="{488E4E53-0EE4-4CCC-85FD-CCB1EBC499C8}" destId="{979116C9-67B1-4E10-B6DD-5028EA053226}" srcOrd="0" destOrd="0" presId="urn:microsoft.com/office/officeart/2008/layout/HorizontalMultiLevelHierarchy"/>
-    <dgm:cxn modelId="{212897A1-E32D-4577-A1D9-03A40EEC5849}" type="presOf" srcId="{581A9FF4-19EA-4B04-9BEF-D16ACDA8A41B}" destId="{205F9E91-23F9-491C-94EC-FEB94F6AC835}" srcOrd="0" destOrd="0" presId="urn:microsoft.com/office/officeart/2008/layout/HorizontalMultiLevelHierarchy"/>
-    <dgm:cxn modelId="{6BBE2A8F-3CFC-4B1F-803A-29217B57B134}" srcId="{2CD48D77-BE21-40B3-8CBE-A5E2180F17F6}" destId="{4C365737-CB30-40F2-A17F-28A2ED83F818}" srcOrd="3" destOrd="0" parTransId="{89F5C37F-389D-4EB0-B598-35B5D1E9207A}" sibTransId="{8C4C3C18-77F8-4528-A744-22A7F933F16C}"/>
-    <dgm:cxn modelId="{5F951319-233D-448E-84F3-5A7CB1618BBD}" type="presOf" srcId="{488E4E53-0EE4-4CCC-85FD-CCB1EBC499C8}" destId="{B4ECD626-F8DE-4A03-8BBE-286133768483}" srcOrd="1" destOrd="0" presId="urn:microsoft.com/office/officeart/2008/layout/HorizontalMultiLevelHierarchy"/>
-    <dgm:cxn modelId="{8EF08AC9-713B-4A09-8702-1D8B1148D154}" srcId="{73608496-C71E-4E04-954E-7324A877FCE6}" destId="{4456A574-DC07-4E29-9503-E3088322F9EF}" srcOrd="2" destOrd="0" parTransId="{45FB58CB-7DA1-4E14-B564-367C4C6C116B}" sibTransId="{E31D2D81-FD04-4F0F-9DA1-C391B26B2A1F}"/>
-    <dgm:cxn modelId="{678C744C-902D-4C26-A34B-B0E606AD2000}" type="presOf" srcId="{F94C3D0C-24EA-421D-A927-2EAB58C8C5DE}" destId="{D41C7770-0946-4222-AA92-57871C027F38}" srcOrd="1" destOrd="0" presId="urn:microsoft.com/office/officeart/2008/layout/HorizontalMultiLevelHierarchy"/>
-    <dgm:cxn modelId="{24C66857-A79D-4474-BABA-80A97F4C7497}" type="presOf" srcId="{4C365737-CB30-40F2-A17F-28A2ED83F818}" destId="{2CCCFC99-71B2-4144-9B5F-1B9107AA16AA}" srcOrd="0" destOrd="0" presId="urn:microsoft.com/office/officeart/2008/layout/HorizontalMultiLevelHierarchy"/>
-    <dgm:cxn modelId="{DE94DAFF-B937-4DA6-8C1D-0ED13C0C34AE}" srcId="{2CD48D77-BE21-40B3-8CBE-A5E2180F17F6}" destId="{1461B457-6FD2-4CC4-9A19-91474B69B91D}" srcOrd="4" destOrd="0" parTransId="{F94C3D0C-24EA-421D-A927-2EAB58C8C5DE}" sibTransId="{F8FB352F-AD5B-49E5-AB68-B7984675C7FD}"/>
-    <dgm:cxn modelId="{85CF3BEC-2BB9-4DE4-AE43-5571BB97B6A4}" srcId="{2CD48D77-BE21-40B3-8CBE-A5E2180F17F6}" destId="{73608496-C71E-4E04-954E-7324A877FCE6}" srcOrd="1" destOrd="0" parTransId="{2D02C620-56F9-42B4-A5F3-B2902AE52B07}" sibTransId="{681BDFC0-D12E-4B5F-A069-96767514660F}"/>
-    <dgm:cxn modelId="{12AED730-941D-441D-9222-705B595E4CB3}" type="presOf" srcId="{C9953552-5260-4C2B-BE54-33FD1BBA5E72}" destId="{B4D2F5E3-6F87-43A2-BA8A-2718C43C3B7A}" srcOrd="0" destOrd="0" presId="urn:microsoft.com/office/officeart/2008/layout/HorizontalMultiLevelHierarchy"/>
-    <dgm:cxn modelId="{118BEA0B-24B6-43A5-9B5E-BB5F318B63C3}" type="presOf" srcId="{F94C3D0C-24EA-421D-A927-2EAB58C8C5DE}" destId="{C6DC9683-92CD-4183-9F86-CDB5A9B13078}" srcOrd="0" destOrd="0" presId="urn:microsoft.com/office/officeart/2008/layout/HorizontalMultiLevelHierarchy"/>
-    <dgm:cxn modelId="{F70DB969-7C53-4769-B50A-84D53CA10A36}" type="presOf" srcId="{2D02C620-56F9-42B4-A5F3-B2902AE52B07}" destId="{66CA485B-68C8-4246-A6A6-9C133B1D148E}" srcOrd="0" destOrd="0" presId="urn:microsoft.com/office/officeart/2008/layout/HorizontalMultiLevelHierarchy"/>
-    <dgm:cxn modelId="{D22028CF-1ACC-4280-9E96-477D98FF5F88}" type="presOf" srcId="{F7718C43-EC58-416A-938B-C652B175DEA4}" destId="{664035F2-8451-4E45-873D-0B24AECBE763}" srcOrd="0" destOrd="0" presId="urn:microsoft.com/office/officeart/2008/layout/HorizontalMultiLevelHierarchy"/>
-    <dgm:cxn modelId="{6F1C1709-A4F9-4B26-A89D-830C2B20E7BD}" type="presOf" srcId="{89F5C37F-389D-4EB0-B598-35B5D1E9207A}" destId="{0202EF73-3765-429E-A44A-6449D2AEBE56}" srcOrd="0" destOrd="0" presId="urn:microsoft.com/office/officeart/2008/layout/HorizontalMultiLevelHierarchy"/>
-    <dgm:cxn modelId="{0620A9E4-E114-42B4-BA73-ECCEAC2A6703}" type="presOf" srcId="{C9953552-5260-4C2B-BE54-33FD1BBA5E72}" destId="{1CA0B04D-97FB-4AAE-B2BA-6865800C43C6}" srcOrd="1" destOrd="0" presId="urn:microsoft.com/office/officeart/2008/layout/HorizontalMultiLevelHierarchy"/>
-    <dgm:cxn modelId="{C58F9FA3-8530-4E58-AD0F-6CEE920A6D56}" type="presOf" srcId="{1461B457-6FD2-4CC4-9A19-91474B69B91D}" destId="{7EB01731-D03F-4C88-8DF2-D6243ECEC4AE}" srcOrd="0" destOrd="0" presId="urn:microsoft.com/office/officeart/2008/layout/HorizontalMultiLevelHierarchy"/>
-    <dgm:cxn modelId="{58E1AEBC-5DDE-4F2F-A937-5D188C1B9B43}" type="presOf" srcId="{2799595B-A5B9-4141-9B92-E8A33ADA7F5C}" destId="{BB105F6C-DE2C-4E49-95AA-A9AF5B53CF8A}" srcOrd="0" destOrd="0" presId="urn:microsoft.com/office/officeart/2008/layout/HorizontalMultiLevelHierarchy"/>
-    <dgm:cxn modelId="{25A55FA0-CACC-4A39-AC6C-31213C069B95}" srcId="{581A9FF4-19EA-4B04-9BEF-D16ACDA8A41B}" destId="{2CD48D77-BE21-40B3-8CBE-A5E2180F17F6}" srcOrd="0" destOrd="0" parTransId="{DE9434DD-CB97-4DF8-8B4E-A8D53054D5D8}" sibTransId="{F73CFAA2-E7B1-4A53-ACC4-DBE00B8F710B}"/>
-    <dgm:cxn modelId="{2EEF3558-BA80-4F42-9F2C-4CABC21865CF}" type="presOf" srcId="{58A11B15-3820-4941-BE2E-F6D04A27C047}" destId="{15C4DF66-D3B1-4B62-AD25-3512467F8125}" srcOrd="1" destOrd="0" presId="urn:microsoft.com/office/officeart/2008/layout/HorizontalMultiLevelHierarchy"/>
+    <dgm:cxn modelId="{882DBE9D-81D6-4905-8486-38F7467BD5B4}" type="presOf" srcId="{45FB58CB-7DA1-4E14-B564-367C4C6C116B}" destId="{A9542A7C-87DC-4569-9ABE-6DE548FB93BF}" srcOrd="1" destOrd="0" presId="urn:microsoft.com/office/officeart/2008/layout/HorizontalMultiLevelHierarchy"/>
+    <dgm:cxn modelId="{74CA1699-56AC-4929-86AB-D278C6996E61}" srcId="{73608496-C71E-4E04-954E-7324A877FCE6}" destId="{8AD0ECD5-B82F-432A-A91A-57BA82016F10}" srcOrd="3" destOrd="0" parTransId="{58A11B15-3820-4941-BE2E-F6D04A27C047}" sibTransId="{EB92243B-E820-4D23-91A5-AFB197689CAC}"/>
     <dgm:cxn modelId="{ACFDADFD-BE97-402C-A604-F6ABC14BCD74}" type="presOf" srcId="{89F5C37F-389D-4EB0-B598-35B5D1E9207A}" destId="{439D667A-8105-4063-98AA-2CAA45C70126}" srcOrd="1" destOrd="0" presId="urn:microsoft.com/office/officeart/2008/layout/HorizontalMultiLevelHierarchy"/>
-    <dgm:cxn modelId="{136427DC-9447-47B3-B259-945ABF51844A}" type="presOf" srcId="{7B88B522-8C09-4369-BF24-2108C004F578}" destId="{48E5A03B-FA17-4D8C-AF4D-95792EEA64BA}" srcOrd="0" destOrd="0" presId="urn:microsoft.com/office/officeart/2008/layout/HorizontalMultiLevelHierarchy"/>
-    <dgm:cxn modelId="{AAD6FF71-9419-4B68-BFA2-0E02D183255C}" srcId="{2CD48D77-BE21-40B3-8CBE-A5E2180F17F6}" destId="{2799595B-A5B9-4141-9B92-E8A33ADA7F5C}" srcOrd="0" destOrd="0" parTransId="{A5E99A83-AD3E-4D9B-892D-67D3D64BAC18}" sibTransId="{6ECEBC69-FF95-4755-B59F-BA069D9DB35F}"/>
-    <dgm:cxn modelId="{D0DF096F-5956-44DD-8F99-F70EB0544467}" type="presOf" srcId="{A5E99A83-AD3E-4D9B-892D-67D3D64BAC18}" destId="{00C2A214-3467-4290-A89A-2E37DFA85757}" srcOrd="1" destOrd="0" presId="urn:microsoft.com/office/officeart/2008/layout/HorizontalMultiLevelHierarchy"/>
-    <dgm:cxn modelId="{18571B71-B8D2-41F0-A1FD-7BA9D7CBA68F}" srcId="{73608496-C71E-4E04-954E-7324A877FCE6}" destId="{7580BA2A-FDD6-4D25-AB7E-33651468206C}" srcOrd="0" destOrd="0" parTransId="{C9953552-5260-4C2B-BE54-33FD1BBA5E72}" sibTransId="{A64DA436-0193-4D11-A174-10D97919F94F}"/>
-    <dgm:cxn modelId="{9D75E9BA-293F-4EF1-AD38-D79434133A30}" type="presOf" srcId="{7580BA2A-FDD6-4D25-AB7E-33651468206C}" destId="{D2AF1980-0A0B-43F8-9A7D-6954BB8A5458}" srcOrd="0" destOrd="0" presId="urn:microsoft.com/office/officeart/2008/layout/HorizontalMultiLevelHierarchy"/>
-    <dgm:cxn modelId="{2B8BB3C1-28F4-4410-9E2E-9AB516E471BE}" type="presOf" srcId="{58A11B15-3820-4941-BE2E-F6D04A27C047}" destId="{0F8821C7-4A3D-44E6-8A21-8DF0FF4061D6}" srcOrd="0" destOrd="0" presId="urn:microsoft.com/office/officeart/2008/layout/HorizontalMultiLevelHierarchy"/>
-    <dgm:cxn modelId="{7AE86A1F-AC48-419A-9875-F0B55433C0A2}" type="presOf" srcId="{2D02C620-56F9-42B4-A5F3-B2902AE52B07}" destId="{E11BCC54-6891-4C63-9983-BEFA94519D29}" srcOrd="1" destOrd="0" presId="urn:microsoft.com/office/officeart/2008/layout/HorizontalMultiLevelHierarchy"/>
-    <dgm:cxn modelId="{42281A92-1148-400D-811A-AB6E156EB9FD}" srcId="{2CD48D77-BE21-40B3-8CBE-A5E2180F17F6}" destId="{F7718C43-EC58-416A-938B-C652B175DEA4}" srcOrd="2" destOrd="0" parTransId="{02D4C35B-757D-4A26-ABF9-EB062347B49C}" sibTransId="{B9CC0C24-C75A-41DC-A2AB-6B74AF630EBA}"/>
-    <dgm:cxn modelId="{9826E078-E0F1-4B7D-ADA0-B3D190FAB21A}" type="presOf" srcId="{02D4C35B-757D-4A26-ABF9-EB062347B49C}" destId="{BA9559E5-A1E7-4EED-A02D-40E9AD225969}" srcOrd="0" destOrd="0" presId="urn:microsoft.com/office/officeart/2008/layout/HorizontalMultiLevelHierarchy"/>
-    <dgm:cxn modelId="{882DBE9D-81D6-4905-8486-38F7467BD5B4}" type="presOf" srcId="{45FB58CB-7DA1-4E14-B564-367C4C6C116B}" destId="{A9542A7C-87DC-4569-9ABE-6DE548FB93BF}" srcOrd="1" destOrd="0" presId="urn:microsoft.com/office/officeart/2008/layout/HorizontalMultiLevelHierarchy"/>
-    <dgm:cxn modelId="{C8DF7BA3-DB84-448F-9EE2-3ED91402466E}" type="presOf" srcId="{45FB58CB-7DA1-4E14-B564-367C4C6C116B}" destId="{01C1B402-0020-44DF-9A62-E5610B5CD990}" srcOrd="0" destOrd="0" presId="urn:microsoft.com/office/officeart/2008/layout/HorizontalMultiLevelHierarchy"/>
-    <dgm:cxn modelId="{74CA1699-56AC-4929-86AB-D278C6996E61}" srcId="{73608496-C71E-4E04-954E-7324A877FCE6}" destId="{8AD0ECD5-B82F-432A-A91A-57BA82016F10}" srcOrd="3" destOrd="0" parTransId="{58A11B15-3820-4941-BE2E-F6D04A27C047}" sibTransId="{EB92243B-E820-4D23-91A5-AFB197689CAC}"/>
-    <dgm:cxn modelId="{60A6549D-6C4F-4226-9404-2AB58E572FA7}" type="presOf" srcId="{A5E99A83-AD3E-4D9B-892D-67D3D64BAC18}" destId="{DAE6B772-9B80-4BC4-95A7-43B452B2A1C4}" srcOrd="0" destOrd="0" presId="urn:microsoft.com/office/officeart/2008/layout/HorizontalMultiLevelHierarchy"/>
     <dgm:cxn modelId="{1D0174DB-EBCD-4E97-BC1D-95C59AC4E152}" type="presOf" srcId="{2CD48D77-BE21-40B3-8CBE-A5E2180F17F6}" destId="{53975860-54D1-405F-A889-01B934832FD4}" srcOrd="0" destOrd="0" presId="urn:microsoft.com/office/officeart/2008/layout/HorizontalMultiLevelHierarchy"/>
-    <dgm:cxn modelId="{6BB2D755-293E-4744-B266-8114148262D2}" type="presOf" srcId="{73608496-C71E-4E04-954E-7324A877FCE6}" destId="{49B28A51-79A3-45DF-93EF-FAC1549BD0C3}" srcOrd="0" destOrd="0" presId="urn:microsoft.com/office/officeart/2008/layout/HorizontalMultiLevelHierarchy"/>
-    <dgm:cxn modelId="{BD9340CF-385F-4511-B84D-5E13289943FF}" srcId="{73608496-C71E-4E04-954E-7324A877FCE6}" destId="{7B88B522-8C09-4369-BF24-2108C004F578}" srcOrd="1" destOrd="0" parTransId="{488E4E53-0EE4-4CCC-85FD-CCB1EBC499C8}" sibTransId="{4F461D30-A5B2-4AC0-9BC7-FD3BB71D827F}"/>
-    <dgm:cxn modelId="{E098C6BD-4CE6-4F91-A1D6-17C9A87AC28B}" type="presOf" srcId="{02D4C35B-757D-4A26-ABF9-EB062347B49C}" destId="{E3418C5C-8673-493C-BF06-0B6808D5A844}" srcOrd="1" destOrd="0" presId="urn:microsoft.com/office/officeart/2008/layout/HorizontalMultiLevelHierarchy"/>
     <dgm:cxn modelId="{B722087B-A976-481A-96D3-363FA3C69B15}" type="presParOf" srcId="{205F9E91-23F9-491C-94EC-FEB94F6AC835}" destId="{3A62AE99-9FA0-4A70-9AF6-99A73CC7ACB6}" srcOrd="0" destOrd="0" presId="urn:microsoft.com/office/officeart/2008/layout/HorizontalMultiLevelHierarchy"/>
     <dgm:cxn modelId="{3A0FA4FA-A943-4F62-8852-28357287B4F9}" type="presParOf" srcId="{3A62AE99-9FA0-4A70-9AF6-99A73CC7ACB6}" destId="{53975860-54D1-405F-A889-01B934832FD4}" srcOrd="0" destOrd="0" presId="urn:microsoft.com/office/officeart/2008/layout/HorizontalMultiLevelHierarchy"/>
     <dgm:cxn modelId="{17108245-AC1E-472C-BCF8-049366CD05BF}" type="presParOf" srcId="{3A62AE99-9FA0-4A70-9AF6-99A73CC7ACB6}" destId="{6D239F45-0F66-46AB-AF9A-840600D162AF}" srcOrd="1" destOrd="0" presId="urn:microsoft.com/office/officeart/2008/layout/HorizontalMultiLevelHierarchy"/>
@@ -5561,7 +5561,7 @@
           <a:p>
             <a:fld id="{217822EC-AD40-4710-ABF3-BB1970241976}" type="datetimeFigureOut">
               <a:rPr lang="en-GB" smtClean="0"/>
-              <a:t>04/06/2020</a:t>
+              <a:t>08/06/2020</a:t>
             </a:fld>
             <a:endParaRPr lang="en-GB"/>
           </a:p>
@@ -6139,7 +6139,7 @@
           <a:p>
             <a:fld id="{FAE648DA-AB40-4E99-A391-BD85BFC6A8BA}" type="datetimeFigureOut">
               <a:rPr lang="en-GB" smtClean="0"/>
-              <a:t>04/06/2020</a:t>
+              <a:t>08/06/2020</a:t>
             </a:fld>
             <a:endParaRPr lang="en-GB"/>
           </a:p>
@@ -6347,7 +6347,7 @@
           <a:p>
             <a:fld id="{FAE648DA-AB40-4E99-A391-BD85BFC6A8BA}" type="datetimeFigureOut">
               <a:rPr lang="en-GB" smtClean="0"/>
-              <a:t>04/06/2020</a:t>
+              <a:t>08/06/2020</a:t>
             </a:fld>
             <a:endParaRPr lang="en-GB"/>
           </a:p>
@@ -6603,7 +6603,7 @@
           <a:p>
             <a:fld id="{FAE648DA-AB40-4E99-A391-BD85BFC6A8BA}" type="datetimeFigureOut">
               <a:rPr lang="en-GB" smtClean="0"/>
-              <a:t>04/06/2020</a:t>
+              <a:t>08/06/2020</a:t>
             </a:fld>
             <a:endParaRPr lang="en-GB"/>
           </a:p>
@@ -6773,7 +6773,7 @@
           <a:p>
             <a:fld id="{FAE648DA-AB40-4E99-A391-BD85BFC6A8BA}" type="datetimeFigureOut">
               <a:rPr lang="en-GB" smtClean="0"/>
-              <a:t>04/06/2020</a:t>
+              <a:t>08/06/2020</a:t>
             </a:fld>
             <a:endParaRPr lang="en-GB"/>
           </a:p>
@@ -7116,7 +7116,7 @@
           <a:p>
             <a:fld id="{FAE648DA-AB40-4E99-A391-BD85BFC6A8BA}" type="datetimeFigureOut">
               <a:rPr lang="en-GB" smtClean="0"/>
-              <a:t>04/06/2020</a:t>
+              <a:t>08/06/2020</a:t>
             </a:fld>
             <a:endParaRPr lang="en-GB"/>
           </a:p>
@@ -7391,7 +7391,7 @@
           <a:p>
             <a:fld id="{FAE648DA-AB40-4E99-A391-BD85BFC6A8BA}" type="datetimeFigureOut">
               <a:rPr lang="en-GB" smtClean="0"/>
-              <a:t>04/06/2020</a:t>
+              <a:t>08/06/2020</a:t>
             </a:fld>
             <a:endParaRPr lang="en-GB"/>
           </a:p>
@@ -7770,7 +7770,7 @@
           <a:p>
             <a:fld id="{FAE648DA-AB40-4E99-A391-BD85BFC6A8BA}" type="datetimeFigureOut">
               <a:rPr lang="en-GB" smtClean="0"/>
-              <a:t>04/06/2020</a:t>
+              <a:t>08/06/2020</a:t>
             </a:fld>
             <a:endParaRPr lang="en-GB"/>
           </a:p>
@@ -7888,7 +7888,7 @@
           <a:p>
             <a:fld id="{FAE648DA-AB40-4E99-A391-BD85BFC6A8BA}" type="datetimeFigureOut">
               <a:rPr lang="en-GB" smtClean="0"/>
-              <a:t>04/06/2020</a:t>
+              <a:t>08/06/2020</a:t>
             </a:fld>
             <a:endParaRPr lang="en-GB"/>
           </a:p>
@@ -8059,7 +8059,7 @@
           <a:p>
             <a:fld id="{FAE648DA-AB40-4E99-A391-BD85BFC6A8BA}" type="datetimeFigureOut">
               <a:rPr lang="en-GB" smtClean="0"/>
-              <a:t>04/06/2020</a:t>
+              <a:t>08/06/2020</a:t>
             </a:fld>
             <a:endParaRPr lang="en-GB"/>
           </a:p>
@@ -8413,7 +8413,7 @@
           <a:p>
             <a:fld id="{FAE648DA-AB40-4E99-A391-BD85BFC6A8BA}" type="datetimeFigureOut">
               <a:rPr lang="en-GB" smtClean="0"/>
-              <a:t>04/06/2020</a:t>
+              <a:t>08/06/2020</a:t>
             </a:fld>
             <a:endParaRPr lang="en-GB"/>
           </a:p>
@@ -8790,7 +8790,7 @@
           <a:p>
             <a:fld id="{FAE648DA-AB40-4E99-A391-BD85BFC6A8BA}" type="datetimeFigureOut">
               <a:rPr lang="en-GB" smtClean="0"/>
-              <a:t>04/06/2020</a:t>
+              <a:t>08/06/2020</a:t>
             </a:fld>
             <a:endParaRPr lang="en-GB"/>
           </a:p>
@@ -9077,7 +9077,7 @@
           <a:p>
             <a:fld id="{FAE648DA-AB40-4E99-A391-BD85BFC6A8BA}" type="datetimeFigureOut">
               <a:rPr lang="en-GB" smtClean="0"/>
-              <a:t>04/06/2020</a:t>
+              <a:t>08/06/2020</a:t>
             </a:fld>
             <a:endParaRPr lang="en-GB"/>
           </a:p>
@@ -9893,7 +9893,7 @@
             <p:ph idx="1"/>
             <p:extLst>
               <p:ext uri="{D42A27DB-BD31-4B8C-83A1-F6EECF244321}">
-                <p14:modId xmlns:p14="http://schemas.microsoft.com/office/powerpoint/2010/main" val="1015223196"/>
+                <p14:modId xmlns:p14="http://schemas.microsoft.com/office/powerpoint/2010/main" val="2880025632"/>
               </p:ext>
             </p:extLst>
           </p:nvPr>
@@ -10484,40 +10484,20 @@
                         <a:buChar char="•"/>
                       </a:pPr>
                       <a:r>
-                        <a:rPr lang="en-US" sz="1600" b="1" strike="sngStrike" dirty="0" smtClean="0"/>
-                        <a:t>Developed  a </a:t>
-                      </a:r>
-                      <a:r>
-                        <a:rPr lang="en-US" sz="1600" b="1" strike="sngStrike" kern="1200" dirty="0" smtClean="0">
-                          <a:solidFill>
-                            <a:schemeClr val="dk1"/>
-                          </a:solidFill>
-                          <a:latin typeface="+mn-lt"/>
-                          <a:ea typeface="+mn-ea"/>
-                          <a:cs typeface="+mn-cs"/>
-                        </a:rPr>
-                        <a:t>Prototype for Integrated MIS system.</a:t>
-                      </a:r>
-                      <a:endParaRPr lang="en-US" sz="1600" b="1" strike="sngStrike" dirty="0" smtClean="0"/>
-                    </a:p>
-                    <a:p>
-                      <a:pPr marL="285750" indent="-285750">
-                        <a:spcBef>
-                          <a:spcPts val="400"/>
-                        </a:spcBef>
-                        <a:spcAft>
-                          <a:spcPts val="400"/>
-                        </a:spcAft>
-                        <a:buFont typeface="Arial" panose="020B0604020202020204" pitchFamily="34" charset="0"/>
-                        <a:buChar char="•"/>
-                      </a:pPr>
-                      <a:r>
                         <a:rPr lang="en-US" sz="1600" b="1" dirty="0" smtClean="0"/>
-                        <a:t>Enhancements</a:t>
+                        <a:t>Online information for administrative related activities u</a:t>
                       </a:r>
                       <a:r>
                         <a:rPr lang="en-US" sz="1600" b="1" baseline="0" dirty="0" smtClean="0"/>
-                        <a:t> in  ‘</a:t>
+                        <a:t>sing </a:t>
+                      </a:r>
+                      <a:r>
+                        <a:rPr lang="en-US" sz="1600" b="1" baseline="0" dirty="0" err="1" smtClean="0">
+                          <a:solidFill>
+                            <a:srgbClr val="FF6600"/>
+                          </a:solidFill>
+                        </a:rPr>
+                        <a:t>Sandesh</a:t>
                       </a:r>
                       <a:r>
                         <a:rPr lang="en-US" sz="1600" b="1" baseline="0" dirty="0" smtClean="0">
@@ -10525,37 +10505,44 @@
                             <a:srgbClr val="FF6600"/>
                           </a:solidFill>
                         </a:rPr>
-                        <a:t>SANDESH</a:t>
+                        <a:t> </a:t>
                       </a:r>
                       <a:r>
                         <a:rPr lang="en-US" sz="1600" b="1" baseline="0" dirty="0" smtClean="0"/>
-                        <a:t>’ system</a:t>
+                        <a:t>system</a:t>
                       </a:r>
                     </a:p>
                     <a:p>
-                      <a:pPr marL="285750" indent="-285750">
+                      <a:pPr marL="285750" marR="0" indent="-285750" algn="l" defTabSz="914400" rtl="0" eaLnBrk="1" fontAlgn="auto" latinLnBrk="0" hangingPunct="1">
+                        <a:lnSpc>
+                          <a:spcPct val="100000"/>
+                        </a:lnSpc>
                         <a:spcBef>
-                          <a:spcPts val="400"/>
+                          <a:spcPts val="0"/>
                         </a:spcBef>
                         <a:spcAft>
-                          <a:spcPts val="400"/>
+                          <a:spcPts val="0"/>
                         </a:spcAft>
+                        <a:buClrTx/>
+                        <a:buSzTx/>
                         <a:buFont typeface="Arial" panose="020B0604020202020204" pitchFamily="34" charset="0"/>
                         <a:buChar char="•"/>
+                        <a:tabLst/>
+                        <a:defRPr/>
                       </a:pPr>
                       <a:r>
-                        <a:rPr lang="en-US" sz="1600" b="1" baseline="0" dirty="0" err="1" smtClean="0"/>
-                        <a:t>Todo</a:t>
+                        <a:rPr lang="en-US" sz="1600" b="1" dirty="0" smtClean="0"/>
+                        <a:t>Moving</a:t>
                       </a:r>
                       <a:r>
                         <a:rPr lang="en-US" sz="1600" b="1" baseline="0" dirty="0" smtClean="0"/>
-                        <a:t> for developmental </a:t>
+                        <a:t> towards n</a:t>
                       </a:r>
                       <a:r>
-                        <a:rPr lang="en-US" sz="1600" b="1" baseline="0" dirty="0" err="1" smtClean="0"/>
-                        <a:t>acivities</a:t>
+                        <a:rPr lang="en-US" sz="1600" b="1" dirty="0" smtClean="0"/>
+                        <a:t>ext generation MIS.</a:t>
                       </a:r>
-                      <a:endParaRPr lang="en-US" sz="1600" b="1" dirty="0" smtClean="0"/>
+                      <a:endParaRPr lang="en-US" sz="1600" b="1" baseline="0" dirty="0" smtClean="0"/>
                     </a:p>
                     <a:p>
                       <a:pPr marL="285750" indent="-285750">
@@ -10705,8 +10692,8 @@
         </p:blipFill>
         <p:spPr>
           <a:xfrm>
-            <a:off x="8496300" y="1737361"/>
-            <a:ext cx="3524250" cy="4320539"/>
+            <a:off x="8582024" y="1737361"/>
+            <a:ext cx="3438525" cy="4320539"/>
           </a:xfrm>
           <a:prstGeom prst="rect">
             <a:avLst/>
@@ -10754,24 +10741,48 @@
               <a:buChar char="•"/>
             </a:pPr>
             <a:r>
+              <a:rPr lang="en-US" sz="6000" b="1" dirty="0"/>
+              <a:t>IPWS is </a:t>
+            </a:r>
+            <a:r>
+              <a:rPr lang="en-US" sz="6000" b="1" dirty="0">
+                <a:solidFill>
+                  <a:srgbClr val="FF6600"/>
+                </a:solidFill>
+              </a:rPr>
+              <a:t>background process </a:t>
+            </a:r>
+            <a:r>
+              <a:rPr lang="en-US" sz="6000" b="1" dirty="0"/>
+              <a:t>that processes </a:t>
+            </a:r>
+            <a:r>
+              <a:rPr lang="en-US" sz="6000" b="1" dirty="0" smtClean="0"/>
+              <a:t>XML</a:t>
+            </a:r>
+            <a:r>
               <a:rPr lang="en-US" sz="5600" dirty="0" smtClean="0"/>
-              <a:t>IPWS , </a:t>
+              <a:t> </a:t>
             </a:r>
             <a:r>
               <a:rPr lang="en-US" sz="5600" dirty="0"/>
-              <a:t>process XML input requests received from COINS server </a:t>
-            </a:r>
-            <a:r>
-              <a:rPr lang="en-US" sz="5600" dirty="0" smtClean="0"/>
-              <a:t>and return PFMS </a:t>
+              <a:t>input requests received from COINS </a:t>
+            </a:r>
+            <a:r>
+              <a:rPr lang="en-US" sz="6000" dirty="0"/>
+              <a:t>and validate it before </a:t>
             </a:r>
             <a:r>
               <a:rPr lang="en-US" sz="5600" dirty="0"/>
-              <a:t>response after </a:t>
-            </a:r>
-            <a:r>
-              <a:rPr lang="en-US" sz="5600" dirty="0" smtClean="0"/>
-              <a:t>processing.</a:t>
+              <a:t>sending it to PFMS web services consumption system for obtaining desired </a:t>
+            </a:r>
+            <a:r>
+              <a:rPr lang="en-US" sz="6000" dirty="0"/>
+              <a:t>responses</a:t>
+            </a:r>
+            <a:r>
+              <a:rPr lang="en-US" sz="6000" dirty="0" smtClean="0"/>
+              <a:t>.</a:t>
             </a:r>
             <a:endParaRPr lang="en-US" sz="5600" dirty="0"/>
           </a:p>
@@ -10805,11 +10816,7 @@
             </a:pPr>
             <a:r>
               <a:rPr lang="en-US" sz="5600" dirty="0" smtClean="0"/>
-              <a:t>Carried </a:t>
-            </a:r>
-            <a:r>
-              <a:rPr lang="en-US" sz="5600" dirty="0" smtClean="0"/>
-              <a:t>out detailed requirement gathering, design and prepared SRS , SRD.</a:t>
+              <a:t>Carried out detailed requirement gathering, design and prepared SRS , SRD.</a:t>
             </a:r>
           </a:p>
           <a:p>
@@ -10823,15 +10830,7 @@
             </a:pPr>
             <a:r>
               <a:rPr lang="en-US" sz="5600" dirty="0" smtClean="0"/>
-              <a:t>Developed </a:t>
-            </a:r>
-            <a:r>
-              <a:rPr lang="en-US" sz="5600" dirty="0" smtClean="0"/>
-              <a:t>the </a:t>
-            </a:r>
-            <a:r>
-              <a:rPr lang="en-US" sz="5600" dirty="0" smtClean="0"/>
-              <a:t>application in Java</a:t>
+              <a:t>Developed the application in Java</a:t>
             </a:r>
             <a:r>
               <a:rPr lang="en-GB" sz="5600" dirty="0"/>
@@ -10839,11 +10838,7 @@
             </a:r>
             <a:r>
               <a:rPr lang="en-US" sz="5600" dirty="0" smtClean="0"/>
-              <a:t> Environment using </a:t>
-            </a:r>
-            <a:r>
-              <a:rPr lang="en-US" sz="5600" dirty="0" smtClean="0"/>
-              <a:t>log4J, </a:t>
+              <a:t> Environment using log4J, </a:t>
             </a:r>
             <a:r>
               <a:rPr lang="en-US" sz="5600" dirty="0" err="1" smtClean="0"/>
@@ -10861,7 +10856,6 @@
               <a:rPr lang="en-US" sz="5600" dirty="0" smtClean="0"/>
               <a:t> API and exchange messages in SOAP format.</a:t>
             </a:r>
-            <a:endParaRPr lang="en-US" sz="5600" dirty="0" smtClean="0"/>
           </a:p>
           <a:p>
             <a:pPr>
@@ -10884,7 +10878,6 @@
               <a:rPr lang="en-US" sz="5600" dirty="0" smtClean="0"/>
               <a:t>.</a:t>
             </a:r>
-            <a:endParaRPr lang="en-US" sz="5600" dirty="0" smtClean="0"/>
           </a:p>
           <a:p>
             <a:pPr>
@@ -11072,11 +11065,7 @@
             </a:r>
             <a:r>
               <a:rPr lang="en-US" sz="5600" b="1" dirty="0"/>
-              <a:t>/units </a:t>
-            </a:r>
-            <a:r>
-              <a:rPr lang="en-US" sz="5600" b="1" dirty="0"/>
-              <a:t>since </a:t>
+              <a:t>/units since </a:t>
             </a:r>
             <a:r>
               <a:rPr lang="en-US" sz="5600" b="1" dirty="0" smtClean="0"/>
@@ -11123,11 +11112,7 @@
           <a:p>
             <a:r>
               <a:rPr lang="en-IN" sz="1100" dirty="0" smtClean="0"/>
-              <a:t>System </a:t>
-            </a:r>
-            <a:r>
-              <a:rPr lang="en-IN" sz="1100" dirty="0" smtClean="0"/>
-              <a:t>Architecture</a:t>
+              <a:t>System Architecture</a:t>
             </a:r>
             <a:endParaRPr lang="en-GB" sz="1100" dirty="0"/>
           </a:p>
@@ -11807,12 +11792,12 @@
               <a:t>Providing operational and maintenance support for Finance, Accounts and Stores modules </a:t>
             </a:r>
             <a:r>
-              <a:rPr lang="en-US" sz="1600" strike="sngStrike" dirty="0" smtClean="0"/>
-              <a:t>of COINS </a:t>
-            </a:r>
-            <a:r>
               <a:rPr lang="en-US" sz="1600" dirty="0" smtClean="0"/>
-              <a:t>in URSC.</a:t>
+              <a:t>in </a:t>
+            </a:r>
+            <a:r>
+              <a:rPr lang="en-US" sz="1600" dirty="0" smtClean="0"/>
+              <a:t>URSC.</a:t>
             </a:r>
           </a:p>
           <a:p>
@@ -11845,11 +11830,15 @@
             </a:r>
             <a:r>
               <a:rPr lang="en-US" sz="1600" dirty="0" smtClean="0"/>
-              <a:t>carried out detailed analysis and report all major  incidents related to business logic, bugs, performance related issues, code-reusability and modularity were submitted to DD, RO, SDSC , and recommended possible code optimization , enhancing exception handling and implement modularity in code</a:t>
+              <a:t>carried out detailed analysis and report all major  incidents related to business logic, bugs, performance related issues, code-reusability and modularity were submitted to DD, RO, SDSC , and recommended possible code optimization , enhancing exception handling and </a:t>
             </a:r>
             <a:r>
               <a:rPr lang="en-US" sz="1600" dirty="0" smtClean="0"/>
-              <a:t>.</a:t>
+              <a:t>modularity </a:t>
+            </a:r>
+            <a:r>
+              <a:rPr lang="en-US" sz="1600" dirty="0" smtClean="0"/>
+              <a:t>in code.</a:t>
             </a:r>
           </a:p>
           <a:p>
@@ -11862,11 +11851,7 @@
             </a:pPr>
             <a:r>
               <a:rPr lang="en-US" sz="1600" dirty="0" smtClean="0"/>
-              <a:t> Involved </a:t>
-            </a:r>
-            <a:r>
-              <a:rPr lang="en-US" sz="1600" dirty="0" smtClean="0"/>
-              <a:t>in Testing and evaluation of COINS-PFMS Interface Software and submitted detailed test results report for making the desired changes.</a:t>
+              <a:t> Involved in Testing and evaluation of COINS-PFMS Interface Software and submitted detailed test results report for making the desired changes.</a:t>
             </a:r>
           </a:p>
           <a:p>
@@ -12122,15 +12107,7 @@
             </a:pPr>
             <a:r>
               <a:rPr lang="en-GB" sz="1400" dirty="0" smtClean="0"/>
-              <a:t>Developed </a:t>
-            </a:r>
-            <a:r>
-              <a:rPr lang="en-GB" sz="1400" dirty="0" smtClean="0"/>
-              <a:t>a dashboard </a:t>
-            </a:r>
-            <a:r>
-              <a:rPr lang="en-GB" sz="1400" dirty="0" smtClean="0"/>
-              <a:t>based Official </a:t>
+              <a:t>Developed a dashboard based Official </a:t>
             </a:r>
             <a:r>
               <a:rPr lang="en-GB" sz="1400" dirty="0"/>
@@ -12271,13 +12248,26 @@
               <a:buChar char="•"/>
             </a:pPr>
             <a:r>
-              <a:rPr lang="en-US" sz="1400" strike="sngStrike" dirty="0"/>
-              <a:t>Developed SMS and e-Mail gateway module towards e-Governance , to replace manual practice of sending payment acknowledgements with automated alerts to registered vendors </a:t>
+              <a:rPr lang="en-US" sz="1400" dirty="0"/>
+              <a:t>Successfully operationalized </a:t>
+            </a:r>
+            <a:r>
+              <a:rPr lang="en-US" sz="1400" b="1" dirty="0"/>
+              <a:t>email and SMS gateway </a:t>
+            </a:r>
+            <a:r>
+              <a:rPr lang="en-US" sz="1400" b="1" dirty="0" smtClean="0"/>
+              <a:t>interface for payment acknowledgments  to encourage</a:t>
             </a:r>
             <a:r>
               <a:rPr lang="en-US" sz="1400" dirty="0" smtClean="0"/>
-              <a:t>through</a:t>
-            </a:r>
+              <a:t> </a:t>
+            </a:r>
+            <a:r>
+              <a:rPr lang="en-US" sz="1400" dirty="0"/>
+              <a:t>e-Governance.</a:t>
+            </a:r>
+            <a:endParaRPr lang="en-US" sz="1400" dirty="0" smtClean="0"/>
           </a:p>
           <a:p>
             <a:pPr>
@@ -12292,7 +12282,11 @@
             </a:pPr>
             <a:r>
               <a:rPr lang="en-GB" sz="1400" dirty="0" smtClean="0"/>
-              <a:t>Transform the database connection mechanism to </a:t>
+              <a:t>Transform </a:t>
+            </a:r>
+            <a:r>
+              <a:rPr lang="en-GB" sz="1400" dirty="0" smtClean="0"/>
+              <a:t>the database connection mechanism to </a:t>
             </a:r>
             <a:r>
               <a:rPr lang="en-GB" sz="1400" b="1" dirty="0" smtClean="0"/>
@@ -12667,11 +12661,7 @@
             </a:r>
             <a:r>
               <a:rPr lang="en-US" sz="1500" b="1" dirty="0" smtClean="0"/>
-              <a:t>technologies</a:t>
-            </a:r>
-            <a:r>
-              <a:rPr lang="en-US" sz="1500" b="1" dirty="0" smtClean="0"/>
-              <a:t>.</a:t>
+              <a:t>technologies.</a:t>
             </a:r>
           </a:p>
           <a:p>
@@ -12689,15 +12679,7 @@
             </a:r>
             <a:r>
               <a:rPr lang="en-US" sz="1500" dirty="0" smtClean="0"/>
-              <a:t>Implemented </a:t>
-            </a:r>
-            <a:r>
-              <a:rPr lang="en-US" sz="1500" dirty="0" smtClean="0"/>
-              <a:t>DOXYGEN tool , </a:t>
-            </a:r>
-            <a:r>
-              <a:rPr lang="en-US" sz="1500" dirty="0" smtClean="0"/>
-              <a:t>that </a:t>
+              <a:t>Implemented DOXYGEN tool , that </a:t>
             </a:r>
             <a:r>
               <a:rPr lang="en-GB" sz="1500" dirty="0" smtClean="0"/>
@@ -12805,27 +12787,7 @@
             </a:r>
             <a:r>
               <a:rPr lang="en-US" sz="1500" dirty="0" smtClean="0"/>
-              <a:t>HINDI KNOWLEDGE MANAGEMENT APPLICATION </a:t>
-            </a:r>
-            <a:r>
-              <a:rPr lang="en-US" sz="1500" dirty="0" smtClean="0"/>
-              <a:t>(developed </a:t>
-            </a:r>
-            <a:r>
-              <a:rPr lang="en-US" sz="1500" dirty="0" smtClean="0"/>
-              <a:t>by </a:t>
-            </a:r>
-            <a:r>
-              <a:rPr lang="en-US" sz="1500" dirty="0" smtClean="0"/>
-              <a:t>SAC) on URSC test server. Application is presently under functional </a:t>
-            </a:r>
-            <a:r>
-              <a:rPr lang="en-US" sz="1500" dirty="0" smtClean="0"/>
-              <a:t>testing to end users</a:t>
-            </a:r>
-            <a:r>
-              <a:rPr lang="en-US" sz="1500" dirty="0" smtClean="0"/>
-              <a:t>.(</a:t>
+              <a:t>HINDI KNOWLEDGE MANAGEMENT APPLICATION (developed by SAC) on URSC test server. Application is presently under functional testing to end users.(</a:t>
             </a:r>
             <a:r>
               <a:rPr lang="en-US" sz="1500" smtClean="0"/>

--- a/handOutSources/navdeep.pptx
+++ b/handOutSources/navdeep.pptx
@@ -1897,45 +1897,45 @@
     </dgm:pt>
   </dgm:ptLst>
   <dgm:cxnLst>
+    <dgm:cxn modelId="{85B8BF06-77FB-4813-9B94-A15DE0B6E520}" type="presOf" srcId="{8AD0ECD5-B82F-432A-A91A-57BA82016F10}" destId="{46578617-3BC7-4745-ACFC-294A4ADE715F}" srcOrd="0" destOrd="0" presId="urn:microsoft.com/office/officeart/2008/layout/HorizontalMultiLevelHierarchy"/>
+    <dgm:cxn modelId="{0348287F-75A9-4CD7-9DCC-24EBC0EBC196}" type="presOf" srcId="{4456A574-DC07-4E29-9503-E3088322F9EF}" destId="{92AE9F0A-4317-4E08-B368-5F7267F9C11E}" srcOrd="0" destOrd="0" presId="urn:microsoft.com/office/officeart/2008/layout/HorizontalMultiLevelHierarchy"/>
+    <dgm:cxn modelId="{2FC165DD-640C-4F23-A598-E1B8A060F514}" type="presOf" srcId="{488E4E53-0EE4-4CCC-85FD-CCB1EBC499C8}" destId="{979116C9-67B1-4E10-B6DD-5028EA053226}" srcOrd="0" destOrd="0" presId="urn:microsoft.com/office/officeart/2008/layout/HorizontalMultiLevelHierarchy"/>
+    <dgm:cxn modelId="{212897A1-E32D-4577-A1D9-03A40EEC5849}" type="presOf" srcId="{581A9FF4-19EA-4B04-9BEF-D16ACDA8A41B}" destId="{205F9E91-23F9-491C-94EC-FEB94F6AC835}" srcOrd="0" destOrd="0" presId="urn:microsoft.com/office/officeart/2008/layout/HorizontalMultiLevelHierarchy"/>
+    <dgm:cxn modelId="{6BBE2A8F-3CFC-4B1F-803A-29217B57B134}" srcId="{2CD48D77-BE21-40B3-8CBE-A5E2180F17F6}" destId="{4C365737-CB30-40F2-A17F-28A2ED83F818}" srcOrd="3" destOrd="0" parTransId="{89F5C37F-389D-4EB0-B598-35B5D1E9207A}" sibTransId="{8C4C3C18-77F8-4528-A744-22A7F933F16C}"/>
+    <dgm:cxn modelId="{5F951319-233D-448E-84F3-5A7CB1618BBD}" type="presOf" srcId="{488E4E53-0EE4-4CCC-85FD-CCB1EBC499C8}" destId="{B4ECD626-F8DE-4A03-8BBE-286133768483}" srcOrd="1" destOrd="0" presId="urn:microsoft.com/office/officeart/2008/layout/HorizontalMultiLevelHierarchy"/>
+    <dgm:cxn modelId="{8EF08AC9-713B-4A09-8702-1D8B1148D154}" srcId="{73608496-C71E-4E04-954E-7324A877FCE6}" destId="{4456A574-DC07-4E29-9503-E3088322F9EF}" srcOrd="2" destOrd="0" parTransId="{45FB58CB-7DA1-4E14-B564-367C4C6C116B}" sibTransId="{E31D2D81-FD04-4F0F-9DA1-C391B26B2A1F}"/>
+    <dgm:cxn modelId="{678C744C-902D-4C26-A34B-B0E606AD2000}" type="presOf" srcId="{F94C3D0C-24EA-421D-A927-2EAB58C8C5DE}" destId="{D41C7770-0946-4222-AA92-57871C027F38}" srcOrd="1" destOrd="0" presId="urn:microsoft.com/office/officeart/2008/layout/HorizontalMultiLevelHierarchy"/>
+    <dgm:cxn modelId="{24C66857-A79D-4474-BABA-80A97F4C7497}" type="presOf" srcId="{4C365737-CB30-40F2-A17F-28A2ED83F818}" destId="{2CCCFC99-71B2-4144-9B5F-1B9107AA16AA}" srcOrd="0" destOrd="0" presId="urn:microsoft.com/office/officeart/2008/layout/HorizontalMultiLevelHierarchy"/>
+    <dgm:cxn modelId="{DE94DAFF-B937-4DA6-8C1D-0ED13C0C34AE}" srcId="{2CD48D77-BE21-40B3-8CBE-A5E2180F17F6}" destId="{1461B457-6FD2-4CC4-9A19-91474B69B91D}" srcOrd="4" destOrd="0" parTransId="{F94C3D0C-24EA-421D-A927-2EAB58C8C5DE}" sibTransId="{F8FB352F-AD5B-49E5-AB68-B7984675C7FD}"/>
+    <dgm:cxn modelId="{85CF3BEC-2BB9-4DE4-AE43-5571BB97B6A4}" srcId="{2CD48D77-BE21-40B3-8CBE-A5E2180F17F6}" destId="{73608496-C71E-4E04-954E-7324A877FCE6}" srcOrd="1" destOrd="0" parTransId="{2D02C620-56F9-42B4-A5F3-B2902AE52B07}" sibTransId="{681BDFC0-D12E-4B5F-A069-96767514660F}"/>
+    <dgm:cxn modelId="{12AED730-941D-441D-9222-705B595E4CB3}" type="presOf" srcId="{C9953552-5260-4C2B-BE54-33FD1BBA5E72}" destId="{B4D2F5E3-6F87-43A2-BA8A-2718C43C3B7A}" srcOrd="0" destOrd="0" presId="urn:microsoft.com/office/officeart/2008/layout/HorizontalMultiLevelHierarchy"/>
+    <dgm:cxn modelId="{118BEA0B-24B6-43A5-9B5E-BB5F318B63C3}" type="presOf" srcId="{F94C3D0C-24EA-421D-A927-2EAB58C8C5DE}" destId="{C6DC9683-92CD-4183-9F86-CDB5A9B13078}" srcOrd="0" destOrd="0" presId="urn:microsoft.com/office/officeart/2008/layout/HorizontalMultiLevelHierarchy"/>
+    <dgm:cxn modelId="{F70DB969-7C53-4769-B50A-84D53CA10A36}" type="presOf" srcId="{2D02C620-56F9-42B4-A5F3-B2902AE52B07}" destId="{66CA485B-68C8-4246-A6A6-9C133B1D148E}" srcOrd="0" destOrd="0" presId="urn:microsoft.com/office/officeart/2008/layout/HorizontalMultiLevelHierarchy"/>
+    <dgm:cxn modelId="{D22028CF-1ACC-4280-9E96-477D98FF5F88}" type="presOf" srcId="{F7718C43-EC58-416A-938B-C652B175DEA4}" destId="{664035F2-8451-4E45-873D-0B24AECBE763}" srcOrd="0" destOrd="0" presId="urn:microsoft.com/office/officeart/2008/layout/HorizontalMultiLevelHierarchy"/>
+    <dgm:cxn modelId="{6F1C1709-A4F9-4B26-A89D-830C2B20E7BD}" type="presOf" srcId="{89F5C37F-389D-4EB0-B598-35B5D1E9207A}" destId="{0202EF73-3765-429E-A44A-6449D2AEBE56}" srcOrd="0" destOrd="0" presId="urn:microsoft.com/office/officeart/2008/layout/HorizontalMultiLevelHierarchy"/>
+    <dgm:cxn modelId="{0620A9E4-E114-42B4-BA73-ECCEAC2A6703}" type="presOf" srcId="{C9953552-5260-4C2B-BE54-33FD1BBA5E72}" destId="{1CA0B04D-97FB-4AAE-B2BA-6865800C43C6}" srcOrd="1" destOrd="0" presId="urn:microsoft.com/office/officeart/2008/layout/HorizontalMultiLevelHierarchy"/>
+    <dgm:cxn modelId="{C58F9FA3-8530-4E58-AD0F-6CEE920A6D56}" type="presOf" srcId="{1461B457-6FD2-4CC4-9A19-91474B69B91D}" destId="{7EB01731-D03F-4C88-8DF2-D6243ECEC4AE}" srcOrd="0" destOrd="0" presId="urn:microsoft.com/office/officeart/2008/layout/HorizontalMultiLevelHierarchy"/>
+    <dgm:cxn modelId="{58E1AEBC-5DDE-4F2F-A937-5D188C1B9B43}" type="presOf" srcId="{2799595B-A5B9-4141-9B92-E8A33ADA7F5C}" destId="{BB105F6C-DE2C-4E49-95AA-A9AF5B53CF8A}" srcOrd="0" destOrd="0" presId="urn:microsoft.com/office/officeart/2008/layout/HorizontalMultiLevelHierarchy"/>
+    <dgm:cxn modelId="{25A55FA0-CACC-4A39-AC6C-31213C069B95}" srcId="{581A9FF4-19EA-4B04-9BEF-D16ACDA8A41B}" destId="{2CD48D77-BE21-40B3-8CBE-A5E2180F17F6}" srcOrd="0" destOrd="0" parTransId="{DE9434DD-CB97-4DF8-8B4E-A8D53054D5D8}" sibTransId="{F73CFAA2-E7B1-4A53-ACC4-DBE00B8F710B}"/>
+    <dgm:cxn modelId="{2EEF3558-BA80-4F42-9F2C-4CABC21865CF}" type="presOf" srcId="{58A11B15-3820-4941-BE2E-F6D04A27C047}" destId="{15C4DF66-D3B1-4B62-AD25-3512467F8125}" srcOrd="1" destOrd="0" presId="urn:microsoft.com/office/officeart/2008/layout/HorizontalMultiLevelHierarchy"/>
+    <dgm:cxn modelId="{ACFDADFD-BE97-402C-A604-F6ABC14BCD74}" type="presOf" srcId="{89F5C37F-389D-4EB0-B598-35B5D1E9207A}" destId="{439D667A-8105-4063-98AA-2CAA45C70126}" srcOrd="1" destOrd="0" presId="urn:microsoft.com/office/officeart/2008/layout/HorizontalMultiLevelHierarchy"/>
+    <dgm:cxn modelId="{136427DC-9447-47B3-B259-945ABF51844A}" type="presOf" srcId="{7B88B522-8C09-4369-BF24-2108C004F578}" destId="{48E5A03B-FA17-4D8C-AF4D-95792EEA64BA}" srcOrd="0" destOrd="0" presId="urn:microsoft.com/office/officeart/2008/layout/HorizontalMultiLevelHierarchy"/>
+    <dgm:cxn modelId="{AAD6FF71-9419-4B68-BFA2-0E02D183255C}" srcId="{2CD48D77-BE21-40B3-8CBE-A5E2180F17F6}" destId="{2799595B-A5B9-4141-9B92-E8A33ADA7F5C}" srcOrd="0" destOrd="0" parTransId="{A5E99A83-AD3E-4D9B-892D-67D3D64BAC18}" sibTransId="{6ECEBC69-FF95-4755-B59F-BA069D9DB35F}"/>
+    <dgm:cxn modelId="{D0DF096F-5956-44DD-8F99-F70EB0544467}" type="presOf" srcId="{A5E99A83-AD3E-4D9B-892D-67D3D64BAC18}" destId="{00C2A214-3467-4290-A89A-2E37DFA85757}" srcOrd="1" destOrd="0" presId="urn:microsoft.com/office/officeart/2008/layout/HorizontalMultiLevelHierarchy"/>
+    <dgm:cxn modelId="{18571B71-B8D2-41F0-A1FD-7BA9D7CBA68F}" srcId="{73608496-C71E-4E04-954E-7324A877FCE6}" destId="{7580BA2A-FDD6-4D25-AB7E-33651468206C}" srcOrd="0" destOrd="0" parTransId="{C9953552-5260-4C2B-BE54-33FD1BBA5E72}" sibTransId="{A64DA436-0193-4D11-A174-10D97919F94F}"/>
+    <dgm:cxn modelId="{9D75E9BA-293F-4EF1-AD38-D79434133A30}" type="presOf" srcId="{7580BA2A-FDD6-4D25-AB7E-33651468206C}" destId="{D2AF1980-0A0B-43F8-9A7D-6954BB8A5458}" srcOrd="0" destOrd="0" presId="urn:microsoft.com/office/officeart/2008/layout/HorizontalMultiLevelHierarchy"/>
+    <dgm:cxn modelId="{2B8BB3C1-28F4-4410-9E2E-9AB516E471BE}" type="presOf" srcId="{58A11B15-3820-4941-BE2E-F6D04A27C047}" destId="{0F8821C7-4A3D-44E6-8A21-8DF0FF4061D6}" srcOrd="0" destOrd="0" presId="urn:microsoft.com/office/officeart/2008/layout/HorizontalMultiLevelHierarchy"/>
+    <dgm:cxn modelId="{7AE86A1F-AC48-419A-9875-F0B55433C0A2}" type="presOf" srcId="{2D02C620-56F9-42B4-A5F3-B2902AE52B07}" destId="{E11BCC54-6891-4C63-9983-BEFA94519D29}" srcOrd="1" destOrd="0" presId="urn:microsoft.com/office/officeart/2008/layout/HorizontalMultiLevelHierarchy"/>
+    <dgm:cxn modelId="{42281A92-1148-400D-811A-AB6E156EB9FD}" srcId="{2CD48D77-BE21-40B3-8CBE-A5E2180F17F6}" destId="{F7718C43-EC58-416A-938B-C652B175DEA4}" srcOrd="2" destOrd="0" parTransId="{02D4C35B-757D-4A26-ABF9-EB062347B49C}" sibTransId="{B9CC0C24-C75A-41DC-A2AB-6B74AF630EBA}"/>
     <dgm:cxn modelId="{9826E078-E0F1-4B7D-ADA0-B3D190FAB21A}" type="presOf" srcId="{02D4C35B-757D-4A26-ABF9-EB062347B49C}" destId="{BA9559E5-A1E7-4EED-A02D-40E9AD225969}" srcOrd="0" destOrd="0" presId="urn:microsoft.com/office/officeart/2008/layout/HorizontalMultiLevelHierarchy"/>
-    <dgm:cxn modelId="{AAD6FF71-9419-4B68-BFA2-0E02D183255C}" srcId="{2CD48D77-BE21-40B3-8CBE-A5E2180F17F6}" destId="{2799595B-A5B9-4141-9B92-E8A33ADA7F5C}" srcOrd="0" destOrd="0" parTransId="{A5E99A83-AD3E-4D9B-892D-67D3D64BAC18}" sibTransId="{6ECEBC69-FF95-4755-B59F-BA069D9DB35F}"/>
-    <dgm:cxn modelId="{8EF08AC9-713B-4A09-8702-1D8B1148D154}" srcId="{73608496-C71E-4E04-954E-7324A877FCE6}" destId="{4456A574-DC07-4E29-9503-E3088322F9EF}" srcOrd="2" destOrd="0" parTransId="{45FB58CB-7DA1-4E14-B564-367C4C6C116B}" sibTransId="{E31D2D81-FD04-4F0F-9DA1-C391B26B2A1F}"/>
-    <dgm:cxn modelId="{0348287F-75A9-4CD7-9DCC-24EBC0EBC196}" type="presOf" srcId="{4456A574-DC07-4E29-9503-E3088322F9EF}" destId="{92AE9F0A-4317-4E08-B368-5F7267F9C11E}" srcOrd="0" destOrd="0" presId="urn:microsoft.com/office/officeart/2008/layout/HorizontalMultiLevelHierarchy"/>
-    <dgm:cxn modelId="{85B8BF06-77FB-4813-9B94-A15DE0B6E520}" type="presOf" srcId="{8AD0ECD5-B82F-432A-A91A-57BA82016F10}" destId="{46578617-3BC7-4745-ACFC-294A4ADE715F}" srcOrd="0" destOrd="0" presId="urn:microsoft.com/office/officeart/2008/layout/HorizontalMultiLevelHierarchy"/>
-    <dgm:cxn modelId="{42281A92-1148-400D-811A-AB6E156EB9FD}" srcId="{2CD48D77-BE21-40B3-8CBE-A5E2180F17F6}" destId="{F7718C43-EC58-416A-938B-C652B175DEA4}" srcOrd="2" destOrd="0" parTransId="{02D4C35B-757D-4A26-ABF9-EB062347B49C}" sibTransId="{B9CC0C24-C75A-41DC-A2AB-6B74AF630EBA}"/>
-    <dgm:cxn modelId="{6BBE2A8F-3CFC-4B1F-803A-29217B57B134}" srcId="{2CD48D77-BE21-40B3-8CBE-A5E2180F17F6}" destId="{4C365737-CB30-40F2-A17F-28A2ED83F818}" srcOrd="3" destOrd="0" parTransId="{89F5C37F-389D-4EB0-B598-35B5D1E9207A}" sibTransId="{8C4C3C18-77F8-4528-A744-22A7F933F16C}"/>
-    <dgm:cxn modelId="{DE94DAFF-B937-4DA6-8C1D-0ED13C0C34AE}" srcId="{2CD48D77-BE21-40B3-8CBE-A5E2180F17F6}" destId="{1461B457-6FD2-4CC4-9A19-91474B69B91D}" srcOrd="4" destOrd="0" parTransId="{F94C3D0C-24EA-421D-A927-2EAB58C8C5DE}" sibTransId="{F8FB352F-AD5B-49E5-AB68-B7984675C7FD}"/>
-    <dgm:cxn modelId="{5F951319-233D-448E-84F3-5A7CB1618BBD}" type="presOf" srcId="{488E4E53-0EE4-4CCC-85FD-CCB1EBC499C8}" destId="{B4ECD626-F8DE-4A03-8BBE-286133768483}" srcOrd="1" destOrd="0" presId="urn:microsoft.com/office/officeart/2008/layout/HorizontalMultiLevelHierarchy"/>
-    <dgm:cxn modelId="{25A55FA0-CACC-4A39-AC6C-31213C069B95}" srcId="{581A9FF4-19EA-4B04-9BEF-D16ACDA8A41B}" destId="{2CD48D77-BE21-40B3-8CBE-A5E2180F17F6}" srcOrd="0" destOrd="0" parTransId="{DE9434DD-CB97-4DF8-8B4E-A8D53054D5D8}" sibTransId="{F73CFAA2-E7B1-4A53-ACC4-DBE00B8F710B}"/>
+    <dgm:cxn modelId="{882DBE9D-81D6-4905-8486-38F7467BD5B4}" type="presOf" srcId="{45FB58CB-7DA1-4E14-B564-367C4C6C116B}" destId="{A9542A7C-87DC-4569-9ABE-6DE548FB93BF}" srcOrd="1" destOrd="0" presId="urn:microsoft.com/office/officeart/2008/layout/HorizontalMultiLevelHierarchy"/>
+    <dgm:cxn modelId="{C8DF7BA3-DB84-448F-9EE2-3ED91402466E}" type="presOf" srcId="{45FB58CB-7DA1-4E14-B564-367C4C6C116B}" destId="{01C1B402-0020-44DF-9A62-E5610B5CD990}" srcOrd="0" destOrd="0" presId="urn:microsoft.com/office/officeart/2008/layout/HorizontalMultiLevelHierarchy"/>
+    <dgm:cxn modelId="{74CA1699-56AC-4929-86AB-D278C6996E61}" srcId="{73608496-C71E-4E04-954E-7324A877FCE6}" destId="{8AD0ECD5-B82F-432A-A91A-57BA82016F10}" srcOrd="3" destOrd="0" parTransId="{58A11B15-3820-4941-BE2E-F6D04A27C047}" sibTransId="{EB92243B-E820-4D23-91A5-AFB197689CAC}"/>
+    <dgm:cxn modelId="{60A6549D-6C4F-4226-9404-2AB58E572FA7}" type="presOf" srcId="{A5E99A83-AD3E-4D9B-892D-67D3D64BAC18}" destId="{DAE6B772-9B80-4BC4-95A7-43B452B2A1C4}" srcOrd="0" destOrd="0" presId="urn:microsoft.com/office/officeart/2008/layout/HorizontalMultiLevelHierarchy"/>
+    <dgm:cxn modelId="{1D0174DB-EBCD-4E97-BC1D-95C59AC4E152}" type="presOf" srcId="{2CD48D77-BE21-40B3-8CBE-A5E2180F17F6}" destId="{53975860-54D1-405F-A889-01B934832FD4}" srcOrd="0" destOrd="0" presId="urn:microsoft.com/office/officeart/2008/layout/HorizontalMultiLevelHierarchy"/>
+    <dgm:cxn modelId="{6BB2D755-293E-4744-B266-8114148262D2}" type="presOf" srcId="{73608496-C71E-4E04-954E-7324A877FCE6}" destId="{49B28A51-79A3-45DF-93EF-FAC1549BD0C3}" srcOrd="0" destOrd="0" presId="urn:microsoft.com/office/officeart/2008/layout/HorizontalMultiLevelHierarchy"/>
     <dgm:cxn modelId="{BD9340CF-385F-4511-B84D-5E13289943FF}" srcId="{73608496-C71E-4E04-954E-7324A877FCE6}" destId="{7B88B522-8C09-4369-BF24-2108C004F578}" srcOrd="1" destOrd="0" parTransId="{488E4E53-0EE4-4CCC-85FD-CCB1EBC499C8}" sibTransId="{4F461D30-A5B2-4AC0-9BC7-FD3BB71D827F}"/>
-    <dgm:cxn modelId="{2B8BB3C1-28F4-4410-9E2E-9AB516E471BE}" type="presOf" srcId="{58A11B15-3820-4941-BE2E-F6D04A27C047}" destId="{0F8821C7-4A3D-44E6-8A21-8DF0FF4061D6}" srcOrd="0" destOrd="0" presId="urn:microsoft.com/office/officeart/2008/layout/HorizontalMultiLevelHierarchy"/>
-    <dgm:cxn modelId="{6F1C1709-A4F9-4B26-A89D-830C2B20E7BD}" type="presOf" srcId="{89F5C37F-389D-4EB0-B598-35B5D1E9207A}" destId="{0202EF73-3765-429E-A44A-6449D2AEBE56}" srcOrd="0" destOrd="0" presId="urn:microsoft.com/office/officeart/2008/layout/HorizontalMultiLevelHierarchy"/>
-    <dgm:cxn modelId="{C8DF7BA3-DB84-448F-9EE2-3ED91402466E}" type="presOf" srcId="{45FB58CB-7DA1-4E14-B564-367C4C6C116B}" destId="{01C1B402-0020-44DF-9A62-E5610B5CD990}" srcOrd="0" destOrd="0" presId="urn:microsoft.com/office/officeart/2008/layout/HorizontalMultiLevelHierarchy"/>
-    <dgm:cxn modelId="{C58F9FA3-8530-4E58-AD0F-6CEE920A6D56}" type="presOf" srcId="{1461B457-6FD2-4CC4-9A19-91474B69B91D}" destId="{7EB01731-D03F-4C88-8DF2-D6243ECEC4AE}" srcOrd="0" destOrd="0" presId="urn:microsoft.com/office/officeart/2008/layout/HorizontalMultiLevelHierarchy"/>
     <dgm:cxn modelId="{E098C6BD-4CE6-4F91-A1D6-17C9A87AC28B}" type="presOf" srcId="{02D4C35B-757D-4A26-ABF9-EB062347B49C}" destId="{E3418C5C-8673-493C-BF06-0B6808D5A844}" srcOrd="1" destOrd="0" presId="urn:microsoft.com/office/officeart/2008/layout/HorizontalMultiLevelHierarchy"/>
-    <dgm:cxn modelId="{D0DF096F-5956-44DD-8F99-F70EB0544467}" type="presOf" srcId="{A5E99A83-AD3E-4D9B-892D-67D3D64BAC18}" destId="{00C2A214-3467-4290-A89A-2E37DFA85757}" srcOrd="1" destOrd="0" presId="urn:microsoft.com/office/officeart/2008/layout/HorizontalMultiLevelHierarchy"/>
-    <dgm:cxn modelId="{0620A9E4-E114-42B4-BA73-ECCEAC2A6703}" type="presOf" srcId="{C9953552-5260-4C2B-BE54-33FD1BBA5E72}" destId="{1CA0B04D-97FB-4AAE-B2BA-6865800C43C6}" srcOrd="1" destOrd="0" presId="urn:microsoft.com/office/officeart/2008/layout/HorizontalMultiLevelHierarchy"/>
-    <dgm:cxn modelId="{F70DB969-7C53-4769-B50A-84D53CA10A36}" type="presOf" srcId="{2D02C620-56F9-42B4-A5F3-B2902AE52B07}" destId="{66CA485B-68C8-4246-A6A6-9C133B1D148E}" srcOrd="0" destOrd="0" presId="urn:microsoft.com/office/officeart/2008/layout/HorizontalMultiLevelHierarchy"/>
-    <dgm:cxn modelId="{118BEA0B-24B6-43A5-9B5E-BB5F318B63C3}" type="presOf" srcId="{F94C3D0C-24EA-421D-A927-2EAB58C8C5DE}" destId="{C6DC9683-92CD-4183-9F86-CDB5A9B13078}" srcOrd="0" destOrd="0" presId="urn:microsoft.com/office/officeart/2008/layout/HorizontalMultiLevelHierarchy"/>
-    <dgm:cxn modelId="{D22028CF-1ACC-4280-9E96-477D98FF5F88}" type="presOf" srcId="{F7718C43-EC58-416A-938B-C652B175DEA4}" destId="{664035F2-8451-4E45-873D-0B24AECBE763}" srcOrd="0" destOrd="0" presId="urn:microsoft.com/office/officeart/2008/layout/HorizontalMultiLevelHierarchy"/>
-    <dgm:cxn modelId="{60A6549D-6C4F-4226-9404-2AB58E572FA7}" type="presOf" srcId="{A5E99A83-AD3E-4D9B-892D-67D3D64BAC18}" destId="{DAE6B772-9B80-4BC4-95A7-43B452B2A1C4}" srcOrd="0" destOrd="0" presId="urn:microsoft.com/office/officeart/2008/layout/HorizontalMultiLevelHierarchy"/>
-    <dgm:cxn modelId="{58E1AEBC-5DDE-4F2F-A937-5D188C1B9B43}" type="presOf" srcId="{2799595B-A5B9-4141-9B92-E8A33ADA7F5C}" destId="{BB105F6C-DE2C-4E49-95AA-A9AF5B53CF8A}" srcOrd="0" destOrd="0" presId="urn:microsoft.com/office/officeart/2008/layout/HorizontalMultiLevelHierarchy"/>
-    <dgm:cxn modelId="{9D75E9BA-293F-4EF1-AD38-D79434133A30}" type="presOf" srcId="{7580BA2A-FDD6-4D25-AB7E-33651468206C}" destId="{D2AF1980-0A0B-43F8-9A7D-6954BB8A5458}" srcOrd="0" destOrd="0" presId="urn:microsoft.com/office/officeart/2008/layout/HorizontalMultiLevelHierarchy"/>
-    <dgm:cxn modelId="{678C744C-902D-4C26-A34B-B0E606AD2000}" type="presOf" srcId="{F94C3D0C-24EA-421D-A927-2EAB58C8C5DE}" destId="{D41C7770-0946-4222-AA92-57871C027F38}" srcOrd="1" destOrd="0" presId="urn:microsoft.com/office/officeart/2008/layout/HorizontalMultiLevelHierarchy"/>
-    <dgm:cxn modelId="{85CF3BEC-2BB9-4DE4-AE43-5571BB97B6A4}" srcId="{2CD48D77-BE21-40B3-8CBE-A5E2180F17F6}" destId="{73608496-C71E-4E04-954E-7324A877FCE6}" srcOrd="1" destOrd="0" parTransId="{2D02C620-56F9-42B4-A5F3-B2902AE52B07}" sibTransId="{681BDFC0-D12E-4B5F-A069-96767514660F}"/>
-    <dgm:cxn modelId="{24C66857-A79D-4474-BABA-80A97F4C7497}" type="presOf" srcId="{4C365737-CB30-40F2-A17F-28A2ED83F818}" destId="{2CCCFC99-71B2-4144-9B5F-1B9107AA16AA}" srcOrd="0" destOrd="0" presId="urn:microsoft.com/office/officeart/2008/layout/HorizontalMultiLevelHierarchy"/>
-    <dgm:cxn modelId="{2EEF3558-BA80-4F42-9F2C-4CABC21865CF}" type="presOf" srcId="{58A11B15-3820-4941-BE2E-F6D04A27C047}" destId="{15C4DF66-D3B1-4B62-AD25-3512467F8125}" srcOrd="1" destOrd="0" presId="urn:microsoft.com/office/officeart/2008/layout/HorizontalMultiLevelHierarchy"/>
-    <dgm:cxn modelId="{6BB2D755-293E-4744-B266-8114148262D2}" type="presOf" srcId="{73608496-C71E-4E04-954E-7324A877FCE6}" destId="{49B28A51-79A3-45DF-93EF-FAC1549BD0C3}" srcOrd="0" destOrd="0" presId="urn:microsoft.com/office/officeart/2008/layout/HorizontalMultiLevelHierarchy"/>
-    <dgm:cxn modelId="{136427DC-9447-47B3-B259-945ABF51844A}" type="presOf" srcId="{7B88B522-8C09-4369-BF24-2108C004F578}" destId="{48E5A03B-FA17-4D8C-AF4D-95792EEA64BA}" srcOrd="0" destOrd="0" presId="urn:microsoft.com/office/officeart/2008/layout/HorizontalMultiLevelHierarchy"/>
-    <dgm:cxn modelId="{212897A1-E32D-4577-A1D9-03A40EEC5849}" type="presOf" srcId="{581A9FF4-19EA-4B04-9BEF-D16ACDA8A41B}" destId="{205F9E91-23F9-491C-94EC-FEB94F6AC835}" srcOrd="0" destOrd="0" presId="urn:microsoft.com/office/officeart/2008/layout/HorizontalMultiLevelHierarchy"/>
-    <dgm:cxn modelId="{18571B71-B8D2-41F0-A1FD-7BA9D7CBA68F}" srcId="{73608496-C71E-4E04-954E-7324A877FCE6}" destId="{7580BA2A-FDD6-4D25-AB7E-33651468206C}" srcOrd="0" destOrd="0" parTransId="{C9953552-5260-4C2B-BE54-33FD1BBA5E72}" sibTransId="{A64DA436-0193-4D11-A174-10D97919F94F}"/>
-    <dgm:cxn modelId="{12AED730-941D-441D-9222-705B595E4CB3}" type="presOf" srcId="{C9953552-5260-4C2B-BE54-33FD1BBA5E72}" destId="{B4D2F5E3-6F87-43A2-BA8A-2718C43C3B7A}" srcOrd="0" destOrd="0" presId="urn:microsoft.com/office/officeart/2008/layout/HorizontalMultiLevelHierarchy"/>
-    <dgm:cxn modelId="{7AE86A1F-AC48-419A-9875-F0B55433C0A2}" type="presOf" srcId="{2D02C620-56F9-42B4-A5F3-B2902AE52B07}" destId="{E11BCC54-6891-4C63-9983-BEFA94519D29}" srcOrd="1" destOrd="0" presId="urn:microsoft.com/office/officeart/2008/layout/HorizontalMultiLevelHierarchy"/>
-    <dgm:cxn modelId="{2FC165DD-640C-4F23-A598-E1B8A060F514}" type="presOf" srcId="{488E4E53-0EE4-4CCC-85FD-CCB1EBC499C8}" destId="{979116C9-67B1-4E10-B6DD-5028EA053226}" srcOrd="0" destOrd="0" presId="urn:microsoft.com/office/officeart/2008/layout/HorizontalMultiLevelHierarchy"/>
-    <dgm:cxn modelId="{882DBE9D-81D6-4905-8486-38F7467BD5B4}" type="presOf" srcId="{45FB58CB-7DA1-4E14-B564-367C4C6C116B}" destId="{A9542A7C-87DC-4569-9ABE-6DE548FB93BF}" srcOrd="1" destOrd="0" presId="urn:microsoft.com/office/officeart/2008/layout/HorizontalMultiLevelHierarchy"/>
-    <dgm:cxn modelId="{74CA1699-56AC-4929-86AB-D278C6996E61}" srcId="{73608496-C71E-4E04-954E-7324A877FCE6}" destId="{8AD0ECD5-B82F-432A-A91A-57BA82016F10}" srcOrd="3" destOrd="0" parTransId="{58A11B15-3820-4941-BE2E-F6D04A27C047}" sibTransId="{EB92243B-E820-4D23-91A5-AFB197689CAC}"/>
-    <dgm:cxn modelId="{ACFDADFD-BE97-402C-A604-F6ABC14BCD74}" type="presOf" srcId="{89F5C37F-389D-4EB0-B598-35B5D1E9207A}" destId="{439D667A-8105-4063-98AA-2CAA45C70126}" srcOrd="1" destOrd="0" presId="urn:microsoft.com/office/officeart/2008/layout/HorizontalMultiLevelHierarchy"/>
-    <dgm:cxn modelId="{1D0174DB-EBCD-4E97-BC1D-95C59AC4E152}" type="presOf" srcId="{2CD48D77-BE21-40B3-8CBE-A5E2180F17F6}" destId="{53975860-54D1-405F-A889-01B934832FD4}" srcOrd="0" destOrd="0" presId="urn:microsoft.com/office/officeart/2008/layout/HorizontalMultiLevelHierarchy"/>
     <dgm:cxn modelId="{B722087B-A976-481A-96D3-363FA3C69B15}" type="presParOf" srcId="{205F9E91-23F9-491C-94EC-FEB94F6AC835}" destId="{3A62AE99-9FA0-4A70-9AF6-99A73CC7ACB6}" srcOrd="0" destOrd="0" presId="urn:microsoft.com/office/officeart/2008/layout/HorizontalMultiLevelHierarchy"/>
     <dgm:cxn modelId="{3A0FA4FA-A943-4F62-8852-28357287B4F9}" type="presParOf" srcId="{3A62AE99-9FA0-4A70-9AF6-99A73CC7ACB6}" destId="{53975860-54D1-405F-A889-01B934832FD4}" srcOrd="0" destOrd="0" presId="urn:microsoft.com/office/officeart/2008/layout/HorizontalMultiLevelHierarchy"/>
     <dgm:cxn modelId="{17108245-AC1E-472C-BCF8-049366CD05BF}" type="presParOf" srcId="{3A62AE99-9FA0-4A70-9AF6-99A73CC7ACB6}" destId="{6D239F45-0F66-46AB-AF9A-840600D162AF}" srcOrd="1" destOrd="0" presId="urn:microsoft.com/office/officeart/2008/layout/HorizontalMultiLevelHierarchy"/>
@@ -5561,7 +5561,7 @@
           <a:p>
             <a:fld id="{217822EC-AD40-4710-ABF3-BB1970241976}" type="datetimeFigureOut">
               <a:rPr lang="en-GB" smtClean="0"/>
-              <a:t>08/06/2020</a:t>
+              <a:t>10/06/2020</a:t>
             </a:fld>
             <a:endParaRPr lang="en-GB"/>
           </a:p>
@@ -6139,7 +6139,7 @@
           <a:p>
             <a:fld id="{FAE648DA-AB40-4E99-A391-BD85BFC6A8BA}" type="datetimeFigureOut">
               <a:rPr lang="en-GB" smtClean="0"/>
-              <a:t>08/06/2020</a:t>
+              <a:t>10/06/2020</a:t>
             </a:fld>
             <a:endParaRPr lang="en-GB"/>
           </a:p>
@@ -6347,7 +6347,7 @@
           <a:p>
             <a:fld id="{FAE648DA-AB40-4E99-A391-BD85BFC6A8BA}" type="datetimeFigureOut">
               <a:rPr lang="en-GB" smtClean="0"/>
-              <a:t>08/06/2020</a:t>
+              <a:t>10/06/2020</a:t>
             </a:fld>
             <a:endParaRPr lang="en-GB"/>
           </a:p>
@@ -6603,7 +6603,7 @@
           <a:p>
             <a:fld id="{FAE648DA-AB40-4E99-A391-BD85BFC6A8BA}" type="datetimeFigureOut">
               <a:rPr lang="en-GB" smtClean="0"/>
-              <a:t>08/06/2020</a:t>
+              <a:t>10/06/2020</a:t>
             </a:fld>
             <a:endParaRPr lang="en-GB"/>
           </a:p>
@@ -6773,7 +6773,7 @@
           <a:p>
             <a:fld id="{FAE648DA-AB40-4E99-A391-BD85BFC6A8BA}" type="datetimeFigureOut">
               <a:rPr lang="en-GB" smtClean="0"/>
-              <a:t>08/06/2020</a:t>
+              <a:t>10/06/2020</a:t>
             </a:fld>
             <a:endParaRPr lang="en-GB"/>
           </a:p>
@@ -7116,7 +7116,7 @@
           <a:p>
             <a:fld id="{FAE648DA-AB40-4E99-A391-BD85BFC6A8BA}" type="datetimeFigureOut">
               <a:rPr lang="en-GB" smtClean="0"/>
-              <a:t>08/06/2020</a:t>
+              <a:t>10/06/2020</a:t>
             </a:fld>
             <a:endParaRPr lang="en-GB"/>
           </a:p>
@@ -7391,7 +7391,7 @@
           <a:p>
             <a:fld id="{FAE648DA-AB40-4E99-A391-BD85BFC6A8BA}" type="datetimeFigureOut">
               <a:rPr lang="en-GB" smtClean="0"/>
-              <a:t>08/06/2020</a:t>
+              <a:t>10/06/2020</a:t>
             </a:fld>
             <a:endParaRPr lang="en-GB"/>
           </a:p>
@@ -7770,7 +7770,7 @@
           <a:p>
             <a:fld id="{FAE648DA-AB40-4E99-A391-BD85BFC6A8BA}" type="datetimeFigureOut">
               <a:rPr lang="en-GB" smtClean="0"/>
-              <a:t>08/06/2020</a:t>
+              <a:t>10/06/2020</a:t>
             </a:fld>
             <a:endParaRPr lang="en-GB"/>
           </a:p>
@@ -7888,7 +7888,7 @@
           <a:p>
             <a:fld id="{FAE648DA-AB40-4E99-A391-BD85BFC6A8BA}" type="datetimeFigureOut">
               <a:rPr lang="en-GB" smtClean="0"/>
-              <a:t>08/06/2020</a:t>
+              <a:t>10/06/2020</a:t>
             </a:fld>
             <a:endParaRPr lang="en-GB"/>
           </a:p>
@@ -8059,7 +8059,7 @@
           <a:p>
             <a:fld id="{FAE648DA-AB40-4E99-A391-BD85BFC6A8BA}" type="datetimeFigureOut">
               <a:rPr lang="en-GB" smtClean="0"/>
-              <a:t>08/06/2020</a:t>
+              <a:t>10/06/2020</a:t>
             </a:fld>
             <a:endParaRPr lang="en-GB"/>
           </a:p>
@@ -8413,7 +8413,7 @@
           <a:p>
             <a:fld id="{FAE648DA-AB40-4E99-A391-BD85BFC6A8BA}" type="datetimeFigureOut">
               <a:rPr lang="en-GB" smtClean="0"/>
-              <a:t>08/06/2020</a:t>
+              <a:t>10/06/2020</a:t>
             </a:fld>
             <a:endParaRPr lang="en-GB"/>
           </a:p>
@@ -8790,7 +8790,7 @@
           <a:p>
             <a:fld id="{FAE648DA-AB40-4E99-A391-BD85BFC6A8BA}" type="datetimeFigureOut">
               <a:rPr lang="en-GB" smtClean="0"/>
-              <a:t>08/06/2020</a:t>
+              <a:t>10/06/2020</a:t>
             </a:fld>
             <a:endParaRPr lang="en-GB"/>
           </a:p>
@@ -9077,7 +9077,7 @@
           <a:p>
             <a:fld id="{FAE648DA-AB40-4E99-A391-BD85BFC6A8BA}" type="datetimeFigureOut">
               <a:rPr lang="en-GB" smtClean="0"/>
-              <a:t>08/06/2020</a:t>
+              <a:t>10/06/2020</a:t>
             </a:fld>
             <a:endParaRPr lang="en-GB"/>
           </a:p>
@@ -11789,15 +11789,7 @@
             </a:pPr>
             <a:r>
               <a:rPr lang="en-US" sz="1600" dirty="0" smtClean="0"/>
-              <a:t>Providing operational and maintenance support for Finance, Accounts and Stores modules </a:t>
-            </a:r>
-            <a:r>
-              <a:rPr lang="en-US" sz="1600" dirty="0" smtClean="0"/>
-              <a:t>in </a:t>
-            </a:r>
-            <a:r>
-              <a:rPr lang="en-US" sz="1600" dirty="0" smtClean="0"/>
-              <a:t>URSC.</a:t>
+              <a:t>Providing operational and maintenance support for Finance, Accounts and Stores modules in URSC.</a:t>
             </a:r>
           </a:p>
           <a:p>
@@ -11830,15 +11822,7 @@
             </a:r>
             <a:r>
               <a:rPr lang="en-US" sz="1600" dirty="0" smtClean="0"/>
-              <a:t>carried out detailed analysis and report all major  incidents related to business logic, bugs, performance related issues, code-reusability and modularity were submitted to DD, RO, SDSC , and recommended possible code optimization , enhancing exception handling and </a:t>
-            </a:r>
-            <a:r>
-              <a:rPr lang="en-US" sz="1600" dirty="0" smtClean="0"/>
-              <a:t>modularity </a:t>
-            </a:r>
-            <a:r>
-              <a:rPr lang="en-US" sz="1600" dirty="0" smtClean="0"/>
-              <a:t>in code.</a:t>
+              <a:t>carried out detailed analysis and report all major  incidents related to business logic, bugs, performance related issues, code-reusability and modularity were submitted to DD, RO, SDSC , and recommended possible code optimization , enhancing exception handling and modularity in code.</a:t>
             </a:r>
           </a:p>
           <a:p>
@@ -12282,11 +12266,7 @@
             </a:pPr>
             <a:r>
               <a:rPr lang="en-GB" sz="1400" dirty="0" smtClean="0"/>
-              <a:t>Transform </a:t>
-            </a:r>
-            <a:r>
-              <a:rPr lang="en-GB" sz="1400" dirty="0" smtClean="0"/>
-              <a:t>the database connection mechanism to </a:t>
+              <a:t>Transform the database connection mechanism to </a:t>
             </a:r>
             <a:r>
               <a:rPr lang="en-GB" sz="1400" b="1" dirty="0" smtClean="0"/>

--- a/handOutSources/navdeep.pptx
+++ b/handOutSources/navdeep.pptx
@@ -5,7 +5,7 @@
     <p:sldMasterId id="2147483696" r:id="rId1"/>
   </p:sldMasterIdLst>
   <p:notesMasterIdLst>
-    <p:notesMasterId r:id="rId9"/>
+    <p:notesMasterId r:id="rId10"/>
   </p:notesMasterIdLst>
   <p:sldIdLst>
     <p:sldId id="256" r:id="rId2"/>
@@ -15,6 +15,7 @@
     <p:sldId id="262" r:id="rId6"/>
     <p:sldId id="263" r:id="rId7"/>
     <p:sldId id="264" r:id="rId8"/>
+    <p:sldId id="267" r:id="rId9"/>
   </p:sldIdLst>
   <p:sldSz cx="12192000" cy="6858000"/>
   <p:notesSz cx="6858000" cy="9144000"/>
@@ -1897,45 +1898,45 @@
     </dgm:pt>
   </dgm:ptLst>
   <dgm:cxnLst>
+    <dgm:cxn modelId="{9826E078-E0F1-4B7D-ADA0-B3D190FAB21A}" type="presOf" srcId="{02D4C35B-757D-4A26-ABF9-EB062347B49C}" destId="{BA9559E5-A1E7-4EED-A02D-40E9AD225969}" srcOrd="0" destOrd="0" presId="urn:microsoft.com/office/officeart/2008/layout/HorizontalMultiLevelHierarchy"/>
+    <dgm:cxn modelId="{AAD6FF71-9419-4B68-BFA2-0E02D183255C}" srcId="{2CD48D77-BE21-40B3-8CBE-A5E2180F17F6}" destId="{2799595B-A5B9-4141-9B92-E8A33ADA7F5C}" srcOrd="0" destOrd="0" parTransId="{A5E99A83-AD3E-4D9B-892D-67D3D64BAC18}" sibTransId="{6ECEBC69-FF95-4755-B59F-BA069D9DB35F}"/>
+    <dgm:cxn modelId="{8EF08AC9-713B-4A09-8702-1D8B1148D154}" srcId="{73608496-C71E-4E04-954E-7324A877FCE6}" destId="{4456A574-DC07-4E29-9503-E3088322F9EF}" srcOrd="2" destOrd="0" parTransId="{45FB58CB-7DA1-4E14-B564-367C4C6C116B}" sibTransId="{E31D2D81-FD04-4F0F-9DA1-C391B26B2A1F}"/>
+    <dgm:cxn modelId="{0348287F-75A9-4CD7-9DCC-24EBC0EBC196}" type="presOf" srcId="{4456A574-DC07-4E29-9503-E3088322F9EF}" destId="{92AE9F0A-4317-4E08-B368-5F7267F9C11E}" srcOrd="0" destOrd="0" presId="urn:microsoft.com/office/officeart/2008/layout/HorizontalMultiLevelHierarchy"/>
     <dgm:cxn modelId="{85B8BF06-77FB-4813-9B94-A15DE0B6E520}" type="presOf" srcId="{8AD0ECD5-B82F-432A-A91A-57BA82016F10}" destId="{46578617-3BC7-4745-ACFC-294A4ADE715F}" srcOrd="0" destOrd="0" presId="urn:microsoft.com/office/officeart/2008/layout/HorizontalMultiLevelHierarchy"/>
-    <dgm:cxn modelId="{0348287F-75A9-4CD7-9DCC-24EBC0EBC196}" type="presOf" srcId="{4456A574-DC07-4E29-9503-E3088322F9EF}" destId="{92AE9F0A-4317-4E08-B368-5F7267F9C11E}" srcOrd="0" destOrd="0" presId="urn:microsoft.com/office/officeart/2008/layout/HorizontalMultiLevelHierarchy"/>
+    <dgm:cxn modelId="{42281A92-1148-400D-811A-AB6E156EB9FD}" srcId="{2CD48D77-BE21-40B3-8CBE-A5E2180F17F6}" destId="{F7718C43-EC58-416A-938B-C652B175DEA4}" srcOrd="2" destOrd="0" parTransId="{02D4C35B-757D-4A26-ABF9-EB062347B49C}" sibTransId="{B9CC0C24-C75A-41DC-A2AB-6B74AF630EBA}"/>
+    <dgm:cxn modelId="{6BBE2A8F-3CFC-4B1F-803A-29217B57B134}" srcId="{2CD48D77-BE21-40B3-8CBE-A5E2180F17F6}" destId="{4C365737-CB30-40F2-A17F-28A2ED83F818}" srcOrd="3" destOrd="0" parTransId="{89F5C37F-389D-4EB0-B598-35B5D1E9207A}" sibTransId="{8C4C3C18-77F8-4528-A744-22A7F933F16C}"/>
+    <dgm:cxn modelId="{DE94DAFF-B937-4DA6-8C1D-0ED13C0C34AE}" srcId="{2CD48D77-BE21-40B3-8CBE-A5E2180F17F6}" destId="{1461B457-6FD2-4CC4-9A19-91474B69B91D}" srcOrd="4" destOrd="0" parTransId="{F94C3D0C-24EA-421D-A927-2EAB58C8C5DE}" sibTransId="{F8FB352F-AD5B-49E5-AB68-B7984675C7FD}"/>
+    <dgm:cxn modelId="{5F951319-233D-448E-84F3-5A7CB1618BBD}" type="presOf" srcId="{488E4E53-0EE4-4CCC-85FD-CCB1EBC499C8}" destId="{B4ECD626-F8DE-4A03-8BBE-286133768483}" srcOrd="1" destOrd="0" presId="urn:microsoft.com/office/officeart/2008/layout/HorizontalMultiLevelHierarchy"/>
+    <dgm:cxn modelId="{25A55FA0-CACC-4A39-AC6C-31213C069B95}" srcId="{581A9FF4-19EA-4B04-9BEF-D16ACDA8A41B}" destId="{2CD48D77-BE21-40B3-8CBE-A5E2180F17F6}" srcOrd="0" destOrd="0" parTransId="{DE9434DD-CB97-4DF8-8B4E-A8D53054D5D8}" sibTransId="{F73CFAA2-E7B1-4A53-ACC4-DBE00B8F710B}"/>
+    <dgm:cxn modelId="{BD9340CF-385F-4511-B84D-5E13289943FF}" srcId="{73608496-C71E-4E04-954E-7324A877FCE6}" destId="{7B88B522-8C09-4369-BF24-2108C004F578}" srcOrd="1" destOrd="0" parTransId="{488E4E53-0EE4-4CCC-85FD-CCB1EBC499C8}" sibTransId="{4F461D30-A5B2-4AC0-9BC7-FD3BB71D827F}"/>
+    <dgm:cxn modelId="{2B8BB3C1-28F4-4410-9E2E-9AB516E471BE}" type="presOf" srcId="{58A11B15-3820-4941-BE2E-F6D04A27C047}" destId="{0F8821C7-4A3D-44E6-8A21-8DF0FF4061D6}" srcOrd="0" destOrd="0" presId="urn:microsoft.com/office/officeart/2008/layout/HorizontalMultiLevelHierarchy"/>
+    <dgm:cxn modelId="{6F1C1709-A4F9-4B26-A89D-830C2B20E7BD}" type="presOf" srcId="{89F5C37F-389D-4EB0-B598-35B5D1E9207A}" destId="{0202EF73-3765-429E-A44A-6449D2AEBE56}" srcOrd="0" destOrd="0" presId="urn:microsoft.com/office/officeart/2008/layout/HorizontalMultiLevelHierarchy"/>
+    <dgm:cxn modelId="{C8DF7BA3-DB84-448F-9EE2-3ED91402466E}" type="presOf" srcId="{45FB58CB-7DA1-4E14-B564-367C4C6C116B}" destId="{01C1B402-0020-44DF-9A62-E5610B5CD990}" srcOrd="0" destOrd="0" presId="urn:microsoft.com/office/officeart/2008/layout/HorizontalMultiLevelHierarchy"/>
+    <dgm:cxn modelId="{C58F9FA3-8530-4E58-AD0F-6CEE920A6D56}" type="presOf" srcId="{1461B457-6FD2-4CC4-9A19-91474B69B91D}" destId="{7EB01731-D03F-4C88-8DF2-D6243ECEC4AE}" srcOrd="0" destOrd="0" presId="urn:microsoft.com/office/officeart/2008/layout/HorizontalMultiLevelHierarchy"/>
+    <dgm:cxn modelId="{E098C6BD-4CE6-4F91-A1D6-17C9A87AC28B}" type="presOf" srcId="{02D4C35B-757D-4A26-ABF9-EB062347B49C}" destId="{E3418C5C-8673-493C-BF06-0B6808D5A844}" srcOrd="1" destOrd="0" presId="urn:microsoft.com/office/officeart/2008/layout/HorizontalMultiLevelHierarchy"/>
+    <dgm:cxn modelId="{D0DF096F-5956-44DD-8F99-F70EB0544467}" type="presOf" srcId="{A5E99A83-AD3E-4D9B-892D-67D3D64BAC18}" destId="{00C2A214-3467-4290-A89A-2E37DFA85757}" srcOrd="1" destOrd="0" presId="urn:microsoft.com/office/officeart/2008/layout/HorizontalMultiLevelHierarchy"/>
+    <dgm:cxn modelId="{0620A9E4-E114-42B4-BA73-ECCEAC2A6703}" type="presOf" srcId="{C9953552-5260-4C2B-BE54-33FD1BBA5E72}" destId="{1CA0B04D-97FB-4AAE-B2BA-6865800C43C6}" srcOrd="1" destOrd="0" presId="urn:microsoft.com/office/officeart/2008/layout/HorizontalMultiLevelHierarchy"/>
+    <dgm:cxn modelId="{F70DB969-7C53-4769-B50A-84D53CA10A36}" type="presOf" srcId="{2D02C620-56F9-42B4-A5F3-B2902AE52B07}" destId="{66CA485B-68C8-4246-A6A6-9C133B1D148E}" srcOrd="0" destOrd="0" presId="urn:microsoft.com/office/officeart/2008/layout/HorizontalMultiLevelHierarchy"/>
+    <dgm:cxn modelId="{118BEA0B-24B6-43A5-9B5E-BB5F318B63C3}" type="presOf" srcId="{F94C3D0C-24EA-421D-A927-2EAB58C8C5DE}" destId="{C6DC9683-92CD-4183-9F86-CDB5A9B13078}" srcOrd="0" destOrd="0" presId="urn:microsoft.com/office/officeart/2008/layout/HorizontalMultiLevelHierarchy"/>
+    <dgm:cxn modelId="{D22028CF-1ACC-4280-9E96-477D98FF5F88}" type="presOf" srcId="{F7718C43-EC58-416A-938B-C652B175DEA4}" destId="{664035F2-8451-4E45-873D-0B24AECBE763}" srcOrd="0" destOrd="0" presId="urn:microsoft.com/office/officeart/2008/layout/HorizontalMultiLevelHierarchy"/>
+    <dgm:cxn modelId="{60A6549D-6C4F-4226-9404-2AB58E572FA7}" type="presOf" srcId="{A5E99A83-AD3E-4D9B-892D-67D3D64BAC18}" destId="{DAE6B772-9B80-4BC4-95A7-43B452B2A1C4}" srcOrd="0" destOrd="0" presId="urn:microsoft.com/office/officeart/2008/layout/HorizontalMultiLevelHierarchy"/>
+    <dgm:cxn modelId="{58E1AEBC-5DDE-4F2F-A937-5D188C1B9B43}" type="presOf" srcId="{2799595B-A5B9-4141-9B92-E8A33ADA7F5C}" destId="{BB105F6C-DE2C-4E49-95AA-A9AF5B53CF8A}" srcOrd="0" destOrd="0" presId="urn:microsoft.com/office/officeart/2008/layout/HorizontalMultiLevelHierarchy"/>
+    <dgm:cxn modelId="{9D75E9BA-293F-4EF1-AD38-D79434133A30}" type="presOf" srcId="{7580BA2A-FDD6-4D25-AB7E-33651468206C}" destId="{D2AF1980-0A0B-43F8-9A7D-6954BB8A5458}" srcOrd="0" destOrd="0" presId="urn:microsoft.com/office/officeart/2008/layout/HorizontalMultiLevelHierarchy"/>
+    <dgm:cxn modelId="{678C744C-902D-4C26-A34B-B0E606AD2000}" type="presOf" srcId="{F94C3D0C-24EA-421D-A927-2EAB58C8C5DE}" destId="{D41C7770-0946-4222-AA92-57871C027F38}" srcOrd="1" destOrd="0" presId="urn:microsoft.com/office/officeart/2008/layout/HorizontalMultiLevelHierarchy"/>
+    <dgm:cxn modelId="{85CF3BEC-2BB9-4DE4-AE43-5571BB97B6A4}" srcId="{2CD48D77-BE21-40B3-8CBE-A5E2180F17F6}" destId="{73608496-C71E-4E04-954E-7324A877FCE6}" srcOrd="1" destOrd="0" parTransId="{2D02C620-56F9-42B4-A5F3-B2902AE52B07}" sibTransId="{681BDFC0-D12E-4B5F-A069-96767514660F}"/>
+    <dgm:cxn modelId="{24C66857-A79D-4474-BABA-80A97F4C7497}" type="presOf" srcId="{4C365737-CB30-40F2-A17F-28A2ED83F818}" destId="{2CCCFC99-71B2-4144-9B5F-1B9107AA16AA}" srcOrd="0" destOrd="0" presId="urn:microsoft.com/office/officeart/2008/layout/HorizontalMultiLevelHierarchy"/>
+    <dgm:cxn modelId="{2EEF3558-BA80-4F42-9F2C-4CABC21865CF}" type="presOf" srcId="{58A11B15-3820-4941-BE2E-F6D04A27C047}" destId="{15C4DF66-D3B1-4B62-AD25-3512467F8125}" srcOrd="1" destOrd="0" presId="urn:microsoft.com/office/officeart/2008/layout/HorizontalMultiLevelHierarchy"/>
+    <dgm:cxn modelId="{6BB2D755-293E-4744-B266-8114148262D2}" type="presOf" srcId="{73608496-C71E-4E04-954E-7324A877FCE6}" destId="{49B28A51-79A3-45DF-93EF-FAC1549BD0C3}" srcOrd="0" destOrd="0" presId="urn:microsoft.com/office/officeart/2008/layout/HorizontalMultiLevelHierarchy"/>
+    <dgm:cxn modelId="{136427DC-9447-47B3-B259-945ABF51844A}" type="presOf" srcId="{7B88B522-8C09-4369-BF24-2108C004F578}" destId="{48E5A03B-FA17-4D8C-AF4D-95792EEA64BA}" srcOrd="0" destOrd="0" presId="urn:microsoft.com/office/officeart/2008/layout/HorizontalMultiLevelHierarchy"/>
+    <dgm:cxn modelId="{212897A1-E32D-4577-A1D9-03A40EEC5849}" type="presOf" srcId="{581A9FF4-19EA-4B04-9BEF-D16ACDA8A41B}" destId="{205F9E91-23F9-491C-94EC-FEB94F6AC835}" srcOrd="0" destOrd="0" presId="urn:microsoft.com/office/officeart/2008/layout/HorizontalMultiLevelHierarchy"/>
+    <dgm:cxn modelId="{18571B71-B8D2-41F0-A1FD-7BA9D7CBA68F}" srcId="{73608496-C71E-4E04-954E-7324A877FCE6}" destId="{7580BA2A-FDD6-4D25-AB7E-33651468206C}" srcOrd="0" destOrd="0" parTransId="{C9953552-5260-4C2B-BE54-33FD1BBA5E72}" sibTransId="{A64DA436-0193-4D11-A174-10D97919F94F}"/>
+    <dgm:cxn modelId="{12AED730-941D-441D-9222-705B595E4CB3}" type="presOf" srcId="{C9953552-5260-4C2B-BE54-33FD1BBA5E72}" destId="{B4D2F5E3-6F87-43A2-BA8A-2718C43C3B7A}" srcOrd="0" destOrd="0" presId="urn:microsoft.com/office/officeart/2008/layout/HorizontalMultiLevelHierarchy"/>
+    <dgm:cxn modelId="{7AE86A1F-AC48-419A-9875-F0B55433C0A2}" type="presOf" srcId="{2D02C620-56F9-42B4-A5F3-B2902AE52B07}" destId="{E11BCC54-6891-4C63-9983-BEFA94519D29}" srcOrd="1" destOrd="0" presId="urn:microsoft.com/office/officeart/2008/layout/HorizontalMultiLevelHierarchy"/>
     <dgm:cxn modelId="{2FC165DD-640C-4F23-A598-E1B8A060F514}" type="presOf" srcId="{488E4E53-0EE4-4CCC-85FD-CCB1EBC499C8}" destId="{979116C9-67B1-4E10-B6DD-5028EA053226}" srcOrd="0" destOrd="0" presId="urn:microsoft.com/office/officeart/2008/layout/HorizontalMultiLevelHierarchy"/>
-    <dgm:cxn modelId="{212897A1-E32D-4577-A1D9-03A40EEC5849}" type="presOf" srcId="{581A9FF4-19EA-4B04-9BEF-D16ACDA8A41B}" destId="{205F9E91-23F9-491C-94EC-FEB94F6AC835}" srcOrd="0" destOrd="0" presId="urn:microsoft.com/office/officeart/2008/layout/HorizontalMultiLevelHierarchy"/>
-    <dgm:cxn modelId="{6BBE2A8F-3CFC-4B1F-803A-29217B57B134}" srcId="{2CD48D77-BE21-40B3-8CBE-A5E2180F17F6}" destId="{4C365737-CB30-40F2-A17F-28A2ED83F818}" srcOrd="3" destOrd="0" parTransId="{89F5C37F-389D-4EB0-B598-35B5D1E9207A}" sibTransId="{8C4C3C18-77F8-4528-A744-22A7F933F16C}"/>
-    <dgm:cxn modelId="{5F951319-233D-448E-84F3-5A7CB1618BBD}" type="presOf" srcId="{488E4E53-0EE4-4CCC-85FD-CCB1EBC499C8}" destId="{B4ECD626-F8DE-4A03-8BBE-286133768483}" srcOrd="1" destOrd="0" presId="urn:microsoft.com/office/officeart/2008/layout/HorizontalMultiLevelHierarchy"/>
-    <dgm:cxn modelId="{8EF08AC9-713B-4A09-8702-1D8B1148D154}" srcId="{73608496-C71E-4E04-954E-7324A877FCE6}" destId="{4456A574-DC07-4E29-9503-E3088322F9EF}" srcOrd="2" destOrd="0" parTransId="{45FB58CB-7DA1-4E14-B564-367C4C6C116B}" sibTransId="{E31D2D81-FD04-4F0F-9DA1-C391B26B2A1F}"/>
-    <dgm:cxn modelId="{678C744C-902D-4C26-A34B-B0E606AD2000}" type="presOf" srcId="{F94C3D0C-24EA-421D-A927-2EAB58C8C5DE}" destId="{D41C7770-0946-4222-AA92-57871C027F38}" srcOrd="1" destOrd="0" presId="urn:microsoft.com/office/officeart/2008/layout/HorizontalMultiLevelHierarchy"/>
-    <dgm:cxn modelId="{24C66857-A79D-4474-BABA-80A97F4C7497}" type="presOf" srcId="{4C365737-CB30-40F2-A17F-28A2ED83F818}" destId="{2CCCFC99-71B2-4144-9B5F-1B9107AA16AA}" srcOrd="0" destOrd="0" presId="urn:microsoft.com/office/officeart/2008/layout/HorizontalMultiLevelHierarchy"/>
-    <dgm:cxn modelId="{DE94DAFF-B937-4DA6-8C1D-0ED13C0C34AE}" srcId="{2CD48D77-BE21-40B3-8CBE-A5E2180F17F6}" destId="{1461B457-6FD2-4CC4-9A19-91474B69B91D}" srcOrd="4" destOrd="0" parTransId="{F94C3D0C-24EA-421D-A927-2EAB58C8C5DE}" sibTransId="{F8FB352F-AD5B-49E5-AB68-B7984675C7FD}"/>
-    <dgm:cxn modelId="{85CF3BEC-2BB9-4DE4-AE43-5571BB97B6A4}" srcId="{2CD48D77-BE21-40B3-8CBE-A5E2180F17F6}" destId="{73608496-C71E-4E04-954E-7324A877FCE6}" srcOrd="1" destOrd="0" parTransId="{2D02C620-56F9-42B4-A5F3-B2902AE52B07}" sibTransId="{681BDFC0-D12E-4B5F-A069-96767514660F}"/>
-    <dgm:cxn modelId="{12AED730-941D-441D-9222-705B595E4CB3}" type="presOf" srcId="{C9953552-5260-4C2B-BE54-33FD1BBA5E72}" destId="{B4D2F5E3-6F87-43A2-BA8A-2718C43C3B7A}" srcOrd="0" destOrd="0" presId="urn:microsoft.com/office/officeart/2008/layout/HorizontalMultiLevelHierarchy"/>
-    <dgm:cxn modelId="{118BEA0B-24B6-43A5-9B5E-BB5F318B63C3}" type="presOf" srcId="{F94C3D0C-24EA-421D-A927-2EAB58C8C5DE}" destId="{C6DC9683-92CD-4183-9F86-CDB5A9B13078}" srcOrd="0" destOrd="0" presId="urn:microsoft.com/office/officeart/2008/layout/HorizontalMultiLevelHierarchy"/>
-    <dgm:cxn modelId="{F70DB969-7C53-4769-B50A-84D53CA10A36}" type="presOf" srcId="{2D02C620-56F9-42B4-A5F3-B2902AE52B07}" destId="{66CA485B-68C8-4246-A6A6-9C133B1D148E}" srcOrd="0" destOrd="0" presId="urn:microsoft.com/office/officeart/2008/layout/HorizontalMultiLevelHierarchy"/>
-    <dgm:cxn modelId="{D22028CF-1ACC-4280-9E96-477D98FF5F88}" type="presOf" srcId="{F7718C43-EC58-416A-938B-C652B175DEA4}" destId="{664035F2-8451-4E45-873D-0B24AECBE763}" srcOrd="0" destOrd="0" presId="urn:microsoft.com/office/officeart/2008/layout/HorizontalMultiLevelHierarchy"/>
-    <dgm:cxn modelId="{6F1C1709-A4F9-4B26-A89D-830C2B20E7BD}" type="presOf" srcId="{89F5C37F-389D-4EB0-B598-35B5D1E9207A}" destId="{0202EF73-3765-429E-A44A-6449D2AEBE56}" srcOrd="0" destOrd="0" presId="urn:microsoft.com/office/officeart/2008/layout/HorizontalMultiLevelHierarchy"/>
-    <dgm:cxn modelId="{0620A9E4-E114-42B4-BA73-ECCEAC2A6703}" type="presOf" srcId="{C9953552-5260-4C2B-BE54-33FD1BBA5E72}" destId="{1CA0B04D-97FB-4AAE-B2BA-6865800C43C6}" srcOrd="1" destOrd="0" presId="urn:microsoft.com/office/officeart/2008/layout/HorizontalMultiLevelHierarchy"/>
-    <dgm:cxn modelId="{C58F9FA3-8530-4E58-AD0F-6CEE920A6D56}" type="presOf" srcId="{1461B457-6FD2-4CC4-9A19-91474B69B91D}" destId="{7EB01731-D03F-4C88-8DF2-D6243ECEC4AE}" srcOrd="0" destOrd="0" presId="urn:microsoft.com/office/officeart/2008/layout/HorizontalMultiLevelHierarchy"/>
-    <dgm:cxn modelId="{58E1AEBC-5DDE-4F2F-A937-5D188C1B9B43}" type="presOf" srcId="{2799595B-A5B9-4141-9B92-E8A33ADA7F5C}" destId="{BB105F6C-DE2C-4E49-95AA-A9AF5B53CF8A}" srcOrd="0" destOrd="0" presId="urn:microsoft.com/office/officeart/2008/layout/HorizontalMultiLevelHierarchy"/>
-    <dgm:cxn modelId="{25A55FA0-CACC-4A39-AC6C-31213C069B95}" srcId="{581A9FF4-19EA-4B04-9BEF-D16ACDA8A41B}" destId="{2CD48D77-BE21-40B3-8CBE-A5E2180F17F6}" srcOrd="0" destOrd="0" parTransId="{DE9434DD-CB97-4DF8-8B4E-A8D53054D5D8}" sibTransId="{F73CFAA2-E7B1-4A53-ACC4-DBE00B8F710B}"/>
-    <dgm:cxn modelId="{2EEF3558-BA80-4F42-9F2C-4CABC21865CF}" type="presOf" srcId="{58A11B15-3820-4941-BE2E-F6D04A27C047}" destId="{15C4DF66-D3B1-4B62-AD25-3512467F8125}" srcOrd="1" destOrd="0" presId="urn:microsoft.com/office/officeart/2008/layout/HorizontalMultiLevelHierarchy"/>
+    <dgm:cxn modelId="{882DBE9D-81D6-4905-8486-38F7467BD5B4}" type="presOf" srcId="{45FB58CB-7DA1-4E14-B564-367C4C6C116B}" destId="{A9542A7C-87DC-4569-9ABE-6DE548FB93BF}" srcOrd="1" destOrd="0" presId="urn:microsoft.com/office/officeart/2008/layout/HorizontalMultiLevelHierarchy"/>
+    <dgm:cxn modelId="{74CA1699-56AC-4929-86AB-D278C6996E61}" srcId="{73608496-C71E-4E04-954E-7324A877FCE6}" destId="{8AD0ECD5-B82F-432A-A91A-57BA82016F10}" srcOrd="3" destOrd="0" parTransId="{58A11B15-3820-4941-BE2E-F6D04A27C047}" sibTransId="{EB92243B-E820-4D23-91A5-AFB197689CAC}"/>
     <dgm:cxn modelId="{ACFDADFD-BE97-402C-A604-F6ABC14BCD74}" type="presOf" srcId="{89F5C37F-389D-4EB0-B598-35B5D1E9207A}" destId="{439D667A-8105-4063-98AA-2CAA45C70126}" srcOrd="1" destOrd="0" presId="urn:microsoft.com/office/officeart/2008/layout/HorizontalMultiLevelHierarchy"/>
-    <dgm:cxn modelId="{136427DC-9447-47B3-B259-945ABF51844A}" type="presOf" srcId="{7B88B522-8C09-4369-BF24-2108C004F578}" destId="{48E5A03B-FA17-4D8C-AF4D-95792EEA64BA}" srcOrd="0" destOrd="0" presId="urn:microsoft.com/office/officeart/2008/layout/HorizontalMultiLevelHierarchy"/>
-    <dgm:cxn modelId="{AAD6FF71-9419-4B68-BFA2-0E02D183255C}" srcId="{2CD48D77-BE21-40B3-8CBE-A5E2180F17F6}" destId="{2799595B-A5B9-4141-9B92-E8A33ADA7F5C}" srcOrd="0" destOrd="0" parTransId="{A5E99A83-AD3E-4D9B-892D-67D3D64BAC18}" sibTransId="{6ECEBC69-FF95-4755-B59F-BA069D9DB35F}"/>
-    <dgm:cxn modelId="{D0DF096F-5956-44DD-8F99-F70EB0544467}" type="presOf" srcId="{A5E99A83-AD3E-4D9B-892D-67D3D64BAC18}" destId="{00C2A214-3467-4290-A89A-2E37DFA85757}" srcOrd="1" destOrd="0" presId="urn:microsoft.com/office/officeart/2008/layout/HorizontalMultiLevelHierarchy"/>
-    <dgm:cxn modelId="{18571B71-B8D2-41F0-A1FD-7BA9D7CBA68F}" srcId="{73608496-C71E-4E04-954E-7324A877FCE6}" destId="{7580BA2A-FDD6-4D25-AB7E-33651468206C}" srcOrd="0" destOrd="0" parTransId="{C9953552-5260-4C2B-BE54-33FD1BBA5E72}" sibTransId="{A64DA436-0193-4D11-A174-10D97919F94F}"/>
-    <dgm:cxn modelId="{9D75E9BA-293F-4EF1-AD38-D79434133A30}" type="presOf" srcId="{7580BA2A-FDD6-4D25-AB7E-33651468206C}" destId="{D2AF1980-0A0B-43F8-9A7D-6954BB8A5458}" srcOrd="0" destOrd="0" presId="urn:microsoft.com/office/officeart/2008/layout/HorizontalMultiLevelHierarchy"/>
-    <dgm:cxn modelId="{2B8BB3C1-28F4-4410-9E2E-9AB516E471BE}" type="presOf" srcId="{58A11B15-3820-4941-BE2E-F6D04A27C047}" destId="{0F8821C7-4A3D-44E6-8A21-8DF0FF4061D6}" srcOrd="0" destOrd="0" presId="urn:microsoft.com/office/officeart/2008/layout/HorizontalMultiLevelHierarchy"/>
-    <dgm:cxn modelId="{7AE86A1F-AC48-419A-9875-F0B55433C0A2}" type="presOf" srcId="{2D02C620-56F9-42B4-A5F3-B2902AE52B07}" destId="{E11BCC54-6891-4C63-9983-BEFA94519D29}" srcOrd="1" destOrd="0" presId="urn:microsoft.com/office/officeart/2008/layout/HorizontalMultiLevelHierarchy"/>
-    <dgm:cxn modelId="{42281A92-1148-400D-811A-AB6E156EB9FD}" srcId="{2CD48D77-BE21-40B3-8CBE-A5E2180F17F6}" destId="{F7718C43-EC58-416A-938B-C652B175DEA4}" srcOrd="2" destOrd="0" parTransId="{02D4C35B-757D-4A26-ABF9-EB062347B49C}" sibTransId="{B9CC0C24-C75A-41DC-A2AB-6B74AF630EBA}"/>
-    <dgm:cxn modelId="{9826E078-E0F1-4B7D-ADA0-B3D190FAB21A}" type="presOf" srcId="{02D4C35B-757D-4A26-ABF9-EB062347B49C}" destId="{BA9559E5-A1E7-4EED-A02D-40E9AD225969}" srcOrd="0" destOrd="0" presId="urn:microsoft.com/office/officeart/2008/layout/HorizontalMultiLevelHierarchy"/>
-    <dgm:cxn modelId="{882DBE9D-81D6-4905-8486-38F7467BD5B4}" type="presOf" srcId="{45FB58CB-7DA1-4E14-B564-367C4C6C116B}" destId="{A9542A7C-87DC-4569-9ABE-6DE548FB93BF}" srcOrd="1" destOrd="0" presId="urn:microsoft.com/office/officeart/2008/layout/HorizontalMultiLevelHierarchy"/>
-    <dgm:cxn modelId="{C8DF7BA3-DB84-448F-9EE2-3ED91402466E}" type="presOf" srcId="{45FB58CB-7DA1-4E14-B564-367C4C6C116B}" destId="{01C1B402-0020-44DF-9A62-E5610B5CD990}" srcOrd="0" destOrd="0" presId="urn:microsoft.com/office/officeart/2008/layout/HorizontalMultiLevelHierarchy"/>
-    <dgm:cxn modelId="{74CA1699-56AC-4929-86AB-D278C6996E61}" srcId="{73608496-C71E-4E04-954E-7324A877FCE6}" destId="{8AD0ECD5-B82F-432A-A91A-57BA82016F10}" srcOrd="3" destOrd="0" parTransId="{58A11B15-3820-4941-BE2E-F6D04A27C047}" sibTransId="{EB92243B-E820-4D23-91A5-AFB197689CAC}"/>
-    <dgm:cxn modelId="{60A6549D-6C4F-4226-9404-2AB58E572FA7}" type="presOf" srcId="{A5E99A83-AD3E-4D9B-892D-67D3D64BAC18}" destId="{DAE6B772-9B80-4BC4-95A7-43B452B2A1C4}" srcOrd="0" destOrd="0" presId="urn:microsoft.com/office/officeart/2008/layout/HorizontalMultiLevelHierarchy"/>
     <dgm:cxn modelId="{1D0174DB-EBCD-4E97-BC1D-95C59AC4E152}" type="presOf" srcId="{2CD48D77-BE21-40B3-8CBE-A5E2180F17F6}" destId="{53975860-54D1-405F-A889-01B934832FD4}" srcOrd="0" destOrd="0" presId="urn:microsoft.com/office/officeart/2008/layout/HorizontalMultiLevelHierarchy"/>
-    <dgm:cxn modelId="{6BB2D755-293E-4744-B266-8114148262D2}" type="presOf" srcId="{73608496-C71E-4E04-954E-7324A877FCE6}" destId="{49B28A51-79A3-45DF-93EF-FAC1549BD0C3}" srcOrd="0" destOrd="0" presId="urn:microsoft.com/office/officeart/2008/layout/HorizontalMultiLevelHierarchy"/>
-    <dgm:cxn modelId="{BD9340CF-385F-4511-B84D-5E13289943FF}" srcId="{73608496-C71E-4E04-954E-7324A877FCE6}" destId="{7B88B522-8C09-4369-BF24-2108C004F578}" srcOrd="1" destOrd="0" parTransId="{488E4E53-0EE4-4CCC-85FD-CCB1EBC499C8}" sibTransId="{4F461D30-A5B2-4AC0-9BC7-FD3BB71D827F}"/>
-    <dgm:cxn modelId="{E098C6BD-4CE6-4F91-A1D6-17C9A87AC28B}" type="presOf" srcId="{02D4C35B-757D-4A26-ABF9-EB062347B49C}" destId="{E3418C5C-8673-493C-BF06-0B6808D5A844}" srcOrd="1" destOrd="0" presId="urn:microsoft.com/office/officeart/2008/layout/HorizontalMultiLevelHierarchy"/>
     <dgm:cxn modelId="{B722087B-A976-481A-96D3-363FA3C69B15}" type="presParOf" srcId="{205F9E91-23F9-491C-94EC-FEB94F6AC835}" destId="{3A62AE99-9FA0-4A70-9AF6-99A73CC7ACB6}" srcOrd="0" destOrd="0" presId="urn:microsoft.com/office/officeart/2008/layout/HorizontalMultiLevelHierarchy"/>
     <dgm:cxn modelId="{3A0FA4FA-A943-4F62-8852-28357287B4F9}" type="presParOf" srcId="{3A62AE99-9FA0-4A70-9AF6-99A73CC7ACB6}" destId="{53975860-54D1-405F-A889-01B934832FD4}" srcOrd="0" destOrd="0" presId="urn:microsoft.com/office/officeart/2008/layout/HorizontalMultiLevelHierarchy"/>
     <dgm:cxn modelId="{17108245-AC1E-472C-BCF8-049366CD05BF}" type="presParOf" srcId="{3A62AE99-9FA0-4A70-9AF6-99A73CC7ACB6}" destId="{6D239F45-0F66-46AB-AF9A-840600D162AF}" srcOrd="1" destOrd="0" presId="urn:microsoft.com/office/officeart/2008/layout/HorizontalMultiLevelHierarchy"/>
@@ -5561,7 +5562,7 @@
           <a:p>
             <a:fld id="{217822EC-AD40-4710-ABF3-BB1970241976}" type="datetimeFigureOut">
               <a:rPr lang="en-GB" smtClean="0"/>
-              <a:t>10/06/2020</a:t>
+              <a:t>12/06/2020</a:t>
             </a:fld>
             <a:endParaRPr lang="en-GB"/>
           </a:p>
@@ -6139,7 +6140,7 @@
           <a:p>
             <a:fld id="{FAE648DA-AB40-4E99-A391-BD85BFC6A8BA}" type="datetimeFigureOut">
               <a:rPr lang="en-GB" smtClean="0"/>
-              <a:t>10/06/2020</a:t>
+              <a:t>12/06/2020</a:t>
             </a:fld>
             <a:endParaRPr lang="en-GB"/>
           </a:p>
@@ -6347,7 +6348,7 @@
           <a:p>
             <a:fld id="{FAE648DA-AB40-4E99-A391-BD85BFC6A8BA}" type="datetimeFigureOut">
               <a:rPr lang="en-GB" smtClean="0"/>
-              <a:t>10/06/2020</a:t>
+              <a:t>12/06/2020</a:t>
             </a:fld>
             <a:endParaRPr lang="en-GB"/>
           </a:p>
@@ -6603,7 +6604,7 @@
           <a:p>
             <a:fld id="{FAE648DA-AB40-4E99-A391-BD85BFC6A8BA}" type="datetimeFigureOut">
               <a:rPr lang="en-GB" smtClean="0"/>
-              <a:t>10/06/2020</a:t>
+              <a:t>12/06/2020</a:t>
             </a:fld>
             <a:endParaRPr lang="en-GB"/>
           </a:p>
@@ -6773,7 +6774,7 @@
           <a:p>
             <a:fld id="{FAE648DA-AB40-4E99-A391-BD85BFC6A8BA}" type="datetimeFigureOut">
               <a:rPr lang="en-GB" smtClean="0"/>
-              <a:t>10/06/2020</a:t>
+              <a:t>12/06/2020</a:t>
             </a:fld>
             <a:endParaRPr lang="en-GB"/>
           </a:p>
@@ -7116,7 +7117,7 @@
           <a:p>
             <a:fld id="{FAE648DA-AB40-4E99-A391-BD85BFC6A8BA}" type="datetimeFigureOut">
               <a:rPr lang="en-GB" smtClean="0"/>
-              <a:t>10/06/2020</a:t>
+              <a:t>12/06/2020</a:t>
             </a:fld>
             <a:endParaRPr lang="en-GB"/>
           </a:p>
@@ -7391,7 +7392,7 @@
           <a:p>
             <a:fld id="{FAE648DA-AB40-4E99-A391-BD85BFC6A8BA}" type="datetimeFigureOut">
               <a:rPr lang="en-GB" smtClean="0"/>
-              <a:t>10/06/2020</a:t>
+              <a:t>12/06/2020</a:t>
             </a:fld>
             <a:endParaRPr lang="en-GB"/>
           </a:p>
@@ -7770,7 +7771,7 @@
           <a:p>
             <a:fld id="{FAE648DA-AB40-4E99-A391-BD85BFC6A8BA}" type="datetimeFigureOut">
               <a:rPr lang="en-GB" smtClean="0"/>
-              <a:t>10/06/2020</a:t>
+              <a:t>12/06/2020</a:t>
             </a:fld>
             <a:endParaRPr lang="en-GB"/>
           </a:p>
@@ -7888,7 +7889,7 @@
           <a:p>
             <a:fld id="{FAE648DA-AB40-4E99-A391-BD85BFC6A8BA}" type="datetimeFigureOut">
               <a:rPr lang="en-GB" smtClean="0"/>
-              <a:t>10/06/2020</a:t>
+              <a:t>12/06/2020</a:t>
             </a:fld>
             <a:endParaRPr lang="en-GB"/>
           </a:p>
@@ -8059,7 +8060,7 @@
           <a:p>
             <a:fld id="{FAE648DA-AB40-4E99-A391-BD85BFC6A8BA}" type="datetimeFigureOut">
               <a:rPr lang="en-GB" smtClean="0"/>
-              <a:t>10/06/2020</a:t>
+              <a:t>12/06/2020</a:t>
             </a:fld>
             <a:endParaRPr lang="en-GB"/>
           </a:p>
@@ -8413,7 +8414,7 @@
           <a:p>
             <a:fld id="{FAE648DA-AB40-4E99-A391-BD85BFC6A8BA}" type="datetimeFigureOut">
               <a:rPr lang="en-GB" smtClean="0"/>
-              <a:t>10/06/2020</a:t>
+              <a:t>12/06/2020</a:t>
             </a:fld>
             <a:endParaRPr lang="en-GB"/>
           </a:p>
@@ -8790,7 +8791,7 @@
           <a:p>
             <a:fld id="{FAE648DA-AB40-4E99-A391-BD85BFC6A8BA}" type="datetimeFigureOut">
               <a:rPr lang="en-GB" smtClean="0"/>
-              <a:t>10/06/2020</a:t>
+              <a:t>12/06/2020</a:t>
             </a:fld>
             <a:endParaRPr lang="en-GB"/>
           </a:p>
@@ -9077,7 +9078,7 @@
           <a:p>
             <a:fld id="{FAE648DA-AB40-4E99-A391-BD85BFC6A8BA}" type="datetimeFigureOut">
               <a:rPr lang="en-GB" smtClean="0"/>
-              <a:t>10/06/2020</a:t>
+              <a:t>12/06/2020</a:t>
             </a:fld>
             <a:endParaRPr lang="en-GB"/>
           </a:p>
@@ -9893,14 +9894,14 @@
             <p:ph idx="1"/>
             <p:extLst>
               <p:ext uri="{D42A27DB-BD31-4B8C-83A1-F6EECF244321}">
-                <p14:modId xmlns:p14="http://schemas.microsoft.com/office/powerpoint/2010/main" val="2880025632"/>
+                <p14:modId xmlns:p14="http://schemas.microsoft.com/office/powerpoint/2010/main" val="1688242563"/>
               </p:ext>
             </p:extLst>
           </p:nvPr>
         </p:nvGraphicFramePr>
         <p:xfrm>
           <a:off x="1189558" y="1803632"/>
-          <a:ext cx="10118802" cy="4183314"/>
+          <a:ext cx="10118802" cy="4267200"/>
         </p:xfrm>
         <a:graphic>
           <a:graphicData uri="http://schemas.openxmlformats.org/drawingml/2006/table">
@@ -10155,40 +10156,46 @@
                         <a:defRPr/>
                       </a:pPr>
                       <a:r>
-                        <a:rPr lang="en-US" sz="1600" dirty="0" smtClean="0">
+                        <a:rPr lang="en-GB" sz="1600" dirty="0" smtClean="0">
                           <a:effectLst/>
                         </a:rPr>
-                        <a:t>Realize</a:t>
+                        <a:t>Write well-designed, testable code</a:t>
                       </a:r>
                       <a:r>
-                        <a:rPr lang="en-US" sz="1600" baseline="0" dirty="0" smtClean="0">
+                        <a:rPr lang="en-GB" sz="1600" baseline="0" dirty="0" smtClean="0">
                           <a:effectLst/>
                         </a:rPr>
                         <a:t> </a:t>
                       </a:r>
                       <a:r>
+                        <a:rPr lang="en-GB" sz="1600" baseline="0" dirty="0" smtClean="0">
+                          <a:effectLst/>
+                        </a:rPr>
+                        <a:t>and ensuring </a:t>
+                      </a:r>
+                      <a:r>
                         <a:rPr lang="en-US" sz="1600" dirty="0" smtClean="0">
                           <a:effectLst/>
                         </a:rPr>
-                        <a:t>software development life cycle (SDLC)</a:t>
+                        <a:t>software </a:t>
                       </a:r>
                       <a:r>
-                        <a:rPr lang="en-US" sz="1600" baseline="0" dirty="0" smtClean="0">
+                        <a:rPr lang="en-US" sz="1600" dirty="0" smtClean="0">
                           <a:effectLst/>
                         </a:rPr>
-                        <a:t> and </a:t>
+                        <a:t>development life cycle (</a:t>
                       </a:r>
                       <a:r>
-                        <a:rPr lang="en-GB" sz="1600" baseline="0" dirty="0" smtClean="0">
+                        <a:rPr lang="en-US" sz="1600" dirty="0" smtClean="0">
                           <a:effectLst/>
                         </a:rPr>
-                        <a:t>w</a:t>
+                        <a:t>SDLC)</a:t>
                       </a:r>
                       <a:r>
                         <a:rPr lang="en-GB" sz="1600" dirty="0" smtClean="0">
                           <a:effectLst/>
                         </a:rPr>
-                        <a:t>rite well-designed, testable code.</a:t>
+                        <a:t>.</a:t>
                       </a:r>
                       <a:endParaRPr lang="en-GB" sz="1600" b="0" i="0" u="none" strike="noStrike" kern="1200" baseline="0" dirty="0" smtClean="0">
                         <a:solidFill>
@@ -10213,7 +10220,29 @@
                           <a:ea typeface="+mn-ea"/>
                           <a:cs typeface="+mn-cs"/>
                         </a:rPr>
-                        <a:t>Value Additions, Innovations and Maintenance in </a:t>
+                        <a:t>Value </a:t>
+                      </a:r>
+                      <a:r>
+                        <a:rPr lang="en-US" sz="1600" b="0" i="0" u="none" strike="noStrike" kern="1200" baseline="0" dirty="0" smtClean="0">
+                          <a:solidFill>
+                            <a:schemeClr val="dk1"/>
+                          </a:solidFill>
+                          <a:latin typeface="+mn-lt"/>
+                          <a:ea typeface="+mn-ea"/>
+                          <a:cs typeface="+mn-cs"/>
+                        </a:rPr>
+                        <a:t>Addition, </a:t>
+                      </a:r>
+                      <a:r>
+                        <a:rPr lang="en-US" sz="1600" b="0" i="0" u="none" strike="noStrike" kern="1200" baseline="0" dirty="0" smtClean="0">
+                          <a:solidFill>
+                            <a:schemeClr val="dk1"/>
+                          </a:solidFill>
+                          <a:latin typeface="+mn-lt"/>
+                          <a:ea typeface="+mn-ea"/>
+                          <a:cs typeface="+mn-cs"/>
+                        </a:rPr>
+                        <a:t>Innovations and Maintenance in </a:t>
                       </a:r>
                       <a:r>
                         <a:rPr lang="en-GB" sz="1600" b="0" i="0" u="none" strike="noStrike" kern="1200" baseline="0" dirty="0" smtClean="0">
@@ -10271,12 +10300,6 @@
                         <a:defRPr/>
                       </a:pPr>
                       <a:r>
-                        <a:rPr lang="en-US" sz="1600" dirty="0" smtClean="0">
-                          <a:effectLst/>
-                        </a:rPr>
-                        <a:t> </a:t>
-                      </a:r>
-                      <a:r>
                         <a:rPr lang="en-GB" sz="1600" b="0" i="0" u="none" strike="noStrike" kern="1200" baseline="0" dirty="0" smtClean="0">
                           <a:solidFill>
                             <a:schemeClr val="dk1"/>
@@ -10296,7 +10319,29 @@
                           <a:ea typeface="+mn-ea"/>
                           <a:cs typeface="+mn-cs"/>
                         </a:rPr>
-                        <a:t>MR) of MISD for ISO implementation.</a:t>
+                        <a:t>MR) </a:t>
+                      </a:r>
+                      <a:r>
+                        <a:rPr lang="en-US" sz="1600" b="0" i="0" u="none" strike="noStrike" kern="1200" baseline="0" dirty="0" smtClean="0">
+                          <a:solidFill>
+                            <a:schemeClr val="dk1"/>
+                          </a:solidFill>
+                          <a:latin typeface="+mn-lt"/>
+                          <a:ea typeface="+mn-ea"/>
+                          <a:cs typeface="+mn-cs"/>
+                        </a:rPr>
+                        <a:t>from MISD </a:t>
+                      </a:r>
+                      <a:r>
+                        <a:rPr lang="en-US" sz="1600" b="0" i="0" u="none" strike="noStrike" kern="1200" baseline="0" dirty="0" smtClean="0">
+                          <a:solidFill>
+                            <a:schemeClr val="dk1"/>
+                          </a:solidFill>
+                          <a:latin typeface="+mn-lt"/>
+                          <a:ea typeface="+mn-ea"/>
+                          <a:cs typeface="+mn-cs"/>
+                        </a:rPr>
+                        <a:t>for QMS implementation.</a:t>
                       </a:r>
                     </a:p>
                     <a:p>
@@ -10437,7 +10482,6 @@
                         </a:rPr>
                         <a:t>ISRO/DOS PFMS Web Services Interface System (IPWS).</a:t>
                       </a:r>
-                      <a:endParaRPr lang="en-US" sz="1600" b="1" dirty="0" smtClean="0"/>
                     </a:p>
                     <a:p>
                       <a:pPr marL="285750" indent="-285750">
@@ -10449,6 +10493,57 @@
                         </a:spcAft>
                         <a:buFont typeface="Arial" panose="020B0604020202020204" pitchFamily="34" charset="0"/>
                         <a:buChar char="•"/>
+                      </a:pPr>
+                      <a:r>
+                        <a:rPr lang="en-US" sz="1600" dirty="0" smtClean="0"/>
+                        <a:t>Operationalization </a:t>
+                      </a:r>
+                      <a:r>
+                        <a:rPr lang="en-US" sz="1600" dirty="0" smtClean="0"/>
+                        <a:t>and maintenance of COWAA Web Interface System(</a:t>
+                      </a:r>
+                      <a:r>
+                        <a:rPr lang="en-IN" sz="1600" kern="1200" dirty="0" smtClean="0">
+                          <a:solidFill>
+                            <a:schemeClr val="dk1"/>
+                          </a:solidFill>
+                          <a:effectLst/>
+                          <a:latin typeface="+mn-lt"/>
+                          <a:ea typeface="+mn-ea"/>
+                          <a:cs typeface="+mn-cs"/>
+                        </a:rPr>
+                        <a:t>COINS)-Public Financial Management system(PFMS) Interface </a:t>
+                      </a:r>
+                      <a:r>
+                        <a:rPr lang="en-IN" sz="1600" kern="1200" dirty="0" smtClean="0">
+                          <a:solidFill>
+                            <a:schemeClr val="dk1"/>
+                          </a:solidFill>
+                          <a:effectLst/>
+                          <a:latin typeface="+mn-lt"/>
+                          <a:ea typeface="+mn-ea"/>
+                          <a:cs typeface="+mn-cs"/>
+                        </a:rPr>
+                        <a:t>Software.</a:t>
+                      </a:r>
+                    </a:p>
+                    <a:p>
+                      <a:pPr marL="285750" marR="0" indent="-285750" algn="l" defTabSz="914400" rtl="0" eaLnBrk="1" fontAlgn="auto" latinLnBrk="0" hangingPunct="1">
+                        <a:lnSpc>
+                          <a:spcPct val="100000"/>
+                        </a:lnSpc>
+                        <a:spcBef>
+                          <a:spcPts val="400"/>
+                        </a:spcBef>
+                        <a:spcAft>
+                          <a:spcPts val="400"/>
+                        </a:spcAft>
+                        <a:buClrTx/>
+                        <a:buSzTx/>
+                        <a:buFont typeface="Arial" panose="020B0604020202020204" pitchFamily="34" charset="0"/>
+                        <a:buChar char="•"/>
+                        <a:tabLst/>
+                        <a:defRPr/>
                       </a:pPr>
                       <a:r>
                         <a:rPr lang="en-US" sz="1600" b="1" dirty="0" smtClean="0"/>
@@ -10477,6 +10572,15 @@
                         </a:rPr>
                         <a:t> </a:t>
                       </a:r>
+                      <a:endParaRPr lang="en-GB" sz="1600" kern="1200" dirty="0" smtClean="0">
+                        <a:solidFill>
+                          <a:schemeClr val="dk1"/>
+                        </a:solidFill>
+                        <a:effectLst/>
+                        <a:latin typeface="+mn-lt"/>
+                        <a:ea typeface="+mn-ea"/>
+                        <a:cs typeface="+mn-cs"/>
+                      </a:endParaRPr>
                     </a:p>
                     <a:p>
                       <a:pPr marL="285750" indent="-285750">
@@ -10722,7 +10826,7 @@
         </p:nvSpPr>
         <p:spPr>
           <a:xfrm>
-            <a:off x="1097280" y="1866899"/>
+            <a:off x="1097279" y="1817472"/>
             <a:ext cx="7484745" cy="4505325"/>
           </a:xfrm>
         </p:spPr>
@@ -10816,7 +10920,7 @@
             </a:pPr>
             <a:r>
               <a:rPr lang="en-US" sz="5600" dirty="0" smtClean="0"/>
-              <a:t>Carried out detailed requirement gathering, design and prepared SRS , SRD.</a:t>
+              <a:t>Carried out requirement gathering, designing and prepared SRS , SRD.</a:t>
             </a:r>
           </a:p>
           <a:p>
@@ -10834,11 +10938,11 @@
             </a:r>
             <a:r>
               <a:rPr lang="en-GB" sz="5600" dirty="0"/>
-              <a:t> Runtime</a:t>
+              <a:t> </a:t>
             </a:r>
             <a:r>
               <a:rPr lang="en-US" sz="5600" dirty="0" smtClean="0"/>
-              <a:t> Environment using log4J, </a:t>
+              <a:t>Environment using log4J, </a:t>
             </a:r>
             <a:r>
               <a:rPr lang="en-US" sz="5600" dirty="0" err="1" smtClean="0"/>
@@ -10854,7 +10958,7 @@
             </a:r>
             <a:r>
               <a:rPr lang="en-US" sz="5600" dirty="0" smtClean="0"/>
-              <a:t> API and exchange messages in SOAP format.</a:t>
+              <a:t> API and exchanged messages in SOAP format.</a:t>
             </a:r>
           </a:p>
           <a:p>
@@ -10868,11 +10972,11 @@
             </a:pPr>
             <a:r>
               <a:rPr lang="en-US" sz="5600" dirty="0" smtClean="0"/>
-              <a:t>Deployed the application as a Linux service using </a:t>
-            </a:r>
-            <a:r>
-              <a:rPr lang="en-US" sz="5600" b="1" dirty="0" smtClean="0"/>
-              <a:t>systemd</a:t>
+              <a:t>Carried out functional and </a:t>
+            </a:r>
+            <a:r>
+              <a:rPr lang="en-US" sz="5600" dirty="0"/>
+              <a:t>non- functional testing</a:t>
             </a:r>
             <a:r>
               <a:rPr lang="en-US" sz="5600" dirty="0" smtClean="0"/>
@@ -10889,16 +10993,32 @@
               <a:buChar char="•"/>
             </a:pPr>
             <a:r>
-              <a:rPr lang="en-US" sz="5600" dirty="0" smtClean="0"/>
-              <a:t>Carried out functional and </a:t>
-            </a:r>
-            <a:r>
-              <a:rPr lang="en-US" sz="5600" dirty="0"/>
-              <a:t>non- functional testing</a:t>
-            </a:r>
-            <a:r>
-              <a:rPr lang="en-US" sz="5600" dirty="0" smtClean="0"/>
-              <a:t>.</a:t>
+              <a:rPr lang="en-IN" sz="5600" dirty="0" smtClean="0"/>
+              <a:t>Developed shell </a:t>
+            </a:r>
+            <a:r>
+              <a:rPr lang="en-IN" sz="5600" dirty="0"/>
+              <a:t>scripts using </a:t>
+            </a:r>
+            <a:r>
+              <a:rPr lang="en-IN" sz="5600" b="1" dirty="0"/>
+              <a:t>rsync utility</a:t>
+            </a:r>
+            <a:r>
+              <a:rPr lang="en-IN" sz="5600" dirty="0" smtClean="0"/>
+              <a:t> for XML files </a:t>
+            </a:r>
+            <a:r>
+              <a:rPr lang="en-GB" sz="5600" dirty="0" smtClean="0"/>
+              <a:t>synchronization</a:t>
+            </a:r>
+            <a:r>
+              <a:rPr lang="en-IN" sz="5600" dirty="0" smtClean="0"/>
+              <a:t> between </a:t>
+            </a:r>
+            <a:r>
+              <a:rPr lang="en-IN" sz="5600" b="1" dirty="0" smtClean="0"/>
+              <a:t>COINS and IPWS. </a:t>
             </a:r>
           </a:p>
           <a:p>
@@ -10911,33 +11031,18 @@
               <a:buChar char="•"/>
             </a:pPr>
             <a:r>
-              <a:rPr lang="en-IN" sz="5600" dirty="0" smtClean="0"/>
-              <a:t>Developed shell </a:t>
-            </a:r>
-            <a:r>
-              <a:rPr lang="en-IN" sz="5600" dirty="0"/>
-              <a:t>scripts using </a:t>
-            </a:r>
-            <a:r>
-              <a:rPr lang="en-IN" sz="5600" b="1" dirty="0"/>
-              <a:t>rsync utility</a:t>
-            </a:r>
-            <a:r>
-              <a:rPr lang="en-IN" sz="5600" dirty="0" smtClean="0"/>
-              <a:t> for XML files </a:t>
-            </a:r>
-            <a:r>
-              <a:rPr lang="en-GB" sz="5600" dirty="0" smtClean="0"/>
-              <a:t>synchronization</a:t>
-            </a:r>
-            <a:r>
-              <a:rPr lang="en-IN" sz="5600" dirty="0" smtClean="0"/>
-              <a:t> between </a:t>
-            </a:r>
-            <a:r>
-              <a:rPr lang="en-IN" sz="5600" b="1" dirty="0" smtClean="0"/>
-              <a:t>COINS and IPWS. </a:t>
-            </a:r>
+              <a:rPr lang="en-US" sz="5600" dirty="0"/>
+              <a:t>Deployed the application as a Linux service using </a:t>
+            </a:r>
+            <a:r>
+              <a:rPr lang="en-US" sz="5600" b="1" dirty="0"/>
+              <a:t>systemd</a:t>
+            </a:r>
+            <a:r>
+              <a:rPr lang="en-US" sz="5600" dirty="0"/>
+              <a:t>.</a:t>
+            </a:r>
+            <a:endParaRPr lang="en-IN" sz="5600" b="1" dirty="0" smtClean="0"/>
           </a:p>
           <a:p>
             <a:pPr>
@@ -11115,6 +11220,40 @@
               <a:t>System Architecture</a:t>
             </a:r>
             <a:endParaRPr lang="en-GB" sz="1100" dirty="0"/>
+          </a:p>
+        </p:txBody>
+      </p:sp>
+      <p:sp>
+        <p:nvSpPr>
+          <p:cNvPr id="7" name="TextBox 6"/>
+          <p:cNvSpPr txBox="1"/>
+          <p:nvPr/>
+        </p:nvSpPr>
+        <p:spPr>
+          <a:xfrm>
+            <a:off x="11240452" y="6096000"/>
+            <a:ext cx="951548" cy="330860"/>
+          </a:xfrm>
+          <a:prstGeom prst="rect">
+            <a:avLst/>
+          </a:prstGeom>
+          <a:noFill/>
+        </p:spPr>
+        <p:txBody>
+          <a:bodyPr wrap="square" rtlCol="0">
+            <a:spAutoFit/>
+          </a:bodyPr>
+          <a:lstStyle/>
+          <a:p>
+            <a:r>
+              <a:rPr lang="en-IN" sz="1550" b="1" i="1" dirty="0" smtClean="0"/>
+              <a:t>Contd..</a:t>
+            </a:r>
+            <a:r>
+              <a:rPr lang="en-IN" sz="1400" dirty="0" smtClean="0"/>
+              <a:t>.</a:t>
+            </a:r>
+            <a:endParaRPr lang="en-GB" sz="1400" dirty="0"/>
           </a:p>
         </p:txBody>
       </p:sp>
@@ -11775,8 +11914,8 @@
               <a:buChar char="•"/>
             </a:pPr>
             <a:r>
-              <a:rPr lang="en-US" sz="1600" dirty="0" smtClean="0"/>
-              <a:t>It is an interface software that transfer ISRO-DOS accounting information to PFMS system in the form of XML files.</a:t>
+              <a:rPr lang="en-US" sz="1600" dirty="0"/>
+              <a:t>An interface to PFMS through web service consumption using XML files - jointly developed by SDSC and URSC</a:t>
             </a:r>
           </a:p>
           <a:p>
@@ -11789,7 +11928,31 @@
             </a:pPr>
             <a:r>
               <a:rPr lang="en-US" sz="1600" dirty="0" smtClean="0"/>
-              <a:t>Providing operational and maintenance support for Finance, Accounts and Stores modules in URSC.</a:t>
+              <a:t>As a member of </a:t>
+            </a:r>
+            <a:r>
+              <a:rPr lang="en-US" sz="1600" dirty="0" err="1" smtClean="0"/>
+              <a:t>Codewalk</a:t>
+            </a:r>
+            <a:r>
+              <a:rPr lang="en-US" sz="1600" dirty="0" smtClean="0"/>
+              <a:t> </a:t>
+            </a:r>
+            <a:r>
+              <a:rPr lang="en-US" sz="1600" dirty="0"/>
+              <a:t>through Committee of COINS-PFMS Interface software </a:t>
+            </a:r>
+            <a:r>
+              <a:rPr lang="en-US" sz="1600" dirty="0" smtClean="0"/>
+              <a:t>carried out detailed analysis and report all major  </a:t>
+            </a:r>
+            <a:r>
+              <a:rPr lang="en-US" sz="1600" dirty="0"/>
+              <a:t>incidents</a:t>
+            </a:r>
+            <a:r>
+              <a:rPr lang="en-US" sz="1600" dirty="0" smtClean="0"/>
+              <a:t> related to business logic, bugs, performance related issues, code-reusability and modularity were submitted to DD, RO, SDSC , and recommended possible code optimization , enhancing exception handling and modularity in code.</a:t>
             </a:r>
           </a:p>
           <a:p>
@@ -11801,28 +11964,8 @@
               <a:buChar char="•"/>
             </a:pPr>
             <a:r>
-              <a:rPr lang="en-IN" sz="1600" dirty="0" smtClean="0"/>
-              <a:t> </a:t>
-            </a:r>
-            <a:r>
               <a:rPr lang="en-US" sz="1600" dirty="0" smtClean="0"/>
-              <a:t>As a member of </a:t>
-            </a:r>
-            <a:r>
-              <a:rPr lang="en-US" sz="1600" dirty="0" err="1" smtClean="0"/>
-              <a:t>Codewalk</a:t>
-            </a:r>
-            <a:r>
-              <a:rPr lang="en-US" sz="1600" dirty="0" smtClean="0"/>
-              <a:t> </a:t>
-            </a:r>
-            <a:r>
-              <a:rPr lang="en-US" sz="1600" dirty="0"/>
-              <a:t>through Committee of COINS-PFMS Interface software </a:t>
-            </a:r>
-            <a:r>
-              <a:rPr lang="en-US" sz="1600" dirty="0" smtClean="0"/>
-              <a:t>carried out detailed analysis and report all major  incidents related to business logic, bugs, performance related issues, code-reusability and modularity were submitted to DD, RO, SDSC , and recommended possible code optimization , enhancing exception handling and modularity in code.</a:t>
+              <a:t> Involved in Testing and evaluation of COINS-PFMS Interface Software and submitted detailed test results report for making the desired changes.</a:t>
             </a:r>
           </a:p>
           <a:p>
@@ -11834,18 +11977,13 @@
               <a:buChar char="•"/>
             </a:pPr>
             <a:r>
+              <a:rPr lang="en-US" sz="1600" dirty="0"/>
+              <a:t>Providing operational and maintenance support for Finance, Accounts and Stores modules in URSC</a:t>
+            </a:r>
+            <a:r>
               <a:rPr lang="en-US" sz="1600" dirty="0" smtClean="0"/>
-              <a:t> Involved in Testing and evaluation of COINS-PFMS Interface Software and submitted detailed test results report for making the desired changes.</a:t>
-            </a:r>
-          </a:p>
-          <a:p>
-            <a:pPr>
-              <a:buClr>
-                <a:schemeClr val="tx1"/>
-              </a:buClr>
-              <a:buFont typeface="Arial" panose="020B0604020202020204" pitchFamily="34" charset="0"/>
-              <a:buChar char="•"/>
-            </a:pPr>
+              <a:t>.</a:t>
+            </a:r>
             <a:endParaRPr lang="en-US" sz="1600" b="1" dirty="0" smtClean="0"/>
           </a:p>
           <a:p>
@@ -11901,7 +12039,7 @@
         </p:blipFill>
         <p:spPr>
           <a:xfrm>
-            <a:off x="1185846" y="4467225"/>
+            <a:off x="1704830" y="4318943"/>
             <a:ext cx="7167579" cy="1401869"/>
           </a:xfrm>
           <a:prstGeom prst="rect">
@@ -12550,7 +12688,7 @@
         </p:spPr>
         <p:txBody>
           <a:bodyPr>
-            <a:normAutofit lnSpcReduction="10000"/>
+            <a:normAutofit/>
           </a:bodyPr>
           <a:lstStyle/>
           <a:p>
@@ -12641,7 +12779,11 @@
             </a:r>
             <a:r>
               <a:rPr lang="en-US" sz="1500" b="1" dirty="0" smtClean="0"/>
-              <a:t>technologies.</a:t>
+              <a:t>technologies</a:t>
+            </a:r>
+            <a:r>
+              <a:rPr lang="en-US" sz="1500" b="1" dirty="0" smtClean="0"/>
+              <a:t>.</a:t>
             </a:r>
           </a:p>
           <a:p>
@@ -12654,22 +12796,26 @@
               <a:buChar char="•"/>
             </a:pPr>
             <a:r>
-              <a:rPr lang="en-GB" sz="1500" b="1" dirty="0" smtClean="0"/>
-              <a:t> </a:t>
-            </a:r>
-            <a:r>
-              <a:rPr lang="en-US" sz="1500" dirty="0" smtClean="0"/>
-              <a:t>Implemented DOXYGEN tool , that </a:t>
-            </a:r>
-            <a:r>
-              <a:rPr lang="en-GB" sz="1500" dirty="0" smtClean="0"/>
-              <a:t>generates coding and design documents </a:t>
-            </a:r>
-            <a:r>
-              <a:rPr lang="en-IN" sz="1500" dirty="0" smtClean="0"/>
-              <a:t>for all MISD applications.</a:t>
-            </a:r>
-            <a:endParaRPr lang="en-US" sz="1500" b="1" strike="sngStrike" dirty="0" smtClean="0"/>
+              <a:rPr lang="en-US" sz="1500" dirty="0"/>
+              <a:t>As </a:t>
+            </a:r>
+            <a:r>
+              <a:rPr lang="en-US" sz="1500" b="1" dirty="0"/>
+              <a:t>Division Level Management Representatives (DMR) </a:t>
+            </a:r>
+            <a:r>
+              <a:rPr lang="en-US" sz="1500" dirty="0"/>
+              <a:t>of MISD, responsible for </a:t>
+            </a:r>
+            <a:r>
+              <a:rPr lang="en-US" sz="1500" b="1" dirty="0"/>
+              <a:t>implementing ISO 9001:2015 QMS in MISD</a:t>
+            </a:r>
+            <a:r>
+              <a:rPr lang="en-US" sz="1500" b="1" dirty="0" smtClean="0"/>
+              <a:t>.</a:t>
+            </a:r>
+            <a:endParaRPr lang="en-US" sz="1500" b="1" dirty="0" smtClean="0"/>
           </a:p>
           <a:p>
             <a:pPr>
@@ -12681,45 +12827,38 @@
               <a:buChar char="•"/>
             </a:pPr>
             <a:r>
-              <a:rPr lang="en-US" sz="1500" dirty="0"/>
-              <a:t>Pursuing </a:t>
-            </a:r>
-            <a:r>
-              <a:rPr lang="en-US" sz="1500" b="1" dirty="0" err="1"/>
-              <a:t>M.Tech</a:t>
-            </a:r>
-            <a:r>
-              <a:rPr lang="en-US" sz="1500" b="1" dirty="0"/>
-              <a:t>. Software Systems program in</a:t>
-            </a:r>
-            <a:r>
-              <a:rPr lang="en-US" sz="1500" dirty="0"/>
+              <a:rPr lang="en-US" sz="1500" dirty="0" smtClean="0"/>
+              <a:t>Configured </a:t>
+            </a:r>
+            <a:r>
+              <a:rPr lang="en-US" sz="1500" dirty="0" smtClean="0"/>
+              <a:t>an open-source </a:t>
+            </a:r>
+            <a:r>
+              <a:rPr lang="en-US" sz="1500" dirty="0" smtClean="0"/>
+              <a:t>tool </a:t>
+            </a:r>
+            <a:r>
+              <a:rPr lang="en-US" sz="1500" b="1" dirty="0" smtClean="0"/>
+              <a:t>DOXYGEN</a:t>
+            </a:r>
+            <a:r>
+              <a:rPr lang="en-US" sz="1500" dirty="0" smtClean="0"/>
               <a:t> </a:t>
             </a:r>
             <a:r>
-              <a:rPr lang="en-US" sz="1500" b="1" dirty="0"/>
-              <a:t>Data Analytics from BITS-</a:t>
-            </a:r>
-            <a:r>
-              <a:rPr lang="en-US" sz="1500" b="1" dirty="0" err="1"/>
-              <a:t>Pilani</a:t>
-            </a:r>
-            <a:r>
-              <a:rPr lang="en-US" sz="1500" b="1" dirty="0"/>
-              <a:t> ,Work Integrated Learning </a:t>
-            </a:r>
-            <a:r>
-              <a:rPr lang="en-US" sz="1500" b="1" dirty="0" err="1"/>
-              <a:t>Programmes</a:t>
-            </a:r>
-            <a:r>
-              <a:rPr lang="en-US" sz="1500" b="1" dirty="0"/>
-              <a:t> (WILP). </a:t>
-            </a:r>
-            <a:r>
-              <a:rPr lang="en-US" sz="1500" dirty="0"/>
-              <a:t>This program is carried out in online classes mode and conducted mostly on weekends or after business hours.</a:t>
-            </a:r>
+              <a:rPr lang="en-US" sz="1500" dirty="0" smtClean="0"/>
+              <a:t>, that </a:t>
+            </a:r>
+            <a:r>
+              <a:rPr lang="en-GB" sz="1500" dirty="0" smtClean="0"/>
+              <a:t>generates coding and design documents </a:t>
+            </a:r>
+            <a:r>
+              <a:rPr lang="en-IN" sz="1500" dirty="0" smtClean="0"/>
+              <a:t>for all MISD applications.</a:t>
+            </a:r>
+            <a:endParaRPr lang="en-US" sz="1500" b="1" strike="sngStrike" dirty="0" smtClean="0"/>
           </a:p>
           <a:p>
             <a:pPr>
@@ -12732,21 +12871,44 @@
             </a:pPr>
             <a:r>
               <a:rPr lang="en-US" sz="1500" dirty="0"/>
-              <a:t>As </a:t>
+              <a:t>Pursuing </a:t>
+            </a:r>
+            <a:r>
+              <a:rPr lang="en-US" sz="1500" b="1" dirty="0" err="1"/>
+              <a:t>M.Tech</a:t>
             </a:r>
             <a:r>
               <a:rPr lang="en-US" sz="1500" b="1" dirty="0"/>
-              <a:t>Division Level Management Representatives (DMR) </a:t>
+              <a:t>. Software Systems program in</a:t>
             </a:r>
             <a:r>
               <a:rPr lang="en-US" sz="1500" dirty="0"/>
-              <a:t>of MISD for ISO program, responsible for maintaining required ISO documents for the division which are essential in maintaining ISO standard activities</a:t>
-            </a:r>
-            <a:r>
-              <a:rPr lang="en-US" sz="1500" dirty="0" smtClean="0"/>
-              <a:t>.</a:t>
-            </a:r>
-            <a:endParaRPr lang="en-US" sz="1500" b="1" dirty="0" smtClean="0"/>
+              <a:t> </a:t>
+            </a:r>
+            <a:r>
+              <a:rPr lang="en-US" sz="1500" b="1" dirty="0"/>
+              <a:t>Data Analytics from BITS-</a:t>
+            </a:r>
+            <a:r>
+              <a:rPr lang="en-US" sz="1500" b="1" dirty="0" err="1"/>
+              <a:t>Pilani</a:t>
+            </a:r>
+            <a:r>
+              <a:rPr lang="en-US" sz="1500" b="1" dirty="0"/>
+              <a:t> ,Work Integrated Learning </a:t>
+            </a:r>
+            <a:r>
+              <a:rPr lang="en-US" sz="1500" b="1" dirty="0" err="1"/>
+              <a:t>Programmes</a:t>
+            </a:r>
+            <a:r>
+              <a:rPr lang="en-US" sz="1500" b="1" dirty="0"/>
+              <a:t> (WILP). </a:t>
+            </a:r>
+            <a:r>
+              <a:rPr lang="en-US" sz="1500" dirty="0"/>
+              <a:t>This program is carried out in online classes mode and conducted mostly on weekends or after business hours.</a:t>
+            </a:r>
           </a:p>
           <a:p>
             <a:pPr>
@@ -12762,18 +12924,21 @@
               <a:t>Configured </a:t>
             </a:r>
             <a:r>
-              <a:rPr lang="en-US" sz="1500" dirty="0"/>
+              <a:rPr lang="en-US" sz="1500" dirty="0" smtClean="0"/>
               <a:t>successfully </a:t>
             </a:r>
             <a:r>
+              <a:rPr lang="en-US" sz="1500" b="1" dirty="0" smtClean="0"/>
+              <a:t>Hindi Knowledge Management Application </a:t>
+            </a:r>
+            <a:r>
               <a:rPr lang="en-US" sz="1500" dirty="0" smtClean="0"/>
-              <a:t>HINDI KNOWLEDGE MANAGEMENT APPLICATION (developed by SAC) on URSC test server. Application is presently under functional testing to end users.(</a:t>
-            </a:r>
-            <a:r>
-              <a:rPr lang="en-US" sz="1500" smtClean="0"/>
-              <a:t>On behalf line)?</a:t>
-            </a:r>
-            <a:endParaRPr lang="en-US" sz="1500" dirty="0" smtClean="0"/>
+              <a:t>(</a:t>
+            </a:r>
+            <a:r>
+              <a:rPr lang="en-US" sz="1500" dirty="0" smtClean="0"/>
+              <a:t>developed by SAC) on URSC test server. Application is presently deployed for functional testing by end users.</a:t>
+            </a:r>
           </a:p>
           <a:p>
             <a:pPr>
@@ -12881,6 +13046,174 @@
       </p:par>
     </p:tnLst>
   </p:timing>
+</p:sld>
+</file>
+
+<file path=ppt/slides/slide8.xml><?xml version="1.0" encoding="utf-8"?>
+<p:sld xmlns:a="http://schemas.openxmlformats.org/drawingml/2006/main" xmlns:r="http://schemas.openxmlformats.org/officeDocument/2006/relationships" xmlns:p="http://schemas.openxmlformats.org/presentationml/2006/main">
+  <p:cSld>
+    <p:spTree>
+      <p:nvGrpSpPr>
+        <p:cNvPr id="1" name=""/>
+        <p:cNvGrpSpPr/>
+        <p:nvPr/>
+      </p:nvGrpSpPr>
+      <p:grpSpPr>
+        <a:xfrm>
+          <a:off x="0" y="0"/>
+          <a:ext cx="0" cy="0"/>
+          <a:chOff x="0" y="0"/>
+          <a:chExt cx="0" cy="0"/>
+        </a:xfrm>
+      </p:grpSpPr>
+      <p:sp>
+        <p:nvSpPr>
+          <p:cNvPr id="2" name="Title 1"/>
+          <p:cNvSpPr>
+            <a:spLocks noGrp="1"/>
+          </p:cNvSpPr>
+          <p:nvPr>
+            <p:ph type="title"/>
+          </p:nvPr>
+        </p:nvSpPr>
+        <p:spPr/>
+        <p:txBody>
+          <a:bodyPr/>
+          <a:lstStyle/>
+          <a:p>
+            <a:endParaRPr lang="en-GB" dirty="0"/>
+          </a:p>
+        </p:txBody>
+      </p:sp>
+      <p:sp>
+        <p:nvSpPr>
+          <p:cNvPr id="3" name="Content Placeholder 2"/>
+          <p:cNvSpPr>
+            <a:spLocks noGrp="1"/>
+          </p:cNvSpPr>
+          <p:nvPr>
+            <p:ph idx="1"/>
+          </p:nvPr>
+        </p:nvSpPr>
+        <p:spPr/>
+        <p:txBody>
+          <a:bodyPr/>
+          <a:lstStyle/>
+          <a:p>
+            <a:pPr>
+              <a:buClrTx/>
+              <a:buFont typeface="Arial" panose="020B0604020202020204" pitchFamily="34" charset="0"/>
+              <a:buChar char="•"/>
+            </a:pPr>
+            <a:r>
+              <a:rPr lang="en-US" dirty="0" smtClean="0"/>
+              <a:t> As </a:t>
+            </a:r>
+            <a:r>
+              <a:rPr lang="en-US" b="1" dirty="0"/>
+              <a:t>Division Level Management Representatives (DMR) </a:t>
+            </a:r>
+            <a:r>
+              <a:rPr lang="en-US" dirty="0"/>
+              <a:t>of MISD, responsible for implementing ISO 9001:2015 QMS in </a:t>
+            </a:r>
+            <a:r>
+              <a:rPr lang="en-US" dirty="0" smtClean="0"/>
+              <a:t>MISD</a:t>
+            </a:r>
+          </a:p>
+          <a:p>
+            <a:pPr>
+              <a:buClrTx/>
+              <a:buFont typeface="Arial" panose="020B0604020202020204" pitchFamily="34" charset="0"/>
+              <a:buChar char="•"/>
+            </a:pPr>
+            <a:r>
+              <a:rPr lang="en-US" dirty="0"/>
+              <a:t> </a:t>
+            </a:r>
+            <a:r>
+              <a:rPr lang="en-US" dirty="0" smtClean="0"/>
+              <a:t>Coordination with division colleagues to ensure up to date information.</a:t>
+            </a:r>
+          </a:p>
+          <a:p>
+            <a:pPr>
+              <a:buClrTx/>
+              <a:buFont typeface="Arial" panose="020B0604020202020204" pitchFamily="34" charset="0"/>
+              <a:buChar char="•"/>
+            </a:pPr>
+            <a:r>
+              <a:rPr lang="en-US" dirty="0"/>
+              <a:t> </a:t>
+            </a:r>
+            <a:r>
+              <a:rPr lang="en-US" dirty="0" smtClean="0"/>
+              <a:t>Closed all Non-conformance(NCs) at the earliest.</a:t>
+            </a:r>
+          </a:p>
+          <a:p>
+            <a:pPr>
+              <a:buClrTx/>
+              <a:buFont typeface="Arial" panose="020B0604020202020204" pitchFamily="34" charset="0"/>
+              <a:buChar char="•"/>
+            </a:pPr>
+            <a:r>
+              <a:rPr lang="en-US" dirty="0"/>
+              <a:t> Configured an open-source tool </a:t>
+            </a:r>
+            <a:r>
+              <a:rPr lang="en-US" b="1" dirty="0"/>
+              <a:t>DOXYGEN</a:t>
+            </a:r>
+            <a:r>
+              <a:rPr lang="en-US" dirty="0"/>
+              <a:t> , that </a:t>
+            </a:r>
+            <a:r>
+              <a:rPr lang="en-GB" dirty="0"/>
+              <a:t>generates coding and design documents </a:t>
+            </a:r>
+            <a:r>
+              <a:rPr lang="en-IN" dirty="0"/>
+              <a:t>for all MISD </a:t>
+            </a:r>
+            <a:r>
+              <a:rPr lang="en-IN" dirty="0" smtClean="0"/>
+              <a:t>applications.</a:t>
+            </a:r>
+          </a:p>
+          <a:p>
+            <a:pPr>
+              <a:buClrTx/>
+              <a:buFont typeface="Arial" panose="020B0604020202020204" pitchFamily="34" charset="0"/>
+              <a:buChar char="•"/>
+            </a:pPr>
+            <a:r>
+              <a:rPr lang="en-US" dirty="0" smtClean="0"/>
+              <a:t> Successfully presented all relevant documents to External Auditor.</a:t>
+            </a:r>
+          </a:p>
+          <a:p>
+            <a:pPr>
+              <a:buClrTx/>
+              <a:buFont typeface="Arial" panose="020B0604020202020204" pitchFamily="34" charset="0"/>
+              <a:buChar char="•"/>
+            </a:pPr>
+            <a:endParaRPr lang="en-GB" dirty="0"/>
+          </a:p>
+        </p:txBody>
+      </p:sp>
+    </p:spTree>
+    <p:extLst>
+      <p:ext uri="{BB962C8B-B14F-4D97-AF65-F5344CB8AC3E}">
+        <p14:creationId xmlns:p14="http://schemas.microsoft.com/office/powerpoint/2010/main" val="354752400"/>
+      </p:ext>
+    </p:extLst>
+  </p:cSld>
+  <p:clrMapOvr>
+    <a:masterClrMapping/>
+  </p:clrMapOvr>
 </p:sld>
 </file>
 
